--- a/Doc/day1_1_PerkLabResearchMethodology.pptx
+++ b/Doc/day1_1_PerkLabResearchMethodology.pptx
@@ -5,7 +5,7 @@
     <p:sldMasterId id="2147483648" r:id="rId1"/>
   </p:sldMasterIdLst>
   <p:notesMasterIdLst>
-    <p:notesMasterId r:id="rId18"/>
+    <p:notesMasterId r:id="rId17"/>
   </p:notesMasterIdLst>
   <p:sldIdLst>
     <p:sldId id="256" r:id="rId2"/>
@@ -23,7 +23,6 @@
     <p:sldId id="517" r:id="rId14"/>
     <p:sldId id="518" r:id="rId15"/>
     <p:sldId id="406" r:id="rId16"/>
-    <p:sldId id="438" r:id="rId17"/>
   </p:sldIdLst>
   <p:sldSz cx="9144000" cy="6858000" type="screen4x3"/>
   <p:notesSz cx="6858000" cy="9144000"/>
@@ -4737,7 +4736,7 @@
             <a:fld id="{A6E16264-6225-448A-8F6B-37C607BF693C}" type="datetimeFigureOut">
               <a:rPr lang="en-CA" smtClean="0"/>
               <a:pPr/>
-              <a:t>2018-04-30</a:t>
+              <a:t>2019-04-30</a:t>
             </a:fld>
             <a:endParaRPr lang="en-CA"/>
           </a:p>
@@ -6354,7 +6353,7 @@
           <a:p>
             <a:fld id="{9FE18F2B-46EB-42F1-ADBB-7DC15FF809A9}" type="datetime1">
               <a:rPr lang="en-CA" smtClean="0"/>
-              <a:t>2018-04-30</a:t>
+              <a:t>2019-04-30</a:t>
             </a:fld>
             <a:endParaRPr lang="en-CA" dirty="0"/>
           </a:p>
@@ -6652,7 +6651,7 @@
           <a:p>
             <a:fld id="{89909B16-C605-46D9-9901-5F215FFB9844}" type="datetime1">
               <a:rPr lang="en-CA" smtClean="0"/>
-              <a:t>2018-04-30</a:t>
+              <a:t>2019-04-30</a:t>
             </a:fld>
             <a:endParaRPr lang="en-CA"/>
           </a:p>
@@ -6856,7 +6855,7 @@
           <a:p>
             <a:fld id="{9FB522E9-13A7-4907-A4DF-6AD586BEFFFD}" type="datetime1">
               <a:rPr lang="en-CA" smtClean="0"/>
-              <a:t>2018-04-30</a:t>
+              <a:t>2019-04-30</a:t>
             </a:fld>
             <a:endParaRPr lang="en-CA"/>
           </a:p>
@@ -7138,7 +7137,7 @@
           <a:p>
             <a:fld id="{B70F6ABA-023A-4E7E-9A89-58D5A720A925}" type="datetime1">
               <a:rPr lang="en-CA" smtClean="0"/>
-              <a:t>2018-04-30</a:t>
+              <a:t>2019-04-30</a:t>
             </a:fld>
             <a:endParaRPr lang="en-CA"/>
           </a:p>
@@ -7716,7 +7715,7 @@
           <a:p>
             <a:r>
               <a:rPr lang="en-CA" dirty="0"/>
-              <a:t>Laboratory for Percutaneous Surgery (The Perk Lab) – Copyright © Queen’s University, 2018</a:t>
+              <a:t>Laboratory for Percutaneous Surgery (The Perk Lab) – Copyright © Queen’s University, 2019</a:t>
             </a:r>
             <a:endParaRPr lang="en-US" dirty="0"/>
           </a:p>
@@ -8412,7 +8411,7 @@
             </a:pPr>
             <a:r>
               <a:rPr lang="en-US" dirty="0"/>
-              <a:t>Laboratory for Percutaneous Surgery – Copyright © Queen’s University, 2018</a:t>
+              <a:t>Laboratory for Percutaneous Surgery – Copyright © Queen’s University, 2019</a:t>
             </a:r>
           </a:p>
         </p:txBody>
@@ -8583,7 +8582,7 @@
             </a:pPr>
             <a:r>
               <a:rPr lang="en-CA" dirty="0"/>
-              <a:t>Laboratory for Percutaneous Surgery (The Perk Lab) – Copyright © Queen’s University, 2018</a:t>
+              <a:t>Laboratory for Percutaneous Surgery (The Perk Lab) – Copyright © Queen’s University, 2019</a:t>
             </a:r>
             <a:endParaRPr lang="en-US" dirty="0"/>
           </a:p>
@@ -11477,7 +11476,7 @@
             </a:pPr>
             <a:r>
               <a:rPr lang="en-US" dirty="0"/>
-              <a:t>Laboratory for Percutaneous Surgery – Copyright © Queen’s University, 2018</a:t>
+              <a:t>Laboratory for Percutaneous Surgery – Copyright © Queen’s University, 2019</a:t>
             </a:r>
           </a:p>
         </p:txBody>
@@ -11630,7 +11629,7 @@
             </a:pPr>
             <a:r>
               <a:rPr lang="en-US" dirty="0"/>
-              <a:t>Laboratory for Percutaneous Surgery – Copyright © Queen’s University, 2018</a:t>
+              <a:t>Laboratory for Percutaneous Surgery – Copyright © Queen’s University, 2019</a:t>
             </a:r>
           </a:p>
         </p:txBody>
@@ -11751,7 +11750,7 @@
             </a:pPr>
             <a:r>
               <a:rPr lang="en-CA" dirty="0"/>
-              <a:t>Laboratory for Percutaneous Surgery (The Perk Lab) – Copyright © Queen’s University, 2018</a:t>
+              <a:t>Laboratory for Percutaneous Surgery (The Perk Lab) – Copyright © Queen’s University, 2019</a:t>
             </a:r>
             <a:endParaRPr lang="en-US" dirty="0"/>
           </a:p>
@@ -11798,196 +11797,6 @@
 </p:sld>
 </file>
 
-<file path=ppt/slides/slide16.xml><?xml version="1.0" encoding="utf-8"?>
-<p:sld xmlns:a="http://schemas.openxmlformats.org/drawingml/2006/main" xmlns:r="http://schemas.openxmlformats.org/officeDocument/2006/relationships" xmlns:p="http://schemas.openxmlformats.org/presentationml/2006/main">
-  <p:cSld>
-    <p:spTree>
-      <p:nvGrpSpPr>
-        <p:cNvPr id="1" name=""/>
-        <p:cNvGrpSpPr/>
-        <p:nvPr/>
-      </p:nvGrpSpPr>
-      <p:grpSpPr>
-        <a:xfrm>
-          <a:off x="0" y="0"/>
-          <a:ext cx="0" cy="0"/>
-          <a:chOff x="0" y="0"/>
-          <a:chExt cx="0" cy="0"/>
-        </a:xfrm>
-      </p:grpSpPr>
-      <p:sp>
-        <p:nvSpPr>
-          <p:cNvPr id="4" name="Slide Number Placeholder 3"/>
-          <p:cNvSpPr>
-            <a:spLocks noGrp="1"/>
-          </p:cNvSpPr>
-          <p:nvPr>
-            <p:ph type="sldNum" sz="quarter" idx="10"/>
-          </p:nvPr>
-        </p:nvSpPr>
-        <p:spPr/>
-        <p:txBody>
-          <a:bodyPr/>
-          <a:lstStyle/>
-          <a:p>
-            <a:pPr>
-              <a:defRPr/>
-            </a:pPr>
-            <a:r>
-              <a:rPr lang="en-US"/>
-              <a:t>- </a:t>
-            </a:r>
-            <a:fld id="{EC508102-87E5-4536-9108-F6A43470C743}" type="slidenum">
-              <a:rPr lang="en-US" smtClean="0"/>
-              <a:pPr>
-                <a:defRPr/>
-              </a:pPr>
-              <a:t>16</a:t>
-            </a:fld>
-            <a:r>
-              <a:rPr lang="en-US"/>
-              <a:t> -</a:t>
-            </a:r>
-          </a:p>
-        </p:txBody>
-      </p:sp>
-      <p:sp>
-        <p:nvSpPr>
-          <p:cNvPr id="5" name="Footer Placeholder 4"/>
-          <p:cNvSpPr>
-            <a:spLocks noGrp="1"/>
-          </p:cNvSpPr>
-          <p:nvPr>
-            <p:ph type="ftr" sz="quarter" idx="11"/>
-          </p:nvPr>
-        </p:nvSpPr>
-        <p:spPr/>
-        <p:txBody>
-          <a:bodyPr/>
-          <a:lstStyle/>
-          <a:p>
-            <a:pPr>
-              <a:defRPr/>
-            </a:pPr>
-            <a:r>
-              <a:rPr lang="en-US" dirty="0"/>
-              <a:t>Laboratory for Percutaneous Surgery (The Perk Lab) – Copyright © Queen’s University, 2018</a:t>
-            </a:r>
-          </a:p>
-        </p:txBody>
-      </p:sp>
-      <p:pic>
-        <p:nvPicPr>
-          <p:cNvPr id="2" name="Picture 4" descr="Related image">
-            <a:extLst>
-              <a:ext uri="{FF2B5EF4-FFF2-40B4-BE49-F238E27FC236}">
-                <a16:creationId xmlns:a16="http://schemas.microsoft.com/office/drawing/2014/main" id="{31364110-45F2-49EB-885B-BAC7AD1375A8}"/>
-              </a:ext>
-            </a:extLst>
-          </p:cNvPr>
-          <p:cNvPicPr>
-            <a:picLocks noChangeAspect="1" noChangeArrowheads="1" noCrop="1"/>
-          </p:cNvPicPr>
-          <p:nvPr/>
-        </p:nvPicPr>
-        <p:blipFill>
-          <a:blip r:embed="rId2">
-            <a:extLst>
-              <a:ext uri="{28A0092B-C50C-407E-A947-70E740481C1C}">
-                <a14:useLocalDpi xmlns:a14="http://schemas.microsoft.com/office/drawing/2010/main" val="0"/>
-              </a:ext>
-            </a:extLst>
-          </a:blip>
-          <a:srcRect/>
-          <a:stretch>
-            <a:fillRect/>
-          </a:stretch>
-        </p:blipFill>
-        <p:spPr bwMode="auto">
-          <a:xfrm>
-            <a:off x="1714500" y="1828800"/>
-            <a:ext cx="5715000" cy="3200400"/>
-          </a:xfrm>
-          <a:prstGeom prst="rect">
-            <a:avLst/>
-          </a:prstGeom>
-          <a:noFill/>
-          <a:extLst>
-            <a:ext uri="{909E8E84-426E-40DD-AFC4-6F175D3DCCD1}">
-              <a14:hiddenFill xmlns:a14="http://schemas.microsoft.com/office/drawing/2010/main">
-                <a:solidFill>
-                  <a:srgbClr val="FFFFFF"/>
-                </a:solidFill>
-              </a14:hiddenFill>
-            </a:ext>
-          </a:extLst>
-        </p:spPr>
-      </p:pic>
-      <p:sp>
-        <p:nvSpPr>
-          <p:cNvPr id="10" name="Content Placeholder 2">
-            <a:extLst>
-              <a:ext uri="{FF2B5EF4-FFF2-40B4-BE49-F238E27FC236}">
-                <a16:creationId xmlns:a16="http://schemas.microsoft.com/office/drawing/2014/main" id="{1CEB5ECB-CE95-4D9A-A2DC-E573C04347EC}"/>
-              </a:ext>
-            </a:extLst>
-          </p:cNvPr>
-          <p:cNvSpPr txBox="1">
-            <a:spLocks/>
-          </p:cNvSpPr>
-          <p:nvPr/>
-        </p:nvSpPr>
-        <p:spPr bwMode="auto">
-          <a:xfrm>
-            <a:off x="7164288" y="5373216"/>
-            <a:ext cx="1317416" cy="840121"/>
-          </a:xfrm>
-          <a:prstGeom prst="rect">
-            <a:avLst/>
-          </a:prstGeom>
-          <a:noFill/>
-          <a:ln w="9525">
-            <a:noFill/>
-            <a:miter lim="800000"/>
-            <a:headEnd/>
-            <a:tailEnd/>
-          </a:ln>
-        </p:spPr>
-        <p:txBody>
-          <a:bodyPr lIns="0" tIns="0" rIns="0" bIns="0"/>
-          <a:lstStyle/>
-          <a:p>
-            <a:pPr algn="ctr" eaLnBrk="0" hangingPunct="0">
-              <a:spcBef>
-                <a:spcPct val="20000"/>
-              </a:spcBef>
-              <a:defRPr/>
-            </a:pPr>
-            <a:r>
-              <a:rPr lang="en-CA" sz="2400" kern="0" dirty="0">
-                <a:solidFill>
-                  <a:srgbClr val="C00000"/>
-                </a:solidFill>
-                <a:latin typeface="+mn-lt"/>
-              </a:rPr>
-              <a:t>not</a:t>
-            </a:r>
-          </a:p>
-        </p:txBody>
-      </p:sp>
-    </p:spTree>
-    <p:extLst>
-      <p:ext uri="{BB962C8B-B14F-4D97-AF65-F5344CB8AC3E}">
-        <p14:creationId xmlns:p14="http://schemas.microsoft.com/office/powerpoint/2010/main" val="1007452567"/>
-      </p:ext>
-    </p:extLst>
-  </p:cSld>
-  <p:clrMapOvr>
-    <a:masterClrMapping/>
-  </p:clrMapOvr>
-</p:sld>
-</file>
-
 <file path=ppt/slides/slide2.xml><?xml version="1.0" encoding="utf-8"?>
 <p:sld xmlns:a="http://schemas.openxmlformats.org/drawingml/2006/main" xmlns:r="http://schemas.openxmlformats.org/officeDocument/2006/relationships" xmlns:p="http://schemas.openxmlformats.org/presentationml/2006/main">
   <p:cSld>
@@ -12045,7 +11854,7 @@
           <a:p>
             <a:r>
               <a:rPr lang="en-CA" dirty="0"/>
-              <a:t>Laboratory for Percutaneous Surgery (The Perk Lab) – Copyright © Queen’s University, 2018</a:t>
+              <a:t>Laboratory for Percutaneous Surgery (The Perk Lab) – Copyright © Queen’s University, 2019</a:t>
             </a:r>
             <a:endParaRPr lang="en-US" dirty="0"/>
           </a:p>
@@ -12566,7 +12375,7 @@
           <a:p>
             <a:r>
               <a:rPr lang="en-CA" dirty="0"/>
-              <a:t>Laboratory for Percutaneous Surgery (The Perk Lab) – Copyright © Queen’s University, 2018</a:t>
+              <a:t>Laboratory for Percutaneous Surgery (The Perk Lab) – Copyright © Queen’s University, 2019</a:t>
             </a:r>
             <a:endParaRPr lang="en-US" dirty="0"/>
           </a:p>
@@ -13024,7 +12833,7 @@
           <a:p>
             <a:r>
               <a:rPr lang="en-CA" dirty="0"/>
-              <a:t>Laboratory for Percutaneous Surgery (The Perk Lab) – Copyright © Queen’s University, 2018</a:t>
+              <a:t>Laboratory for Percutaneous Surgery (The Perk Lab) – Copyright © Queen’s University, 2019</a:t>
             </a:r>
             <a:endParaRPr lang="en-US" dirty="0"/>
           </a:p>
@@ -13451,7 +13260,7 @@
           <a:p>
             <a:r>
               <a:rPr lang="en-CA" dirty="0"/>
-              <a:t>Laboratory for Percutaneous Surgery (The Perk Lab) – Copyright © Queen’s University, 2018</a:t>
+              <a:t>Laboratory for Percutaneous Surgery (The Perk Lab) – Copyright © Queen’s University, 2019</a:t>
             </a:r>
             <a:endParaRPr lang="en-US" dirty="0"/>
           </a:p>
@@ -13758,7 +13567,7 @@
           <a:p>
             <a:r>
               <a:rPr lang="en-CA" dirty="0"/>
-              <a:t>Laboratory for Percutaneous Surgery (The Perk Lab) – Copyright © Queen’s University, 2018</a:t>
+              <a:t>Laboratory for Percutaneous Surgery (The Perk Lab) – Copyright © Queen’s University, 2019</a:t>
             </a:r>
             <a:endParaRPr lang="en-US" dirty="0"/>
           </a:p>
@@ -13836,7 +13645,7 @@
             </a:pPr>
             <a:r>
               <a:rPr lang="en-CA" dirty="0"/>
-              <a:t>Usually no need to comply to external regulations (Health Canada, FDA, CE, …)</a:t>
+              <a:t>Usually no need to comply to external regulations (Health Canada, FDA, CE, …), just institutional ethics board</a:t>
             </a:r>
           </a:p>
           <a:p>
@@ -14335,7 +14144,7 @@
             </a:pPr>
             <a:r>
               <a:rPr lang="en-CA" dirty="0"/>
-              <a:t>Laboratory for Percutaneous Surgery (The Perk Lab) – Copyright © Queen’s University, 2018</a:t>
+              <a:t>Laboratory for Percutaneous Surgery (The Perk Lab) – Copyright © Queen’s University, 2019</a:t>
             </a:r>
             <a:endParaRPr lang="en-US" dirty="0"/>
           </a:p>
@@ -14568,7 +14377,7 @@
             </a:pPr>
             <a:r>
               <a:rPr lang="en-CA" dirty="0"/>
-              <a:t>Laboratory for Percutaneous Surgery (The Perk Lab) – Copyright © Queen’s University, 2018</a:t>
+              <a:t>Laboratory for Percutaneous Surgery (The Perk Lab) – Copyright © Queen’s University, 2019</a:t>
             </a:r>
             <a:endParaRPr lang="en-US" dirty="0"/>
           </a:p>
@@ -14971,7 +14780,7 @@
             </a:pPr>
             <a:r>
               <a:rPr lang="en-CA" dirty="0"/>
-              <a:t>Laboratory for Percutaneous Surgery (The Perk Lab) – Copyright © Queen’s University, 2018</a:t>
+              <a:t>Laboratory for Percutaneous Surgery (The Perk Lab) – Copyright © Queen’s University, 2019</a:t>
             </a:r>
             <a:endParaRPr lang="en-US" dirty="0"/>
           </a:p>

--- a/Doc/day1_1_PerkLabResearchMethodology.pptx
+++ b/Doc/day1_1_PerkLabResearchMethodology.pptx
@@ -5,7 +5,7 @@
     <p:sldMasterId id="2147483648" r:id="rId1"/>
   </p:sldMasterIdLst>
   <p:notesMasterIdLst>
-    <p:notesMasterId r:id="rId17"/>
+    <p:notesMasterId r:id="rId15"/>
   </p:notesMasterIdLst>
   <p:sldIdLst>
     <p:sldId id="256" r:id="rId2"/>
@@ -18,11 +18,9 @@
     <p:sldId id="507" r:id="rId9"/>
     <p:sldId id="508" r:id="rId10"/>
     <p:sldId id="495" r:id="rId11"/>
-    <p:sldId id="516" r:id="rId12"/>
-    <p:sldId id="314" r:id="rId13"/>
-    <p:sldId id="517" r:id="rId14"/>
-    <p:sldId id="518" r:id="rId15"/>
-    <p:sldId id="406" r:id="rId16"/>
+    <p:sldId id="314" r:id="rId12"/>
+    <p:sldId id="517" r:id="rId13"/>
+    <p:sldId id="406" r:id="rId14"/>
   </p:sldIdLst>
   <p:sldSz cx="9144000" cy="6858000" type="screen4x3"/>
   <p:notesSz cx="6858000" cy="9144000"/>
@@ -146,1843 +144,6 @@
     <p1510:client id="{B57E0680-A95C-43EF-A75C-0DAF055C0475}" v="1" dt="2018-04-30T15:06:48.173"/>
   </p1510:revLst>
 </p1510:revInfo>
-</file>
-
-<file path=ppt/charts/chart1.xml><?xml version="1.0" encoding="utf-8"?>
-<c:chartSpace xmlns:c="http://schemas.openxmlformats.org/drawingml/2006/chart" xmlns:a="http://schemas.openxmlformats.org/drawingml/2006/main" xmlns:r="http://schemas.openxmlformats.org/officeDocument/2006/relationships" xmlns:c16r2="http://schemas.microsoft.com/office/drawing/2015/06/chart">
-  <c:date1904 val="0"/>
-  <c:lang val="en-US"/>
-  <c:roundedCorners val="0"/>
-  <mc:AlternateContent xmlns:mc="http://schemas.openxmlformats.org/markup-compatibility/2006">
-    <mc:Choice xmlns:c14="http://schemas.microsoft.com/office/drawing/2007/8/2/chart" Requires="c14">
-      <c14:style val="102"/>
-    </mc:Choice>
-    <mc:Fallback>
-      <c:style val="2"/>
-    </mc:Fallback>
-  </mc:AlternateContent>
-  <c:chart>
-    <c:title>
-      <c:tx>
-        <c:rich>
-          <a:bodyPr rot="0" spcFirstLastPara="1" vertOverflow="ellipsis" vert="horz" wrap="square" anchor="ctr" anchorCtr="1"/>
-          <a:lstStyle/>
-          <a:p>
-            <a:pPr>
-              <a:defRPr sz="1600" b="1" i="0" u="none" strike="noStrike" kern="1200" cap="all" baseline="0">
-                <a:solidFill>
-                  <a:schemeClr val="tx1">
-                    <a:lumMod val="65000"/>
-                    <a:lumOff val="35000"/>
-                  </a:schemeClr>
-                </a:solidFill>
-                <a:latin typeface="+mn-lt"/>
-                <a:ea typeface="+mn-ea"/>
-                <a:cs typeface="+mn-cs"/>
-              </a:defRPr>
-            </a:pPr>
-            <a:r>
-              <a:rPr lang="en-CA" dirty="0" err="1"/>
-              <a:t>LineS</a:t>
-            </a:r>
-            <a:r>
-              <a:rPr lang="en-CA" dirty="0"/>
-              <a:t> of source code - </a:t>
-            </a:r>
-            <a:r>
-              <a:rPr lang="en-CA" sz="1600" b="1" i="0" u="none" strike="noStrike" cap="all" baseline="0" dirty="0">
-                <a:effectLst/>
-              </a:rPr>
-              <a:t>Illustrated through </a:t>
-            </a:r>
-            <a:r>
-              <a:rPr lang="en-CA" sz="1600" b="1" i="0" u="none" strike="noStrike" cap="all" baseline="0" dirty="0" err="1">
-                <a:effectLst/>
-              </a:rPr>
-              <a:t>lumpnav</a:t>
-            </a:r>
-            <a:endParaRPr lang="en-CA" dirty="0"/>
-          </a:p>
-        </c:rich>
-      </c:tx>
-      <c:overlay val="0"/>
-      <c:spPr>
-        <a:noFill/>
-        <a:ln>
-          <a:noFill/>
-        </a:ln>
-        <a:effectLst/>
-      </c:spPr>
-      <c:txPr>
-        <a:bodyPr rot="0" spcFirstLastPara="1" vertOverflow="ellipsis" vert="horz" wrap="square" anchor="ctr" anchorCtr="1"/>
-        <a:lstStyle/>
-        <a:p>
-          <a:pPr>
-            <a:defRPr sz="1600" b="1" i="0" u="none" strike="noStrike" kern="1200" cap="all" baseline="0">
-              <a:solidFill>
-                <a:schemeClr val="tx1">
-                  <a:lumMod val="65000"/>
-                  <a:lumOff val="35000"/>
-                </a:schemeClr>
-              </a:solidFill>
-              <a:latin typeface="+mn-lt"/>
-              <a:ea typeface="+mn-ea"/>
-              <a:cs typeface="+mn-cs"/>
-            </a:defRPr>
-          </a:pPr>
-          <a:endParaRPr lang="en-US"/>
-        </a:p>
-      </c:txPr>
-    </c:title>
-    <c:autoTitleDeleted val="0"/>
-    <c:plotArea>
-      <c:layout>
-        <c:manualLayout>
-          <c:layoutTarget val="inner"/>
-          <c:xMode val="edge"/>
-          <c:yMode val="edge"/>
-          <c:x val="5.5493885109821436E-2"/>
-          <c:y val="0.17459149826292356"/>
-          <c:w val="0.83646707922195118"/>
-          <c:h val="0.73553858722770638"/>
-        </c:manualLayout>
-      </c:layout>
-      <c:ofPieChart>
-        <c:ofPieType val="bar"/>
-        <c:varyColors val="1"/>
-        <c:ser>
-          <c:idx val="0"/>
-          <c:order val="0"/>
-          <c:tx>
-            <c:strRef>
-              <c:f>Sheet1!$B$1</c:f>
-              <c:strCache>
-                <c:ptCount val="1"/>
-                <c:pt idx="0">
-                  <c:v>LineS of source code</c:v>
-                </c:pt>
-              </c:strCache>
-            </c:strRef>
-          </c:tx>
-          <c:explosion val="4"/>
-          <c:dPt>
-            <c:idx val="0"/>
-            <c:bubble3D val="0"/>
-            <c:spPr>
-              <a:solidFill>
-                <a:schemeClr val="accent1"/>
-              </a:solidFill>
-              <a:ln>
-                <a:noFill/>
-              </a:ln>
-              <a:effectLst>
-                <a:outerShdw blurRad="63500" sx="102000" sy="102000" algn="ctr" rotWithShape="0">
-                  <a:prstClr val="black">
-                    <a:alpha val="20000"/>
-                  </a:prstClr>
-                </a:outerShdw>
-              </a:effectLst>
-            </c:spPr>
-            <c:extLst>
-              <c:ext xmlns:c16="http://schemas.microsoft.com/office/drawing/2014/chart" uri="{C3380CC4-5D6E-409C-BE32-E72D297353CC}">
-                <c16:uniqueId val="{00000001-25FE-4BEA-A144-51BEC28A0A36}"/>
-              </c:ext>
-            </c:extLst>
-          </c:dPt>
-          <c:dPt>
-            <c:idx val="1"/>
-            <c:bubble3D val="0"/>
-            <c:spPr>
-              <a:solidFill>
-                <a:schemeClr val="accent2"/>
-              </a:solidFill>
-              <a:ln>
-                <a:noFill/>
-              </a:ln>
-              <a:effectLst>
-                <a:outerShdw blurRad="63500" sx="102000" sy="102000" algn="ctr" rotWithShape="0">
-                  <a:prstClr val="black">
-                    <a:alpha val="20000"/>
-                  </a:prstClr>
-                </a:outerShdw>
-              </a:effectLst>
-            </c:spPr>
-            <c:extLst>
-              <c:ext xmlns:c16="http://schemas.microsoft.com/office/drawing/2014/chart" uri="{C3380CC4-5D6E-409C-BE32-E72D297353CC}">
-                <c16:uniqueId val="{00000003-25FE-4BEA-A144-51BEC28A0A36}"/>
-              </c:ext>
-            </c:extLst>
-          </c:dPt>
-          <c:dPt>
-            <c:idx val="2"/>
-            <c:bubble3D val="0"/>
-            <c:spPr>
-              <a:solidFill>
-                <a:schemeClr val="accent3"/>
-              </a:solidFill>
-              <a:ln>
-                <a:noFill/>
-              </a:ln>
-              <a:effectLst>
-                <a:outerShdw blurRad="63500" sx="102000" sy="102000" algn="ctr" rotWithShape="0">
-                  <a:prstClr val="black">
-                    <a:alpha val="20000"/>
-                  </a:prstClr>
-                </a:outerShdw>
-              </a:effectLst>
-            </c:spPr>
-            <c:extLst>
-              <c:ext xmlns:c16="http://schemas.microsoft.com/office/drawing/2014/chart" uri="{C3380CC4-5D6E-409C-BE32-E72D297353CC}">
-                <c16:uniqueId val="{00000005-25FE-4BEA-A144-51BEC28A0A36}"/>
-              </c:ext>
-            </c:extLst>
-          </c:dPt>
-          <c:dPt>
-            <c:idx val="3"/>
-            <c:bubble3D val="0"/>
-            <c:spPr>
-              <a:solidFill>
-                <a:schemeClr val="accent4"/>
-              </a:solidFill>
-              <a:ln>
-                <a:noFill/>
-              </a:ln>
-              <a:effectLst>
-                <a:outerShdw blurRad="63500" sx="102000" sy="102000" algn="ctr" rotWithShape="0">
-                  <a:prstClr val="black">
-                    <a:alpha val="20000"/>
-                  </a:prstClr>
-                </a:outerShdw>
-              </a:effectLst>
-            </c:spPr>
-            <c:extLst>
-              <c:ext xmlns:c16="http://schemas.microsoft.com/office/drawing/2014/chart" uri="{C3380CC4-5D6E-409C-BE32-E72D297353CC}">
-                <c16:uniqueId val="{00000007-25FE-4BEA-A144-51BEC28A0A36}"/>
-              </c:ext>
-            </c:extLst>
-          </c:dPt>
-          <c:dPt>
-            <c:idx val="4"/>
-            <c:bubble3D val="0"/>
-            <c:spPr>
-              <a:solidFill>
-                <a:schemeClr val="accent5"/>
-              </a:solidFill>
-              <a:ln>
-                <a:noFill/>
-              </a:ln>
-              <a:effectLst>
-                <a:outerShdw blurRad="63500" sx="102000" sy="102000" algn="ctr" rotWithShape="0">
-                  <a:prstClr val="black">
-                    <a:alpha val="20000"/>
-                  </a:prstClr>
-                </a:outerShdw>
-              </a:effectLst>
-            </c:spPr>
-            <c:extLst>
-              <c:ext xmlns:c16="http://schemas.microsoft.com/office/drawing/2014/chart" uri="{C3380CC4-5D6E-409C-BE32-E72D297353CC}">
-                <c16:uniqueId val="{00000009-25FE-4BEA-A144-51BEC28A0A36}"/>
-              </c:ext>
-            </c:extLst>
-          </c:dPt>
-          <c:dPt>
-            <c:idx val="5"/>
-            <c:bubble3D val="0"/>
-            <c:spPr>
-              <a:solidFill>
-                <a:schemeClr val="accent6"/>
-              </a:solidFill>
-              <a:ln>
-                <a:noFill/>
-              </a:ln>
-              <a:effectLst>
-                <a:outerShdw blurRad="63500" sx="102000" sy="102000" algn="ctr" rotWithShape="0">
-                  <a:prstClr val="black">
-                    <a:alpha val="20000"/>
-                  </a:prstClr>
-                </a:outerShdw>
-              </a:effectLst>
-            </c:spPr>
-            <c:extLst>
-              <c:ext xmlns:c16="http://schemas.microsoft.com/office/drawing/2014/chart" uri="{C3380CC4-5D6E-409C-BE32-E72D297353CC}">
-                <c16:uniqueId val="{0000000B-25FE-4BEA-A144-51BEC28A0A36}"/>
-              </c:ext>
-            </c:extLst>
-          </c:dPt>
-          <c:dPt>
-            <c:idx val="6"/>
-            <c:bubble3D val="0"/>
-            <c:spPr>
-              <a:solidFill>
-                <a:schemeClr val="accent1">
-                  <a:lumMod val="60000"/>
-                </a:schemeClr>
-              </a:solidFill>
-              <a:ln>
-                <a:noFill/>
-              </a:ln>
-              <a:effectLst>
-                <a:outerShdw blurRad="63500" sx="102000" sy="102000" algn="ctr" rotWithShape="0">
-                  <a:prstClr val="black">
-                    <a:alpha val="20000"/>
-                  </a:prstClr>
-                </a:outerShdw>
-              </a:effectLst>
-            </c:spPr>
-            <c:extLst>
-              <c:ext xmlns:c16="http://schemas.microsoft.com/office/drawing/2014/chart" uri="{C3380CC4-5D6E-409C-BE32-E72D297353CC}">
-                <c16:uniqueId val="{0000000D-25FE-4BEA-A144-51BEC28A0A36}"/>
-              </c:ext>
-            </c:extLst>
-          </c:dPt>
-          <c:dPt>
-            <c:idx val="7"/>
-            <c:bubble3D val="0"/>
-            <c:spPr>
-              <a:solidFill>
-                <a:schemeClr val="accent2">
-                  <a:lumMod val="60000"/>
-                </a:schemeClr>
-              </a:solidFill>
-              <a:ln>
-                <a:noFill/>
-              </a:ln>
-              <a:effectLst>
-                <a:outerShdw blurRad="63500" sx="102000" sy="102000" algn="ctr" rotWithShape="0">
-                  <a:prstClr val="black">
-                    <a:alpha val="20000"/>
-                  </a:prstClr>
-                </a:outerShdw>
-              </a:effectLst>
-            </c:spPr>
-            <c:extLst>
-              <c:ext xmlns:c16="http://schemas.microsoft.com/office/drawing/2014/chart" uri="{C3380CC4-5D6E-409C-BE32-E72D297353CC}">
-                <c16:uniqueId val="{0000000F-25FE-4BEA-A144-51BEC28A0A36}"/>
-              </c:ext>
-            </c:extLst>
-          </c:dPt>
-          <c:dPt>
-            <c:idx val="8"/>
-            <c:bubble3D val="0"/>
-            <c:spPr>
-              <a:solidFill>
-                <a:schemeClr val="accent3">
-                  <a:lumMod val="60000"/>
-                </a:schemeClr>
-              </a:solidFill>
-              <a:ln>
-                <a:noFill/>
-              </a:ln>
-              <a:effectLst>
-                <a:outerShdw blurRad="63500" sx="102000" sy="102000" algn="ctr" rotWithShape="0">
-                  <a:prstClr val="black">
-                    <a:alpha val="20000"/>
-                  </a:prstClr>
-                </a:outerShdw>
-              </a:effectLst>
-            </c:spPr>
-            <c:extLst>
-              <c:ext xmlns:c16="http://schemas.microsoft.com/office/drawing/2014/chart" uri="{C3380CC4-5D6E-409C-BE32-E72D297353CC}">
-                <c16:uniqueId val="{00000011-25FE-4BEA-A144-51BEC28A0A36}"/>
-              </c:ext>
-            </c:extLst>
-          </c:dPt>
-          <c:dPt>
-            <c:idx val="9"/>
-            <c:bubble3D val="0"/>
-            <c:explosion val="5"/>
-            <c:spPr>
-              <a:solidFill>
-                <a:schemeClr val="accent1">
-                  <a:lumMod val="40000"/>
-                  <a:lumOff val="60000"/>
-                </a:schemeClr>
-              </a:solidFill>
-              <a:ln>
-                <a:noFill/>
-              </a:ln>
-              <a:effectLst>
-                <a:outerShdw blurRad="63500" sx="102000" sy="102000" algn="ctr" rotWithShape="0">
-                  <a:prstClr val="black">
-                    <a:alpha val="20000"/>
-                  </a:prstClr>
-                </a:outerShdw>
-              </a:effectLst>
-            </c:spPr>
-            <c:extLst>
-              <c:ext xmlns:c16="http://schemas.microsoft.com/office/drawing/2014/chart" uri="{C3380CC4-5D6E-409C-BE32-E72D297353CC}">
-                <c16:uniqueId val="{00000013-25FE-4BEA-A144-51BEC28A0A36}"/>
-              </c:ext>
-            </c:extLst>
-          </c:dPt>
-          <c:dPt>
-            <c:idx val="10"/>
-            <c:bubble3D val="0"/>
-            <c:explosion val="14"/>
-            <c:spPr>
-              <a:solidFill>
-                <a:schemeClr val="accent5">
-                  <a:lumMod val="60000"/>
-                </a:schemeClr>
-              </a:solidFill>
-              <a:ln>
-                <a:noFill/>
-              </a:ln>
-              <a:effectLst>
-                <a:outerShdw blurRad="63500" sx="102000" sy="102000" algn="ctr" rotWithShape="0">
-                  <a:prstClr val="black">
-                    <a:alpha val="20000"/>
-                  </a:prstClr>
-                </a:outerShdw>
-              </a:effectLst>
-            </c:spPr>
-            <c:extLst>
-              <c:ext xmlns:c16="http://schemas.microsoft.com/office/drawing/2014/chart" uri="{C3380CC4-5D6E-409C-BE32-E72D297353CC}">
-                <c16:uniqueId val="{00000015-25FE-4BEA-A144-51BEC28A0A36}"/>
-              </c:ext>
-            </c:extLst>
-          </c:dPt>
-          <c:dPt>
-            <c:idx val="11"/>
-            <c:bubble3D val="0"/>
-            <c:spPr>
-              <a:solidFill>
-                <a:schemeClr val="accent6">
-                  <a:lumMod val="60000"/>
-                </a:schemeClr>
-              </a:solidFill>
-              <a:ln>
-                <a:noFill/>
-              </a:ln>
-              <a:effectLst>
-                <a:outerShdw blurRad="63500" sx="102000" sy="102000" algn="ctr" rotWithShape="0">
-                  <a:prstClr val="black">
-                    <a:alpha val="20000"/>
-                  </a:prstClr>
-                </a:outerShdw>
-              </a:effectLst>
-            </c:spPr>
-            <c:extLst>
-              <c:ext xmlns:c16="http://schemas.microsoft.com/office/drawing/2014/chart" uri="{C3380CC4-5D6E-409C-BE32-E72D297353CC}">
-                <c16:uniqueId val="{00000017-25FE-4BEA-A144-51BEC28A0A36}"/>
-              </c:ext>
-            </c:extLst>
-          </c:dPt>
-          <c:dPt>
-            <c:idx val="12"/>
-            <c:bubble3D val="0"/>
-            <c:spPr>
-              <a:solidFill>
-                <a:schemeClr val="accent1">
-                  <a:lumMod val="80000"/>
-                  <a:lumOff val="20000"/>
-                </a:schemeClr>
-              </a:solidFill>
-              <a:ln>
-                <a:noFill/>
-              </a:ln>
-              <a:effectLst>
-                <a:outerShdw blurRad="63500" sx="102000" sy="102000" algn="ctr" rotWithShape="0">
-                  <a:prstClr val="black">
-                    <a:alpha val="20000"/>
-                  </a:prstClr>
-                </a:outerShdw>
-              </a:effectLst>
-            </c:spPr>
-            <c:extLst>
-              <c:ext xmlns:c16="http://schemas.microsoft.com/office/drawing/2014/chart" uri="{C3380CC4-5D6E-409C-BE32-E72D297353CC}">
-                <c16:uniqueId val="{00000019-25FE-4BEA-A144-51BEC28A0A36}"/>
-              </c:ext>
-            </c:extLst>
-          </c:dPt>
-          <c:dLbls>
-            <c:dLbl>
-              <c:idx val="0"/>
-              <c:layout>
-                <c:manualLayout>
-                  <c:x val="7.0060200744541338E-3"/>
-                  <c:y val="0.18294569176690662"/>
-                </c:manualLayout>
-              </c:layout>
-              <c:numFmt formatCode="0.0%" sourceLinked="0"/>
-              <c:spPr>
-                <a:noFill/>
-                <a:ln>
-                  <a:noFill/>
-                </a:ln>
-                <a:effectLst/>
-              </c:spPr>
-              <c:txPr>
-                <a:bodyPr rot="0" spcFirstLastPara="1" vertOverflow="ellipsis" vert="horz" wrap="square" lIns="38100" tIns="19050" rIns="38100" bIns="19050" anchor="ctr" anchorCtr="1">
-                  <a:spAutoFit/>
-                </a:bodyPr>
-                <a:lstStyle/>
-                <a:p>
-                  <a:pPr>
-                    <a:defRPr sz="1000" b="1" i="0" u="none" strike="noStrike" kern="1200" spc="0" baseline="0">
-                      <a:solidFill>
-                        <a:schemeClr val="accent1"/>
-                      </a:solidFill>
-                      <a:latin typeface="+mn-lt"/>
-                      <a:ea typeface="+mn-ea"/>
-                      <a:cs typeface="+mn-cs"/>
-                    </a:defRPr>
-                  </a:pPr>
-                  <a:endParaRPr lang="en-US"/>
-                </a:p>
-              </c:txPr>
-              <c:dLblPos val="bestFit"/>
-              <c:showLegendKey val="0"/>
-              <c:showVal val="0"/>
-              <c:showCatName val="1"/>
-              <c:showSerName val="0"/>
-              <c:showPercent val="1"/>
-              <c:showBubbleSize val="0"/>
-              <c:extLst>
-                <c:ext xmlns:c15="http://schemas.microsoft.com/office/drawing/2012/chart" uri="{CE6537A1-D6FC-4f65-9D91-7224C49458BB}"/>
-                <c:ext xmlns:c16="http://schemas.microsoft.com/office/drawing/2014/chart" uri="{C3380CC4-5D6E-409C-BE32-E72D297353CC}">
-                  <c16:uniqueId val="{00000001-25FE-4BEA-A144-51BEC28A0A36}"/>
-                </c:ext>
-              </c:extLst>
-            </c:dLbl>
-            <c:dLbl>
-              <c:idx val="1"/>
-              <c:numFmt formatCode="0.0%" sourceLinked="0"/>
-              <c:spPr>
-                <a:noFill/>
-                <a:ln>
-                  <a:noFill/>
-                </a:ln>
-                <a:effectLst/>
-              </c:spPr>
-              <c:txPr>
-                <a:bodyPr rot="0" spcFirstLastPara="1" vertOverflow="ellipsis" vert="horz" wrap="square" lIns="38100" tIns="19050" rIns="38100" bIns="19050" anchor="ctr" anchorCtr="1">
-                  <a:spAutoFit/>
-                </a:bodyPr>
-                <a:lstStyle/>
-                <a:p>
-                  <a:pPr>
-                    <a:defRPr sz="1000" b="1" i="0" u="none" strike="noStrike" kern="1200" spc="0" baseline="0">
-                      <a:solidFill>
-                        <a:schemeClr val="accent2"/>
-                      </a:solidFill>
-                      <a:latin typeface="+mn-lt"/>
-                      <a:ea typeface="+mn-ea"/>
-                      <a:cs typeface="+mn-cs"/>
-                    </a:defRPr>
-                  </a:pPr>
-                  <a:endParaRPr lang="en-US"/>
-                </a:p>
-              </c:txPr>
-              <c:dLblPos val="outEnd"/>
-              <c:showLegendKey val="0"/>
-              <c:showVal val="0"/>
-              <c:showCatName val="1"/>
-              <c:showSerName val="0"/>
-              <c:showPercent val="1"/>
-              <c:showBubbleSize val="0"/>
-              <c:extLst>
-                <c:ext xmlns:c16="http://schemas.microsoft.com/office/drawing/2014/chart" uri="{C3380CC4-5D6E-409C-BE32-E72D297353CC}">
-                  <c16:uniqueId val="{00000003-25FE-4BEA-A144-51BEC28A0A36}"/>
-                </c:ext>
-              </c:extLst>
-            </c:dLbl>
-            <c:dLbl>
-              <c:idx val="2"/>
-              <c:numFmt formatCode="0.0%" sourceLinked="0"/>
-              <c:spPr>
-                <a:noFill/>
-                <a:ln>
-                  <a:noFill/>
-                </a:ln>
-                <a:effectLst/>
-              </c:spPr>
-              <c:txPr>
-                <a:bodyPr rot="0" spcFirstLastPara="1" vertOverflow="ellipsis" vert="horz" wrap="square" lIns="38100" tIns="19050" rIns="38100" bIns="19050" anchor="ctr" anchorCtr="1">
-                  <a:spAutoFit/>
-                </a:bodyPr>
-                <a:lstStyle/>
-                <a:p>
-                  <a:pPr>
-                    <a:defRPr sz="1000" b="1" i="0" u="none" strike="noStrike" kern="1200" spc="0" baseline="0">
-                      <a:solidFill>
-                        <a:schemeClr val="accent3"/>
-                      </a:solidFill>
-                      <a:latin typeface="+mn-lt"/>
-                      <a:ea typeface="+mn-ea"/>
-                      <a:cs typeface="+mn-cs"/>
-                    </a:defRPr>
-                  </a:pPr>
-                  <a:endParaRPr lang="en-US"/>
-                </a:p>
-              </c:txPr>
-              <c:dLblPos val="outEnd"/>
-              <c:showLegendKey val="0"/>
-              <c:showVal val="0"/>
-              <c:showCatName val="1"/>
-              <c:showSerName val="0"/>
-              <c:showPercent val="1"/>
-              <c:showBubbleSize val="0"/>
-              <c:extLst>
-                <c:ext xmlns:c16="http://schemas.microsoft.com/office/drawing/2014/chart" uri="{C3380CC4-5D6E-409C-BE32-E72D297353CC}">
-                  <c16:uniqueId val="{00000005-25FE-4BEA-A144-51BEC28A0A36}"/>
-                </c:ext>
-              </c:extLst>
-            </c:dLbl>
-            <c:dLbl>
-              <c:idx val="3"/>
-              <c:numFmt formatCode="0.0%" sourceLinked="0"/>
-              <c:spPr>
-                <a:noFill/>
-                <a:ln>
-                  <a:noFill/>
-                </a:ln>
-                <a:effectLst/>
-              </c:spPr>
-              <c:txPr>
-                <a:bodyPr rot="0" spcFirstLastPara="1" vertOverflow="ellipsis" vert="horz" wrap="square" lIns="38100" tIns="19050" rIns="38100" bIns="19050" anchor="ctr" anchorCtr="1">
-                  <a:spAutoFit/>
-                </a:bodyPr>
-                <a:lstStyle/>
-                <a:p>
-                  <a:pPr>
-                    <a:defRPr sz="1000" b="1" i="0" u="none" strike="noStrike" kern="1200" spc="0" baseline="0">
-                      <a:solidFill>
-                        <a:schemeClr val="accent4"/>
-                      </a:solidFill>
-                      <a:latin typeface="+mn-lt"/>
-                      <a:ea typeface="+mn-ea"/>
-                      <a:cs typeface="+mn-cs"/>
-                    </a:defRPr>
-                  </a:pPr>
-                  <a:endParaRPr lang="en-US"/>
-                </a:p>
-              </c:txPr>
-              <c:dLblPos val="outEnd"/>
-              <c:showLegendKey val="0"/>
-              <c:showVal val="0"/>
-              <c:showCatName val="1"/>
-              <c:showSerName val="0"/>
-              <c:showPercent val="1"/>
-              <c:showBubbleSize val="0"/>
-              <c:extLst>
-                <c:ext xmlns:c16="http://schemas.microsoft.com/office/drawing/2014/chart" uri="{C3380CC4-5D6E-409C-BE32-E72D297353CC}">
-                  <c16:uniqueId val="{00000007-25FE-4BEA-A144-51BEC28A0A36}"/>
-                </c:ext>
-              </c:extLst>
-            </c:dLbl>
-            <c:dLbl>
-              <c:idx val="4"/>
-              <c:numFmt formatCode="0.0%" sourceLinked="0"/>
-              <c:spPr>
-                <a:noFill/>
-                <a:ln>
-                  <a:noFill/>
-                </a:ln>
-                <a:effectLst/>
-              </c:spPr>
-              <c:txPr>
-                <a:bodyPr rot="0" spcFirstLastPara="1" vertOverflow="ellipsis" vert="horz" wrap="square" lIns="38100" tIns="19050" rIns="38100" bIns="19050" anchor="ctr" anchorCtr="1">
-                  <a:spAutoFit/>
-                </a:bodyPr>
-                <a:lstStyle/>
-                <a:p>
-                  <a:pPr>
-                    <a:defRPr sz="1000" b="1" i="0" u="none" strike="noStrike" kern="1200" spc="0" baseline="0">
-                      <a:solidFill>
-                        <a:schemeClr val="accent5"/>
-                      </a:solidFill>
-                      <a:latin typeface="+mn-lt"/>
-                      <a:ea typeface="+mn-ea"/>
-                      <a:cs typeface="+mn-cs"/>
-                    </a:defRPr>
-                  </a:pPr>
-                  <a:endParaRPr lang="en-US"/>
-                </a:p>
-              </c:txPr>
-              <c:dLblPos val="outEnd"/>
-              <c:showLegendKey val="0"/>
-              <c:showVal val="0"/>
-              <c:showCatName val="1"/>
-              <c:showSerName val="0"/>
-              <c:showPercent val="1"/>
-              <c:showBubbleSize val="0"/>
-              <c:extLst>
-                <c:ext xmlns:c16="http://schemas.microsoft.com/office/drawing/2014/chart" uri="{C3380CC4-5D6E-409C-BE32-E72D297353CC}">
-                  <c16:uniqueId val="{00000009-25FE-4BEA-A144-51BEC28A0A36}"/>
-                </c:ext>
-              </c:extLst>
-            </c:dLbl>
-            <c:dLbl>
-              <c:idx val="5"/>
-              <c:numFmt formatCode="0.0%" sourceLinked="0"/>
-              <c:spPr>
-                <a:noFill/>
-                <a:ln>
-                  <a:noFill/>
-                </a:ln>
-                <a:effectLst/>
-              </c:spPr>
-              <c:txPr>
-                <a:bodyPr rot="0" spcFirstLastPara="1" vertOverflow="ellipsis" vert="horz" wrap="square" lIns="38100" tIns="19050" rIns="38100" bIns="19050" anchor="ctr" anchorCtr="1">
-                  <a:spAutoFit/>
-                </a:bodyPr>
-                <a:lstStyle/>
-                <a:p>
-                  <a:pPr>
-                    <a:defRPr sz="1000" b="1" i="0" u="none" strike="noStrike" kern="1200" spc="0" baseline="0">
-                      <a:solidFill>
-                        <a:schemeClr val="accent6"/>
-                      </a:solidFill>
-                      <a:latin typeface="+mn-lt"/>
-                      <a:ea typeface="+mn-ea"/>
-                      <a:cs typeface="+mn-cs"/>
-                    </a:defRPr>
-                  </a:pPr>
-                  <a:endParaRPr lang="en-US"/>
-                </a:p>
-              </c:txPr>
-              <c:dLblPos val="outEnd"/>
-              <c:showLegendKey val="0"/>
-              <c:showVal val="0"/>
-              <c:showCatName val="1"/>
-              <c:showSerName val="0"/>
-              <c:showPercent val="1"/>
-              <c:showBubbleSize val="0"/>
-              <c:extLst>
-                <c:ext xmlns:c16="http://schemas.microsoft.com/office/drawing/2014/chart" uri="{C3380CC4-5D6E-409C-BE32-E72D297353CC}">
-                  <c16:uniqueId val="{0000000B-25FE-4BEA-A144-51BEC28A0A36}"/>
-                </c:ext>
-              </c:extLst>
-            </c:dLbl>
-            <c:dLbl>
-              <c:idx val="6"/>
-              <c:layout>
-                <c:manualLayout>
-                  <c:x val="1.7515050186135334E-3"/>
-                  <c:y val="-4.5199525068784725E-2"/>
-                </c:manualLayout>
-              </c:layout>
-              <c:numFmt formatCode="0.0%" sourceLinked="0"/>
-              <c:spPr>
-                <a:noFill/>
-                <a:ln>
-                  <a:noFill/>
-                </a:ln>
-                <a:effectLst/>
-              </c:spPr>
-              <c:txPr>
-                <a:bodyPr rot="0" spcFirstLastPara="1" vertOverflow="ellipsis" vert="horz" wrap="square" lIns="38100" tIns="19050" rIns="38100" bIns="19050" anchor="ctr" anchorCtr="1">
-                  <a:spAutoFit/>
-                </a:bodyPr>
-                <a:lstStyle/>
-                <a:p>
-                  <a:pPr>
-                    <a:defRPr sz="1000" b="1" i="0" u="none" strike="noStrike" kern="1200" spc="0" baseline="0">
-                      <a:solidFill>
-                        <a:schemeClr val="accent1">
-                          <a:lumMod val="60000"/>
-                        </a:schemeClr>
-                      </a:solidFill>
-                      <a:latin typeface="+mn-lt"/>
-                      <a:ea typeface="+mn-ea"/>
-                      <a:cs typeface="+mn-cs"/>
-                    </a:defRPr>
-                  </a:pPr>
-                  <a:endParaRPr lang="en-US"/>
-                </a:p>
-              </c:txPr>
-              <c:dLblPos val="bestFit"/>
-              <c:showLegendKey val="0"/>
-              <c:showVal val="0"/>
-              <c:showCatName val="1"/>
-              <c:showSerName val="0"/>
-              <c:showPercent val="1"/>
-              <c:showBubbleSize val="0"/>
-              <c:extLst>
-                <c:ext xmlns:c15="http://schemas.microsoft.com/office/drawing/2012/chart" uri="{CE6537A1-D6FC-4f65-9D91-7224C49458BB}"/>
-                <c:ext xmlns:c16="http://schemas.microsoft.com/office/drawing/2014/chart" uri="{C3380CC4-5D6E-409C-BE32-E72D297353CC}">
-                  <c16:uniqueId val="{0000000D-25FE-4BEA-A144-51BEC28A0A36}"/>
-                </c:ext>
-              </c:extLst>
-            </c:dLbl>
-            <c:dLbl>
-              <c:idx val="7"/>
-              <c:layout>
-                <c:manualLayout>
-                  <c:x val="7.5314715800381876E-2"/>
-                  <c:y val="-0.20411250586278315"/>
-                </c:manualLayout>
-              </c:layout>
-              <c:numFmt formatCode="0.0%" sourceLinked="0"/>
-              <c:spPr>
-                <a:noFill/>
-                <a:ln>
-                  <a:noFill/>
-                </a:ln>
-                <a:effectLst/>
-              </c:spPr>
-              <c:txPr>
-                <a:bodyPr rot="0" spcFirstLastPara="1" vertOverflow="ellipsis" vert="horz" wrap="square" lIns="38100" tIns="19050" rIns="38100" bIns="19050" anchor="ctr" anchorCtr="1">
-                  <a:spAutoFit/>
-                </a:bodyPr>
-                <a:lstStyle/>
-                <a:p>
-                  <a:pPr>
-                    <a:defRPr sz="1000" b="1" i="0" u="none" strike="noStrike" kern="1200" spc="0" baseline="0">
-                      <a:solidFill>
-                        <a:schemeClr val="accent2">
-                          <a:lumMod val="60000"/>
-                        </a:schemeClr>
-                      </a:solidFill>
-                      <a:latin typeface="+mn-lt"/>
-                      <a:ea typeface="+mn-ea"/>
-                      <a:cs typeface="+mn-cs"/>
-                    </a:defRPr>
-                  </a:pPr>
-                  <a:endParaRPr lang="en-US"/>
-                </a:p>
-              </c:txPr>
-              <c:dLblPos val="bestFit"/>
-              <c:showLegendKey val="0"/>
-              <c:showVal val="0"/>
-              <c:showCatName val="1"/>
-              <c:showSerName val="0"/>
-              <c:showPercent val="1"/>
-              <c:showBubbleSize val="0"/>
-              <c:extLst>
-                <c:ext xmlns:c15="http://schemas.microsoft.com/office/drawing/2012/chart" uri="{CE6537A1-D6FC-4f65-9D91-7224C49458BB}"/>
-                <c:ext xmlns:c16="http://schemas.microsoft.com/office/drawing/2014/chart" uri="{C3380CC4-5D6E-409C-BE32-E72D297353CC}">
-                  <c16:uniqueId val="{0000000F-25FE-4BEA-A144-51BEC28A0A36}"/>
-                </c:ext>
-              </c:extLst>
-            </c:dLbl>
-            <c:dLbl>
-              <c:idx val="8"/>
-              <c:layout>
-                <c:manualLayout>
-                  <c:x val="5.7799665614246543E-2"/>
-                  <c:y val="-0.17699269315932542"/>
-                </c:manualLayout>
-              </c:layout>
-              <c:numFmt formatCode="0.0%" sourceLinked="0"/>
-              <c:spPr>
-                <a:noFill/>
-                <a:ln>
-                  <a:noFill/>
-                </a:ln>
-                <a:effectLst/>
-              </c:spPr>
-              <c:txPr>
-                <a:bodyPr rot="0" spcFirstLastPara="1" vertOverflow="ellipsis" vert="horz" wrap="square" lIns="38100" tIns="19050" rIns="38100" bIns="19050" anchor="ctr" anchorCtr="1">
-                  <a:spAutoFit/>
-                </a:bodyPr>
-                <a:lstStyle/>
-                <a:p>
-                  <a:pPr>
-                    <a:defRPr sz="1000" b="1" i="0" u="none" strike="noStrike" kern="1200" spc="0" baseline="0">
-                      <a:solidFill>
-                        <a:schemeClr val="accent3">
-                          <a:lumMod val="60000"/>
-                        </a:schemeClr>
-                      </a:solidFill>
-                      <a:latin typeface="+mn-lt"/>
-                      <a:ea typeface="+mn-ea"/>
-                      <a:cs typeface="+mn-cs"/>
-                    </a:defRPr>
-                  </a:pPr>
-                  <a:endParaRPr lang="en-US"/>
-                </a:p>
-              </c:txPr>
-              <c:dLblPos val="bestFit"/>
-              <c:showLegendKey val="0"/>
-              <c:showVal val="0"/>
-              <c:showCatName val="1"/>
-              <c:showSerName val="0"/>
-              <c:showPercent val="1"/>
-              <c:showBubbleSize val="0"/>
-              <c:extLst>
-                <c:ext xmlns:c15="http://schemas.microsoft.com/office/drawing/2012/chart" uri="{CE6537A1-D6FC-4f65-9D91-7224C49458BB}"/>
-                <c:ext xmlns:c16="http://schemas.microsoft.com/office/drawing/2014/chart" uri="{C3380CC4-5D6E-409C-BE32-E72D297353CC}">
-                  <c16:uniqueId val="{00000011-25FE-4BEA-A144-51BEC28A0A36}"/>
-                </c:ext>
-              </c:extLst>
-            </c:dLbl>
-            <c:dLbl>
-              <c:idx val="9"/>
-              <c:numFmt formatCode="0.0%" sourceLinked="0"/>
-              <c:spPr>
-                <a:noFill/>
-                <a:ln>
-                  <a:noFill/>
-                </a:ln>
-                <a:effectLst/>
-              </c:spPr>
-              <c:txPr>
-                <a:bodyPr rot="0" spcFirstLastPara="1" vertOverflow="ellipsis" vert="horz" wrap="square" lIns="38100" tIns="19050" rIns="38100" bIns="19050" anchor="ctr" anchorCtr="1">
-                  <a:spAutoFit/>
-                </a:bodyPr>
-                <a:lstStyle/>
-                <a:p>
-                  <a:pPr>
-                    <a:defRPr sz="1000" b="1" i="0" u="none" strike="noStrike" kern="1200" spc="0" baseline="0">
-                      <a:solidFill>
-                        <a:schemeClr val="accent1"/>
-                      </a:solidFill>
-                      <a:latin typeface="+mn-lt"/>
-                      <a:ea typeface="+mn-ea"/>
-                      <a:cs typeface="+mn-cs"/>
-                    </a:defRPr>
-                  </a:pPr>
-                  <a:endParaRPr lang="en-US"/>
-                </a:p>
-              </c:txPr>
-              <c:dLblPos val="outEnd"/>
-              <c:showLegendKey val="0"/>
-              <c:showVal val="0"/>
-              <c:showCatName val="1"/>
-              <c:showSerName val="0"/>
-              <c:showPercent val="1"/>
-              <c:showBubbleSize val="0"/>
-              <c:extLst>
-                <c:ext xmlns:c16="http://schemas.microsoft.com/office/drawing/2014/chart" uri="{C3380CC4-5D6E-409C-BE32-E72D297353CC}">
-                  <c16:uniqueId val="{00000013-25FE-4BEA-A144-51BEC28A0A36}"/>
-                </c:ext>
-              </c:extLst>
-            </c:dLbl>
-            <c:dLbl>
-              <c:idx val="10"/>
-              <c:numFmt formatCode="0.0%" sourceLinked="0"/>
-              <c:spPr>
-                <a:noFill/>
-                <a:ln>
-                  <a:noFill/>
-                </a:ln>
-                <a:effectLst/>
-              </c:spPr>
-              <c:txPr>
-                <a:bodyPr rot="0" spcFirstLastPara="1" vertOverflow="ellipsis" vert="horz" wrap="square" lIns="38100" tIns="19050" rIns="38100" bIns="19050" anchor="ctr" anchorCtr="1">
-                  <a:spAutoFit/>
-                </a:bodyPr>
-                <a:lstStyle/>
-                <a:p>
-                  <a:pPr>
-                    <a:defRPr sz="1000" b="1" i="0" u="none" strike="noStrike" kern="1200" spc="0" baseline="0">
-                      <a:solidFill>
-                        <a:schemeClr val="accent5">
-                          <a:lumMod val="60000"/>
-                        </a:schemeClr>
-                      </a:solidFill>
-                      <a:latin typeface="+mn-lt"/>
-                      <a:ea typeface="+mn-ea"/>
-                      <a:cs typeface="+mn-cs"/>
-                    </a:defRPr>
-                  </a:pPr>
-                  <a:endParaRPr lang="en-US"/>
-                </a:p>
-              </c:txPr>
-              <c:dLblPos val="outEnd"/>
-              <c:showLegendKey val="0"/>
-              <c:showVal val="0"/>
-              <c:showCatName val="1"/>
-              <c:showSerName val="0"/>
-              <c:showPercent val="1"/>
-              <c:showBubbleSize val="0"/>
-              <c:extLst>
-                <c:ext xmlns:c16="http://schemas.microsoft.com/office/drawing/2014/chart" uri="{C3380CC4-5D6E-409C-BE32-E72D297353CC}">
-                  <c16:uniqueId val="{00000015-25FE-4BEA-A144-51BEC28A0A36}"/>
-                </c:ext>
-              </c:extLst>
-            </c:dLbl>
-            <c:dLbl>
-              <c:idx val="11"/>
-              <c:layout>
-                <c:manualLayout>
-                  <c:x val="-1.2844221758953445E-16"/>
-                  <c:y val="5.048254201929233E-2"/>
-                </c:manualLayout>
-              </c:layout>
-              <c:numFmt formatCode="0.00%" sourceLinked="0"/>
-              <c:spPr>
-                <a:noFill/>
-                <a:ln>
-                  <a:noFill/>
-                </a:ln>
-                <a:effectLst/>
-              </c:spPr>
-              <c:txPr>
-                <a:bodyPr rot="0" spcFirstLastPara="1" vertOverflow="ellipsis" vert="horz" wrap="square" lIns="38100" tIns="19050" rIns="38100" bIns="19050" anchor="ctr" anchorCtr="1">
-                  <a:spAutoFit/>
-                </a:bodyPr>
-                <a:lstStyle/>
-                <a:p>
-                  <a:pPr>
-                    <a:defRPr sz="1000" b="1" i="0" u="none" strike="noStrike" kern="1200" spc="0" baseline="0">
-                      <a:solidFill>
-                        <a:schemeClr val="accent6">
-                          <a:lumMod val="60000"/>
-                        </a:schemeClr>
-                      </a:solidFill>
-                      <a:latin typeface="+mn-lt"/>
-                      <a:ea typeface="+mn-ea"/>
-                      <a:cs typeface="+mn-cs"/>
-                    </a:defRPr>
-                  </a:pPr>
-                  <a:endParaRPr lang="en-US"/>
-                </a:p>
-              </c:txPr>
-              <c:dLblPos val="bestFit"/>
-              <c:showLegendKey val="0"/>
-              <c:showVal val="0"/>
-              <c:showCatName val="1"/>
-              <c:showSerName val="0"/>
-              <c:showPercent val="1"/>
-              <c:showBubbleSize val="0"/>
-              <c:extLst>
-                <c:ext xmlns:c15="http://schemas.microsoft.com/office/drawing/2012/chart" uri="{CE6537A1-D6FC-4f65-9D91-7224C49458BB}"/>
-                <c:ext xmlns:c16="http://schemas.microsoft.com/office/drawing/2014/chart" uri="{C3380CC4-5D6E-409C-BE32-E72D297353CC}">
-                  <c16:uniqueId val="{00000017-25FE-4BEA-A144-51BEC28A0A36}"/>
-                </c:ext>
-              </c:extLst>
-            </c:dLbl>
-            <c:dLbl>
-              <c:idx val="12"/>
-              <c:tx>
-                <c:rich>
-                  <a:bodyPr rot="0" spcFirstLastPara="1" vertOverflow="ellipsis" vert="horz" wrap="square" lIns="38100" tIns="19050" rIns="38100" bIns="19050" anchor="ctr" anchorCtr="1">
-                    <a:spAutoFit/>
-                  </a:bodyPr>
-                  <a:lstStyle/>
-                  <a:p>
-                    <a:pPr>
-                      <a:defRPr sz="1000" b="1" i="0" u="none" strike="noStrike" kern="1200" spc="0" baseline="0">
-                        <a:solidFill>
-                          <a:schemeClr val="accent1"/>
-                        </a:solidFill>
-                        <a:latin typeface="+mn-lt"/>
-                        <a:ea typeface="+mn-ea"/>
-                        <a:cs typeface="+mn-cs"/>
-                      </a:defRPr>
-                    </a:pPr>
-                    <a:r>
-                      <a:rPr lang="en-US"/>
-                      <a:t>SlicerIGT</a:t>
-                    </a:r>
-                    <a:r>
-                      <a:rPr lang="en-US" baseline="0"/>
-                      <a:t>
-</a:t>
-                    </a:r>
-                    <a:fld id="{5189FB41-81C0-4CD6-9C3C-D104B4C06E7D}" type="PERCENTAGE">
-                      <a:rPr lang="en-US" baseline="0"/>
-                      <a:pPr>
-                        <a:defRPr>
-                          <a:solidFill>
-                            <a:schemeClr val="accent1"/>
-                          </a:solidFill>
-                        </a:defRPr>
-                      </a:pPr>
-                      <a:t>[PERCENTAGE]</a:t>
-                    </a:fld>
-                    <a:endParaRPr lang="en-US" baseline="0"/>
-                  </a:p>
-                </c:rich>
-              </c:tx>
-              <c:numFmt formatCode="0.0%" sourceLinked="0"/>
-              <c:spPr>
-                <a:noFill/>
-                <a:ln>
-                  <a:noFill/>
-                </a:ln>
-                <a:effectLst/>
-              </c:spPr>
-              <c:txPr>
-                <a:bodyPr rot="0" spcFirstLastPara="1" vertOverflow="ellipsis" vert="horz" wrap="square" lIns="38100" tIns="19050" rIns="38100" bIns="19050" anchor="ctr" anchorCtr="1">
-                  <a:spAutoFit/>
-                </a:bodyPr>
-                <a:lstStyle/>
-                <a:p>
-                  <a:pPr>
-                    <a:defRPr sz="1000" b="1" i="0" u="none" strike="noStrike" kern="1200" spc="0" baseline="0">
-                      <a:solidFill>
-                        <a:schemeClr val="accent1"/>
-                      </a:solidFill>
-                      <a:latin typeface="+mn-lt"/>
-                      <a:ea typeface="+mn-ea"/>
-                      <a:cs typeface="+mn-cs"/>
-                    </a:defRPr>
-                  </a:pPr>
-                  <a:endParaRPr lang="en-US"/>
-                </a:p>
-              </c:txPr>
-              <c:dLblPos val="outEnd"/>
-              <c:showLegendKey val="0"/>
-              <c:showVal val="0"/>
-              <c:showCatName val="1"/>
-              <c:showSerName val="0"/>
-              <c:showPercent val="1"/>
-              <c:showBubbleSize val="0"/>
-              <c:extLst>
-                <c:ext xmlns:c15="http://schemas.microsoft.com/office/drawing/2012/chart" uri="{CE6537A1-D6FC-4f65-9D91-7224C49458BB}">
-                  <c15:dlblFieldTable/>
-                  <c15:showDataLabelsRange val="0"/>
-                </c:ext>
-                <c:ext xmlns:c16="http://schemas.microsoft.com/office/drawing/2014/chart" uri="{C3380CC4-5D6E-409C-BE32-E72D297353CC}">
-                  <c16:uniqueId val="{00000019-25FE-4BEA-A144-51BEC28A0A36}"/>
-                </c:ext>
-              </c:extLst>
-            </c:dLbl>
-            <c:numFmt formatCode="0.0%" sourceLinked="0"/>
-            <c:spPr>
-              <a:noFill/>
-              <a:ln>
-                <a:noFill/>
-              </a:ln>
-              <a:effectLst/>
-            </c:spPr>
-            <c:dLblPos val="outEnd"/>
-            <c:showLegendKey val="0"/>
-            <c:showVal val="0"/>
-            <c:showCatName val="1"/>
-            <c:showSerName val="0"/>
-            <c:showPercent val="1"/>
-            <c:showBubbleSize val="0"/>
-            <c:showLeaderLines val="1"/>
-            <c:leaderLines>
-              <c:spPr>
-                <a:ln w="9525" cap="flat" cmpd="sng" algn="ctr">
-                  <a:solidFill>
-                    <a:schemeClr val="tx1">
-                      <a:lumMod val="35000"/>
-                      <a:lumOff val="65000"/>
-                    </a:schemeClr>
-                  </a:solidFill>
-                  <a:round/>
-                </a:ln>
-                <a:effectLst/>
-              </c:spPr>
-            </c:leaderLines>
-            <c:extLst>
-              <c:ext xmlns:c15="http://schemas.microsoft.com/office/drawing/2012/chart" uri="{CE6537A1-D6FC-4f65-9D91-7224C49458BB}"/>
-            </c:extLst>
-          </c:dLbls>
-          <c:cat>
-            <c:strRef>
-              <c:f>Sheet1!$A$2:$A$13</c:f>
-              <c:strCache>
-                <c:ptCount val="12"/>
-                <c:pt idx="0">
-                  <c:v>BrainsTools ext</c:v>
-                </c:pt>
-                <c:pt idx="1">
-                  <c:v>Qt</c:v>
-                </c:pt>
-                <c:pt idx="2">
-                  <c:v>VTK</c:v>
-                </c:pt>
-                <c:pt idx="3">
-                  <c:v>ITK</c:v>
-                </c:pt>
-                <c:pt idx="4">
-                  <c:v>Python</c:v>
-                </c:pt>
-                <c:pt idx="5">
-                  <c:v>Numpy</c:v>
-                </c:pt>
-                <c:pt idx="6">
-                  <c:v>DCMTK</c:v>
-                </c:pt>
-                <c:pt idx="7">
-                  <c:v>3DSlicer core</c:v>
-                </c:pt>
-                <c:pt idx="8">
-                  <c:v>CTK</c:v>
-                </c:pt>
-                <c:pt idx="9">
-                  <c:v>Plus toolkit</c:v>
-                </c:pt>
-                <c:pt idx="10">
-                  <c:v>SlicerIGT ext</c:v>
-                </c:pt>
-                <c:pt idx="11">
-                  <c:v>LumpNav ext</c:v>
-                </c:pt>
-              </c:strCache>
-            </c:strRef>
-          </c:cat>
-          <c:val>
-            <c:numRef>
-              <c:f>Sheet1!$B$2:$B$13</c:f>
-              <c:numCache>
-                <c:formatCode>General</c:formatCode>
-                <c:ptCount val="12"/>
-                <c:pt idx="0">
-                  <c:v>133781</c:v>
-                </c:pt>
-                <c:pt idx="1">
-                  <c:v>2994503</c:v>
-                </c:pt>
-                <c:pt idx="2">
-                  <c:v>2827045</c:v>
-                </c:pt>
-                <c:pt idx="3">
-                  <c:v>1346552</c:v>
-                </c:pt>
-                <c:pt idx="4">
-                  <c:v>1009347</c:v>
-                </c:pt>
-                <c:pt idx="5">
-                  <c:v>700557</c:v>
-                </c:pt>
-                <c:pt idx="6">
-                  <c:v>535127</c:v>
-                </c:pt>
-                <c:pt idx="7">
-                  <c:v>354397</c:v>
-                </c:pt>
-                <c:pt idx="8">
-                  <c:v>173658</c:v>
-                </c:pt>
-                <c:pt idx="9">
-                  <c:v>146855</c:v>
-                </c:pt>
-                <c:pt idx="10">
-                  <c:v>18645</c:v>
-                </c:pt>
-                <c:pt idx="11">
-                  <c:v>1428</c:v>
-                </c:pt>
-              </c:numCache>
-            </c:numRef>
-          </c:val>
-          <c:extLst>
-            <c:ext xmlns:c16="http://schemas.microsoft.com/office/drawing/2014/chart" uri="{C3380CC4-5D6E-409C-BE32-E72D297353CC}">
-              <c16:uniqueId val="{0000001A-25FE-4BEA-A144-51BEC28A0A36}"/>
-            </c:ext>
-          </c:extLst>
-        </c:ser>
-        <c:dLbls>
-          <c:dLblPos val="outEnd"/>
-          <c:showLegendKey val="0"/>
-          <c:showVal val="0"/>
-          <c:showCatName val="1"/>
-          <c:showSerName val="0"/>
-          <c:showPercent val="0"/>
-          <c:showBubbleSize val="0"/>
-          <c:showLeaderLines val="1"/>
-        </c:dLbls>
-        <c:gapWidth val="252"/>
-        <c:splitType val="pos"/>
-        <c:splitPos val="3"/>
-        <c:secondPieSize val="85"/>
-        <c:serLines>
-          <c:spPr>
-            <a:ln w="9525" cap="flat" cmpd="sng" algn="ctr">
-              <a:solidFill>
-                <a:schemeClr val="tx1">
-                  <a:lumMod val="35000"/>
-                  <a:lumOff val="65000"/>
-                </a:schemeClr>
-              </a:solidFill>
-              <a:round/>
-            </a:ln>
-            <a:effectLst/>
-          </c:spPr>
-        </c:serLines>
-      </c:ofPieChart>
-      <c:spPr>
-        <a:noFill/>
-        <a:ln>
-          <a:noFill/>
-        </a:ln>
-        <a:effectLst/>
-      </c:spPr>
-    </c:plotArea>
-    <c:plotVisOnly val="1"/>
-    <c:dispBlanksAs val="gap"/>
-    <c:showDLblsOverMax val="0"/>
-  </c:chart>
-  <c:spPr>
-    <a:noFill/>
-    <a:ln>
-      <a:noFill/>
-    </a:ln>
-    <a:effectLst/>
-  </c:spPr>
-  <c:txPr>
-    <a:bodyPr/>
-    <a:lstStyle/>
-    <a:p>
-      <a:pPr>
-        <a:defRPr/>
-      </a:pPr>
-      <a:endParaRPr lang="en-US"/>
-    </a:p>
-  </c:txPr>
-  <c:externalData r:id="rId3">
-    <c:autoUpdate val="0"/>
-  </c:externalData>
-</c:chartSpace>
-</file>
-
-<file path=ppt/charts/colors1.xml><?xml version="1.0" encoding="utf-8"?>
-<cs:colorStyle xmlns:cs="http://schemas.microsoft.com/office/drawing/2012/chartStyle" xmlns:a="http://schemas.openxmlformats.org/drawingml/2006/main" meth="cycle" id="10">
-  <a:schemeClr val="accent1"/>
-  <a:schemeClr val="accent2"/>
-  <a:schemeClr val="accent3"/>
-  <a:schemeClr val="accent4"/>
-  <a:schemeClr val="accent5"/>
-  <a:schemeClr val="accent6"/>
-  <cs:variation/>
-  <cs:variation>
-    <a:lumMod val="60000"/>
-  </cs:variation>
-  <cs:variation>
-    <a:lumMod val="80000"/>
-    <a:lumOff val="20000"/>
-  </cs:variation>
-  <cs:variation>
-    <a:lumMod val="80000"/>
-  </cs:variation>
-  <cs:variation>
-    <a:lumMod val="60000"/>
-    <a:lumOff val="40000"/>
-  </cs:variation>
-  <cs:variation>
-    <a:lumMod val="50000"/>
-  </cs:variation>
-  <cs:variation>
-    <a:lumMod val="70000"/>
-    <a:lumOff val="30000"/>
-  </cs:variation>
-  <cs:variation>
-    <a:lumMod val="70000"/>
-  </cs:variation>
-  <cs:variation>
-    <a:lumMod val="50000"/>
-    <a:lumOff val="50000"/>
-  </cs:variation>
-</cs:colorStyle>
-</file>
-
-<file path=ppt/charts/style1.xml><?xml version="1.0" encoding="utf-8"?>
-<cs:chartStyle xmlns:cs="http://schemas.microsoft.com/office/drawing/2012/chartStyle" xmlns:a="http://schemas.openxmlformats.org/drawingml/2006/main" id="259">
-  <cs:axisTitle>
-    <cs:lnRef idx="0"/>
-    <cs:fillRef idx="0"/>
-    <cs:effectRef idx="0"/>
-    <cs:fontRef idx="minor">
-      <a:schemeClr val="tx1">
-        <a:lumMod val="65000"/>
-        <a:lumOff val="35000"/>
-      </a:schemeClr>
-    </cs:fontRef>
-    <cs:defRPr sz="900" kern="1200" cap="all"/>
-  </cs:axisTitle>
-  <cs:categoryAxis>
-    <cs:lnRef idx="0"/>
-    <cs:fillRef idx="0"/>
-    <cs:effectRef idx="0"/>
-    <cs:fontRef idx="minor">
-      <a:schemeClr val="tx1">
-        <a:lumMod val="65000"/>
-        <a:lumOff val="35000"/>
-      </a:schemeClr>
-    </cs:fontRef>
-    <cs:defRPr sz="900" kern="1200"/>
-  </cs:categoryAxis>
-  <cs:chartArea mods="allowNoFillOverride allowNoLineOverride">
-    <cs:lnRef idx="0"/>
-    <cs:fillRef idx="0"/>
-    <cs:effectRef idx="0"/>
-    <cs:fontRef idx="minor">
-      <a:schemeClr val="tx1"/>
-    </cs:fontRef>
-    <cs:spPr>
-      <a:solidFill>
-        <a:schemeClr val="bg1"/>
-      </a:solidFill>
-      <a:ln w="9525" cap="flat" cmpd="sng" algn="ctr">
-        <a:solidFill>
-          <a:schemeClr val="tx1">
-            <a:lumMod val="15000"/>
-            <a:lumOff val="85000"/>
-          </a:schemeClr>
-        </a:solidFill>
-        <a:round/>
-      </a:ln>
-    </cs:spPr>
-    <cs:defRPr sz="1000" kern="1200"/>
-  </cs:chartArea>
-  <cs:dataLabel>
-    <cs:lnRef idx="0"/>
-    <cs:fillRef idx="0"/>
-    <cs:effectRef idx="0"/>
-    <cs:fontRef idx="minor">
-      <cs:styleClr val="auto"/>
-    </cs:fontRef>
-    <cs:defRPr sz="1000" b="1" i="0" u="none" strike="noStrike" kern="1200" spc="0" baseline="0"/>
-  </cs:dataLabel>
-  <cs:dataLabelCallout>
-    <cs:lnRef idx="0">
-      <cs:styleClr val="auto"/>
-    </cs:lnRef>
-    <cs:fillRef idx="0"/>
-    <cs:effectRef idx="0"/>
-    <cs:fontRef idx="minor">
-      <cs:styleClr val="auto"/>
-    </cs:fontRef>
-    <cs:spPr>
-      <a:solidFill>
-        <a:schemeClr val="lt1"/>
-      </a:solidFill>
-      <a:ln>
-        <a:solidFill>
-          <a:schemeClr val="phClr"/>
-        </a:solidFill>
-      </a:ln>
-    </cs:spPr>
-    <cs:defRPr sz="1000" b="1" kern="1200"/>
-    <cs:bodyPr rot="0" spcFirstLastPara="1" vertOverflow="clip" horzOverflow="clip" vert="horz" wrap="square" lIns="36576" tIns="18288" rIns="36576" bIns="18288" anchor="ctr" anchorCtr="1">
-      <a:spAutoFit/>
-    </cs:bodyPr>
-  </cs:dataLabelCallout>
-  <cs:dataPoint>
-    <cs:lnRef idx="0"/>
-    <cs:fillRef idx="0">
-      <cs:styleClr val="auto"/>
-    </cs:fillRef>
-    <cs:effectRef idx="0"/>
-    <cs:fontRef idx="minor">
-      <a:schemeClr val="dk1"/>
-    </cs:fontRef>
-    <cs:spPr>
-      <a:solidFill>
-        <a:schemeClr val="phClr"/>
-      </a:solidFill>
-      <a:effectLst>
-        <a:outerShdw blurRad="63500" sx="102000" sy="102000" algn="ctr" rotWithShape="0">
-          <a:prstClr val="black">
-            <a:alpha val="20000"/>
-          </a:prstClr>
-        </a:outerShdw>
-      </a:effectLst>
-    </cs:spPr>
-  </cs:dataPoint>
-  <cs:dataPoint3D>
-    <cs:lnRef idx="0"/>
-    <cs:fillRef idx="0">
-      <cs:styleClr val="auto"/>
-    </cs:fillRef>
-    <cs:effectRef idx="0"/>
-    <cs:fontRef idx="minor">
-      <a:schemeClr val="dk1"/>
-    </cs:fontRef>
-    <cs:spPr>
-      <a:solidFill>
-        <a:schemeClr val="phClr"/>
-      </a:solidFill>
-      <a:effectLst>
-        <a:outerShdw blurRad="88900" sx="102000" sy="102000" algn="ctr" rotWithShape="0">
-          <a:prstClr val="black">
-            <a:alpha val="10000"/>
-          </a:prstClr>
-        </a:outerShdw>
-      </a:effectLst>
-      <a:scene3d>
-        <a:camera prst="orthographicFront"/>
-        <a:lightRig rig="threePt" dir="t"/>
-      </a:scene3d>
-      <a:sp3d>
-        <a:bevelT w="127000" h="127000"/>
-        <a:bevelB w="127000" h="127000"/>
-      </a:sp3d>
-    </cs:spPr>
-  </cs:dataPoint3D>
-  <cs:dataPointLine>
-    <cs:lnRef idx="0">
-      <cs:styleClr val="auto"/>
-    </cs:lnRef>
-    <cs:fillRef idx="0"/>
-    <cs:effectRef idx="0"/>
-    <cs:fontRef idx="minor">
-      <a:schemeClr val="dk1"/>
-    </cs:fontRef>
-    <cs:spPr>
-      <a:ln w="28575" cap="rnd">
-        <a:solidFill>
-          <a:schemeClr val="phClr"/>
-        </a:solidFill>
-        <a:round/>
-      </a:ln>
-    </cs:spPr>
-  </cs:dataPointLine>
-  <cs:dataPointMarker>
-    <cs:lnRef idx="0"/>
-    <cs:fillRef idx="0">
-      <cs:styleClr val="auto"/>
-    </cs:fillRef>
-    <cs:effectRef idx="0"/>
-    <cs:fontRef idx="minor">
-      <a:schemeClr val="dk1"/>
-    </cs:fontRef>
-    <cs:spPr>
-      <a:solidFill>
-        <a:schemeClr val="phClr"/>
-      </a:solidFill>
-      <a:ln w="9525">
-        <a:solidFill>
-          <a:schemeClr val="lt1"/>
-        </a:solidFill>
-      </a:ln>
-    </cs:spPr>
-  </cs:dataPointMarker>
-  <cs:dataPointMarkerLayout symbol="circle" size="6"/>
-  <cs:dataPointWireframe>
-    <cs:lnRef idx="0">
-      <cs:styleClr val="auto"/>
-    </cs:lnRef>
-    <cs:fillRef idx="0"/>
-    <cs:effectRef idx="0"/>
-    <cs:fontRef idx="minor">
-      <a:schemeClr val="dk1"/>
-    </cs:fontRef>
-    <cs:spPr>
-      <a:ln w="9525" cap="rnd">
-        <a:solidFill>
-          <a:schemeClr val="phClr"/>
-        </a:solidFill>
-        <a:round/>
-      </a:ln>
-    </cs:spPr>
-  </cs:dataPointWireframe>
-  <cs:dataTable>
-    <cs:lnRef idx="0"/>
-    <cs:fillRef idx="0"/>
-    <cs:effectRef idx="0"/>
-    <cs:fontRef idx="minor">
-      <a:schemeClr val="tx1">
-        <a:lumMod val="65000"/>
-        <a:lumOff val="35000"/>
-      </a:schemeClr>
-    </cs:fontRef>
-    <cs:spPr>
-      <a:noFill/>
-      <a:ln w="9525" cap="flat" cmpd="sng" algn="ctr">
-        <a:solidFill>
-          <a:schemeClr val="tx1">
-            <a:lumMod val="15000"/>
-            <a:lumOff val="85000"/>
-          </a:schemeClr>
-        </a:solidFill>
-        <a:round/>
-      </a:ln>
-    </cs:spPr>
-    <cs:defRPr sz="900" kern="1200"/>
-  </cs:dataTable>
-  <cs:downBar>
-    <cs:lnRef idx="0"/>
-    <cs:fillRef idx="0"/>
-    <cs:effectRef idx="0"/>
-    <cs:fontRef idx="minor">
-      <a:schemeClr val="tx1"/>
-    </cs:fontRef>
-    <cs:spPr>
-      <a:solidFill>
-        <a:schemeClr val="dk1">
-          <a:lumMod val="75000"/>
-          <a:lumOff val="25000"/>
-        </a:schemeClr>
-      </a:solidFill>
-      <a:ln w="9525" cap="flat" cmpd="sng" algn="ctr">
-        <a:solidFill>
-          <a:schemeClr val="tx1">
-            <a:lumMod val="65000"/>
-            <a:lumOff val="35000"/>
-          </a:schemeClr>
-        </a:solidFill>
-        <a:round/>
-      </a:ln>
-    </cs:spPr>
-  </cs:downBar>
-  <cs:dropLine>
-    <cs:lnRef idx="0"/>
-    <cs:fillRef idx="0"/>
-    <cs:effectRef idx="0"/>
-    <cs:fontRef idx="minor">
-      <a:schemeClr val="tx1"/>
-    </cs:fontRef>
-    <cs:spPr>
-      <a:ln w="9525" cap="flat" cmpd="sng" algn="ctr">
-        <a:solidFill>
-          <a:schemeClr val="tx1">
-            <a:lumMod val="35000"/>
-            <a:lumOff val="65000"/>
-          </a:schemeClr>
-        </a:solidFill>
-        <a:round/>
-      </a:ln>
-    </cs:spPr>
-  </cs:dropLine>
-  <cs:errorBar>
-    <cs:lnRef idx="0"/>
-    <cs:fillRef idx="0"/>
-    <cs:effectRef idx="0"/>
-    <cs:fontRef idx="minor">
-      <a:schemeClr val="tx1"/>
-    </cs:fontRef>
-    <cs:spPr>
-      <a:ln w="9525" cap="flat" cmpd="sng" algn="ctr">
-        <a:solidFill>
-          <a:schemeClr val="tx1">
-            <a:lumMod val="65000"/>
-            <a:lumOff val="35000"/>
-          </a:schemeClr>
-        </a:solidFill>
-        <a:round/>
-      </a:ln>
-    </cs:spPr>
-  </cs:errorBar>
-  <cs:floor>
-    <cs:lnRef idx="0"/>
-    <cs:fillRef idx="0"/>
-    <cs:effectRef idx="0"/>
-    <cs:fontRef idx="minor">
-      <a:schemeClr val="tx1"/>
-    </cs:fontRef>
-    <cs:spPr>
-      <a:noFill/>
-      <a:ln>
-        <a:noFill/>
-      </a:ln>
-    </cs:spPr>
-  </cs:floor>
-  <cs:gridlineMajor>
-    <cs:lnRef idx="0"/>
-    <cs:fillRef idx="0"/>
-    <cs:effectRef idx="0"/>
-    <cs:fontRef idx="minor">
-      <a:schemeClr val="tx1"/>
-    </cs:fontRef>
-    <cs:spPr>
-      <a:ln w="9525" cap="flat" cmpd="sng" algn="ctr">
-        <a:solidFill>
-          <a:schemeClr val="tx1">
-            <a:lumMod val="15000"/>
-            <a:lumOff val="85000"/>
-          </a:schemeClr>
-        </a:solidFill>
-        <a:round/>
-      </a:ln>
-    </cs:spPr>
-  </cs:gridlineMajor>
-  <cs:gridlineMinor>
-    <cs:lnRef idx="0"/>
-    <cs:fillRef idx="0"/>
-    <cs:effectRef idx="0"/>
-    <cs:fontRef idx="minor">
-      <a:schemeClr val="tx1"/>
-    </cs:fontRef>
-    <cs:spPr>
-      <a:ln w="9525" cap="flat" cmpd="sng" algn="ctr">
-        <a:solidFill>
-          <a:schemeClr val="tx1">
-            <a:lumMod val="5000"/>
-            <a:lumOff val="95000"/>
-          </a:schemeClr>
-        </a:solidFill>
-        <a:round/>
-      </a:ln>
-    </cs:spPr>
-  </cs:gridlineMinor>
-  <cs:hiLoLine>
-    <cs:lnRef idx="0"/>
-    <cs:fillRef idx="0"/>
-    <cs:effectRef idx="0"/>
-    <cs:fontRef idx="minor">
-      <a:schemeClr val="tx1"/>
-    </cs:fontRef>
-    <cs:spPr>
-      <a:ln w="9525" cap="flat" cmpd="sng" algn="ctr">
-        <a:solidFill>
-          <a:schemeClr val="tx1">
-            <a:lumMod val="50000"/>
-            <a:lumOff val="50000"/>
-          </a:schemeClr>
-        </a:solidFill>
-        <a:round/>
-      </a:ln>
-    </cs:spPr>
-  </cs:hiLoLine>
-  <cs:leaderLine>
-    <cs:lnRef idx="0"/>
-    <cs:fillRef idx="0"/>
-    <cs:effectRef idx="0"/>
-    <cs:fontRef idx="minor">
-      <a:schemeClr val="tx1"/>
-    </cs:fontRef>
-    <cs:spPr>
-      <a:ln w="9525" cap="flat" cmpd="sng" algn="ctr">
-        <a:solidFill>
-          <a:schemeClr val="tx1">
-            <a:lumMod val="35000"/>
-            <a:lumOff val="65000"/>
-          </a:schemeClr>
-        </a:solidFill>
-        <a:round/>
-      </a:ln>
-    </cs:spPr>
-  </cs:leaderLine>
-  <cs:legend>
-    <cs:lnRef idx="0"/>
-    <cs:fillRef idx="0"/>
-    <cs:effectRef idx="0"/>
-    <cs:fontRef idx="minor">
-      <a:schemeClr val="tx1">
-        <a:lumMod val="65000"/>
-        <a:lumOff val="35000"/>
-      </a:schemeClr>
-    </cs:fontRef>
-    <cs:defRPr sz="900" kern="1200"/>
-  </cs:legend>
-  <cs:plotArea mods="allowNoFillOverride allowNoLineOverride">
-    <cs:lnRef idx="0"/>
-    <cs:fillRef idx="0"/>
-    <cs:effectRef idx="0"/>
-    <cs:fontRef idx="minor">
-      <a:schemeClr val="dk1"/>
-    </cs:fontRef>
-  </cs:plotArea>
-  <cs:plotArea3D mods="allowNoFillOverride allowNoLineOverride">
-    <cs:lnRef idx="0"/>
-    <cs:fillRef idx="0"/>
-    <cs:effectRef idx="0"/>
-    <cs:fontRef idx="minor">
-      <a:schemeClr val="dk1"/>
-    </cs:fontRef>
-  </cs:plotArea3D>
-  <cs:seriesAxis>
-    <cs:lnRef idx="0"/>
-    <cs:fillRef idx="0"/>
-    <cs:effectRef idx="0"/>
-    <cs:fontRef idx="minor">
-      <a:schemeClr val="tx1">
-        <a:lumMod val="65000"/>
-        <a:lumOff val="35000"/>
-      </a:schemeClr>
-    </cs:fontRef>
-    <cs:defRPr sz="900" kern="1200"/>
-  </cs:seriesAxis>
-  <cs:seriesLine>
-    <cs:lnRef idx="0"/>
-    <cs:fillRef idx="0"/>
-    <cs:effectRef idx="0"/>
-    <cs:fontRef idx="minor">
-      <a:schemeClr val="tx1"/>
-    </cs:fontRef>
-    <cs:spPr>
-      <a:ln w="9525" cap="flat" cmpd="sng" algn="ctr">
-        <a:solidFill>
-          <a:schemeClr val="tx1">
-            <a:lumMod val="35000"/>
-            <a:lumOff val="65000"/>
-          </a:schemeClr>
-        </a:solidFill>
-        <a:round/>
-      </a:ln>
-    </cs:spPr>
-  </cs:seriesLine>
-  <cs:title>
-    <cs:lnRef idx="0"/>
-    <cs:fillRef idx="0"/>
-    <cs:effectRef idx="0"/>
-    <cs:fontRef idx="minor">
-      <a:schemeClr val="tx1">
-        <a:lumMod val="65000"/>
-        <a:lumOff val="35000"/>
-      </a:schemeClr>
-    </cs:fontRef>
-    <cs:defRPr sz="1600" b="1" kern="1200" cap="all" baseline="0"/>
-  </cs:title>
-  <cs:trendline>
-    <cs:lnRef idx="0">
-      <cs:styleClr val="auto"/>
-    </cs:lnRef>
-    <cs:fillRef idx="0"/>
-    <cs:effectRef idx="0"/>
-    <cs:fontRef idx="minor">
-      <a:schemeClr val="tx1"/>
-    </cs:fontRef>
-    <cs:spPr>
-      <a:ln w="19050" cap="rnd">
-        <a:solidFill>
-          <a:schemeClr val="phClr"/>
-        </a:solidFill>
-        <a:prstDash val="sysDash"/>
-      </a:ln>
-    </cs:spPr>
-  </cs:trendline>
-  <cs:trendlineLabel>
-    <cs:lnRef idx="0"/>
-    <cs:fillRef idx="0"/>
-    <cs:effectRef idx="0"/>
-    <cs:fontRef idx="minor">
-      <a:schemeClr val="tx1">
-        <a:lumMod val="65000"/>
-        <a:lumOff val="35000"/>
-      </a:schemeClr>
-    </cs:fontRef>
-    <cs:defRPr sz="900" kern="1200"/>
-  </cs:trendlineLabel>
-  <cs:upBar>
-    <cs:lnRef idx="0"/>
-    <cs:fillRef idx="0"/>
-    <cs:effectRef idx="0"/>
-    <cs:fontRef idx="minor">
-      <a:schemeClr val="tx1"/>
-    </cs:fontRef>
-    <cs:spPr>
-      <a:solidFill>
-        <a:schemeClr val="lt1"/>
-      </a:solidFill>
-      <a:ln w="9525" cap="flat" cmpd="sng" algn="ctr">
-        <a:solidFill>
-          <a:schemeClr val="tx1">
-            <a:lumMod val="65000"/>
-            <a:lumOff val="35000"/>
-          </a:schemeClr>
-        </a:solidFill>
-        <a:round/>
-      </a:ln>
-    </cs:spPr>
-  </cs:upBar>
-  <cs:valueAxis>
-    <cs:lnRef idx="0"/>
-    <cs:fillRef idx="0"/>
-    <cs:effectRef idx="0"/>
-    <cs:fontRef idx="minor">
-      <a:schemeClr val="tx1">
-        <a:lumMod val="65000"/>
-        <a:lumOff val="35000"/>
-      </a:schemeClr>
-    </cs:fontRef>
-    <cs:defRPr sz="900" kern="1200"/>
-  </cs:valueAxis>
-  <cs:wall>
-    <cs:lnRef idx="0"/>
-    <cs:fillRef idx="0"/>
-    <cs:effectRef idx="0"/>
-    <cs:fontRef idx="minor">
-      <a:schemeClr val="tx1"/>
-    </cs:fontRef>
-    <cs:spPr>
-      <a:noFill/>
-      <a:ln>
-        <a:noFill/>
-      </a:ln>
-    </cs:spPr>
-  </cs:wall>
-</cs:chartStyle>
 </file>
 
 <file path=ppt/diagrams/colors1.xml><?xml version="1.0" encoding="utf-8"?>
@@ -4736,7 +2897,7 @@
             <a:fld id="{A6E16264-6225-448A-8F6B-37C607BF693C}" type="datetimeFigureOut">
               <a:rPr lang="en-CA" smtClean="0"/>
               <a:pPr/>
-              <a:t>2019-04-30</a:t>
+              <a:t>2019-05-01</a:t>
             </a:fld>
             <a:endParaRPr lang="en-CA"/>
           </a:p>
@@ -5090,165 +3251,6 @@
 </p:notes>
 </file>
 
-<file path=ppt/notesSlides/notesSlide10.xml><?xml version="1.0" encoding="utf-8"?>
-<p:notes xmlns:a="http://schemas.openxmlformats.org/drawingml/2006/main" xmlns:r="http://schemas.openxmlformats.org/officeDocument/2006/relationships" xmlns:p="http://schemas.openxmlformats.org/presentationml/2006/main">
-  <p:cSld>
-    <p:spTree>
-      <p:nvGrpSpPr>
-        <p:cNvPr id="1" name=""/>
-        <p:cNvGrpSpPr/>
-        <p:nvPr/>
-      </p:nvGrpSpPr>
-      <p:grpSpPr>
-        <a:xfrm>
-          <a:off x="0" y="0"/>
-          <a:ext cx="0" cy="0"/>
-          <a:chOff x="0" y="0"/>
-          <a:chExt cx="0" cy="0"/>
-        </a:xfrm>
-      </p:grpSpPr>
-      <p:sp>
-        <p:nvSpPr>
-          <p:cNvPr id="2" name="Slide Image Placeholder 1"/>
-          <p:cNvSpPr>
-            <a:spLocks noGrp="1" noRot="1" noChangeAspect="1"/>
-          </p:cNvSpPr>
-          <p:nvPr>
-            <p:ph type="sldImg"/>
-          </p:nvPr>
-        </p:nvSpPr>
-        <p:spPr/>
-      </p:sp>
-      <p:sp>
-        <p:nvSpPr>
-          <p:cNvPr id="3" name="Notes Placeholder 2"/>
-          <p:cNvSpPr>
-            <a:spLocks noGrp="1"/>
-          </p:cNvSpPr>
-          <p:nvPr>
-            <p:ph type="body" idx="1"/>
-          </p:nvPr>
-        </p:nvSpPr>
-        <p:spPr/>
-        <p:txBody>
-          <a:bodyPr/>
-          <a:lstStyle/>
-          <a:p>
-            <a:pPr marL="0" marR="0" indent="0" algn="l" defTabSz="914400" rtl="0" eaLnBrk="1" fontAlgn="auto" latinLnBrk="0" hangingPunct="1">
-              <a:lnSpc>
-                <a:spcPct val="100000"/>
-              </a:lnSpc>
-              <a:spcBef>
-                <a:spcPts val="0"/>
-              </a:spcBef>
-              <a:spcAft>
-                <a:spcPts val="0"/>
-              </a:spcAft>
-              <a:buClrTx/>
-              <a:buSzTx/>
-              <a:buFontTx/>
-              <a:buNone/>
-              <a:tabLst/>
-              <a:defRPr/>
-            </a:pPr>
-            <a:r>
-              <a:rPr lang="en-US" sz="1000" baseline="0" dirty="0"/>
-              <a:t>Using </a:t>
-            </a:r>
-            <a:r>
-              <a:rPr lang="en-US" sz="1000" baseline="0" dirty="0" err="1"/>
-              <a:t>OpenIGTLink</a:t>
-            </a:r>
-            <a:r>
-              <a:rPr lang="en-US" sz="1000" baseline="0" dirty="0"/>
-              <a:t> (which is a </a:t>
-            </a:r>
-            <a:r>
-              <a:rPr lang="en-US" sz="1000" b="0" i="0" kern="1200" dirty="0">
-                <a:solidFill>
-                  <a:schemeClr val="tx1"/>
-                </a:solidFill>
-                <a:effectLst/>
-                <a:latin typeface="+mn-lt"/>
-                <a:ea typeface="+mn-ea"/>
-                <a:cs typeface="+mn-cs"/>
-              </a:rPr>
-              <a:t>Network Interface for Image-Guided Therapy),</a:t>
-            </a:r>
-            <a:r>
-              <a:rPr lang="en-US" sz="1000" b="0" i="0" kern="1200" baseline="0" dirty="0">
-                <a:solidFill>
-                  <a:schemeClr val="tx1"/>
-                </a:solidFill>
-                <a:effectLst/>
-                <a:latin typeface="+mn-lt"/>
-                <a:ea typeface="+mn-ea"/>
-                <a:cs typeface="+mn-cs"/>
-              </a:rPr>
-              <a:t> PLUS can stream this data in real-time to 3D Slicer and can also be used for</a:t>
-            </a:r>
-            <a:r>
-              <a:rPr lang="en-US" sz="1000" baseline="0" dirty="0"/>
-              <a:t> </a:t>
-            </a:r>
-            <a:r>
-              <a:rPr lang="en-US" sz="1000" b="0" i="0" kern="1200" dirty="0">
-                <a:solidFill>
-                  <a:schemeClr val="tx1"/>
-                </a:solidFill>
-                <a:effectLst/>
-                <a:latin typeface="+mn-lt"/>
-                <a:ea typeface="+mn-ea"/>
-                <a:cs typeface="+mn-cs"/>
-              </a:rPr>
-              <a:t>pre-processing, and calibration for navigated image-guided interventions.</a:t>
-            </a:r>
-            <a:endParaRPr lang="en-US" sz="1000" baseline="0" dirty="0"/>
-          </a:p>
-        </p:txBody>
-      </p:sp>
-      <p:sp>
-        <p:nvSpPr>
-          <p:cNvPr id="4" name="Slide Number Placeholder 3"/>
-          <p:cNvSpPr>
-            <a:spLocks noGrp="1"/>
-          </p:cNvSpPr>
-          <p:nvPr>
-            <p:ph type="sldNum" sz="quarter" idx="10"/>
-          </p:nvPr>
-        </p:nvSpPr>
-        <p:spPr/>
-        <p:txBody>
-          <a:bodyPr/>
-          <a:lstStyle/>
-          <a:p>
-            <a:pPr>
-              <a:defRPr/>
-            </a:pPr>
-            <a:fld id="{7D5EC535-FC31-4244-9C64-EE05A8ED5E60}" type="slidenum">
-              <a:rPr lang="en-US" smtClean="0"/>
-              <a:pPr>
-                <a:defRPr/>
-              </a:pPr>
-              <a:t>14</a:t>
-            </a:fld>
-            <a:endParaRPr lang="en-US"/>
-          </a:p>
-        </p:txBody>
-      </p:sp>
-    </p:spTree>
-    <p:extLst>
-      <p:ext uri="{BB962C8B-B14F-4D97-AF65-F5344CB8AC3E}">
-        <p14:creationId xmlns:p14="http://schemas.microsoft.com/office/powerpoint/2010/main" val="2759014083"/>
-      </p:ext>
-    </p:extLst>
-  </p:cSld>
-  <p:clrMapOvr>
-    <a:masterClrMapping/>
-  </p:clrMapOvr>
-</p:notes>
-</file>
-
 <file path=ppt/notesSlides/notesSlide2.xml><?xml version="1.0" encoding="utf-8"?>
 <p:notes xmlns:a="http://schemas.openxmlformats.org/drawingml/2006/main" xmlns:r="http://schemas.openxmlformats.org/officeDocument/2006/relationships" xmlns:p="http://schemas.openxmlformats.org/presentationml/2006/main">
   <p:cSld>
@@ -5693,29 +3695,19 @@
       </p:grpSpPr>
       <p:sp>
         <p:nvSpPr>
-          <p:cNvPr id="33794" name="Slide Image Placeholder 1"/>
+          <p:cNvPr id="2" name="Slide Image Placeholder 1"/>
           <p:cNvSpPr>
-            <a:spLocks noGrp="1" noRot="1" noChangeAspect="1" noTextEdit="1"/>
+            <a:spLocks noGrp="1" noRot="1" noChangeAspect="1"/>
           </p:cNvSpPr>
           <p:nvPr>
             <p:ph type="sldImg"/>
           </p:nvPr>
         </p:nvSpPr>
-        <p:spPr bwMode="auto">
-          <a:noFill/>
-          <a:ln>
-            <a:solidFill>
-              <a:srgbClr val="000000"/>
-            </a:solidFill>
-            <a:miter lim="800000"/>
-            <a:headEnd/>
-            <a:tailEnd/>
-          </a:ln>
-        </p:spPr>
-      </p:sp>
-      <p:sp>
-        <p:nvSpPr>
-          <p:cNvPr id="33795" name="Notes Placeholder 2"/>
+        <p:spPr/>
+      </p:sp>
+      <p:sp>
+        <p:nvSpPr>
+          <p:cNvPr id="3" name="Notes Placeholder 2"/>
           <p:cNvSpPr>
             <a:spLocks noGrp="1"/>
           </p:cNvSpPr>
@@ -5723,164 +3715,14 @@
             <p:ph type="body" idx="1"/>
           </p:nvPr>
         </p:nvSpPr>
-        <p:spPr bwMode="auto">
-          <a:noFill/>
-        </p:spPr>
+        <p:spPr/>
         <p:txBody>
-          <a:bodyPr wrap="square" numCol="1" anchor="t" anchorCtr="0" compatLnSpc="1">
-            <a:prstTxWarp prst="textNoShape">
-              <a:avLst/>
-            </a:prstTxWarp>
+          <a:bodyPr>
+            <a:normAutofit/>
           </a:bodyPr>
           <a:lstStyle/>
           <a:p>
-            <a:pPr marL="0" marR="0" indent="0" algn="l" defTabSz="914400" rtl="0" eaLnBrk="1" fontAlgn="auto" latinLnBrk="0" hangingPunct="1">
-              <a:lnSpc>
-                <a:spcPct val="100000"/>
-              </a:lnSpc>
-              <a:spcBef>
-                <a:spcPts val="0"/>
-              </a:spcBef>
-              <a:spcAft>
-                <a:spcPts val="0"/>
-              </a:spcAft>
-              <a:buClrTx/>
-              <a:buSzTx/>
-              <a:buFontTx/>
-              <a:buNone/>
-              <a:tabLst/>
-              <a:defRPr/>
-            </a:pPr>
-            <a:r>
-              <a:rPr lang="en-CA" sz="1000" b="1" kern="1200" dirty="0">
-                <a:solidFill>
-                  <a:srgbClr val="800000"/>
-                </a:solidFill>
-                <a:latin typeface="+mn-lt"/>
-                <a:ea typeface="+mn-ea"/>
-                <a:cs typeface="+mn-cs"/>
-              </a:rPr>
-              <a:t>Because,</a:t>
-            </a:r>
-            <a:r>
-              <a:rPr lang="en-CA" sz="1000" b="1" kern="1200" baseline="0" dirty="0">
-                <a:solidFill>
-                  <a:srgbClr val="800000"/>
-                </a:solidFill>
-                <a:latin typeface="+mn-lt"/>
-                <a:ea typeface="+mn-ea"/>
-                <a:cs typeface="+mn-cs"/>
-              </a:rPr>
-              <a:t> w</a:t>
-            </a:r>
-            <a:r>
-              <a:rPr lang="en-CA" sz="1000" b="1" kern="1200" dirty="0">
-                <a:solidFill>
-                  <a:srgbClr val="800000"/>
-                </a:solidFill>
-                <a:latin typeface="+mn-lt"/>
-                <a:ea typeface="+mn-ea"/>
-                <a:cs typeface="+mn-cs"/>
-              </a:rPr>
-              <a:t>ithout an application platform</a:t>
-            </a:r>
-          </a:p>
-          <a:p>
-            <a:r>
-              <a:rPr lang="en-US" sz="1000" dirty="0"/>
-              <a:t>Show animations</a:t>
-            </a:r>
-          </a:p>
-          <a:p>
-            <a:endParaRPr lang="en-US" sz="1000" dirty="0"/>
-          </a:p>
-          <a:p>
-            <a:pPr marL="0" marR="0" indent="0" algn="l" defTabSz="914400" rtl="0" eaLnBrk="1" fontAlgn="auto" latinLnBrk="0" hangingPunct="1">
-              <a:lnSpc>
-                <a:spcPct val="100000"/>
-              </a:lnSpc>
-              <a:spcBef>
-                <a:spcPts val="0"/>
-              </a:spcBef>
-              <a:spcAft>
-                <a:spcPts val="0"/>
-              </a:spcAft>
-              <a:buClrTx/>
-              <a:buSzTx/>
-              <a:buFontTx/>
-              <a:buNone/>
-              <a:tabLst/>
-              <a:defRPr/>
-            </a:pPr>
-            <a:r>
-              <a:rPr lang="en-CA" sz="1000" b="1" kern="1200" dirty="0">
-                <a:solidFill>
-                  <a:srgbClr val="800000"/>
-                </a:solidFill>
-                <a:latin typeface="+mn-lt"/>
-                <a:ea typeface="+mn-ea"/>
-                <a:cs typeface="+mn-cs"/>
-              </a:rPr>
-              <a:t>On the other</a:t>
-            </a:r>
-            <a:r>
-              <a:rPr lang="en-CA" sz="1000" b="1" kern="1200" baseline="0" dirty="0">
-                <a:solidFill>
-                  <a:srgbClr val="800000"/>
-                </a:solidFill>
-                <a:latin typeface="+mn-lt"/>
-                <a:ea typeface="+mn-ea"/>
-                <a:cs typeface="+mn-cs"/>
-              </a:rPr>
-              <a:t> hand, if you are building your work on </a:t>
-            </a:r>
-            <a:r>
-              <a:rPr lang="en-CA" sz="1000" b="1" kern="1200" dirty="0">
-                <a:solidFill>
-                  <a:srgbClr val="800000"/>
-                </a:solidFill>
-                <a:latin typeface="+mn-lt"/>
-                <a:ea typeface="+mn-ea"/>
-                <a:cs typeface="+mn-cs"/>
-              </a:rPr>
-              <a:t>a</a:t>
-            </a:r>
-            <a:r>
-              <a:rPr lang="en-CA" sz="1000" b="1" kern="1200" baseline="0" dirty="0">
-                <a:solidFill>
-                  <a:srgbClr val="800000"/>
-                </a:solidFill>
-                <a:latin typeface="+mn-lt"/>
-                <a:ea typeface="+mn-ea"/>
-                <a:cs typeface="+mn-cs"/>
-              </a:rPr>
-              <a:t> pre-existing</a:t>
-            </a:r>
-            <a:r>
-              <a:rPr lang="en-CA" sz="1000" b="1" kern="1200" dirty="0">
-                <a:solidFill>
-                  <a:srgbClr val="800000"/>
-                </a:solidFill>
-                <a:latin typeface="+mn-lt"/>
-                <a:ea typeface="+mn-ea"/>
-                <a:cs typeface="+mn-cs"/>
-              </a:rPr>
-              <a:t> application platform</a:t>
-            </a:r>
-          </a:p>
-          <a:p>
-            <a:pPr lvl="0">
-              <a:buFont typeface="Arial" pitchFamily="34" charset="0"/>
-              <a:buNone/>
-            </a:pPr>
-            <a:r>
-              <a:rPr lang="en-CA" sz="1000" baseline="0" dirty="0"/>
-              <a:t>1. Portable (Win, Linux, Mac),  Open-source</a:t>
-            </a:r>
-            <a:endParaRPr lang="en-CA" sz="1000" dirty="0"/>
-          </a:p>
-          <a:p>
-            <a:endParaRPr lang="en-US" sz="1000" dirty="0"/>
+            <a:endParaRPr lang="en-CA" baseline="0" dirty="0"/>
           </a:p>
         </p:txBody>
       </p:sp>
@@ -5891,7 +3733,7 @@
             <a:spLocks noGrp="1"/>
           </p:cNvSpPr>
           <p:nvPr>
-            <p:ph type="sldNum" sz="quarter" idx="5"/>
+            <p:ph type="sldNum" sz="quarter" idx="10"/>
           </p:nvPr>
         </p:nvSpPr>
         <p:spPr/>
@@ -5899,14 +3741,9 @@
           <a:bodyPr/>
           <a:lstStyle/>
           <a:p>
-            <a:pPr>
-              <a:defRPr/>
-            </a:pPr>
-            <a:fld id="{7906AE71-2DEB-4313-AD57-10F20336F909}" type="slidenum">
+            <a:fld id="{1F1EA7EA-3873-4A18-AC34-55CD348F4F74}" type="slidenum">
               <a:rPr lang="en-US" smtClean="0"/>
-              <a:pPr>
-                <a:defRPr/>
-              </a:pPr>
+              <a:pPr/>
               <a:t>11</a:t>
             </a:fld>
             <a:endParaRPr lang="en-US"/>
@@ -5916,7 +3753,7 @@
     </p:spTree>
     <p:extLst>
       <p:ext uri="{BB962C8B-B14F-4D97-AF65-F5344CB8AC3E}">
-        <p14:creationId xmlns:p14="http://schemas.microsoft.com/office/powerpoint/2010/main" val="4223803756"/>
+        <p14:creationId xmlns:p14="http://schemas.microsoft.com/office/powerpoint/2010/main" val="56151519"/>
       </p:ext>
     </p:extLst>
   </p:cSld>
@@ -5967,93 +3804,6 @@
         </p:nvSpPr>
         <p:spPr/>
         <p:txBody>
-          <a:bodyPr>
-            <a:normAutofit/>
-          </a:bodyPr>
-          <a:lstStyle/>
-          <a:p>
-            <a:endParaRPr lang="en-CA" baseline="0" dirty="0"/>
-          </a:p>
-        </p:txBody>
-      </p:sp>
-      <p:sp>
-        <p:nvSpPr>
-          <p:cNvPr id="4" name="Slide Number Placeholder 3"/>
-          <p:cNvSpPr>
-            <a:spLocks noGrp="1"/>
-          </p:cNvSpPr>
-          <p:nvPr>
-            <p:ph type="sldNum" sz="quarter" idx="10"/>
-          </p:nvPr>
-        </p:nvSpPr>
-        <p:spPr/>
-        <p:txBody>
-          <a:bodyPr/>
-          <a:lstStyle/>
-          <a:p>
-            <a:fld id="{1F1EA7EA-3873-4A18-AC34-55CD348F4F74}" type="slidenum">
-              <a:rPr lang="en-US" smtClean="0"/>
-              <a:pPr/>
-              <a:t>12</a:t>
-            </a:fld>
-            <a:endParaRPr lang="en-US"/>
-          </a:p>
-        </p:txBody>
-      </p:sp>
-    </p:spTree>
-    <p:extLst>
-      <p:ext uri="{BB962C8B-B14F-4D97-AF65-F5344CB8AC3E}">
-        <p14:creationId xmlns:p14="http://schemas.microsoft.com/office/powerpoint/2010/main" val="56151519"/>
-      </p:ext>
-    </p:extLst>
-  </p:cSld>
-  <p:clrMapOvr>
-    <a:masterClrMapping/>
-  </p:clrMapOvr>
-</p:notes>
-</file>
-
-<file path=ppt/notesSlides/notesSlide9.xml><?xml version="1.0" encoding="utf-8"?>
-<p:notes xmlns:a="http://schemas.openxmlformats.org/drawingml/2006/main" xmlns:r="http://schemas.openxmlformats.org/officeDocument/2006/relationships" xmlns:p="http://schemas.openxmlformats.org/presentationml/2006/main">
-  <p:cSld>
-    <p:spTree>
-      <p:nvGrpSpPr>
-        <p:cNvPr id="1" name=""/>
-        <p:cNvGrpSpPr/>
-        <p:nvPr/>
-      </p:nvGrpSpPr>
-      <p:grpSpPr>
-        <a:xfrm>
-          <a:off x="0" y="0"/>
-          <a:ext cx="0" cy="0"/>
-          <a:chOff x="0" y="0"/>
-          <a:chExt cx="0" cy="0"/>
-        </a:xfrm>
-      </p:grpSpPr>
-      <p:sp>
-        <p:nvSpPr>
-          <p:cNvPr id="2" name="Slide Image Placeholder 1"/>
-          <p:cNvSpPr>
-            <a:spLocks noGrp="1" noRot="1" noChangeAspect="1"/>
-          </p:cNvSpPr>
-          <p:nvPr>
-            <p:ph type="sldImg"/>
-          </p:nvPr>
-        </p:nvSpPr>
-        <p:spPr/>
-      </p:sp>
-      <p:sp>
-        <p:nvSpPr>
-          <p:cNvPr id="3" name="Notes Placeholder 2"/>
-          <p:cNvSpPr>
-            <a:spLocks noGrp="1"/>
-          </p:cNvSpPr>
-          <p:nvPr>
-            <p:ph type="body" idx="1"/>
-          </p:nvPr>
-        </p:nvSpPr>
-        <p:spPr/>
-        <p:txBody>
           <a:bodyPr/>
           <a:lstStyle/>
           <a:p>
@@ -6153,7 +3903,7 @@
               <a:pPr>
                 <a:defRPr/>
               </a:pPr>
-              <a:t>13</a:t>
+              <a:t>12</a:t>
             </a:fld>
             <a:endParaRPr lang="en-US"/>
           </a:p>
@@ -6353,7 +4103,7 @@
           <a:p>
             <a:fld id="{9FE18F2B-46EB-42F1-ADBB-7DC15FF809A9}" type="datetime1">
               <a:rPr lang="en-CA" smtClean="0"/>
-              <a:t>2019-04-30</a:t>
+              <a:t>2019-05-01</a:t>
             </a:fld>
             <a:endParaRPr lang="en-CA" dirty="0"/>
           </a:p>
@@ -6651,7 +4401,7 @@
           <a:p>
             <a:fld id="{89909B16-C605-46D9-9901-5F215FFB9844}" type="datetime1">
               <a:rPr lang="en-CA" smtClean="0"/>
-              <a:t>2019-04-30</a:t>
+              <a:t>2019-05-01</a:t>
             </a:fld>
             <a:endParaRPr lang="en-CA"/>
           </a:p>
@@ -6855,7 +4605,7 @@
           <a:p>
             <a:fld id="{9FB522E9-13A7-4907-A4DF-6AD586BEFFFD}" type="datetime1">
               <a:rPr lang="en-CA" smtClean="0"/>
-              <a:t>2019-04-30</a:t>
+              <a:t>2019-05-01</a:t>
             </a:fld>
             <a:endParaRPr lang="en-CA"/>
           </a:p>
@@ -7137,7 +4887,7 @@
           <a:p>
             <a:fld id="{B70F6ABA-023A-4E7E-9A89-58D5A720A925}" type="datetime1">
               <a:rPr lang="en-CA" smtClean="0"/>
-              <a:t>2019-04-30</a:t>
+              <a:t>2019-05-01</a:t>
             </a:fld>
             <a:endParaRPr lang="en-CA"/>
           </a:p>
@@ -7753,795 +5503,6 @@
       </p:grpSpPr>
       <p:sp>
         <p:nvSpPr>
-          <p:cNvPr id="5" name="Title 1"/>
-          <p:cNvSpPr txBox="1">
-            <a:spLocks/>
-          </p:cNvSpPr>
-          <p:nvPr/>
-        </p:nvSpPr>
-        <p:spPr bwMode="auto">
-          <a:xfrm>
-            <a:off x="457200" y="0"/>
-            <a:ext cx="3962400" cy="910617"/>
-          </a:xfrm>
-          <a:prstGeom prst="rect">
-            <a:avLst/>
-          </a:prstGeom>
-          <a:noFill/>
-          <a:ln w="9525">
-            <a:noFill/>
-            <a:miter lim="800000"/>
-            <a:headEnd/>
-            <a:tailEnd/>
-          </a:ln>
-        </p:spPr>
-        <p:txBody>
-          <a:bodyPr anchor="ctr"/>
-          <a:lstStyle/>
-          <a:p>
-            <a:pPr algn="ctr" eaLnBrk="0" hangingPunct="0">
-              <a:defRPr/>
-            </a:pPr>
-            <a:r>
-              <a:rPr lang="en-CA" sz="2800" b="1" dirty="0">
-                <a:solidFill>
-                  <a:schemeClr val="tx2"/>
-                </a:solidFill>
-                <a:latin typeface="+mj-lt"/>
-                <a:ea typeface="+mj-ea"/>
-                <a:cs typeface="+mj-cs"/>
-              </a:rPr>
-              <a:t>Without an application platform</a:t>
-            </a:r>
-          </a:p>
-        </p:txBody>
-      </p:sp>
-      <p:sp>
-        <p:nvSpPr>
-          <p:cNvPr id="6" name="Content Placeholder 2"/>
-          <p:cNvSpPr txBox="1">
-            <a:spLocks/>
-          </p:cNvSpPr>
-          <p:nvPr/>
-        </p:nvSpPr>
-        <p:spPr>
-          <a:xfrm>
-            <a:off x="457200" y="1268761"/>
-            <a:ext cx="4191000" cy="3168352"/>
-          </a:xfrm>
-          <a:prstGeom prst="rect">
-            <a:avLst/>
-          </a:prstGeom>
-        </p:spPr>
-        <p:txBody>
-          <a:bodyPr/>
-          <a:lstStyle/>
-          <a:p>
-            <a:pPr marL="342900" indent="-342900" eaLnBrk="0" hangingPunct="0">
-              <a:spcBef>
-                <a:spcPct val="20000"/>
-              </a:spcBef>
-              <a:buFont typeface="Arial" charset="0"/>
-              <a:buChar char="•"/>
-              <a:defRPr/>
-            </a:pPr>
-            <a:r>
-              <a:rPr lang="en-CA" sz="2400" dirty="0">
-                <a:latin typeface="+mn-lt"/>
-              </a:rPr>
-              <a:t>Each application is developed from ground up</a:t>
-            </a:r>
-          </a:p>
-          <a:p>
-            <a:pPr marL="342900" indent="-342900" eaLnBrk="0" hangingPunct="0">
-              <a:spcBef>
-                <a:spcPct val="20000"/>
-              </a:spcBef>
-              <a:buFont typeface="Arial" charset="0"/>
-              <a:buChar char="•"/>
-              <a:defRPr/>
-            </a:pPr>
-            <a:r>
-              <a:rPr lang="en-CA" sz="2400" dirty="0">
-                <a:latin typeface="+mn-lt"/>
-              </a:rPr>
-              <a:t>Completely new software is developed for each problem/procedure/device</a:t>
-            </a:r>
-          </a:p>
-          <a:p>
-            <a:pPr marL="342900" indent="-342900" eaLnBrk="0" hangingPunct="0">
-              <a:spcBef>
-                <a:spcPct val="20000"/>
-              </a:spcBef>
-              <a:buFont typeface="Arial" charset="0"/>
-              <a:buChar char="•"/>
-              <a:defRPr/>
-            </a:pPr>
-            <a:r>
-              <a:rPr lang="en-CA" sz="2400" dirty="0">
-                <a:latin typeface="+mn-lt"/>
-              </a:rPr>
-              <a:t>Significant work is needed to integrate new, advanced algorithms</a:t>
-            </a:r>
-          </a:p>
-          <a:p>
-            <a:pPr eaLnBrk="0" hangingPunct="0">
-              <a:spcBef>
-                <a:spcPct val="20000"/>
-              </a:spcBef>
-              <a:defRPr/>
-            </a:pPr>
-            <a:endParaRPr lang="en-CA" sz="2400" dirty="0">
-              <a:latin typeface="+mn-lt"/>
-            </a:endParaRPr>
-          </a:p>
-        </p:txBody>
-      </p:sp>
-      <p:sp>
-        <p:nvSpPr>
-          <p:cNvPr id="7" name="Content Placeholder 2"/>
-          <p:cNvSpPr txBox="1">
-            <a:spLocks/>
-          </p:cNvSpPr>
-          <p:nvPr/>
-        </p:nvSpPr>
-        <p:spPr bwMode="auto">
-          <a:xfrm>
-            <a:off x="4648200" y="1268759"/>
-            <a:ext cx="4419600" cy="3312369"/>
-          </a:xfrm>
-          <a:prstGeom prst="rect">
-            <a:avLst/>
-          </a:prstGeom>
-          <a:noFill/>
-          <a:ln w="9525">
-            <a:noFill/>
-            <a:miter lim="800000"/>
-            <a:headEnd/>
-            <a:tailEnd/>
-          </a:ln>
-        </p:spPr>
-        <p:txBody>
-          <a:bodyPr/>
-          <a:lstStyle/>
-          <a:p>
-            <a:pPr marL="342900" indent="-342900" eaLnBrk="0" hangingPunct="0">
-              <a:spcBef>
-                <a:spcPct val="20000"/>
-              </a:spcBef>
-              <a:buFont typeface="Arial" charset="0"/>
-              <a:buChar char="•"/>
-              <a:defRPr/>
-            </a:pPr>
-            <a:r>
-              <a:rPr lang="en-CA" sz="2400" dirty="0">
-                <a:latin typeface="+mn-lt"/>
-              </a:rPr>
-              <a:t>Core functionalities are already implemented</a:t>
-            </a:r>
-          </a:p>
-          <a:p>
-            <a:pPr marL="342900" indent="-342900" eaLnBrk="0" hangingPunct="0">
-              <a:spcBef>
-                <a:spcPct val="20000"/>
-              </a:spcBef>
-              <a:buFont typeface="Arial" charset="0"/>
-              <a:buChar char="•"/>
-              <a:defRPr/>
-            </a:pPr>
-            <a:r>
-              <a:rPr lang="en-US" sz="2400" dirty="0">
-                <a:latin typeface="+mn-lt"/>
-              </a:rPr>
-              <a:t>New software modules can be developed for specific needs</a:t>
-            </a:r>
-            <a:endParaRPr lang="en-CA" sz="2400" dirty="0">
-              <a:latin typeface="+mn-lt"/>
-            </a:endParaRPr>
-          </a:p>
-          <a:p>
-            <a:pPr marL="342900" indent="-342900" eaLnBrk="0" hangingPunct="0">
-              <a:spcBef>
-                <a:spcPct val="20000"/>
-              </a:spcBef>
-              <a:buFont typeface="Arial" charset="0"/>
-              <a:buChar char="•"/>
-              <a:defRPr/>
-            </a:pPr>
-            <a:r>
-              <a:rPr lang="en-CA" sz="2400" dirty="0">
-                <a:latin typeface="+mn-lt"/>
-              </a:rPr>
-              <a:t>Many new, advanced algorithms are available</a:t>
-            </a:r>
-          </a:p>
-          <a:p>
-            <a:pPr marL="342900" indent="-342900" eaLnBrk="0" hangingPunct="0">
-              <a:spcBef>
-                <a:spcPct val="20000"/>
-              </a:spcBef>
-              <a:buFont typeface="Arial" charset="0"/>
-              <a:buChar char="•"/>
-              <a:defRPr/>
-            </a:pPr>
-            <a:r>
-              <a:rPr lang="en-CA" sz="2400" dirty="0">
-                <a:latin typeface="+mn-lt"/>
-              </a:rPr>
-              <a:t>Well-supported with a large user and developer community</a:t>
-            </a:r>
-          </a:p>
-          <a:p>
-            <a:pPr algn="ctr" eaLnBrk="0" hangingPunct="0">
-              <a:spcBef>
-                <a:spcPct val="20000"/>
-              </a:spcBef>
-              <a:buFont typeface="Arial" charset="0"/>
-              <a:buNone/>
-              <a:defRPr/>
-            </a:pPr>
-            <a:endParaRPr lang="en-CA" sz="2400" dirty="0">
-              <a:latin typeface="+mn-lt"/>
-            </a:endParaRPr>
-          </a:p>
-        </p:txBody>
-      </p:sp>
-      <p:sp>
-        <p:nvSpPr>
-          <p:cNvPr id="8" name="Title 1"/>
-          <p:cNvSpPr txBox="1">
-            <a:spLocks/>
-          </p:cNvSpPr>
-          <p:nvPr/>
-        </p:nvSpPr>
-        <p:spPr bwMode="auto">
-          <a:xfrm>
-            <a:off x="4800600" y="0"/>
-            <a:ext cx="3962400" cy="910617"/>
-          </a:xfrm>
-          <a:prstGeom prst="rect">
-            <a:avLst/>
-          </a:prstGeom>
-          <a:noFill/>
-          <a:ln w="9525">
-            <a:noFill/>
-            <a:miter lim="800000"/>
-            <a:headEnd/>
-            <a:tailEnd/>
-          </a:ln>
-        </p:spPr>
-        <p:txBody>
-          <a:bodyPr anchor="ctr"/>
-          <a:lstStyle/>
-          <a:p>
-            <a:pPr algn="ctr" eaLnBrk="0" hangingPunct="0">
-              <a:defRPr/>
-            </a:pPr>
-            <a:r>
-              <a:rPr lang="en-CA" sz="2800" b="1" dirty="0">
-                <a:solidFill>
-                  <a:schemeClr val="tx2"/>
-                </a:solidFill>
-                <a:latin typeface="+mj-lt"/>
-                <a:ea typeface="+mj-ea"/>
-                <a:cs typeface="+mj-cs"/>
-              </a:rPr>
-              <a:t>Building on an application platform</a:t>
-            </a:r>
-          </a:p>
-        </p:txBody>
-      </p:sp>
-      <p:grpSp>
-        <p:nvGrpSpPr>
-          <p:cNvPr id="16" name="Group 15"/>
-          <p:cNvGrpSpPr/>
-          <p:nvPr/>
-        </p:nvGrpSpPr>
-        <p:grpSpPr>
-          <a:xfrm>
-            <a:off x="381000" y="4772000"/>
-            <a:ext cx="8393138" cy="1226208"/>
-            <a:chOff x="381000" y="4772000"/>
-            <a:chExt cx="8393138" cy="1226208"/>
-          </a:xfrm>
-        </p:grpSpPr>
-        <p:grpSp>
-          <p:nvGrpSpPr>
-            <p:cNvPr id="4" name="Group 3"/>
-            <p:cNvGrpSpPr/>
-            <p:nvPr/>
-          </p:nvGrpSpPr>
-          <p:grpSpPr>
-            <a:xfrm>
-              <a:off x="381000" y="4772000"/>
-              <a:ext cx="3902968" cy="1202928"/>
-              <a:chOff x="381000" y="4772000"/>
-              <a:chExt cx="3902968" cy="1202928"/>
-            </a:xfrm>
-          </p:grpSpPr>
-          <p:sp>
-            <p:nvSpPr>
-              <p:cNvPr id="3" name="Rectangle 2"/>
-              <p:cNvSpPr/>
-              <p:nvPr/>
-            </p:nvSpPr>
-            <p:spPr>
-              <a:xfrm>
-                <a:off x="907976" y="4822800"/>
-                <a:ext cx="3375992" cy="1152128"/>
-              </a:xfrm>
-              <a:prstGeom prst="rect">
-                <a:avLst/>
-              </a:prstGeom>
-              <a:noFill/>
-              <a:ln>
-                <a:noFill/>
-              </a:ln>
-            </p:spPr>
-            <p:style>
-              <a:lnRef idx="2">
-                <a:schemeClr val="accent1">
-                  <a:shade val="50000"/>
-                </a:schemeClr>
-              </a:lnRef>
-              <a:fillRef idx="1">
-                <a:schemeClr val="accent1"/>
-              </a:fillRef>
-              <a:effectRef idx="0">
-                <a:schemeClr val="accent1"/>
-              </a:effectRef>
-              <a:fontRef idx="minor">
-                <a:schemeClr val="lt1"/>
-              </a:fontRef>
-            </p:style>
-            <p:txBody>
-              <a:bodyPr rtlCol="0" anchor="ctr"/>
-              <a:lstStyle/>
-              <a:p>
-                <a:pPr eaLnBrk="0" hangingPunct="0">
-                  <a:spcBef>
-                    <a:spcPct val="20000"/>
-                  </a:spcBef>
-                  <a:buFont typeface="Arial" charset="0"/>
-                  <a:buNone/>
-                  <a:defRPr/>
-                </a:pPr>
-                <a:r>
-                  <a:rPr lang="en-CA" sz="2400" dirty="0">
-                    <a:solidFill>
-                      <a:srgbClr val="00B050"/>
-                    </a:solidFill>
-                  </a:rPr>
-                  <a:t>Quick start.</a:t>
-                </a:r>
-              </a:p>
-              <a:p>
-                <a:pPr eaLnBrk="0" hangingPunct="0">
-                  <a:spcBef>
-                    <a:spcPct val="20000"/>
-                  </a:spcBef>
-                  <a:buFont typeface="Arial" charset="0"/>
-                  <a:buNone/>
-                  <a:defRPr/>
-                </a:pPr>
-                <a:r>
-                  <a:rPr lang="en-CA" sz="2400" dirty="0">
-                    <a:solidFill>
-                      <a:srgbClr val="FF0000"/>
-                    </a:solidFill>
-                  </a:rPr>
-                  <a:t>Huge waste of time, money, and effort overall.</a:t>
-                </a:r>
-              </a:p>
-            </p:txBody>
-          </p:sp>
-          <p:pic>
-            <p:nvPicPr>
-              <p:cNvPr id="11" name="Picture 2" descr="C:\Documents and Settings\andras\Local Settings\Temporary Internet Files\Content.IE5\PGE4P71G\MC900441322[1].png"/>
-              <p:cNvPicPr>
-                <a:picLocks noChangeAspect="1" noChangeArrowheads="1"/>
-              </p:cNvPicPr>
-              <p:nvPr/>
-            </p:nvPicPr>
-            <p:blipFill>
-              <a:blip r:embed="rId4" cstate="print"/>
-              <a:srcRect/>
-              <a:stretch>
-                <a:fillRect/>
-              </a:stretch>
-            </p:blipFill>
-            <p:spPr bwMode="auto">
-              <a:xfrm>
-                <a:off x="403920" y="4772000"/>
-                <a:ext cx="457200" cy="457200"/>
-              </a:xfrm>
-              <a:prstGeom prst="rect">
-                <a:avLst/>
-              </a:prstGeom>
-              <a:noFill/>
-            </p:spPr>
-          </p:pic>
-          <p:pic>
-            <p:nvPicPr>
-              <p:cNvPr id="12" name="Picture 3" descr="C:\Documents and Settings\andras\Local Settings\Temporary Internet Files\Content.IE5\KAA245SN\MC900441321[1].png"/>
-              <p:cNvPicPr>
-                <a:picLocks noChangeAspect="1" noChangeArrowheads="1"/>
-              </p:cNvPicPr>
-              <p:nvPr/>
-            </p:nvPicPr>
-            <p:blipFill>
-              <a:blip r:embed="rId5" cstate="print"/>
-              <a:srcRect/>
-              <a:stretch>
-                <a:fillRect/>
-              </a:stretch>
-            </p:blipFill>
-            <p:spPr bwMode="auto">
-              <a:xfrm>
-                <a:off x="381000" y="5492080"/>
-                <a:ext cx="457200" cy="457200"/>
-              </a:xfrm>
-              <a:prstGeom prst="rect">
-                <a:avLst/>
-              </a:prstGeom>
-              <a:noFill/>
-            </p:spPr>
-          </p:pic>
-        </p:grpSp>
-        <p:grpSp>
-          <p:nvGrpSpPr>
-            <p:cNvPr id="15" name="Group 14"/>
-            <p:cNvGrpSpPr/>
-            <p:nvPr/>
-          </p:nvGrpSpPr>
-          <p:grpSpPr>
-            <a:xfrm>
-              <a:off x="4644008" y="4822374"/>
-              <a:ext cx="4130130" cy="1175834"/>
-              <a:chOff x="4644008" y="4822374"/>
-              <a:chExt cx="4130130" cy="1175834"/>
-            </a:xfrm>
-          </p:grpSpPr>
-          <p:sp>
-            <p:nvSpPr>
-              <p:cNvPr id="9" name="Rectangle 8"/>
-              <p:cNvSpPr/>
-              <p:nvPr/>
-            </p:nvSpPr>
-            <p:spPr>
-              <a:xfrm>
-                <a:off x="5110114" y="4822374"/>
-                <a:ext cx="3664024" cy="1175834"/>
-              </a:xfrm>
-              <a:prstGeom prst="rect">
-                <a:avLst/>
-              </a:prstGeom>
-              <a:noFill/>
-              <a:ln>
-                <a:noFill/>
-              </a:ln>
-            </p:spPr>
-            <p:style>
-              <a:lnRef idx="2">
-                <a:schemeClr val="accent1">
-                  <a:shade val="50000"/>
-                </a:schemeClr>
-              </a:lnRef>
-              <a:fillRef idx="1">
-                <a:schemeClr val="accent1"/>
-              </a:fillRef>
-              <a:effectRef idx="0">
-                <a:schemeClr val="accent1"/>
-              </a:effectRef>
-              <a:fontRef idx="minor">
-                <a:schemeClr val="lt1"/>
-              </a:fontRef>
-            </p:style>
-            <p:txBody>
-              <a:bodyPr rtlCol="0" anchor="ctr"/>
-              <a:lstStyle/>
-              <a:p>
-                <a:pPr eaLnBrk="0" hangingPunct="0">
-                  <a:spcBef>
-                    <a:spcPct val="20000"/>
-                  </a:spcBef>
-                  <a:buFont typeface="Arial" charset="0"/>
-                  <a:buNone/>
-                  <a:defRPr/>
-                </a:pPr>
-                <a:r>
-                  <a:rPr lang="en-CA" sz="2400" dirty="0">
-                    <a:solidFill>
-                      <a:srgbClr val="FF0000"/>
-                    </a:solidFill>
-                  </a:rPr>
-                  <a:t>Investment at the beginning: </a:t>
-                </a:r>
-                <a:r>
-                  <a:rPr lang="en-CA" sz="2400" dirty="0">
-                    <a:solidFill>
-                      <a:srgbClr val="00B050"/>
-                    </a:solidFill>
-                  </a:rPr>
-                  <a:t>learning</a:t>
-                </a:r>
-                <a:r>
-                  <a:rPr lang="en-CA" sz="2400" dirty="0">
-                    <a:solidFill>
-                      <a:srgbClr val="FF0000"/>
-                    </a:solidFill>
-                  </a:rPr>
-                  <a:t>.</a:t>
-                </a:r>
-              </a:p>
-              <a:p>
-                <a:pPr eaLnBrk="0" hangingPunct="0">
-                  <a:spcBef>
-                    <a:spcPct val="20000"/>
-                  </a:spcBef>
-                  <a:buFont typeface="Arial" charset="0"/>
-                  <a:buNone/>
-                  <a:defRPr/>
-                </a:pPr>
-                <a:r>
-                  <a:rPr lang="en-CA" sz="2400" dirty="0">
-                    <a:solidFill>
-                      <a:srgbClr val="00B050"/>
-                    </a:solidFill>
-                  </a:rPr>
-                  <a:t>Minimal wasted efforts. </a:t>
-                </a:r>
-              </a:p>
-            </p:txBody>
-          </p:sp>
-          <p:pic>
-            <p:nvPicPr>
-              <p:cNvPr id="13" name="Picture 2" descr="C:\Documents and Settings\andras\Local Settings\Temporary Internet Files\Content.IE5\PGE4P71G\MC900441322[1].png"/>
-              <p:cNvPicPr>
-                <a:picLocks noChangeAspect="1" noChangeArrowheads="1"/>
-              </p:cNvPicPr>
-              <p:nvPr/>
-            </p:nvPicPr>
-            <p:blipFill>
-              <a:blip r:embed="rId4" cstate="print"/>
-              <a:srcRect/>
-              <a:stretch>
-                <a:fillRect/>
-              </a:stretch>
-            </p:blipFill>
-            <p:spPr bwMode="auto">
-              <a:xfrm>
-                <a:off x="4644008" y="5541008"/>
-                <a:ext cx="457200" cy="457200"/>
-              </a:xfrm>
-              <a:prstGeom prst="rect">
-                <a:avLst/>
-              </a:prstGeom>
-              <a:noFill/>
-            </p:spPr>
-          </p:pic>
-          <p:pic>
-            <p:nvPicPr>
-              <p:cNvPr id="14" name="Picture 3" descr="C:\Documents and Settings\andras\Local Settings\Temporary Internet Files\Content.IE5\KAA245SN\MC900441321[1].png"/>
-              <p:cNvPicPr>
-                <a:picLocks noChangeAspect="1" noChangeArrowheads="1"/>
-              </p:cNvPicPr>
-              <p:nvPr/>
-            </p:nvPicPr>
-            <p:blipFill>
-              <a:blip r:embed="rId5" cstate="print"/>
-              <a:srcRect/>
-              <a:stretch>
-                <a:fillRect/>
-              </a:stretch>
-            </p:blipFill>
-            <p:spPr bwMode="auto">
-              <a:xfrm>
-                <a:off x="4644008" y="4916016"/>
-                <a:ext cx="457200" cy="457200"/>
-              </a:xfrm>
-              <a:prstGeom prst="rect">
-                <a:avLst/>
-              </a:prstGeom>
-              <a:noFill/>
-            </p:spPr>
-          </p:pic>
-        </p:grpSp>
-      </p:grpSp>
-      <p:sp>
-        <p:nvSpPr>
-          <p:cNvPr id="20" name="Slide Number Placeholder 1"/>
-          <p:cNvSpPr>
-            <a:spLocks noGrp="1"/>
-          </p:cNvSpPr>
-          <p:nvPr>
-            <p:ph type="sldNum" sz="quarter" idx="10"/>
-          </p:nvPr>
-        </p:nvSpPr>
-        <p:spPr>
-          <a:xfrm>
-            <a:off x="7162800" y="6356350"/>
-            <a:ext cx="533400" cy="365125"/>
-          </a:xfrm>
-        </p:spPr>
-        <p:txBody>
-          <a:bodyPr/>
-          <a:lstStyle/>
-          <a:p>
-            <a:pPr algn="ctr">
-              <a:defRPr/>
-            </a:pPr>
-            <a:r>
-              <a:rPr lang="en-US" dirty="0"/>
-              <a:t>- </a:t>
-            </a:r>
-            <a:fld id="{56889711-7CC8-4EBF-93B1-BBA7911D692F}" type="slidenum">
-              <a:rPr lang="en-US" smtClean="0"/>
-              <a:t>11</a:t>
-            </a:fld>
-            <a:r>
-              <a:rPr lang="en-US" dirty="0"/>
-              <a:t> -</a:t>
-            </a:r>
-          </a:p>
-        </p:txBody>
-      </p:sp>
-      <p:sp>
-        <p:nvSpPr>
-          <p:cNvPr id="21" name="Footer Placeholder 2"/>
-          <p:cNvSpPr>
-            <a:spLocks noGrp="1"/>
-          </p:cNvSpPr>
-          <p:nvPr>
-            <p:ph type="ftr" sz="quarter" idx="11"/>
-          </p:nvPr>
-        </p:nvSpPr>
-        <p:spPr>
-          <a:xfrm>
-            <a:off x="1905000" y="6356350"/>
-            <a:ext cx="5257800" cy="365125"/>
-          </a:xfrm>
-        </p:spPr>
-        <p:txBody>
-          <a:bodyPr/>
-          <a:lstStyle/>
-          <a:p>
-            <a:pPr>
-              <a:defRPr/>
-            </a:pPr>
-            <a:r>
-              <a:rPr lang="en-US" dirty="0"/>
-              <a:t>Laboratory for Percutaneous Surgery – Copyright © Queen’s University, 2019</a:t>
-            </a:r>
-          </a:p>
-        </p:txBody>
-      </p:sp>
-    </p:spTree>
-    <p:custDataLst>
-      <p:tags r:id="rId1"/>
-    </p:custDataLst>
-    <p:extLst>
-      <p:ext uri="{BB962C8B-B14F-4D97-AF65-F5344CB8AC3E}">
-        <p14:creationId xmlns:p14="http://schemas.microsoft.com/office/powerpoint/2010/main" val="76428727"/>
-      </p:ext>
-    </p:extLst>
-  </p:cSld>
-  <p:clrMapOvr>
-    <a:masterClrMapping/>
-  </p:clrMapOvr>
-  <mc:AlternateContent xmlns:mc="http://schemas.openxmlformats.org/markup-compatibility/2006" xmlns:p14="http://schemas.microsoft.com/office/powerpoint/2010/main">
-    <mc:Choice Requires="p14">
-      <p:transition spd="slow" p14:dur="2000" advTm="1579"/>
-    </mc:Choice>
-    <mc:Fallback xmlns="">
-      <p:transition spd="slow" advTm="1579"/>
-    </mc:Fallback>
-  </mc:AlternateContent>
-  <p:timing>
-    <p:tnLst>
-      <p:par>
-        <p:cTn id="1" dur="indefinite" restart="never" nodeType="tmRoot">
-          <p:childTnLst>
-            <p:seq concurrent="1" nextAc="seek">
-              <p:cTn id="2" dur="indefinite" nodeType="mainSeq">
-                <p:childTnLst>
-                  <p:par>
-                    <p:cTn id="3" fill="hold">
-                      <p:stCondLst>
-                        <p:cond delay="indefinite"/>
-                      </p:stCondLst>
-                      <p:childTnLst>
-                        <p:par>
-                          <p:cTn id="4" fill="hold">
-                            <p:stCondLst>
-                              <p:cond delay="0"/>
-                            </p:stCondLst>
-                            <p:childTnLst>
-                              <p:par>
-                                <p:cTn id="5" presetID="10" presetClass="entr" presetSubtype="0" fill="hold" nodeType="clickEffect">
-                                  <p:stCondLst>
-                                    <p:cond delay="0"/>
-                                  </p:stCondLst>
-                                  <p:childTnLst>
-                                    <p:set>
-                                      <p:cBhvr>
-                                        <p:cTn id="6" dur="1" fill="hold">
-                                          <p:stCondLst>
-                                            <p:cond delay="0"/>
-                                          </p:stCondLst>
-                                        </p:cTn>
-                                        <p:tgtEl>
-                                          <p:spTgt spid="16"/>
-                                        </p:tgtEl>
-                                        <p:attrNameLst>
-                                          <p:attrName>style.visibility</p:attrName>
-                                        </p:attrNameLst>
-                                      </p:cBhvr>
-                                      <p:to>
-                                        <p:strVal val="visible"/>
-                                      </p:to>
-                                    </p:set>
-                                    <p:animEffect transition="in" filter="fade">
-                                      <p:cBhvr>
-                                        <p:cTn id="7" dur="500"/>
-                                        <p:tgtEl>
-                                          <p:spTgt spid="16"/>
-                                        </p:tgtEl>
-                                      </p:cBhvr>
-                                    </p:animEffect>
-                                  </p:childTnLst>
-                                </p:cTn>
-                              </p:par>
-                            </p:childTnLst>
-                          </p:cTn>
-                        </p:par>
-                      </p:childTnLst>
-                    </p:cTn>
-                  </p:par>
-                </p:childTnLst>
-              </p:cTn>
-              <p:prevCondLst>
-                <p:cond evt="onPrev" delay="0">
-                  <p:tgtEl>
-                    <p:sldTgt/>
-                  </p:tgtEl>
-                </p:cond>
-              </p:prevCondLst>
-              <p:nextCondLst>
-                <p:cond evt="onNext" delay="0">
-                  <p:tgtEl>
-                    <p:sldTgt/>
-                  </p:tgtEl>
-                </p:cond>
-              </p:nextCondLst>
-            </p:seq>
-          </p:childTnLst>
-        </p:cTn>
-      </p:par>
-    </p:tnLst>
-  </p:timing>
-</p:sld>
-</file>
-
-<file path=ppt/slides/slide12.xml><?xml version="1.0" encoding="utf-8"?>
-<p:sld xmlns:a="http://schemas.openxmlformats.org/drawingml/2006/main" xmlns:r="http://schemas.openxmlformats.org/officeDocument/2006/relationships" xmlns:p="http://schemas.openxmlformats.org/presentationml/2006/main">
-  <p:cSld>
-    <p:spTree>
-      <p:nvGrpSpPr>
-        <p:cNvPr id="1" name=""/>
-        <p:cNvGrpSpPr/>
-        <p:nvPr/>
-      </p:nvGrpSpPr>
-      <p:grpSpPr>
-        <a:xfrm>
-          <a:off x="0" y="0"/>
-          <a:ext cx="0" cy="0"/>
-          <a:chOff x="0" y="0"/>
-          <a:chExt cx="0" cy="0"/>
-        </a:xfrm>
-      </p:grpSpPr>
-      <p:sp>
-        <p:nvSpPr>
           <p:cNvPr id="2" name="Title 1"/>
           <p:cNvSpPr>
             <a:spLocks noGrp="1"/>
@@ -8749,7 +5710,7 @@
 </p:sld>
 </file>
 
-<file path=ppt/slides/slide13.xml><?xml version="1.0" encoding="utf-8"?>
+<file path=ppt/slides/slide12.xml><?xml version="1.0" encoding="utf-8"?>
 <p:sld xmlns:a="http://schemas.openxmlformats.org/drawingml/2006/main" xmlns:r="http://schemas.openxmlformats.org/officeDocument/2006/relationships" xmlns:p="http://schemas.openxmlformats.org/presentationml/2006/main">
   <p:cSld>
     <p:spTree>
@@ -11442,7 +8403,7 @@
             </a:r>
             <a:fld id="{5956B730-B1F8-44BC-BA64-192B445FEF2C}" type="slidenum">
               <a:rPr lang="en-US" smtClean="0"/>
-              <a:t>13</a:t>
+              <a:t>12</a:t>
             </a:fld>
             <a:r>
               <a:rPr lang="en-US" dirty="0"/>
@@ -11477,6 +8438,45 @@
             <a:r>
               <a:rPr lang="en-US" dirty="0"/>
               <a:t>Laboratory for Percutaneous Surgery – Copyright © Queen’s University, 2019</a:t>
+            </a:r>
+          </a:p>
+        </p:txBody>
+      </p:sp>
+      <p:sp>
+        <p:nvSpPr>
+          <p:cNvPr id="91" name="TextBox 90">
+            <a:extLst>
+              <a:ext uri="{FF2B5EF4-FFF2-40B4-BE49-F238E27FC236}">
+                <a16:creationId xmlns:a16="http://schemas.microsoft.com/office/drawing/2014/main" id="{36E1B244-8CEA-4ADE-B4BA-F474731B0BC7}"/>
+              </a:ext>
+            </a:extLst>
+          </p:cNvPr>
+          <p:cNvSpPr txBox="1"/>
+          <p:nvPr/>
+        </p:nvSpPr>
+        <p:spPr>
+          <a:xfrm>
+            <a:off x="1803878" y="958958"/>
+            <a:ext cx="795803" cy="338554"/>
+          </a:xfrm>
+          <a:prstGeom prst="rect">
+            <a:avLst/>
+          </a:prstGeom>
+          <a:noFill/>
+        </p:spPr>
+        <p:txBody>
+          <a:bodyPr wrap="square" rtlCol="0">
+            <a:spAutoFit/>
+          </a:bodyPr>
+          <a:lstStyle/>
+          <a:p>
+            <a:r>
+              <a:rPr lang="en-CA" sz="1600" b="1" dirty="0">
+                <a:highlight>
+                  <a:srgbClr val="FFFF00"/>
+                </a:highlight>
+              </a:rPr>
+              <a:t>0.01%</a:t>
             </a:r>
           </a:p>
         </p:txBody>
@@ -11502,196 +8502,7 @@
 </p:sld>
 </file>
 
-<file path=ppt/slides/slide14.xml><?xml version="1.0" encoding="utf-8"?>
-<p:sld xmlns:a="http://schemas.openxmlformats.org/drawingml/2006/main" xmlns:r="http://schemas.openxmlformats.org/officeDocument/2006/relationships" xmlns:p="http://schemas.openxmlformats.org/presentationml/2006/main">
-  <p:cSld>
-    <p:spTree>
-      <p:nvGrpSpPr>
-        <p:cNvPr id="1" name=""/>
-        <p:cNvGrpSpPr/>
-        <p:nvPr/>
-      </p:nvGrpSpPr>
-      <p:grpSpPr>
-        <a:xfrm>
-          <a:off x="0" y="0"/>
-          <a:ext cx="0" cy="0"/>
-          <a:chOff x="0" y="0"/>
-          <a:chExt cx="0" cy="0"/>
-        </a:xfrm>
-      </p:grpSpPr>
-      <p:sp>
-        <p:nvSpPr>
-          <p:cNvPr id="78" name="Title 1"/>
-          <p:cNvSpPr>
-            <a:spLocks noGrp="1"/>
-          </p:cNvSpPr>
-          <p:nvPr>
-            <p:ph type="title"/>
-          </p:nvPr>
-        </p:nvSpPr>
-        <p:spPr>
-          <a:xfrm>
-            <a:off x="457200" y="122238"/>
-            <a:ext cx="8229600" cy="868362"/>
-          </a:xfrm>
-        </p:spPr>
-        <p:txBody>
-          <a:bodyPr/>
-          <a:lstStyle/>
-          <a:p>
-            <a:r>
-              <a:rPr lang="en-US" dirty="0"/>
-              <a:t>Building on a platform</a:t>
-            </a:r>
-          </a:p>
-        </p:txBody>
-      </p:sp>
-      <p:graphicFrame>
-        <p:nvGraphicFramePr>
-          <p:cNvPr id="91" name="Chart 90"/>
-          <p:cNvGraphicFramePr>
-            <a:graphicFrameLocks/>
-          </p:cNvGraphicFramePr>
-          <p:nvPr>
-            <p:extLst/>
-          </p:nvPr>
-        </p:nvGraphicFramePr>
-        <p:xfrm>
-          <a:off x="304800" y="1189546"/>
-          <a:ext cx="8502253" cy="4802587"/>
-        </p:xfrm>
-        <a:graphic>
-          <a:graphicData uri="http://schemas.openxmlformats.org/drawingml/2006/chart">
-            <c:chart xmlns:c="http://schemas.openxmlformats.org/drawingml/2006/chart" xmlns:r="http://schemas.openxmlformats.org/officeDocument/2006/relationships" r:id="rId3"/>
-          </a:graphicData>
-        </a:graphic>
-      </p:graphicFrame>
-      <p:sp>
-        <p:nvSpPr>
-          <p:cNvPr id="6" name="Slide Number Placeholder 1"/>
-          <p:cNvSpPr>
-            <a:spLocks noGrp="1"/>
-          </p:cNvSpPr>
-          <p:nvPr>
-            <p:ph type="sldNum" sz="quarter" idx="10"/>
-          </p:nvPr>
-        </p:nvSpPr>
-        <p:spPr>
-          <a:xfrm>
-            <a:off x="7162800" y="6356350"/>
-            <a:ext cx="533400" cy="365125"/>
-          </a:xfrm>
-        </p:spPr>
-        <p:txBody>
-          <a:bodyPr/>
-          <a:lstStyle/>
-          <a:p>
-            <a:pPr algn="ctr">
-              <a:defRPr/>
-            </a:pPr>
-            <a:r>
-              <a:rPr lang="en-US" dirty="0"/>
-              <a:t>- </a:t>
-            </a:r>
-            <a:fld id="{0FBE626C-499D-4BDB-89F5-AB508D400932}" type="slidenum">
-              <a:rPr lang="en-US" smtClean="0"/>
-              <a:t>14</a:t>
-            </a:fld>
-            <a:r>
-              <a:rPr lang="en-US" dirty="0"/>
-              <a:t> -</a:t>
-            </a:r>
-          </a:p>
-        </p:txBody>
-      </p:sp>
-      <p:sp>
-        <p:nvSpPr>
-          <p:cNvPr id="7" name="Footer Placeholder 2"/>
-          <p:cNvSpPr>
-            <a:spLocks noGrp="1"/>
-          </p:cNvSpPr>
-          <p:nvPr>
-            <p:ph type="ftr" sz="quarter" idx="11"/>
-          </p:nvPr>
-        </p:nvSpPr>
-        <p:spPr>
-          <a:xfrm>
-            <a:off x="1905000" y="6356350"/>
-            <a:ext cx="5257800" cy="365125"/>
-          </a:xfrm>
-        </p:spPr>
-        <p:txBody>
-          <a:bodyPr/>
-          <a:lstStyle/>
-          <a:p>
-            <a:pPr>
-              <a:defRPr/>
-            </a:pPr>
-            <a:r>
-              <a:rPr lang="en-US" dirty="0"/>
-              <a:t>Laboratory for Percutaneous Surgery – Copyright © Queen’s University, 2019</a:t>
-            </a:r>
-          </a:p>
-        </p:txBody>
-      </p:sp>
-      <p:pic>
-        <p:nvPicPr>
-          <p:cNvPr id="3" name="Picture 2">
-            <a:extLst>
-              <a:ext uri="{FF2B5EF4-FFF2-40B4-BE49-F238E27FC236}">
-                <a16:creationId xmlns:a16="http://schemas.microsoft.com/office/drawing/2014/main" id="{D05B0EBD-9563-4DEE-9470-26325A284609}"/>
-              </a:ext>
-            </a:extLst>
-          </p:cNvPr>
-          <p:cNvPicPr>
-            <a:picLocks noChangeAspect="1"/>
-          </p:cNvPicPr>
-          <p:nvPr/>
-        </p:nvPicPr>
-        <p:blipFill>
-          <a:blip r:embed="rId4" cstate="print">
-            <a:extLst>
-              <a:ext uri="{28A0092B-C50C-407E-A947-70E740481C1C}">
-                <a14:useLocalDpi xmlns:a14="http://schemas.microsoft.com/office/drawing/2010/main" val="0"/>
-              </a:ext>
-            </a:extLst>
-          </a:blip>
-          <a:stretch>
-            <a:fillRect/>
-          </a:stretch>
-        </p:blipFill>
-        <p:spPr>
-          <a:xfrm>
-            <a:off x="5724128" y="5381001"/>
-            <a:ext cx="2195736" cy="1006379"/>
-          </a:xfrm>
-          <a:prstGeom prst="rect">
-            <a:avLst/>
-          </a:prstGeom>
-        </p:spPr>
-      </p:pic>
-    </p:spTree>
-    <p:extLst>
-      <p:ext uri="{BB962C8B-B14F-4D97-AF65-F5344CB8AC3E}">
-        <p14:creationId xmlns:p14="http://schemas.microsoft.com/office/powerpoint/2010/main" val="1711046565"/>
-      </p:ext>
-    </p:extLst>
-  </p:cSld>
-  <p:clrMapOvr>
-    <a:masterClrMapping/>
-  </p:clrMapOvr>
-  <mc:AlternateContent xmlns:mc="http://schemas.openxmlformats.org/markup-compatibility/2006" xmlns:p14="http://schemas.microsoft.com/office/powerpoint/2010/main">
-    <mc:Choice Requires="p14">
-      <p:transition spd="slow" p14:dur="2000" advTm="163"/>
-    </mc:Choice>
-    <mc:Fallback xmlns="">
-      <p:transition spd="slow" advTm="163"/>
-    </mc:Fallback>
-  </mc:AlternateContent>
-</p:sld>
-</file>
-
-<file path=ppt/slides/slide15.xml><?xml version="1.0" encoding="utf-8"?>
+<file path=ppt/slides/slide13.xml><?xml version="1.0" encoding="utf-8"?>
 <p:sld xmlns:a="http://schemas.openxmlformats.org/drawingml/2006/main" xmlns:r="http://schemas.openxmlformats.org/officeDocument/2006/relationships" xmlns:p="http://schemas.openxmlformats.org/presentationml/2006/main">
   <p:cSld>
     <p:spTree>
@@ -15151,12 +11962,6 @@
     <a:masterClrMapping/>
   </p:clrMapOvr>
 </p:sld>
-</file>
-
-<file path=ppt/tags/tag1.xml><?xml version="1.0" encoding="utf-8"?>
-<p:tagLst xmlns:a="http://schemas.openxmlformats.org/drawingml/2006/main" xmlns:r="http://schemas.openxmlformats.org/officeDocument/2006/relationships" xmlns:p="http://schemas.openxmlformats.org/presentationml/2006/main">
-  <p:tag name="TIMING" val="|0.2|0.1|0.1|0.1|0.1|0.1|0.1|0.2"/>
-</p:tagLst>
 </file>
 
 <file path=ppt/theme/theme1.xml><?xml version="1.0" encoding="utf-8"?>

--- a/Doc/day1_1_PerkLabResearchMethodology.pptx
+++ b/Doc/day1_1_PerkLabResearchMethodology.pptx
@@ -5,7 +5,7 @@
     <p:sldMasterId id="2147483648" r:id="rId1"/>
   </p:sldMasterIdLst>
   <p:notesMasterIdLst>
-    <p:notesMasterId r:id="rId15"/>
+    <p:notesMasterId r:id="rId16"/>
   </p:notesMasterIdLst>
   <p:sldIdLst>
     <p:sldId id="256" r:id="rId2"/>
@@ -15,12 +15,13 @@
     <p:sldId id="514" r:id="rId6"/>
     <p:sldId id="513" r:id="rId7"/>
     <p:sldId id="506" r:id="rId8"/>
-    <p:sldId id="507" r:id="rId9"/>
-    <p:sldId id="508" r:id="rId10"/>
-    <p:sldId id="495" r:id="rId11"/>
-    <p:sldId id="314" r:id="rId12"/>
-    <p:sldId id="517" r:id="rId13"/>
-    <p:sldId id="406" r:id="rId14"/>
+    <p:sldId id="518" r:id="rId9"/>
+    <p:sldId id="507" r:id="rId10"/>
+    <p:sldId id="508" r:id="rId11"/>
+    <p:sldId id="495" r:id="rId12"/>
+    <p:sldId id="519" r:id="rId13"/>
+    <p:sldId id="520" r:id="rId14"/>
+    <p:sldId id="406" r:id="rId15"/>
   </p:sldIdLst>
   <p:sldSz cx="9144000" cy="6858000" type="screen4x3"/>
   <p:notesSz cx="6858000" cy="9144000"/>
@@ -2897,7 +2898,7 @@
             <a:fld id="{A6E16264-6225-448A-8F6B-37C607BF693C}" type="datetimeFigureOut">
               <a:rPr lang="en-CA" smtClean="0"/>
               <a:pPr/>
-              <a:t>2019-05-01</a:t>
+              <a:t>2021-05-02</a:t>
             </a:fld>
             <a:endParaRPr lang="en-CA"/>
           </a:p>
@@ -3657,7 +3658,7 @@
             <a:fld id="{B908D7CC-9EDB-427A-B68E-C9E3B672A84A}" type="slidenum">
               <a:rPr lang="en-CA" smtClean="0"/>
               <a:pPr/>
-              <a:t>10</a:t>
+              <a:t>11</a:t>
             </a:fld>
             <a:endParaRPr lang="en-CA"/>
           </a:p>
@@ -3744,7 +3745,7 @@
             <a:fld id="{1F1EA7EA-3873-4A18-AC34-55CD348F4F74}" type="slidenum">
               <a:rPr lang="en-US" smtClean="0"/>
               <a:pPr/>
-              <a:t>11</a:t>
+              <a:t>12</a:t>
             </a:fld>
             <a:endParaRPr lang="en-US"/>
           </a:p>
@@ -3753,7 +3754,7 @@
     </p:spTree>
     <p:extLst>
       <p:ext uri="{BB962C8B-B14F-4D97-AF65-F5344CB8AC3E}">
-        <p14:creationId xmlns:p14="http://schemas.microsoft.com/office/powerpoint/2010/main" val="56151519"/>
+        <p14:creationId xmlns:p14="http://schemas.microsoft.com/office/powerpoint/2010/main" val="2289743356"/>
       </p:ext>
     </p:extLst>
   </p:cSld>
@@ -3903,7 +3904,7 @@
               <a:pPr>
                 <a:defRPr/>
               </a:pPr>
-              <a:t>12</a:t>
+              <a:t>13</a:t>
             </a:fld>
             <a:endParaRPr lang="en-US"/>
           </a:p>
@@ -3912,7 +3913,7 @@
     </p:spTree>
     <p:extLst>
       <p:ext uri="{BB962C8B-B14F-4D97-AF65-F5344CB8AC3E}">
-        <p14:creationId xmlns:p14="http://schemas.microsoft.com/office/powerpoint/2010/main" val="3232342689"/>
+        <p14:creationId xmlns:p14="http://schemas.microsoft.com/office/powerpoint/2010/main" val="3745255733"/>
       </p:ext>
     </p:extLst>
   </p:cSld>
@@ -4103,7 +4104,7 @@
           <a:p>
             <a:fld id="{9FE18F2B-46EB-42F1-ADBB-7DC15FF809A9}" type="datetime1">
               <a:rPr lang="en-CA" smtClean="0"/>
-              <a:t>2019-05-01</a:t>
+              <a:t>2021-05-02</a:t>
             </a:fld>
             <a:endParaRPr lang="en-CA" dirty="0"/>
           </a:p>
@@ -4401,7 +4402,7 @@
           <a:p>
             <a:fld id="{89909B16-C605-46D9-9901-5F215FFB9844}" type="datetime1">
               <a:rPr lang="en-CA" smtClean="0"/>
-              <a:t>2019-05-01</a:t>
+              <a:t>2021-05-02</a:t>
             </a:fld>
             <a:endParaRPr lang="en-CA"/>
           </a:p>
@@ -4605,7 +4606,7 @@
           <a:p>
             <a:fld id="{9FB522E9-13A7-4907-A4DF-6AD586BEFFFD}" type="datetime1">
               <a:rPr lang="en-CA" smtClean="0"/>
-              <a:t>2019-05-01</a:t>
+              <a:t>2021-05-02</a:t>
             </a:fld>
             <a:endParaRPr lang="en-CA"/>
           </a:p>
@@ -4887,7 +4888,7 @@
           <a:p>
             <a:fld id="{B70F6ABA-023A-4E7E-9A89-58D5A720A925}" type="datetime1">
               <a:rPr lang="en-CA" smtClean="0"/>
-              <a:t>2019-05-01</a:t>
+              <a:t>2021-05-02</a:t>
             </a:fld>
             <a:endParaRPr lang="en-CA"/>
           </a:p>
@@ -5421,7 +5422,7 @@
       </p:grpSpPr>
       <p:sp>
         <p:nvSpPr>
-          <p:cNvPr id="2" name="Title 1"/>
+          <p:cNvPr id="21506" name="Title 1"/>
           <p:cNvSpPr>
             <a:spLocks noGrp="1"/>
           </p:cNvSpPr>
@@ -5429,28 +5430,83 @@
             <p:ph type="title"/>
           </p:nvPr>
         </p:nvSpPr>
-        <p:spPr>
-          <a:xfrm>
-            <a:off x="251520" y="2434878"/>
-            <a:ext cx="8640960" cy="922114"/>
-          </a:xfrm>
-        </p:spPr>
+        <p:spPr/>
         <p:txBody>
-          <a:bodyPr>
-            <a:normAutofit/>
-          </a:bodyPr>
+          <a:bodyPr/>
           <a:lstStyle/>
           <a:p>
             <a:r>
               <a:rPr lang="en-US" dirty="0"/>
-              <a:t>Software platform</a:t>
+              <a:t>Validation</a:t>
             </a:r>
           </a:p>
         </p:txBody>
       </p:sp>
       <p:sp>
         <p:nvSpPr>
-          <p:cNvPr id="5" name="Footer Placeholder 4"/>
+          <p:cNvPr id="21507" name="Content Placeholder 2"/>
+          <p:cNvSpPr>
+            <a:spLocks noGrp="1"/>
+          </p:cNvSpPr>
+          <p:nvPr>
+            <p:ph idx="1"/>
+          </p:nvPr>
+        </p:nvSpPr>
+        <p:spPr>
+          <a:xfrm>
+            <a:off x="323528" y="970309"/>
+            <a:ext cx="8568952" cy="1954635"/>
+          </a:xfrm>
+        </p:spPr>
+        <p:txBody>
+          <a:bodyPr>
+            <a:normAutofit fontScale="92500"/>
+          </a:bodyPr>
+          <a:lstStyle/>
+          <a:p>
+            <a:pPr>
+              <a:spcBef>
+                <a:spcPts val="0"/>
+              </a:spcBef>
+              <a:spcAft>
+                <a:spcPts val="0"/>
+              </a:spcAft>
+            </a:pPr>
+            <a:r>
+              <a:rPr lang="en-US" dirty="0"/>
+              <a:t>Fidelity levels: Simulated &lt; Synthetic phantoms &lt; Animal tissue (butcher shop) &lt; Cadaver &lt; Patient</a:t>
+            </a:r>
+          </a:p>
+          <a:p>
+            <a:pPr>
+              <a:spcBef>
+                <a:spcPts val="0"/>
+              </a:spcBef>
+              <a:spcAft>
+                <a:spcPts val="0"/>
+              </a:spcAft>
+            </a:pPr>
+            <a:r>
+              <a:rPr lang="en-US" dirty="0"/>
+              <a:t>Ethics approval: required for human subject studies (even if just filling out a form), evaluation on patient cases</a:t>
+            </a:r>
+          </a:p>
+          <a:p>
+            <a:pPr>
+              <a:spcBef>
+                <a:spcPts val="0"/>
+              </a:spcBef>
+              <a:spcAft>
+                <a:spcPts val="0"/>
+              </a:spcAft>
+            </a:pPr>
+            <a:endParaRPr lang="en-US" dirty="0"/>
+          </a:p>
+        </p:txBody>
+      </p:sp>
+      <p:sp>
+        <p:nvSpPr>
+          <p:cNvPr id="9" name="Footer Placeholder 10"/>
           <p:cNvSpPr>
             <a:spLocks noGrp="1"/>
           </p:cNvSpPr>
@@ -5461,20 +5517,381 @@
         <p:spPr/>
         <p:txBody>
           <a:bodyPr/>
-          <a:lstStyle/>
-          <a:p>
+          <a:lstStyle>
+            <a:lvl1pPr>
+              <a:defRPr/>
+            </a:lvl1pPr>
+          </a:lstStyle>
+          <a:p>
+            <a:pPr>
+              <a:defRPr/>
+            </a:pPr>
             <a:r>
               <a:rPr lang="en-CA" dirty="0"/>
-              <a:t>Laboratory for Percutaneous Surgery (The Perk Lab) – Copyright © Queen’s University, 2019</a:t>
+              <a:t>Laboratory for Percutaneous Surgery (The Perk Lab) – Copyright © Queen’s University, 2021</a:t>
             </a:r>
             <a:endParaRPr lang="en-US" dirty="0"/>
           </a:p>
         </p:txBody>
       </p:sp>
+      <p:sp>
+        <p:nvSpPr>
+          <p:cNvPr id="12" name="Content Placeholder 2"/>
+          <p:cNvSpPr txBox="1">
+            <a:spLocks/>
+          </p:cNvSpPr>
+          <p:nvPr/>
+        </p:nvSpPr>
+        <p:spPr>
+          <a:xfrm>
+            <a:off x="287524" y="2924944"/>
+            <a:ext cx="5920903" cy="3240360"/>
+          </a:xfrm>
+          <a:prstGeom prst="rect">
+            <a:avLst/>
+          </a:prstGeom>
+        </p:spPr>
+        <p:txBody>
+          <a:bodyPr vert="horz" lIns="91440" tIns="45720" rIns="91440" bIns="45720" rtlCol="0">
+            <a:normAutofit fontScale="92500" lnSpcReduction="20000"/>
+          </a:bodyPr>
+          <a:lstStyle>
+            <a:lvl1pPr marL="342900" indent="-342900" algn="l" defTabSz="914400" rtl="0" eaLnBrk="1" latinLnBrk="0" hangingPunct="1">
+              <a:spcBef>
+                <a:spcPts val="1200"/>
+              </a:spcBef>
+              <a:spcAft>
+                <a:spcPts val="1200"/>
+              </a:spcAft>
+              <a:buFont typeface="Arial" pitchFamily="34" charset="0"/>
+              <a:buChar char="•"/>
+              <a:defRPr sz="2800" kern="1200">
+                <a:solidFill>
+                  <a:schemeClr val="tx1"/>
+                </a:solidFill>
+                <a:latin typeface="+mn-lt"/>
+                <a:ea typeface="+mn-ea"/>
+                <a:cs typeface="+mn-cs"/>
+              </a:defRPr>
+            </a:lvl1pPr>
+            <a:lvl2pPr marL="742950" indent="-285750" algn="l" defTabSz="914400" rtl="0" eaLnBrk="1" latinLnBrk="0" hangingPunct="1">
+              <a:spcBef>
+                <a:spcPts val="1200"/>
+              </a:spcBef>
+              <a:spcAft>
+                <a:spcPts val="1200"/>
+              </a:spcAft>
+              <a:buFont typeface="Arial" pitchFamily="34" charset="0"/>
+              <a:buChar char="–"/>
+              <a:defRPr sz="2400" kern="1200">
+                <a:solidFill>
+                  <a:schemeClr val="tx1"/>
+                </a:solidFill>
+                <a:latin typeface="+mn-lt"/>
+                <a:ea typeface="+mn-ea"/>
+                <a:cs typeface="+mn-cs"/>
+              </a:defRPr>
+            </a:lvl2pPr>
+            <a:lvl3pPr marL="1143000" indent="-228600" algn="l" defTabSz="914400" rtl="0" eaLnBrk="1" latinLnBrk="0" hangingPunct="1">
+              <a:spcBef>
+                <a:spcPts val="1200"/>
+              </a:spcBef>
+              <a:spcAft>
+                <a:spcPts val="1200"/>
+              </a:spcAft>
+              <a:buFont typeface="Arial" pitchFamily="34" charset="0"/>
+              <a:buChar char="•"/>
+              <a:defRPr sz="2000" kern="1200">
+                <a:solidFill>
+                  <a:schemeClr val="tx1"/>
+                </a:solidFill>
+                <a:latin typeface="+mn-lt"/>
+                <a:ea typeface="+mn-ea"/>
+                <a:cs typeface="+mn-cs"/>
+              </a:defRPr>
+            </a:lvl3pPr>
+            <a:lvl4pPr marL="1600200" indent="-228600" algn="l" defTabSz="914400" rtl="0" eaLnBrk="1" latinLnBrk="0" hangingPunct="1">
+              <a:spcBef>
+                <a:spcPts val="1200"/>
+              </a:spcBef>
+              <a:spcAft>
+                <a:spcPts val="1200"/>
+              </a:spcAft>
+              <a:buFont typeface="Arial" pitchFamily="34" charset="0"/>
+              <a:buChar char="–"/>
+              <a:defRPr sz="1800" kern="1200">
+                <a:solidFill>
+                  <a:schemeClr val="tx1"/>
+                </a:solidFill>
+                <a:latin typeface="+mn-lt"/>
+                <a:ea typeface="+mn-ea"/>
+                <a:cs typeface="+mn-cs"/>
+              </a:defRPr>
+            </a:lvl4pPr>
+            <a:lvl5pPr marL="2057400" indent="-228600" algn="l" defTabSz="914400" rtl="0" eaLnBrk="1" latinLnBrk="0" hangingPunct="1">
+              <a:spcBef>
+                <a:spcPts val="1200"/>
+              </a:spcBef>
+              <a:spcAft>
+                <a:spcPts val="1200"/>
+              </a:spcAft>
+              <a:buFont typeface="Arial" pitchFamily="34" charset="0"/>
+              <a:buChar char="»"/>
+              <a:defRPr sz="1800" kern="1200">
+                <a:solidFill>
+                  <a:schemeClr val="tx1"/>
+                </a:solidFill>
+                <a:latin typeface="+mn-lt"/>
+                <a:ea typeface="+mn-ea"/>
+                <a:cs typeface="+mn-cs"/>
+              </a:defRPr>
+            </a:lvl5pPr>
+            <a:lvl6pPr marL="2514600" indent="-228600" algn="l" defTabSz="914400" rtl="0" eaLnBrk="1" latinLnBrk="0" hangingPunct="1">
+              <a:spcBef>
+                <a:spcPct val="20000"/>
+              </a:spcBef>
+              <a:buFont typeface="Arial" pitchFamily="34" charset="0"/>
+              <a:buChar char="•"/>
+              <a:defRPr sz="2000" kern="1200">
+                <a:solidFill>
+                  <a:schemeClr val="tx1"/>
+                </a:solidFill>
+                <a:latin typeface="+mn-lt"/>
+                <a:ea typeface="+mn-ea"/>
+                <a:cs typeface="+mn-cs"/>
+              </a:defRPr>
+            </a:lvl6pPr>
+            <a:lvl7pPr marL="2971800" indent="-228600" algn="l" defTabSz="914400" rtl="0" eaLnBrk="1" latinLnBrk="0" hangingPunct="1">
+              <a:spcBef>
+                <a:spcPct val="20000"/>
+              </a:spcBef>
+              <a:buFont typeface="Arial" pitchFamily="34" charset="0"/>
+              <a:buChar char="•"/>
+              <a:defRPr sz="2000" kern="1200">
+                <a:solidFill>
+                  <a:schemeClr val="tx1"/>
+                </a:solidFill>
+                <a:latin typeface="+mn-lt"/>
+                <a:ea typeface="+mn-ea"/>
+                <a:cs typeface="+mn-cs"/>
+              </a:defRPr>
+            </a:lvl7pPr>
+            <a:lvl8pPr marL="3429000" indent="-228600" algn="l" defTabSz="914400" rtl="0" eaLnBrk="1" latinLnBrk="0" hangingPunct="1">
+              <a:spcBef>
+                <a:spcPct val="20000"/>
+              </a:spcBef>
+              <a:buFont typeface="Arial" pitchFamily="34" charset="0"/>
+              <a:buChar char="•"/>
+              <a:defRPr sz="2000" kern="1200">
+                <a:solidFill>
+                  <a:schemeClr val="tx1"/>
+                </a:solidFill>
+                <a:latin typeface="+mn-lt"/>
+                <a:ea typeface="+mn-ea"/>
+                <a:cs typeface="+mn-cs"/>
+              </a:defRPr>
+            </a:lvl8pPr>
+            <a:lvl9pPr marL="3886200" indent="-228600" algn="l" defTabSz="914400" rtl="0" eaLnBrk="1" latinLnBrk="0" hangingPunct="1">
+              <a:spcBef>
+                <a:spcPct val="20000"/>
+              </a:spcBef>
+              <a:buFont typeface="Arial" pitchFamily="34" charset="0"/>
+              <a:buChar char="•"/>
+              <a:defRPr sz="2000" kern="1200">
+                <a:solidFill>
+                  <a:schemeClr val="tx1"/>
+                </a:solidFill>
+                <a:latin typeface="+mn-lt"/>
+                <a:ea typeface="+mn-ea"/>
+                <a:cs typeface="+mn-cs"/>
+              </a:defRPr>
+            </a:lvl9pPr>
+          </a:lstStyle>
+          <a:p>
+            <a:pPr marL="0" indent="0">
+              <a:spcBef>
+                <a:spcPts val="0"/>
+              </a:spcBef>
+              <a:spcAft>
+                <a:spcPts val="0"/>
+              </a:spcAft>
+              <a:buNone/>
+            </a:pPr>
+            <a:r>
+              <a:rPr lang="en-US" sz="3000" dirty="0"/>
+              <a:t>Phantoms:</a:t>
+            </a:r>
+          </a:p>
+          <a:p>
+            <a:pPr>
+              <a:spcBef>
+                <a:spcPts val="0"/>
+              </a:spcBef>
+              <a:spcAft>
+                <a:spcPts val="0"/>
+              </a:spcAft>
+            </a:pPr>
+            <a:r>
+              <a:rPr lang="en-US" dirty="0"/>
+              <a:t>Hard tissue (bone): 3D printed, with Barium coating for X-ray visibility</a:t>
+            </a:r>
+          </a:p>
+          <a:p>
+            <a:pPr>
+              <a:spcBef>
+                <a:spcPts val="0"/>
+              </a:spcBef>
+              <a:spcAft>
+                <a:spcPts val="0"/>
+              </a:spcAft>
+            </a:pPr>
+            <a:r>
+              <a:rPr lang="en-US" dirty="0"/>
+              <a:t>Soft tissue: water based (agar, gelatin), PVC, silicon</a:t>
+            </a:r>
+          </a:p>
+          <a:p>
+            <a:pPr>
+              <a:spcBef>
+                <a:spcPts val="0"/>
+              </a:spcBef>
+              <a:spcAft>
+                <a:spcPts val="0"/>
+              </a:spcAft>
+            </a:pPr>
+            <a:r>
+              <a:rPr lang="en-US" dirty="0"/>
+              <a:t>Skin: super soft silicon rubber</a:t>
+            </a:r>
+          </a:p>
+          <a:p>
+            <a:pPr>
+              <a:spcBef>
+                <a:spcPts val="0"/>
+              </a:spcBef>
+              <a:spcAft>
+                <a:spcPts val="0"/>
+              </a:spcAft>
+            </a:pPr>
+            <a:r>
+              <a:rPr lang="en-US" dirty="0"/>
+              <a:t>Vessels: rubber tubes</a:t>
+            </a:r>
+          </a:p>
+          <a:p>
+            <a:pPr>
+              <a:spcBef>
+                <a:spcPts val="0"/>
+              </a:spcBef>
+              <a:spcAft>
+                <a:spcPts val="0"/>
+              </a:spcAft>
+            </a:pPr>
+            <a:r>
+              <a:rPr lang="en-US" dirty="0"/>
+              <a:t>Targets, validation points</a:t>
+            </a:r>
+          </a:p>
+          <a:p>
+            <a:pPr marL="0" indent="0">
+              <a:spcBef>
+                <a:spcPts val="600"/>
+              </a:spcBef>
+              <a:spcAft>
+                <a:spcPts val="0"/>
+              </a:spcAft>
+              <a:buNone/>
+            </a:pPr>
+            <a:r>
+              <a:rPr lang="en-CA" sz="1700" dirty="0">
+                <a:hlinkClick r:id="rId2"/>
+              </a:rPr>
+              <a:t>http://perk-software.cs.queensu.ca/plus/doc/nightly/modelcatalog/</a:t>
+            </a:r>
+            <a:endParaRPr lang="en-CA" sz="1700" dirty="0"/>
+          </a:p>
+          <a:p>
+            <a:pPr marL="0" indent="0">
+              <a:spcBef>
+                <a:spcPts val="600"/>
+              </a:spcBef>
+              <a:spcAft>
+                <a:spcPts val="0"/>
+              </a:spcAft>
+              <a:buNone/>
+            </a:pPr>
+            <a:endParaRPr lang="en-US" sz="1700" dirty="0"/>
+          </a:p>
+        </p:txBody>
+      </p:sp>
+      <p:pic>
+        <p:nvPicPr>
+          <p:cNvPr id="16" name="Picture 3"/>
+          <p:cNvPicPr>
+            <a:picLocks noChangeAspect="1" noChangeArrowheads="1"/>
+          </p:cNvPicPr>
+          <p:nvPr/>
+        </p:nvPicPr>
+        <p:blipFill>
+          <a:blip r:embed="rId3" cstate="email">
+            <a:extLst>
+              <a:ext uri="{28A0092B-C50C-407E-A947-70E740481C1C}">
+                <a14:useLocalDpi xmlns:a14="http://schemas.microsoft.com/office/drawing/2010/main"/>
+              </a:ext>
+            </a:extLst>
+          </a:blip>
+          <a:srcRect/>
+          <a:stretch>
+            <a:fillRect/>
+          </a:stretch>
+        </p:blipFill>
+        <p:spPr bwMode="auto">
+          <a:xfrm>
+            <a:off x="6156176" y="3079333"/>
+            <a:ext cx="2519553" cy="2725931"/>
+          </a:xfrm>
+          <a:prstGeom prst="rect">
+            <a:avLst/>
+          </a:prstGeom>
+          <a:noFill/>
+          <a:ln>
+            <a:noFill/>
+          </a:ln>
+          <a:effectLst/>
+          <a:extLst>
+            <a:ext uri="{909E8E84-426E-40DD-AFC4-6F175D3DCCD1}">
+              <a14:hiddenFill xmlns:a14="http://schemas.microsoft.com/office/drawing/2010/main">
+                <a:solidFill>
+                  <a:schemeClr val="accent1"/>
+                </a:solidFill>
+              </a14:hiddenFill>
+            </a:ext>
+            <a:ext uri="{91240B29-F687-4F45-9708-019B960494DF}">
+              <a14:hiddenLine xmlns:a14="http://schemas.microsoft.com/office/drawing/2010/main" w="9525">
+                <a:solidFill>
+                  <a:schemeClr val="tx1"/>
+                </a:solidFill>
+                <a:miter lim="800000"/>
+                <a:headEnd/>
+                <a:tailEnd/>
+              </a14:hiddenLine>
+            </a:ext>
+            <a:ext uri="{AF507438-7753-43E0-B8FC-AC1667EBCBE1}">
+              <a14:hiddenEffects xmlns:a14="http://schemas.microsoft.com/office/drawing/2010/main">
+                <a:effectLst>
+                  <a:outerShdw dist="35921" dir="2700000" algn="ctr" rotWithShape="0">
+                    <a:schemeClr val="bg2"/>
+                  </a:outerShdw>
+                </a:effectLst>
+              </a14:hiddenEffects>
+            </a:ext>
+          </a:extLst>
+        </p:spPr>
+      </p:pic>
     </p:spTree>
     <p:extLst>
       <p:ext uri="{BB962C8B-B14F-4D97-AF65-F5344CB8AC3E}">
-        <p14:creationId xmlns:p14="http://schemas.microsoft.com/office/powerpoint/2010/main" val="3026189395"/>
+        <p14:creationId xmlns:p14="http://schemas.microsoft.com/office/powerpoint/2010/main" val="2555543682"/>
       </p:ext>
     </p:extLst>
   </p:cSld>
@@ -5511,21 +5928,28 @@
             <p:ph type="title"/>
           </p:nvPr>
         </p:nvSpPr>
-        <p:spPr/>
+        <p:spPr>
+          <a:xfrm>
+            <a:off x="251520" y="2434878"/>
+            <a:ext cx="8640960" cy="922114"/>
+          </a:xfrm>
+        </p:spPr>
         <p:txBody>
-          <a:bodyPr/>
+          <a:bodyPr>
+            <a:normAutofit/>
+          </a:bodyPr>
           <a:lstStyle/>
           <a:p>
             <a:r>
-              <a:rPr lang="en-CA" b="1" dirty="0"/>
-              <a:t>3D Slicer and the NA-MIC Kit</a:t>
+              <a:rPr lang="en-US" dirty="0"/>
+              <a:t>Software platform</a:t>
             </a:r>
           </a:p>
         </p:txBody>
       </p:sp>
       <p:sp>
         <p:nvSpPr>
-          <p:cNvPr id="4" name="Footer Placeholder 3"/>
+          <p:cNvPr id="5" name="Footer Placeholder 4"/>
           <p:cNvSpPr>
             <a:spLocks noGrp="1"/>
           </p:cNvSpPr>
@@ -5538,169 +5962,18 @@
           <a:bodyPr/>
           <a:lstStyle/>
           <a:p>
-            <a:pPr>
-              <a:defRPr/>
-            </a:pPr>
             <a:r>
               <a:rPr lang="en-CA" dirty="0"/>
-              <a:t>Laboratory for Percutaneous Surgery (The Perk Lab) – Copyright © Queen’s University, 2019</a:t>
+              <a:t>Laboratory for Percutaneous Surgery (The Perk Lab) – Copyright © Queen’s University, 2021</a:t>
             </a:r>
             <a:endParaRPr lang="en-US" dirty="0"/>
-          </a:p>
-        </p:txBody>
-      </p:sp>
-      <p:grpSp>
-        <p:nvGrpSpPr>
-          <p:cNvPr id="8" name="Group 7"/>
-          <p:cNvGrpSpPr/>
-          <p:nvPr/>
-        </p:nvGrpSpPr>
-        <p:grpSpPr>
-          <a:xfrm>
-            <a:off x="1547664" y="1180627"/>
-            <a:ext cx="6762927" cy="4724400"/>
-            <a:chOff x="1981200" y="1600200"/>
-            <a:chExt cx="6762927" cy="4724400"/>
-          </a:xfrm>
-        </p:grpSpPr>
-        <p:pic>
-          <p:nvPicPr>
-            <p:cNvPr id="5" name="Picture 4"/>
-            <p:cNvPicPr/>
-            <p:nvPr/>
-          </p:nvPicPr>
-          <p:blipFill>
-            <a:blip r:embed="rId3" cstate="print"/>
-            <a:srcRect t="6728"/>
-            <a:stretch>
-              <a:fillRect/>
-            </a:stretch>
-          </p:blipFill>
-          <p:spPr bwMode="auto">
-            <a:xfrm>
-              <a:off x="1981200" y="1600200"/>
-              <a:ext cx="6762927" cy="4724400"/>
-            </a:xfrm>
-            <a:prstGeom prst="rect">
-              <a:avLst/>
-            </a:prstGeom>
-            <a:noFill/>
-            <a:ln w="9525">
-              <a:noFill/>
-              <a:miter lim="800000"/>
-              <a:headEnd/>
-              <a:tailEnd/>
-            </a:ln>
-          </p:spPr>
-        </p:pic>
-        <p:pic>
-          <p:nvPicPr>
-            <p:cNvPr id="1028" name="Picture 4" descr="http://python.cz/images/logo.png"/>
-            <p:cNvPicPr>
-              <a:picLocks noChangeAspect="1" noChangeArrowheads="1"/>
-            </p:cNvPicPr>
-            <p:nvPr/>
-          </p:nvPicPr>
-          <p:blipFill>
-            <a:blip r:embed="rId4" cstate="print">
-              <a:extLst>
-                <a:ext uri="{28A0092B-C50C-407E-A947-70E740481C1C}">
-                  <a14:useLocalDpi xmlns:a14="http://schemas.microsoft.com/office/drawing/2010/main" val="0"/>
-                </a:ext>
-              </a:extLst>
-            </a:blip>
-            <a:srcRect/>
-            <a:stretch>
-              <a:fillRect/>
-            </a:stretch>
-          </p:blipFill>
-          <p:spPr bwMode="auto">
-            <a:xfrm>
-              <a:off x="4085196" y="2204864"/>
-              <a:ext cx="720080" cy="720080"/>
-            </a:xfrm>
-            <a:prstGeom prst="rect">
-              <a:avLst/>
-            </a:prstGeom>
-            <a:noFill/>
-            <a:extLst>
-              <a:ext uri="{909E8E84-426E-40DD-AFC4-6F175D3DCCD1}">
-                <a14:hiddenFill xmlns:a14="http://schemas.microsoft.com/office/drawing/2010/main">
-                  <a:solidFill>
-                    <a:srgbClr val="FFFFFF"/>
-                  </a:solidFill>
-                </a14:hiddenFill>
-              </a:ext>
-            </a:extLst>
-          </p:spPr>
-        </p:pic>
-        <p:sp>
-          <p:nvSpPr>
-            <p:cNvPr id="7" name="TextBox 6"/>
-            <p:cNvSpPr txBox="1"/>
-            <p:nvPr/>
-          </p:nvSpPr>
-          <p:spPr>
-            <a:xfrm>
-              <a:off x="3419872" y="2773405"/>
-              <a:ext cx="1140768" cy="369332"/>
-            </a:xfrm>
-            <a:prstGeom prst="rect">
-              <a:avLst/>
-            </a:prstGeom>
-            <a:noFill/>
-          </p:spPr>
-          <p:txBody>
-            <a:bodyPr wrap="square" rtlCol="0">
-              <a:spAutoFit/>
-            </a:bodyPr>
-            <a:lstStyle/>
-            <a:p>
-              <a:r>
-                <a:rPr lang="en-US" i="1" dirty="0"/>
-                <a:t>&lt;MRML&gt;</a:t>
-              </a:r>
-            </a:p>
-          </p:txBody>
-        </p:sp>
-      </p:grpSp>
-      <p:sp>
-        <p:nvSpPr>
-          <p:cNvPr id="6" name="Content Placeholder 2"/>
-          <p:cNvSpPr>
-            <a:spLocks noGrp="1"/>
-          </p:cNvSpPr>
-          <p:nvPr>
-            <p:ph idx="1"/>
-          </p:nvPr>
-        </p:nvSpPr>
-        <p:spPr>
-          <a:xfrm>
-            <a:off x="611560" y="5445224"/>
-            <a:ext cx="2895600" cy="608856"/>
-          </a:xfrm>
-        </p:spPr>
-        <p:txBody>
-          <a:bodyPr/>
-          <a:lstStyle/>
-          <a:p>
-            <a:pPr marL="0" indent="0">
-              <a:buNone/>
-            </a:pPr>
-            <a:r>
-              <a:rPr lang="en-CA" sz="2800" i="1" dirty="0">
-                <a:hlinkClick r:id="rId5"/>
-              </a:rPr>
-              <a:t>www.na-mic.org</a:t>
-            </a:r>
-            <a:endParaRPr lang="en-CA" sz="2800" i="1" dirty="0"/>
           </a:p>
         </p:txBody>
       </p:sp>
     </p:spTree>
     <p:extLst>
       <p:ext uri="{BB962C8B-B14F-4D97-AF65-F5344CB8AC3E}">
-        <p14:creationId xmlns:p14="http://schemas.microsoft.com/office/powerpoint/2010/main" val="3233891318"/>
+        <p14:creationId xmlns:p14="http://schemas.microsoft.com/office/powerpoint/2010/main" val="3026189395"/>
       </p:ext>
     </p:extLst>
   </p:cSld>
@@ -5727,6 +6000,3056 @@
           <a:chExt cx="0" cy="0"/>
         </a:xfrm>
       </p:grpSpPr>
+      <p:sp>
+        <p:nvSpPr>
+          <p:cNvPr id="2" name="Title 1"/>
+          <p:cNvSpPr>
+            <a:spLocks noGrp="1"/>
+          </p:cNvSpPr>
+          <p:nvPr>
+            <p:ph type="title"/>
+          </p:nvPr>
+        </p:nvSpPr>
+        <p:spPr>
+          <a:xfrm>
+            <a:off x="457200" y="2096"/>
+            <a:ext cx="8229600" cy="922114"/>
+          </a:xfrm>
+        </p:spPr>
+        <p:txBody>
+          <a:bodyPr>
+            <a:noAutofit/>
+          </a:bodyPr>
+          <a:lstStyle/>
+          <a:p>
+            <a:r>
+              <a:rPr lang="en-CA" sz="2800" b="1" dirty="0"/>
+              <a:t>Medical image computing</a:t>
+            </a:r>
+            <a:br>
+              <a:rPr lang="en-CA" sz="2800" b="1" dirty="0"/>
+            </a:br>
+            <a:r>
+              <a:rPr lang="en-CA" sz="2800" b="1" dirty="0"/>
+              <a:t>software ecosystem (</a:t>
+            </a:r>
+            <a:r>
+              <a:rPr lang="en-CA" sz="2800" b="1" dirty="0" err="1"/>
+              <a:t>desktop+server</a:t>
+            </a:r>
+            <a:r>
+              <a:rPr lang="en-CA" sz="2800" b="1" dirty="0"/>
+              <a:t>)</a:t>
+            </a:r>
+          </a:p>
+        </p:txBody>
+      </p:sp>
+      <p:sp>
+        <p:nvSpPr>
+          <p:cNvPr id="4" name="Footer Placeholder 3"/>
+          <p:cNvSpPr>
+            <a:spLocks noGrp="1"/>
+          </p:cNvSpPr>
+          <p:nvPr>
+            <p:ph type="ftr" sz="quarter" idx="11"/>
+          </p:nvPr>
+        </p:nvSpPr>
+        <p:spPr/>
+        <p:txBody>
+          <a:bodyPr/>
+          <a:lstStyle/>
+          <a:p>
+            <a:pPr>
+              <a:defRPr/>
+            </a:pPr>
+            <a:r>
+              <a:rPr lang="en-CA" dirty="0"/>
+              <a:t>Laboratory for Percutaneous Surgery (The Perk Lab) – Copyright © Queen’s University, 2021</a:t>
+            </a:r>
+            <a:endParaRPr lang="en-US" dirty="0"/>
+          </a:p>
+        </p:txBody>
+      </p:sp>
+      <p:pic>
+        <p:nvPicPr>
+          <p:cNvPr id="1026" name="Picture 2" descr="See the source image">
+            <a:extLst>
+              <a:ext uri="{FF2B5EF4-FFF2-40B4-BE49-F238E27FC236}">
+                <a16:creationId xmlns:a16="http://schemas.microsoft.com/office/drawing/2014/main" id="{AED64065-DEA2-4B62-8E5B-B58078760C7A}"/>
+              </a:ext>
+            </a:extLst>
+          </p:cNvPr>
+          <p:cNvPicPr>
+            <a:picLocks noChangeAspect="1" noChangeArrowheads="1"/>
+          </p:cNvPicPr>
+          <p:nvPr/>
+        </p:nvPicPr>
+        <p:blipFill>
+          <a:blip r:embed="rId3">
+            <a:extLst>
+              <a:ext uri="{28A0092B-C50C-407E-A947-70E740481C1C}">
+                <a14:useLocalDpi xmlns:a14="http://schemas.microsoft.com/office/drawing/2010/main" val="0"/>
+              </a:ext>
+            </a:extLst>
+          </a:blip>
+          <a:srcRect/>
+          <a:stretch>
+            <a:fillRect/>
+          </a:stretch>
+        </p:blipFill>
+        <p:spPr bwMode="auto">
+          <a:xfrm>
+            <a:off x="751902" y="2583406"/>
+            <a:ext cx="922114" cy="922114"/>
+          </a:xfrm>
+          <a:prstGeom prst="rect">
+            <a:avLst/>
+          </a:prstGeom>
+          <a:noFill/>
+          <a:extLst>
+            <a:ext uri="{909E8E84-426E-40DD-AFC4-6F175D3DCCD1}">
+              <a14:hiddenFill xmlns:a14="http://schemas.microsoft.com/office/drawing/2010/main">
+                <a:solidFill>
+                  <a:srgbClr val="FFFFFF"/>
+                </a:solidFill>
+              </a14:hiddenFill>
+            </a:ext>
+          </a:extLst>
+        </p:spPr>
+      </p:pic>
+      <p:pic>
+        <p:nvPicPr>
+          <p:cNvPr id="10" name="Picture 4" descr="See the source image">
+            <a:extLst>
+              <a:ext uri="{FF2B5EF4-FFF2-40B4-BE49-F238E27FC236}">
+                <a16:creationId xmlns:a16="http://schemas.microsoft.com/office/drawing/2014/main" id="{717D3B7B-F682-4E46-8F0D-7D687E9C9E60}"/>
+              </a:ext>
+            </a:extLst>
+          </p:cNvPr>
+          <p:cNvPicPr>
+            <a:picLocks noChangeAspect="1" noChangeArrowheads="1"/>
+          </p:cNvPicPr>
+          <p:nvPr/>
+        </p:nvPicPr>
+        <p:blipFill>
+          <a:blip r:embed="rId4">
+            <a:extLst>
+              <a:ext uri="{28A0092B-C50C-407E-A947-70E740481C1C}">
+                <a14:useLocalDpi xmlns:a14="http://schemas.microsoft.com/office/drawing/2010/main" val="0"/>
+              </a:ext>
+            </a:extLst>
+          </a:blip>
+          <a:srcRect/>
+          <a:stretch>
+            <a:fillRect/>
+          </a:stretch>
+        </p:blipFill>
+        <p:spPr bwMode="auto">
+          <a:xfrm>
+            <a:off x="2053205" y="2589872"/>
+            <a:ext cx="1150643" cy="448751"/>
+          </a:xfrm>
+          <a:prstGeom prst="rect">
+            <a:avLst/>
+          </a:prstGeom>
+          <a:noFill/>
+          <a:extLst>
+            <a:ext uri="{909E8E84-426E-40DD-AFC4-6F175D3DCCD1}">
+              <a14:hiddenFill xmlns:a14="http://schemas.microsoft.com/office/drawing/2010/main">
+                <a:solidFill>
+                  <a:srgbClr val="FFFFFF"/>
+                </a:solidFill>
+              </a14:hiddenFill>
+            </a:ext>
+          </a:extLst>
+        </p:spPr>
+      </p:pic>
+      <p:pic>
+        <p:nvPicPr>
+          <p:cNvPr id="1030" name="Picture 6" descr="See the source image">
+            <a:extLst>
+              <a:ext uri="{FF2B5EF4-FFF2-40B4-BE49-F238E27FC236}">
+                <a16:creationId xmlns:a16="http://schemas.microsoft.com/office/drawing/2014/main" id="{55445747-107C-48A0-8BD9-440151089A7E}"/>
+              </a:ext>
+            </a:extLst>
+          </p:cNvPr>
+          <p:cNvPicPr>
+            <a:picLocks noChangeAspect="1" noChangeArrowheads="1"/>
+          </p:cNvPicPr>
+          <p:nvPr/>
+        </p:nvPicPr>
+        <p:blipFill>
+          <a:blip r:embed="rId5" cstate="print">
+            <a:extLst>
+              <a:ext uri="{28A0092B-C50C-407E-A947-70E740481C1C}">
+                <a14:useLocalDpi xmlns:a14="http://schemas.microsoft.com/office/drawing/2010/main" val="0"/>
+              </a:ext>
+            </a:extLst>
+          </a:blip>
+          <a:srcRect/>
+          <a:stretch>
+            <a:fillRect/>
+          </a:stretch>
+        </p:blipFill>
+        <p:spPr bwMode="auto">
+          <a:xfrm>
+            <a:off x="5602279" y="2420888"/>
+            <a:ext cx="735484" cy="735484"/>
+          </a:xfrm>
+          <a:prstGeom prst="rect">
+            <a:avLst/>
+          </a:prstGeom>
+          <a:noFill/>
+          <a:extLst>
+            <a:ext uri="{909E8E84-426E-40DD-AFC4-6F175D3DCCD1}">
+              <a14:hiddenFill xmlns:a14="http://schemas.microsoft.com/office/drawing/2010/main">
+                <a:solidFill>
+                  <a:srgbClr val="FFFFFF"/>
+                </a:solidFill>
+              </a14:hiddenFill>
+            </a:ext>
+          </a:extLst>
+        </p:spPr>
+      </p:pic>
+      <p:pic>
+        <p:nvPicPr>
+          <p:cNvPr id="1032" name="Picture 8" descr="See the source image">
+            <a:extLst>
+              <a:ext uri="{FF2B5EF4-FFF2-40B4-BE49-F238E27FC236}">
+                <a16:creationId xmlns:a16="http://schemas.microsoft.com/office/drawing/2014/main" id="{77A6DA39-4B40-4E18-B8B6-3ACC9EF2D898}"/>
+              </a:ext>
+            </a:extLst>
+          </p:cNvPr>
+          <p:cNvPicPr>
+            <a:picLocks noChangeAspect="1" noChangeArrowheads="1"/>
+          </p:cNvPicPr>
+          <p:nvPr/>
+        </p:nvPicPr>
+        <p:blipFill>
+          <a:blip r:embed="rId6">
+            <a:extLst>
+              <a:ext uri="{28A0092B-C50C-407E-A947-70E740481C1C}">
+                <a14:useLocalDpi xmlns:a14="http://schemas.microsoft.com/office/drawing/2010/main" val="0"/>
+              </a:ext>
+            </a:extLst>
+          </a:blip>
+          <a:srcRect/>
+          <a:stretch>
+            <a:fillRect/>
+          </a:stretch>
+        </p:blipFill>
+        <p:spPr bwMode="auto">
+          <a:xfrm>
+            <a:off x="3784940" y="4718702"/>
+            <a:ext cx="1153987" cy="530834"/>
+          </a:xfrm>
+          <a:prstGeom prst="rect">
+            <a:avLst/>
+          </a:prstGeom>
+          <a:noFill/>
+          <a:extLst>
+            <a:ext uri="{909E8E84-426E-40DD-AFC4-6F175D3DCCD1}">
+              <a14:hiddenFill xmlns:a14="http://schemas.microsoft.com/office/drawing/2010/main">
+                <a:solidFill>
+                  <a:srgbClr val="FFFFFF"/>
+                </a:solidFill>
+              </a14:hiddenFill>
+            </a:ext>
+          </a:extLst>
+        </p:spPr>
+      </p:pic>
+      <p:pic>
+        <p:nvPicPr>
+          <p:cNvPr id="1034" name="Picture 10" descr="See the source image">
+            <a:extLst>
+              <a:ext uri="{FF2B5EF4-FFF2-40B4-BE49-F238E27FC236}">
+                <a16:creationId xmlns:a16="http://schemas.microsoft.com/office/drawing/2014/main" id="{4252B046-F3D5-4EB8-9BB9-11679A1CE312}"/>
+              </a:ext>
+            </a:extLst>
+          </p:cNvPr>
+          <p:cNvPicPr>
+            <a:picLocks noChangeAspect="1" noChangeArrowheads="1"/>
+          </p:cNvPicPr>
+          <p:nvPr/>
+        </p:nvPicPr>
+        <p:blipFill>
+          <a:blip r:embed="rId7" cstate="print">
+            <a:extLst>
+              <a:ext uri="{28A0092B-C50C-407E-A947-70E740481C1C}">
+                <a14:useLocalDpi xmlns:a14="http://schemas.microsoft.com/office/drawing/2010/main" val="0"/>
+              </a:ext>
+            </a:extLst>
+          </a:blip>
+          <a:srcRect/>
+          <a:stretch>
+            <a:fillRect/>
+          </a:stretch>
+        </p:blipFill>
+        <p:spPr bwMode="auto">
+          <a:xfrm>
+            <a:off x="4874946" y="2532493"/>
+            <a:ext cx="563508" cy="563508"/>
+          </a:xfrm>
+          <a:prstGeom prst="rect">
+            <a:avLst/>
+          </a:prstGeom>
+          <a:noFill/>
+          <a:extLst>
+            <a:ext uri="{909E8E84-426E-40DD-AFC4-6F175D3DCCD1}">
+              <a14:hiddenFill xmlns:a14="http://schemas.microsoft.com/office/drawing/2010/main">
+                <a:solidFill>
+                  <a:srgbClr val="FFFFFF"/>
+                </a:solidFill>
+              </a14:hiddenFill>
+            </a:ext>
+          </a:extLst>
+        </p:spPr>
+      </p:pic>
+      <p:pic>
+        <p:nvPicPr>
+          <p:cNvPr id="12" name="Picture 11">
+            <a:extLst>
+              <a:ext uri="{FF2B5EF4-FFF2-40B4-BE49-F238E27FC236}">
+                <a16:creationId xmlns:a16="http://schemas.microsoft.com/office/drawing/2014/main" id="{7E7D087F-8C53-49C0-A990-3412DF5B88B5}"/>
+              </a:ext>
+            </a:extLst>
+          </p:cNvPr>
+          <p:cNvPicPr>
+            <a:picLocks noChangeAspect="1"/>
+          </p:cNvPicPr>
+          <p:nvPr/>
+        </p:nvPicPr>
+        <p:blipFill>
+          <a:blip r:embed="rId8"/>
+          <a:stretch>
+            <a:fillRect/>
+          </a:stretch>
+        </p:blipFill>
+        <p:spPr>
+          <a:xfrm>
+            <a:off x="3974361" y="4079934"/>
+            <a:ext cx="1654599" cy="542834"/>
+          </a:xfrm>
+          <a:prstGeom prst="rect">
+            <a:avLst/>
+          </a:prstGeom>
+        </p:spPr>
+      </p:pic>
+      <p:pic>
+        <p:nvPicPr>
+          <p:cNvPr id="17" name="Picture 16">
+            <a:extLst>
+              <a:ext uri="{FF2B5EF4-FFF2-40B4-BE49-F238E27FC236}">
+                <a16:creationId xmlns:a16="http://schemas.microsoft.com/office/drawing/2014/main" id="{418687CE-D072-421B-B015-03865DE7060C}"/>
+              </a:ext>
+            </a:extLst>
+          </p:cNvPr>
+          <p:cNvPicPr>
+            <a:picLocks noChangeAspect="1"/>
+          </p:cNvPicPr>
+          <p:nvPr/>
+        </p:nvPicPr>
+        <p:blipFill>
+          <a:blip r:embed="rId9"/>
+          <a:stretch>
+            <a:fillRect/>
+          </a:stretch>
+        </p:blipFill>
+        <p:spPr>
+          <a:xfrm>
+            <a:off x="5225100" y="4682112"/>
+            <a:ext cx="508148" cy="575380"/>
+          </a:xfrm>
+          <a:prstGeom prst="rect">
+            <a:avLst/>
+          </a:prstGeom>
+        </p:spPr>
+      </p:pic>
+      <p:sp>
+        <p:nvSpPr>
+          <p:cNvPr id="23" name="Content Placeholder 2">
+            <a:extLst>
+              <a:ext uri="{FF2B5EF4-FFF2-40B4-BE49-F238E27FC236}">
+                <a16:creationId xmlns:a16="http://schemas.microsoft.com/office/drawing/2014/main" id="{ED95BE65-087C-424A-84ED-4BC95E3791BC}"/>
+              </a:ext>
+            </a:extLst>
+          </p:cNvPr>
+          <p:cNvSpPr>
+            <a:spLocks noGrp="1"/>
+          </p:cNvSpPr>
+          <p:nvPr>
+            <p:ph idx="1"/>
+          </p:nvPr>
+        </p:nvSpPr>
+        <p:spPr>
+          <a:xfrm>
+            <a:off x="5006750" y="5258379"/>
+            <a:ext cx="1011455" cy="448751"/>
+          </a:xfrm>
+        </p:spPr>
+        <p:txBody>
+          <a:bodyPr>
+            <a:normAutofit/>
+          </a:bodyPr>
+          <a:lstStyle/>
+          <a:p>
+            <a:pPr marL="0" indent="0">
+              <a:spcBef>
+                <a:spcPts val="0"/>
+              </a:spcBef>
+              <a:spcAft>
+                <a:spcPts val="0"/>
+              </a:spcAft>
+              <a:buNone/>
+            </a:pPr>
+            <a:r>
+              <a:rPr lang="en-US" sz="1800" dirty="0"/>
+              <a:t>pydicom</a:t>
+            </a:r>
+          </a:p>
+        </p:txBody>
+      </p:sp>
+      <p:sp>
+        <p:nvSpPr>
+          <p:cNvPr id="24" name="Content Placeholder 2">
+            <a:extLst>
+              <a:ext uri="{FF2B5EF4-FFF2-40B4-BE49-F238E27FC236}">
+                <a16:creationId xmlns:a16="http://schemas.microsoft.com/office/drawing/2014/main" id="{EEF8E9C4-0A56-472C-89DB-576BEE3F030E}"/>
+              </a:ext>
+            </a:extLst>
+          </p:cNvPr>
+          <p:cNvSpPr txBox="1">
+            <a:spLocks/>
+          </p:cNvSpPr>
+          <p:nvPr/>
+        </p:nvSpPr>
+        <p:spPr>
+          <a:xfrm>
+            <a:off x="3960220" y="5272051"/>
+            <a:ext cx="1011455" cy="448751"/>
+          </a:xfrm>
+          <a:prstGeom prst="rect">
+            <a:avLst/>
+          </a:prstGeom>
+        </p:spPr>
+        <p:txBody>
+          <a:bodyPr vert="horz" lIns="91440" tIns="45720" rIns="91440" bIns="45720" rtlCol="0">
+            <a:normAutofit/>
+          </a:bodyPr>
+          <a:lstStyle>
+            <a:lvl1pPr marL="342900" indent="-342900" algn="l" defTabSz="914400" rtl="0" eaLnBrk="1" latinLnBrk="0" hangingPunct="1">
+              <a:spcBef>
+                <a:spcPts val="1200"/>
+              </a:spcBef>
+              <a:spcAft>
+                <a:spcPts val="1200"/>
+              </a:spcAft>
+              <a:buFont typeface="Arial" pitchFamily="34" charset="0"/>
+              <a:buChar char="•"/>
+              <a:defRPr sz="2800" kern="1200">
+                <a:solidFill>
+                  <a:schemeClr val="tx1"/>
+                </a:solidFill>
+                <a:latin typeface="+mn-lt"/>
+                <a:ea typeface="+mn-ea"/>
+                <a:cs typeface="+mn-cs"/>
+              </a:defRPr>
+            </a:lvl1pPr>
+            <a:lvl2pPr marL="742950" indent="-285750" algn="l" defTabSz="914400" rtl="0" eaLnBrk="1" latinLnBrk="0" hangingPunct="1">
+              <a:spcBef>
+                <a:spcPts val="1200"/>
+              </a:spcBef>
+              <a:spcAft>
+                <a:spcPts val="1200"/>
+              </a:spcAft>
+              <a:buFont typeface="Arial" pitchFamily="34" charset="0"/>
+              <a:buChar char="–"/>
+              <a:defRPr sz="2400" kern="1200">
+                <a:solidFill>
+                  <a:schemeClr val="tx1"/>
+                </a:solidFill>
+                <a:latin typeface="+mn-lt"/>
+                <a:ea typeface="+mn-ea"/>
+                <a:cs typeface="+mn-cs"/>
+              </a:defRPr>
+            </a:lvl2pPr>
+            <a:lvl3pPr marL="1143000" indent="-228600" algn="l" defTabSz="914400" rtl="0" eaLnBrk="1" latinLnBrk="0" hangingPunct="1">
+              <a:spcBef>
+                <a:spcPts val="1200"/>
+              </a:spcBef>
+              <a:spcAft>
+                <a:spcPts val="1200"/>
+              </a:spcAft>
+              <a:buFont typeface="Arial" pitchFamily="34" charset="0"/>
+              <a:buChar char="•"/>
+              <a:defRPr sz="2000" kern="1200">
+                <a:solidFill>
+                  <a:schemeClr val="tx1"/>
+                </a:solidFill>
+                <a:latin typeface="+mn-lt"/>
+                <a:ea typeface="+mn-ea"/>
+                <a:cs typeface="+mn-cs"/>
+              </a:defRPr>
+            </a:lvl3pPr>
+            <a:lvl4pPr marL="1600200" indent="-228600" algn="l" defTabSz="914400" rtl="0" eaLnBrk="1" latinLnBrk="0" hangingPunct="1">
+              <a:spcBef>
+                <a:spcPts val="1200"/>
+              </a:spcBef>
+              <a:spcAft>
+                <a:spcPts val="1200"/>
+              </a:spcAft>
+              <a:buFont typeface="Arial" pitchFamily="34" charset="0"/>
+              <a:buChar char="–"/>
+              <a:defRPr sz="1800" kern="1200">
+                <a:solidFill>
+                  <a:schemeClr val="tx1"/>
+                </a:solidFill>
+                <a:latin typeface="+mn-lt"/>
+                <a:ea typeface="+mn-ea"/>
+                <a:cs typeface="+mn-cs"/>
+              </a:defRPr>
+            </a:lvl4pPr>
+            <a:lvl5pPr marL="2057400" indent="-228600" algn="l" defTabSz="914400" rtl="0" eaLnBrk="1" latinLnBrk="0" hangingPunct="1">
+              <a:spcBef>
+                <a:spcPts val="1200"/>
+              </a:spcBef>
+              <a:spcAft>
+                <a:spcPts val="1200"/>
+              </a:spcAft>
+              <a:buFont typeface="Arial" pitchFamily="34" charset="0"/>
+              <a:buChar char="»"/>
+              <a:defRPr sz="1800" kern="1200">
+                <a:solidFill>
+                  <a:schemeClr val="tx1"/>
+                </a:solidFill>
+                <a:latin typeface="+mn-lt"/>
+                <a:ea typeface="+mn-ea"/>
+                <a:cs typeface="+mn-cs"/>
+              </a:defRPr>
+            </a:lvl5pPr>
+            <a:lvl6pPr marL="2514600" indent="-228600" algn="l" defTabSz="914400" rtl="0" eaLnBrk="1" latinLnBrk="0" hangingPunct="1">
+              <a:spcBef>
+                <a:spcPct val="20000"/>
+              </a:spcBef>
+              <a:buFont typeface="Arial" pitchFamily="34" charset="0"/>
+              <a:buChar char="•"/>
+              <a:defRPr sz="2000" kern="1200">
+                <a:solidFill>
+                  <a:schemeClr val="tx1"/>
+                </a:solidFill>
+                <a:latin typeface="+mn-lt"/>
+                <a:ea typeface="+mn-ea"/>
+                <a:cs typeface="+mn-cs"/>
+              </a:defRPr>
+            </a:lvl6pPr>
+            <a:lvl7pPr marL="2971800" indent="-228600" algn="l" defTabSz="914400" rtl="0" eaLnBrk="1" latinLnBrk="0" hangingPunct="1">
+              <a:spcBef>
+                <a:spcPct val="20000"/>
+              </a:spcBef>
+              <a:buFont typeface="Arial" pitchFamily="34" charset="0"/>
+              <a:buChar char="•"/>
+              <a:defRPr sz="2000" kern="1200">
+                <a:solidFill>
+                  <a:schemeClr val="tx1"/>
+                </a:solidFill>
+                <a:latin typeface="+mn-lt"/>
+                <a:ea typeface="+mn-ea"/>
+                <a:cs typeface="+mn-cs"/>
+              </a:defRPr>
+            </a:lvl7pPr>
+            <a:lvl8pPr marL="3429000" indent="-228600" algn="l" defTabSz="914400" rtl="0" eaLnBrk="1" latinLnBrk="0" hangingPunct="1">
+              <a:spcBef>
+                <a:spcPct val="20000"/>
+              </a:spcBef>
+              <a:buFont typeface="Arial" pitchFamily="34" charset="0"/>
+              <a:buChar char="•"/>
+              <a:defRPr sz="2000" kern="1200">
+                <a:solidFill>
+                  <a:schemeClr val="tx1"/>
+                </a:solidFill>
+                <a:latin typeface="+mn-lt"/>
+                <a:ea typeface="+mn-ea"/>
+                <a:cs typeface="+mn-cs"/>
+              </a:defRPr>
+            </a:lvl8pPr>
+            <a:lvl9pPr marL="3886200" indent="-228600" algn="l" defTabSz="914400" rtl="0" eaLnBrk="1" latinLnBrk="0" hangingPunct="1">
+              <a:spcBef>
+                <a:spcPct val="20000"/>
+              </a:spcBef>
+              <a:buFont typeface="Arial" pitchFamily="34" charset="0"/>
+              <a:buChar char="•"/>
+              <a:defRPr sz="2000" kern="1200">
+                <a:solidFill>
+                  <a:schemeClr val="tx1"/>
+                </a:solidFill>
+                <a:latin typeface="+mn-lt"/>
+                <a:ea typeface="+mn-ea"/>
+                <a:cs typeface="+mn-cs"/>
+              </a:defRPr>
+            </a:lvl9pPr>
+          </a:lstStyle>
+          <a:p>
+            <a:pPr marL="0" indent="0">
+              <a:spcBef>
+                <a:spcPts val="0"/>
+              </a:spcBef>
+              <a:spcAft>
+                <a:spcPts val="0"/>
+              </a:spcAft>
+              <a:buFont typeface="Arial" pitchFamily="34" charset="0"/>
+              <a:buNone/>
+            </a:pPr>
+            <a:r>
+              <a:rPr lang="en-US" sz="1800" dirty="0"/>
+              <a:t>DCMTK</a:t>
+            </a:r>
+          </a:p>
+        </p:txBody>
+      </p:sp>
+      <p:pic>
+        <p:nvPicPr>
+          <p:cNvPr id="1038" name="Picture 14" descr="See the source image">
+            <a:extLst>
+              <a:ext uri="{FF2B5EF4-FFF2-40B4-BE49-F238E27FC236}">
+                <a16:creationId xmlns:a16="http://schemas.microsoft.com/office/drawing/2014/main" id="{0AE0CC3C-A426-4B76-918F-3359248590B2}"/>
+              </a:ext>
+            </a:extLst>
+          </p:cNvPr>
+          <p:cNvPicPr>
+            <a:picLocks noChangeAspect="1" noChangeArrowheads="1"/>
+          </p:cNvPicPr>
+          <p:nvPr/>
+        </p:nvPicPr>
+        <p:blipFill>
+          <a:blip r:embed="rId10" cstate="print">
+            <a:extLst>
+              <a:ext uri="{28A0092B-C50C-407E-A947-70E740481C1C}">
+                <a14:useLocalDpi xmlns:a14="http://schemas.microsoft.com/office/drawing/2010/main" val="0"/>
+              </a:ext>
+            </a:extLst>
+          </a:blip>
+          <a:srcRect/>
+          <a:stretch>
+            <a:fillRect/>
+          </a:stretch>
+        </p:blipFill>
+        <p:spPr bwMode="auto">
+          <a:xfrm>
+            <a:off x="233298" y="3594492"/>
+            <a:ext cx="1150643" cy="230129"/>
+          </a:xfrm>
+          <a:prstGeom prst="rect">
+            <a:avLst/>
+          </a:prstGeom>
+          <a:noFill/>
+          <a:extLst>
+            <a:ext uri="{909E8E84-426E-40DD-AFC4-6F175D3DCCD1}">
+              <a14:hiddenFill xmlns:a14="http://schemas.microsoft.com/office/drawing/2010/main">
+                <a:solidFill>
+                  <a:srgbClr val="FFFFFF"/>
+                </a:solidFill>
+              </a14:hiddenFill>
+            </a:ext>
+          </a:extLst>
+        </p:spPr>
+      </p:pic>
+      <p:pic>
+        <p:nvPicPr>
+          <p:cNvPr id="1040" name="Picture 16">
+            <a:extLst>
+              <a:ext uri="{FF2B5EF4-FFF2-40B4-BE49-F238E27FC236}">
+                <a16:creationId xmlns:a16="http://schemas.microsoft.com/office/drawing/2014/main" id="{92D2DC18-45F0-489E-B627-B753D902CE3D}"/>
+              </a:ext>
+            </a:extLst>
+          </p:cNvPr>
+          <p:cNvPicPr>
+            <a:picLocks noChangeAspect="1" noChangeArrowheads="1"/>
+          </p:cNvPicPr>
+          <p:nvPr/>
+        </p:nvPicPr>
+        <p:blipFill>
+          <a:blip r:embed="rId11" cstate="print">
+            <a:extLst>
+              <a:ext uri="{28A0092B-C50C-407E-A947-70E740481C1C}">
+                <a14:useLocalDpi xmlns:a14="http://schemas.microsoft.com/office/drawing/2010/main" val="0"/>
+              </a:ext>
+            </a:extLst>
+          </a:blip>
+          <a:srcRect/>
+          <a:stretch>
+            <a:fillRect/>
+          </a:stretch>
+        </p:blipFill>
+        <p:spPr bwMode="auto">
+          <a:xfrm>
+            <a:off x="404340" y="4145908"/>
+            <a:ext cx="651722" cy="542114"/>
+          </a:xfrm>
+          <a:prstGeom prst="rect">
+            <a:avLst/>
+          </a:prstGeom>
+          <a:noFill/>
+          <a:extLst>
+            <a:ext uri="{909E8E84-426E-40DD-AFC4-6F175D3DCCD1}">
+              <a14:hiddenFill xmlns:a14="http://schemas.microsoft.com/office/drawing/2010/main">
+                <a:solidFill>
+                  <a:srgbClr val="FFFFFF"/>
+                </a:solidFill>
+              </a14:hiddenFill>
+            </a:ext>
+          </a:extLst>
+        </p:spPr>
+      </p:pic>
+      <p:pic>
+        <p:nvPicPr>
+          <p:cNvPr id="1042" name="Picture 18" descr="See the source image">
+            <a:extLst>
+              <a:ext uri="{FF2B5EF4-FFF2-40B4-BE49-F238E27FC236}">
+                <a16:creationId xmlns:a16="http://schemas.microsoft.com/office/drawing/2014/main" id="{F381540E-8D3D-4287-B55A-3AF40E6811FF}"/>
+              </a:ext>
+            </a:extLst>
+          </p:cNvPr>
+          <p:cNvPicPr>
+            <a:picLocks noChangeAspect="1" noChangeArrowheads="1"/>
+          </p:cNvPicPr>
+          <p:nvPr/>
+        </p:nvPicPr>
+        <p:blipFill>
+          <a:blip r:embed="rId12" cstate="print">
+            <a:extLst>
+              <a:ext uri="{28A0092B-C50C-407E-A947-70E740481C1C}">
+                <a14:useLocalDpi xmlns:a14="http://schemas.microsoft.com/office/drawing/2010/main" val="0"/>
+              </a:ext>
+            </a:extLst>
+          </a:blip>
+          <a:srcRect/>
+          <a:stretch>
+            <a:fillRect/>
+          </a:stretch>
+        </p:blipFill>
+        <p:spPr bwMode="auto">
+          <a:xfrm>
+            <a:off x="1426456" y="3393000"/>
+            <a:ext cx="962295" cy="542833"/>
+          </a:xfrm>
+          <a:prstGeom prst="rect">
+            <a:avLst/>
+          </a:prstGeom>
+          <a:noFill/>
+          <a:extLst>
+            <a:ext uri="{909E8E84-426E-40DD-AFC4-6F175D3DCCD1}">
+              <a14:hiddenFill xmlns:a14="http://schemas.microsoft.com/office/drawing/2010/main">
+                <a:solidFill>
+                  <a:srgbClr val="FFFFFF"/>
+                </a:solidFill>
+              </a14:hiddenFill>
+            </a:ext>
+          </a:extLst>
+        </p:spPr>
+      </p:pic>
+      <p:sp>
+        <p:nvSpPr>
+          <p:cNvPr id="29" name="Content Placeholder 2">
+            <a:extLst>
+              <a:ext uri="{FF2B5EF4-FFF2-40B4-BE49-F238E27FC236}">
+                <a16:creationId xmlns:a16="http://schemas.microsoft.com/office/drawing/2014/main" id="{234E90A6-2340-40A3-853A-BAEBAB2E08DA}"/>
+              </a:ext>
+            </a:extLst>
+          </p:cNvPr>
+          <p:cNvSpPr txBox="1">
+            <a:spLocks/>
+          </p:cNvSpPr>
+          <p:nvPr/>
+        </p:nvSpPr>
+        <p:spPr>
+          <a:xfrm>
+            <a:off x="7114371" y="2930710"/>
+            <a:ext cx="1572429" cy="620465"/>
+          </a:xfrm>
+          <a:prstGeom prst="rect">
+            <a:avLst/>
+          </a:prstGeom>
+        </p:spPr>
+        <p:txBody>
+          <a:bodyPr vert="horz" lIns="91440" tIns="45720" rIns="91440" bIns="45720" rtlCol="0">
+            <a:noAutofit/>
+          </a:bodyPr>
+          <a:lstStyle>
+            <a:lvl1pPr marL="342900" indent="-342900" algn="l" defTabSz="914400" rtl="0" eaLnBrk="1" latinLnBrk="0" hangingPunct="1">
+              <a:spcBef>
+                <a:spcPts val="1200"/>
+              </a:spcBef>
+              <a:spcAft>
+                <a:spcPts val="1200"/>
+              </a:spcAft>
+              <a:buFont typeface="Arial" pitchFamily="34" charset="0"/>
+              <a:buChar char="•"/>
+              <a:defRPr sz="2800" kern="1200">
+                <a:solidFill>
+                  <a:schemeClr val="tx1"/>
+                </a:solidFill>
+                <a:latin typeface="+mn-lt"/>
+                <a:ea typeface="+mn-ea"/>
+                <a:cs typeface="+mn-cs"/>
+              </a:defRPr>
+            </a:lvl1pPr>
+            <a:lvl2pPr marL="742950" indent="-285750" algn="l" defTabSz="914400" rtl="0" eaLnBrk="1" latinLnBrk="0" hangingPunct="1">
+              <a:spcBef>
+                <a:spcPts val="1200"/>
+              </a:spcBef>
+              <a:spcAft>
+                <a:spcPts val="1200"/>
+              </a:spcAft>
+              <a:buFont typeface="Arial" pitchFamily="34" charset="0"/>
+              <a:buChar char="–"/>
+              <a:defRPr sz="2400" kern="1200">
+                <a:solidFill>
+                  <a:schemeClr val="tx1"/>
+                </a:solidFill>
+                <a:latin typeface="+mn-lt"/>
+                <a:ea typeface="+mn-ea"/>
+                <a:cs typeface="+mn-cs"/>
+              </a:defRPr>
+            </a:lvl2pPr>
+            <a:lvl3pPr marL="1143000" indent="-228600" algn="l" defTabSz="914400" rtl="0" eaLnBrk="1" latinLnBrk="0" hangingPunct="1">
+              <a:spcBef>
+                <a:spcPts val="1200"/>
+              </a:spcBef>
+              <a:spcAft>
+                <a:spcPts val="1200"/>
+              </a:spcAft>
+              <a:buFont typeface="Arial" pitchFamily="34" charset="0"/>
+              <a:buChar char="•"/>
+              <a:defRPr sz="2000" kern="1200">
+                <a:solidFill>
+                  <a:schemeClr val="tx1"/>
+                </a:solidFill>
+                <a:latin typeface="+mn-lt"/>
+                <a:ea typeface="+mn-ea"/>
+                <a:cs typeface="+mn-cs"/>
+              </a:defRPr>
+            </a:lvl3pPr>
+            <a:lvl4pPr marL="1600200" indent="-228600" algn="l" defTabSz="914400" rtl="0" eaLnBrk="1" latinLnBrk="0" hangingPunct="1">
+              <a:spcBef>
+                <a:spcPts val="1200"/>
+              </a:spcBef>
+              <a:spcAft>
+                <a:spcPts val="1200"/>
+              </a:spcAft>
+              <a:buFont typeface="Arial" pitchFamily="34" charset="0"/>
+              <a:buChar char="–"/>
+              <a:defRPr sz="1800" kern="1200">
+                <a:solidFill>
+                  <a:schemeClr val="tx1"/>
+                </a:solidFill>
+                <a:latin typeface="+mn-lt"/>
+                <a:ea typeface="+mn-ea"/>
+                <a:cs typeface="+mn-cs"/>
+              </a:defRPr>
+            </a:lvl4pPr>
+            <a:lvl5pPr marL="2057400" indent="-228600" algn="l" defTabSz="914400" rtl="0" eaLnBrk="1" latinLnBrk="0" hangingPunct="1">
+              <a:spcBef>
+                <a:spcPts val="1200"/>
+              </a:spcBef>
+              <a:spcAft>
+                <a:spcPts val="1200"/>
+              </a:spcAft>
+              <a:buFont typeface="Arial" pitchFamily="34" charset="0"/>
+              <a:buChar char="»"/>
+              <a:defRPr sz="1800" kern="1200">
+                <a:solidFill>
+                  <a:schemeClr val="tx1"/>
+                </a:solidFill>
+                <a:latin typeface="+mn-lt"/>
+                <a:ea typeface="+mn-ea"/>
+                <a:cs typeface="+mn-cs"/>
+              </a:defRPr>
+            </a:lvl5pPr>
+            <a:lvl6pPr marL="2514600" indent="-228600" algn="l" defTabSz="914400" rtl="0" eaLnBrk="1" latinLnBrk="0" hangingPunct="1">
+              <a:spcBef>
+                <a:spcPct val="20000"/>
+              </a:spcBef>
+              <a:buFont typeface="Arial" pitchFamily="34" charset="0"/>
+              <a:buChar char="•"/>
+              <a:defRPr sz="2000" kern="1200">
+                <a:solidFill>
+                  <a:schemeClr val="tx1"/>
+                </a:solidFill>
+                <a:latin typeface="+mn-lt"/>
+                <a:ea typeface="+mn-ea"/>
+                <a:cs typeface="+mn-cs"/>
+              </a:defRPr>
+            </a:lvl6pPr>
+            <a:lvl7pPr marL="2971800" indent="-228600" algn="l" defTabSz="914400" rtl="0" eaLnBrk="1" latinLnBrk="0" hangingPunct="1">
+              <a:spcBef>
+                <a:spcPct val="20000"/>
+              </a:spcBef>
+              <a:buFont typeface="Arial" pitchFamily="34" charset="0"/>
+              <a:buChar char="•"/>
+              <a:defRPr sz="2000" kern="1200">
+                <a:solidFill>
+                  <a:schemeClr val="tx1"/>
+                </a:solidFill>
+                <a:latin typeface="+mn-lt"/>
+                <a:ea typeface="+mn-ea"/>
+                <a:cs typeface="+mn-cs"/>
+              </a:defRPr>
+            </a:lvl7pPr>
+            <a:lvl8pPr marL="3429000" indent="-228600" algn="l" defTabSz="914400" rtl="0" eaLnBrk="1" latinLnBrk="0" hangingPunct="1">
+              <a:spcBef>
+                <a:spcPct val="20000"/>
+              </a:spcBef>
+              <a:buFont typeface="Arial" pitchFamily="34" charset="0"/>
+              <a:buChar char="•"/>
+              <a:defRPr sz="2000" kern="1200">
+                <a:solidFill>
+                  <a:schemeClr val="tx1"/>
+                </a:solidFill>
+                <a:latin typeface="+mn-lt"/>
+                <a:ea typeface="+mn-ea"/>
+                <a:cs typeface="+mn-cs"/>
+              </a:defRPr>
+            </a:lvl8pPr>
+            <a:lvl9pPr marL="3886200" indent="-228600" algn="l" defTabSz="914400" rtl="0" eaLnBrk="1" latinLnBrk="0" hangingPunct="1">
+              <a:spcBef>
+                <a:spcPct val="20000"/>
+              </a:spcBef>
+              <a:buFont typeface="Arial" pitchFamily="34" charset="0"/>
+              <a:buChar char="•"/>
+              <a:defRPr sz="2000" kern="1200">
+                <a:solidFill>
+                  <a:schemeClr val="tx1"/>
+                </a:solidFill>
+                <a:latin typeface="+mn-lt"/>
+                <a:ea typeface="+mn-ea"/>
+                <a:cs typeface="+mn-cs"/>
+              </a:defRPr>
+            </a:lvl9pPr>
+          </a:lstStyle>
+          <a:p>
+            <a:pPr marL="0" indent="0" algn="ctr">
+              <a:spcBef>
+                <a:spcPts val="0"/>
+              </a:spcBef>
+              <a:spcAft>
+                <a:spcPts val="0"/>
+              </a:spcAft>
+              <a:buFont typeface="Arial" pitchFamily="34" charset="0"/>
+              <a:buNone/>
+            </a:pPr>
+            <a:r>
+              <a:rPr lang="en-US" sz="2600" dirty="0"/>
+              <a:t>3D Slicer</a:t>
+            </a:r>
+          </a:p>
+        </p:txBody>
+      </p:sp>
+      <p:pic>
+        <p:nvPicPr>
+          <p:cNvPr id="31" name="Picture 4" descr="http://python.cz/images/logo.png">
+            <a:extLst>
+              <a:ext uri="{FF2B5EF4-FFF2-40B4-BE49-F238E27FC236}">
+                <a16:creationId xmlns:a16="http://schemas.microsoft.com/office/drawing/2014/main" id="{3BA8B933-7488-45EE-A14A-80977E3F9637}"/>
+              </a:ext>
+            </a:extLst>
+          </p:cNvPr>
+          <p:cNvPicPr>
+            <a:picLocks noChangeAspect="1" noChangeArrowheads="1"/>
+          </p:cNvPicPr>
+          <p:nvPr/>
+        </p:nvPicPr>
+        <p:blipFill>
+          <a:blip r:embed="rId13" cstate="print">
+            <a:extLst>
+              <a:ext uri="{28A0092B-C50C-407E-A947-70E740481C1C}">
+                <a14:useLocalDpi xmlns:a14="http://schemas.microsoft.com/office/drawing/2010/main" val="0"/>
+              </a:ext>
+            </a:extLst>
+          </a:blip>
+          <a:srcRect/>
+          <a:stretch>
+            <a:fillRect/>
+          </a:stretch>
+        </p:blipFill>
+        <p:spPr bwMode="auto">
+          <a:xfrm>
+            <a:off x="7455704" y="5136541"/>
+            <a:ext cx="884747" cy="884747"/>
+          </a:xfrm>
+          <a:prstGeom prst="rect">
+            <a:avLst/>
+          </a:prstGeom>
+          <a:noFill/>
+          <a:extLst>
+            <a:ext uri="{909E8E84-426E-40DD-AFC4-6F175D3DCCD1}">
+              <a14:hiddenFill xmlns:a14="http://schemas.microsoft.com/office/drawing/2010/main">
+                <a:solidFill>
+                  <a:srgbClr val="FFFFFF"/>
+                </a:solidFill>
+              </a14:hiddenFill>
+            </a:ext>
+          </a:extLst>
+        </p:spPr>
+      </p:pic>
+      <p:sp>
+        <p:nvSpPr>
+          <p:cNvPr id="32" name="Content Placeholder 2">
+            <a:extLst>
+              <a:ext uri="{FF2B5EF4-FFF2-40B4-BE49-F238E27FC236}">
+                <a16:creationId xmlns:a16="http://schemas.microsoft.com/office/drawing/2014/main" id="{EAFD3055-0F33-4076-9116-DECA09306701}"/>
+              </a:ext>
+            </a:extLst>
+          </p:cNvPr>
+          <p:cNvSpPr txBox="1">
+            <a:spLocks/>
+          </p:cNvSpPr>
+          <p:nvPr/>
+        </p:nvSpPr>
+        <p:spPr>
+          <a:xfrm>
+            <a:off x="4150025" y="5684801"/>
+            <a:ext cx="1449841" cy="448751"/>
+          </a:xfrm>
+          <a:prstGeom prst="rect">
+            <a:avLst/>
+          </a:prstGeom>
+        </p:spPr>
+        <p:txBody>
+          <a:bodyPr vert="horz" lIns="91440" tIns="45720" rIns="91440" bIns="45720" rtlCol="0">
+            <a:normAutofit/>
+          </a:bodyPr>
+          <a:lstStyle>
+            <a:lvl1pPr marL="342900" indent="-342900" algn="l" defTabSz="914400" rtl="0" eaLnBrk="1" latinLnBrk="0" hangingPunct="1">
+              <a:spcBef>
+                <a:spcPts val="1200"/>
+              </a:spcBef>
+              <a:spcAft>
+                <a:spcPts val="1200"/>
+              </a:spcAft>
+              <a:buFont typeface="Arial" pitchFamily="34" charset="0"/>
+              <a:buChar char="•"/>
+              <a:defRPr sz="2800" kern="1200">
+                <a:solidFill>
+                  <a:schemeClr val="tx1"/>
+                </a:solidFill>
+                <a:latin typeface="+mn-lt"/>
+                <a:ea typeface="+mn-ea"/>
+                <a:cs typeface="+mn-cs"/>
+              </a:defRPr>
+            </a:lvl1pPr>
+            <a:lvl2pPr marL="742950" indent="-285750" algn="l" defTabSz="914400" rtl="0" eaLnBrk="1" latinLnBrk="0" hangingPunct="1">
+              <a:spcBef>
+                <a:spcPts val="1200"/>
+              </a:spcBef>
+              <a:spcAft>
+                <a:spcPts val="1200"/>
+              </a:spcAft>
+              <a:buFont typeface="Arial" pitchFamily="34" charset="0"/>
+              <a:buChar char="–"/>
+              <a:defRPr sz="2400" kern="1200">
+                <a:solidFill>
+                  <a:schemeClr val="tx1"/>
+                </a:solidFill>
+                <a:latin typeface="+mn-lt"/>
+                <a:ea typeface="+mn-ea"/>
+                <a:cs typeface="+mn-cs"/>
+              </a:defRPr>
+            </a:lvl2pPr>
+            <a:lvl3pPr marL="1143000" indent="-228600" algn="l" defTabSz="914400" rtl="0" eaLnBrk="1" latinLnBrk="0" hangingPunct="1">
+              <a:spcBef>
+                <a:spcPts val="1200"/>
+              </a:spcBef>
+              <a:spcAft>
+                <a:spcPts val="1200"/>
+              </a:spcAft>
+              <a:buFont typeface="Arial" pitchFamily="34" charset="0"/>
+              <a:buChar char="•"/>
+              <a:defRPr sz="2000" kern="1200">
+                <a:solidFill>
+                  <a:schemeClr val="tx1"/>
+                </a:solidFill>
+                <a:latin typeface="+mn-lt"/>
+                <a:ea typeface="+mn-ea"/>
+                <a:cs typeface="+mn-cs"/>
+              </a:defRPr>
+            </a:lvl3pPr>
+            <a:lvl4pPr marL="1600200" indent="-228600" algn="l" defTabSz="914400" rtl="0" eaLnBrk="1" latinLnBrk="0" hangingPunct="1">
+              <a:spcBef>
+                <a:spcPts val="1200"/>
+              </a:spcBef>
+              <a:spcAft>
+                <a:spcPts val="1200"/>
+              </a:spcAft>
+              <a:buFont typeface="Arial" pitchFamily="34" charset="0"/>
+              <a:buChar char="–"/>
+              <a:defRPr sz="1800" kern="1200">
+                <a:solidFill>
+                  <a:schemeClr val="tx1"/>
+                </a:solidFill>
+                <a:latin typeface="+mn-lt"/>
+                <a:ea typeface="+mn-ea"/>
+                <a:cs typeface="+mn-cs"/>
+              </a:defRPr>
+            </a:lvl4pPr>
+            <a:lvl5pPr marL="2057400" indent="-228600" algn="l" defTabSz="914400" rtl="0" eaLnBrk="1" latinLnBrk="0" hangingPunct="1">
+              <a:spcBef>
+                <a:spcPts val="1200"/>
+              </a:spcBef>
+              <a:spcAft>
+                <a:spcPts val="1200"/>
+              </a:spcAft>
+              <a:buFont typeface="Arial" pitchFamily="34" charset="0"/>
+              <a:buChar char="»"/>
+              <a:defRPr sz="1800" kern="1200">
+                <a:solidFill>
+                  <a:schemeClr val="tx1"/>
+                </a:solidFill>
+                <a:latin typeface="+mn-lt"/>
+                <a:ea typeface="+mn-ea"/>
+                <a:cs typeface="+mn-cs"/>
+              </a:defRPr>
+            </a:lvl5pPr>
+            <a:lvl6pPr marL="2514600" indent="-228600" algn="l" defTabSz="914400" rtl="0" eaLnBrk="1" latinLnBrk="0" hangingPunct="1">
+              <a:spcBef>
+                <a:spcPct val="20000"/>
+              </a:spcBef>
+              <a:buFont typeface="Arial" pitchFamily="34" charset="0"/>
+              <a:buChar char="•"/>
+              <a:defRPr sz="2000" kern="1200">
+                <a:solidFill>
+                  <a:schemeClr val="tx1"/>
+                </a:solidFill>
+                <a:latin typeface="+mn-lt"/>
+                <a:ea typeface="+mn-ea"/>
+                <a:cs typeface="+mn-cs"/>
+              </a:defRPr>
+            </a:lvl6pPr>
+            <a:lvl7pPr marL="2971800" indent="-228600" algn="l" defTabSz="914400" rtl="0" eaLnBrk="1" latinLnBrk="0" hangingPunct="1">
+              <a:spcBef>
+                <a:spcPct val="20000"/>
+              </a:spcBef>
+              <a:buFont typeface="Arial" pitchFamily="34" charset="0"/>
+              <a:buChar char="•"/>
+              <a:defRPr sz="2000" kern="1200">
+                <a:solidFill>
+                  <a:schemeClr val="tx1"/>
+                </a:solidFill>
+                <a:latin typeface="+mn-lt"/>
+                <a:ea typeface="+mn-ea"/>
+                <a:cs typeface="+mn-cs"/>
+              </a:defRPr>
+            </a:lvl7pPr>
+            <a:lvl8pPr marL="3429000" indent="-228600" algn="l" defTabSz="914400" rtl="0" eaLnBrk="1" latinLnBrk="0" hangingPunct="1">
+              <a:spcBef>
+                <a:spcPct val="20000"/>
+              </a:spcBef>
+              <a:buFont typeface="Arial" pitchFamily="34" charset="0"/>
+              <a:buChar char="•"/>
+              <a:defRPr sz="2000" kern="1200">
+                <a:solidFill>
+                  <a:schemeClr val="tx1"/>
+                </a:solidFill>
+                <a:latin typeface="+mn-lt"/>
+                <a:ea typeface="+mn-ea"/>
+                <a:cs typeface="+mn-cs"/>
+              </a:defRPr>
+            </a:lvl8pPr>
+            <a:lvl9pPr marL="3886200" indent="-228600" algn="l" defTabSz="914400" rtl="0" eaLnBrk="1" latinLnBrk="0" hangingPunct="1">
+              <a:spcBef>
+                <a:spcPct val="20000"/>
+              </a:spcBef>
+              <a:buFont typeface="Arial" pitchFamily="34" charset="0"/>
+              <a:buChar char="•"/>
+              <a:defRPr sz="2000" kern="1200">
+                <a:solidFill>
+                  <a:schemeClr val="tx1"/>
+                </a:solidFill>
+                <a:latin typeface="+mn-lt"/>
+                <a:ea typeface="+mn-ea"/>
+                <a:cs typeface="+mn-cs"/>
+              </a:defRPr>
+            </a:lvl9pPr>
+          </a:lstStyle>
+          <a:p>
+            <a:pPr marL="0" indent="0">
+              <a:spcBef>
+                <a:spcPts val="0"/>
+              </a:spcBef>
+              <a:spcAft>
+                <a:spcPts val="0"/>
+              </a:spcAft>
+              <a:buFont typeface="Arial" pitchFamily="34" charset="0"/>
+              <a:buNone/>
+            </a:pPr>
+            <a:r>
+              <a:rPr lang="en-US" sz="1800" dirty="0"/>
+              <a:t>OpenIGTLink</a:t>
+            </a:r>
+          </a:p>
+        </p:txBody>
+      </p:sp>
+      <p:sp>
+        <p:nvSpPr>
+          <p:cNvPr id="33" name="Content Placeholder 2">
+            <a:extLst>
+              <a:ext uri="{FF2B5EF4-FFF2-40B4-BE49-F238E27FC236}">
+                <a16:creationId xmlns:a16="http://schemas.microsoft.com/office/drawing/2014/main" id="{BC9F5712-A26B-4A5A-AB04-4989C445494B}"/>
+              </a:ext>
+            </a:extLst>
+          </p:cNvPr>
+          <p:cNvSpPr txBox="1">
+            <a:spLocks/>
+          </p:cNvSpPr>
+          <p:nvPr/>
+        </p:nvSpPr>
+        <p:spPr>
+          <a:xfrm>
+            <a:off x="315134" y="1729065"/>
+            <a:ext cx="2073617" cy="799964"/>
+          </a:xfrm>
+          <a:prstGeom prst="rect">
+            <a:avLst/>
+          </a:prstGeom>
+        </p:spPr>
+        <p:txBody>
+          <a:bodyPr vert="horz" lIns="91440" tIns="45720" rIns="91440" bIns="45720" rtlCol="0">
+            <a:noAutofit/>
+          </a:bodyPr>
+          <a:lstStyle>
+            <a:lvl1pPr marL="342900" indent="-342900" algn="l" defTabSz="914400" rtl="0" eaLnBrk="1" latinLnBrk="0" hangingPunct="1">
+              <a:spcBef>
+                <a:spcPts val="1200"/>
+              </a:spcBef>
+              <a:spcAft>
+                <a:spcPts val="1200"/>
+              </a:spcAft>
+              <a:buFont typeface="Arial" pitchFamily="34" charset="0"/>
+              <a:buChar char="•"/>
+              <a:defRPr sz="2800" kern="1200">
+                <a:solidFill>
+                  <a:schemeClr val="tx1"/>
+                </a:solidFill>
+                <a:latin typeface="+mn-lt"/>
+                <a:ea typeface="+mn-ea"/>
+                <a:cs typeface="+mn-cs"/>
+              </a:defRPr>
+            </a:lvl1pPr>
+            <a:lvl2pPr marL="742950" indent="-285750" algn="l" defTabSz="914400" rtl="0" eaLnBrk="1" latinLnBrk="0" hangingPunct="1">
+              <a:spcBef>
+                <a:spcPts val="1200"/>
+              </a:spcBef>
+              <a:spcAft>
+                <a:spcPts val="1200"/>
+              </a:spcAft>
+              <a:buFont typeface="Arial" pitchFamily="34" charset="0"/>
+              <a:buChar char="–"/>
+              <a:defRPr sz="2400" kern="1200">
+                <a:solidFill>
+                  <a:schemeClr val="tx1"/>
+                </a:solidFill>
+                <a:latin typeface="+mn-lt"/>
+                <a:ea typeface="+mn-ea"/>
+                <a:cs typeface="+mn-cs"/>
+              </a:defRPr>
+            </a:lvl2pPr>
+            <a:lvl3pPr marL="1143000" indent="-228600" algn="l" defTabSz="914400" rtl="0" eaLnBrk="1" latinLnBrk="0" hangingPunct="1">
+              <a:spcBef>
+                <a:spcPts val="1200"/>
+              </a:spcBef>
+              <a:spcAft>
+                <a:spcPts val="1200"/>
+              </a:spcAft>
+              <a:buFont typeface="Arial" pitchFamily="34" charset="0"/>
+              <a:buChar char="•"/>
+              <a:defRPr sz="2000" kern="1200">
+                <a:solidFill>
+                  <a:schemeClr val="tx1"/>
+                </a:solidFill>
+                <a:latin typeface="+mn-lt"/>
+                <a:ea typeface="+mn-ea"/>
+                <a:cs typeface="+mn-cs"/>
+              </a:defRPr>
+            </a:lvl3pPr>
+            <a:lvl4pPr marL="1600200" indent="-228600" algn="l" defTabSz="914400" rtl="0" eaLnBrk="1" latinLnBrk="0" hangingPunct="1">
+              <a:spcBef>
+                <a:spcPts val="1200"/>
+              </a:spcBef>
+              <a:spcAft>
+                <a:spcPts val="1200"/>
+              </a:spcAft>
+              <a:buFont typeface="Arial" pitchFamily="34" charset="0"/>
+              <a:buChar char="–"/>
+              <a:defRPr sz="1800" kern="1200">
+                <a:solidFill>
+                  <a:schemeClr val="tx1"/>
+                </a:solidFill>
+                <a:latin typeface="+mn-lt"/>
+                <a:ea typeface="+mn-ea"/>
+                <a:cs typeface="+mn-cs"/>
+              </a:defRPr>
+            </a:lvl4pPr>
+            <a:lvl5pPr marL="2057400" indent="-228600" algn="l" defTabSz="914400" rtl="0" eaLnBrk="1" latinLnBrk="0" hangingPunct="1">
+              <a:spcBef>
+                <a:spcPts val="1200"/>
+              </a:spcBef>
+              <a:spcAft>
+                <a:spcPts val="1200"/>
+              </a:spcAft>
+              <a:buFont typeface="Arial" pitchFamily="34" charset="0"/>
+              <a:buChar char="»"/>
+              <a:defRPr sz="1800" kern="1200">
+                <a:solidFill>
+                  <a:schemeClr val="tx1"/>
+                </a:solidFill>
+                <a:latin typeface="+mn-lt"/>
+                <a:ea typeface="+mn-ea"/>
+                <a:cs typeface="+mn-cs"/>
+              </a:defRPr>
+            </a:lvl5pPr>
+            <a:lvl6pPr marL="2514600" indent="-228600" algn="l" defTabSz="914400" rtl="0" eaLnBrk="1" latinLnBrk="0" hangingPunct="1">
+              <a:spcBef>
+                <a:spcPct val="20000"/>
+              </a:spcBef>
+              <a:buFont typeface="Arial" pitchFamily="34" charset="0"/>
+              <a:buChar char="•"/>
+              <a:defRPr sz="2000" kern="1200">
+                <a:solidFill>
+                  <a:schemeClr val="tx1"/>
+                </a:solidFill>
+                <a:latin typeface="+mn-lt"/>
+                <a:ea typeface="+mn-ea"/>
+                <a:cs typeface="+mn-cs"/>
+              </a:defRPr>
+            </a:lvl6pPr>
+            <a:lvl7pPr marL="2971800" indent="-228600" algn="l" defTabSz="914400" rtl="0" eaLnBrk="1" latinLnBrk="0" hangingPunct="1">
+              <a:spcBef>
+                <a:spcPct val="20000"/>
+              </a:spcBef>
+              <a:buFont typeface="Arial" pitchFamily="34" charset="0"/>
+              <a:buChar char="•"/>
+              <a:defRPr sz="2000" kern="1200">
+                <a:solidFill>
+                  <a:schemeClr val="tx1"/>
+                </a:solidFill>
+                <a:latin typeface="+mn-lt"/>
+                <a:ea typeface="+mn-ea"/>
+                <a:cs typeface="+mn-cs"/>
+              </a:defRPr>
+            </a:lvl7pPr>
+            <a:lvl8pPr marL="3429000" indent="-228600" algn="l" defTabSz="914400" rtl="0" eaLnBrk="1" latinLnBrk="0" hangingPunct="1">
+              <a:spcBef>
+                <a:spcPct val="20000"/>
+              </a:spcBef>
+              <a:buFont typeface="Arial" pitchFamily="34" charset="0"/>
+              <a:buChar char="•"/>
+              <a:defRPr sz="2000" kern="1200">
+                <a:solidFill>
+                  <a:schemeClr val="tx1"/>
+                </a:solidFill>
+                <a:latin typeface="+mn-lt"/>
+                <a:ea typeface="+mn-ea"/>
+                <a:cs typeface="+mn-cs"/>
+              </a:defRPr>
+            </a:lvl8pPr>
+            <a:lvl9pPr marL="3886200" indent="-228600" algn="l" defTabSz="914400" rtl="0" eaLnBrk="1" latinLnBrk="0" hangingPunct="1">
+              <a:spcBef>
+                <a:spcPct val="20000"/>
+              </a:spcBef>
+              <a:buFont typeface="Arial" pitchFamily="34" charset="0"/>
+              <a:buChar char="•"/>
+              <a:defRPr sz="2000" kern="1200">
+                <a:solidFill>
+                  <a:schemeClr val="tx1"/>
+                </a:solidFill>
+                <a:latin typeface="+mn-lt"/>
+                <a:ea typeface="+mn-ea"/>
+                <a:cs typeface="+mn-cs"/>
+              </a:defRPr>
+            </a:lvl9pPr>
+          </a:lstStyle>
+          <a:p>
+            <a:pPr marL="0" indent="0" algn="ctr">
+              <a:spcBef>
+                <a:spcPts val="0"/>
+              </a:spcBef>
+              <a:spcAft>
+                <a:spcPts val="0"/>
+              </a:spcAft>
+              <a:buFont typeface="Arial" pitchFamily="34" charset="0"/>
+              <a:buNone/>
+            </a:pPr>
+            <a:r>
+              <a:rPr lang="en-US" sz="2000" b="1" dirty="0"/>
+              <a:t>Data analysis algorithms</a:t>
+            </a:r>
+          </a:p>
+        </p:txBody>
+      </p:sp>
+      <p:pic>
+        <p:nvPicPr>
+          <p:cNvPr id="1044" name="Picture 20" descr="See the source image">
+            <a:extLst>
+              <a:ext uri="{FF2B5EF4-FFF2-40B4-BE49-F238E27FC236}">
+                <a16:creationId xmlns:a16="http://schemas.microsoft.com/office/drawing/2014/main" id="{FECFC467-A8C2-4AEA-965F-09C21F3F6593}"/>
+              </a:ext>
+            </a:extLst>
+          </p:cNvPr>
+          <p:cNvPicPr>
+            <a:picLocks noChangeAspect="1" noChangeArrowheads="1"/>
+          </p:cNvPicPr>
+          <p:nvPr/>
+        </p:nvPicPr>
+        <p:blipFill>
+          <a:blip r:embed="rId14" cstate="print">
+            <a:extLst>
+              <a:ext uri="{28A0092B-C50C-407E-A947-70E740481C1C}">
+                <a14:useLocalDpi xmlns:a14="http://schemas.microsoft.com/office/drawing/2010/main" val="0"/>
+              </a:ext>
+            </a:extLst>
+          </a:blip>
+          <a:srcRect/>
+          <a:stretch>
+            <a:fillRect/>
+          </a:stretch>
+        </p:blipFill>
+        <p:spPr bwMode="auto">
+          <a:xfrm>
+            <a:off x="250744" y="5003191"/>
+            <a:ext cx="1020796" cy="459536"/>
+          </a:xfrm>
+          <a:prstGeom prst="rect">
+            <a:avLst/>
+          </a:prstGeom>
+          <a:noFill/>
+          <a:extLst>
+            <a:ext uri="{909E8E84-426E-40DD-AFC4-6F175D3DCCD1}">
+              <a14:hiddenFill xmlns:a14="http://schemas.microsoft.com/office/drawing/2010/main">
+                <a:solidFill>
+                  <a:srgbClr val="FFFFFF"/>
+                </a:solidFill>
+              </a14:hiddenFill>
+            </a:ext>
+          </a:extLst>
+        </p:spPr>
+      </p:pic>
+      <p:pic>
+        <p:nvPicPr>
+          <p:cNvPr id="19" name="Picture 18">
+            <a:extLst>
+              <a:ext uri="{FF2B5EF4-FFF2-40B4-BE49-F238E27FC236}">
+                <a16:creationId xmlns:a16="http://schemas.microsoft.com/office/drawing/2014/main" id="{DEC56029-613C-4A78-9BB5-40C49895917B}"/>
+              </a:ext>
+            </a:extLst>
+          </p:cNvPr>
+          <p:cNvPicPr>
+            <a:picLocks noChangeAspect="1"/>
+          </p:cNvPicPr>
+          <p:nvPr/>
+        </p:nvPicPr>
+        <p:blipFill>
+          <a:blip r:embed="rId15"/>
+          <a:stretch>
+            <a:fillRect/>
+          </a:stretch>
+        </p:blipFill>
+        <p:spPr>
+          <a:xfrm>
+            <a:off x="1459136" y="4048260"/>
+            <a:ext cx="919814" cy="682443"/>
+          </a:xfrm>
+          <a:prstGeom prst="rect">
+            <a:avLst/>
+          </a:prstGeom>
+        </p:spPr>
+      </p:pic>
+      <p:grpSp>
+        <p:nvGrpSpPr>
+          <p:cNvPr id="37" name="Group 36">
+            <a:extLst>
+              <a:ext uri="{FF2B5EF4-FFF2-40B4-BE49-F238E27FC236}">
+                <a16:creationId xmlns:a16="http://schemas.microsoft.com/office/drawing/2014/main" id="{0F88ADFD-599B-4B23-B739-E7F614C79958}"/>
+              </a:ext>
+            </a:extLst>
+          </p:cNvPr>
+          <p:cNvGrpSpPr/>
+          <p:nvPr/>
+        </p:nvGrpSpPr>
+        <p:grpSpPr>
+          <a:xfrm>
+            <a:off x="1590594" y="4823286"/>
+            <a:ext cx="1011455" cy="1032959"/>
+            <a:chOff x="1590594" y="4362981"/>
+            <a:chExt cx="1011455" cy="1032959"/>
+          </a:xfrm>
+        </p:grpSpPr>
+        <p:pic>
+          <p:nvPicPr>
+            <p:cNvPr id="21" name="Picture 20">
+              <a:extLst>
+                <a:ext uri="{FF2B5EF4-FFF2-40B4-BE49-F238E27FC236}">
+                  <a16:creationId xmlns:a16="http://schemas.microsoft.com/office/drawing/2014/main" id="{88192BEB-61EE-4D42-8B6C-69976F8AB4C1}"/>
+                </a:ext>
+              </a:extLst>
+            </p:cNvPr>
+            <p:cNvPicPr>
+              <a:picLocks noChangeAspect="1"/>
+            </p:cNvPicPr>
+            <p:nvPr/>
+          </p:nvPicPr>
+          <p:blipFill rotWithShape="1">
+            <a:blip r:embed="rId16"/>
+            <a:srcRect b="20231"/>
+            <a:stretch/>
+          </p:blipFill>
+          <p:spPr>
+            <a:xfrm>
+              <a:off x="1603355" y="4362981"/>
+              <a:ext cx="631954" cy="655078"/>
+            </a:xfrm>
+            <a:prstGeom prst="rect">
+              <a:avLst/>
+            </a:prstGeom>
+          </p:spPr>
+        </p:pic>
+        <p:sp>
+          <p:nvSpPr>
+            <p:cNvPr id="40" name="Content Placeholder 2">
+              <a:extLst>
+                <a:ext uri="{FF2B5EF4-FFF2-40B4-BE49-F238E27FC236}">
+                  <a16:creationId xmlns:a16="http://schemas.microsoft.com/office/drawing/2014/main" id="{3DF5003A-9E38-4E2C-8516-6B17FC3E9D2E}"/>
+                </a:ext>
+              </a:extLst>
+            </p:cNvPr>
+            <p:cNvSpPr txBox="1">
+              <a:spLocks/>
+            </p:cNvSpPr>
+            <p:nvPr/>
+          </p:nvSpPr>
+          <p:spPr>
+            <a:xfrm>
+              <a:off x="1590594" y="4947189"/>
+              <a:ext cx="1011455" cy="448751"/>
+            </a:xfrm>
+            <a:prstGeom prst="rect">
+              <a:avLst/>
+            </a:prstGeom>
+          </p:spPr>
+          <p:txBody>
+            <a:bodyPr vert="horz" lIns="91440" tIns="45720" rIns="91440" bIns="45720" rtlCol="0">
+              <a:normAutofit/>
+            </a:bodyPr>
+            <a:lstStyle>
+              <a:lvl1pPr marL="342900" indent="-342900" algn="l" defTabSz="914400" rtl="0" eaLnBrk="1" latinLnBrk="0" hangingPunct="1">
+                <a:spcBef>
+                  <a:spcPts val="1200"/>
+                </a:spcBef>
+                <a:spcAft>
+                  <a:spcPts val="1200"/>
+                </a:spcAft>
+                <a:buFont typeface="Arial" pitchFamily="34" charset="0"/>
+                <a:buChar char="•"/>
+                <a:defRPr sz="2800" kern="1200">
+                  <a:solidFill>
+                    <a:schemeClr val="tx1"/>
+                  </a:solidFill>
+                  <a:latin typeface="+mn-lt"/>
+                  <a:ea typeface="+mn-ea"/>
+                  <a:cs typeface="+mn-cs"/>
+                </a:defRPr>
+              </a:lvl1pPr>
+              <a:lvl2pPr marL="742950" indent="-285750" algn="l" defTabSz="914400" rtl="0" eaLnBrk="1" latinLnBrk="0" hangingPunct="1">
+                <a:spcBef>
+                  <a:spcPts val="1200"/>
+                </a:spcBef>
+                <a:spcAft>
+                  <a:spcPts val="1200"/>
+                </a:spcAft>
+                <a:buFont typeface="Arial" pitchFamily="34" charset="0"/>
+                <a:buChar char="–"/>
+                <a:defRPr sz="2400" kern="1200">
+                  <a:solidFill>
+                    <a:schemeClr val="tx1"/>
+                  </a:solidFill>
+                  <a:latin typeface="+mn-lt"/>
+                  <a:ea typeface="+mn-ea"/>
+                  <a:cs typeface="+mn-cs"/>
+                </a:defRPr>
+              </a:lvl2pPr>
+              <a:lvl3pPr marL="1143000" indent="-228600" algn="l" defTabSz="914400" rtl="0" eaLnBrk="1" latinLnBrk="0" hangingPunct="1">
+                <a:spcBef>
+                  <a:spcPts val="1200"/>
+                </a:spcBef>
+                <a:spcAft>
+                  <a:spcPts val="1200"/>
+                </a:spcAft>
+                <a:buFont typeface="Arial" pitchFamily="34" charset="0"/>
+                <a:buChar char="•"/>
+                <a:defRPr sz="2000" kern="1200">
+                  <a:solidFill>
+                    <a:schemeClr val="tx1"/>
+                  </a:solidFill>
+                  <a:latin typeface="+mn-lt"/>
+                  <a:ea typeface="+mn-ea"/>
+                  <a:cs typeface="+mn-cs"/>
+                </a:defRPr>
+              </a:lvl3pPr>
+              <a:lvl4pPr marL="1600200" indent="-228600" algn="l" defTabSz="914400" rtl="0" eaLnBrk="1" latinLnBrk="0" hangingPunct="1">
+                <a:spcBef>
+                  <a:spcPts val="1200"/>
+                </a:spcBef>
+                <a:spcAft>
+                  <a:spcPts val="1200"/>
+                </a:spcAft>
+                <a:buFont typeface="Arial" pitchFamily="34" charset="0"/>
+                <a:buChar char="–"/>
+                <a:defRPr sz="1800" kern="1200">
+                  <a:solidFill>
+                    <a:schemeClr val="tx1"/>
+                  </a:solidFill>
+                  <a:latin typeface="+mn-lt"/>
+                  <a:ea typeface="+mn-ea"/>
+                  <a:cs typeface="+mn-cs"/>
+                </a:defRPr>
+              </a:lvl4pPr>
+              <a:lvl5pPr marL="2057400" indent="-228600" algn="l" defTabSz="914400" rtl="0" eaLnBrk="1" latinLnBrk="0" hangingPunct="1">
+                <a:spcBef>
+                  <a:spcPts val="1200"/>
+                </a:spcBef>
+                <a:spcAft>
+                  <a:spcPts val="1200"/>
+                </a:spcAft>
+                <a:buFont typeface="Arial" pitchFamily="34" charset="0"/>
+                <a:buChar char="»"/>
+                <a:defRPr sz="1800" kern="1200">
+                  <a:solidFill>
+                    <a:schemeClr val="tx1"/>
+                  </a:solidFill>
+                  <a:latin typeface="+mn-lt"/>
+                  <a:ea typeface="+mn-ea"/>
+                  <a:cs typeface="+mn-cs"/>
+                </a:defRPr>
+              </a:lvl5pPr>
+              <a:lvl6pPr marL="2514600" indent="-228600" algn="l" defTabSz="914400" rtl="0" eaLnBrk="1" latinLnBrk="0" hangingPunct="1">
+                <a:spcBef>
+                  <a:spcPct val="20000"/>
+                </a:spcBef>
+                <a:buFont typeface="Arial" pitchFamily="34" charset="0"/>
+                <a:buChar char="•"/>
+                <a:defRPr sz="2000" kern="1200">
+                  <a:solidFill>
+                    <a:schemeClr val="tx1"/>
+                  </a:solidFill>
+                  <a:latin typeface="+mn-lt"/>
+                  <a:ea typeface="+mn-ea"/>
+                  <a:cs typeface="+mn-cs"/>
+                </a:defRPr>
+              </a:lvl6pPr>
+              <a:lvl7pPr marL="2971800" indent="-228600" algn="l" defTabSz="914400" rtl="0" eaLnBrk="1" latinLnBrk="0" hangingPunct="1">
+                <a:spcBef>
+                  <a:spcPct val="20000"/>
+                </a:spcBef>
+                <a:buFont typeface="Arial" pitchFamily="34" charset="0"/>
+                <a:buChar char="•"/>
+                <a:defRPr sz="2000" kern="1200">
+                  <a:solidFill>
+                    <a:schemeClr val="tx1"/>
+                  </a:solidFill>
+                  <a:latin typeface="+mn-lt"/>
+                  <a:ea typeface="+mn-ea"/>
+                  <a:cs typeface="+mn-cs"/>
+                </a:defRPr>
+              </a:lvl7pPr>
+              <a:lvl8pPr marL="3429000" indent="-228600" algn="l" defTabSz="914400" rtl="0" eaLnBrk="1" latinLnBrk="0" hangingPunct="1">
+                <a:spcBef>
+                  <a:spcPct val="20000"/>
+                </a:spcBef>
+                <a:buFont typeface="Arial" pitchFamily="34" charset="0"/>
+                <a:buChar char="•"/>
+                <a:defRPr sz="2000" kern="1200">
+                  <a:solidFill>
+                    <a:schemeClr val="tx1"/>
+                  </a:solidFill>
+                  <a:latin typeface="+mn-lt"/>
+                  <a:ea typeface="+mn-ea"/>
+                  <a:cs typeface="+mn-cs"/>
+                </a:defRPr>
+              </a:lvl8pPr>
+              <a:lvl9pPr marL="3886200" indent="-228600" algn="l" defTabSz="914400" rtl="0" eaLnBrk="1" latinLnBrk="0" hangingPunct="1">
+                <a:spcBef>
+                  <a:spcPct val="20000"/>
+                </a:spcBef>
+                <a:buFont typeface="Arial" pitchFamily="34" charset="0"/>
+                <a:buChar char="•"/>
+                <a:defRPr sz="2000" kern="1200">
+                  <a:solidFill>
+                    <a:schemeClr val="tx1"/>
+                  </a:solidFill>
+                  <a:latin typeface="+mn-lt"/>
+                  <a:ea typeface="+mn-ea"/>
+                  <a:cs typeface="+mn-cs"/>
+                </a:defRPr>
+              </a:lvl9pPr>
+            </a:lstStyle>
+            <a:p>
+              <a:pPr marL="0" indent="0">
+                <a:spcBef>
+                  <a:spcPts val="0"/>
+                </a:spcBef>
+                <a:spcAft>
+                  <a:spcPts val="0"/>
+                </a:spcAft>
+                <a:buFont typeface="Arial" pitchFamily="34" charset="0"/>
+                <a:buNone/>
+              </a:pPr>
+              <a:r>
+                <a:rPr lang="en-US" sz="1800" dirty="0"/>
+                <a:t>SciPy</a:t>
+              </a:r>
+            </a:p>
+          </p:txBody>
+        </p:sp>
+      </p:grpSp>
+      <p:pic>
+        <p:nvPicPr>
+          <p:cNvPr id="26" name="Picture 25">
+            <a:extLst>
+              <a:ext uri="{FF2B5EF4-FFF2-40B4-BE49-F238E27FC236}">
+                <a16:creationId xmlns:a16="http://schemas.microsoft.com/office/drawing/2014/main" id="{8E536E44-0C4F-410D-A180-E32AF5D1B18D}"/>
+              </a:ext>
+            </a:extLst>
+          </p:cNvPr>
+          <p:cNvPicPr>
+            <a:picLocks noChangeAspect="1"/>
+          </p:cNvPicPr>
+          <p:nvPr/>
+        </p:nvPicPr>
+        <p:blipFill>
+          <a:blip r:embed="rId17"/>
+          <a:stretch>
+            <a:fillRect/>
+          </a:stretch>
+        </p:blipFill>
+        <p:spPr>
+          <a:xfrm>
+            <a:off x="7455704" y="3717032"/>
+            <a:ext cx="884747" cy="1061696"/>
+          </a:xfrm>
+          <a:prstGeom prst="rect">
+            <a:avLst/>
+          </a:prstGeom>
+        </p:spPr>
+      </p:pic>
+      <p:pic>
+        <p:nvPicPr>
+          <p:cNvPr id="28" name="Picture 27">
+            <a:extLst>
+              <a:ext uri="{FF2B5EF4-FFF2-40B4-BE49-F238E27FC236}">
+                <a16:creationId xmlns:a16="http://schemas.microsoft.com/office/drawing/2014/main" id="{79D80E92-E8F0-4ABF-83CB-1AC804DC84C3}"/>
+              </a:ext>
+            </a:extLst>
+          </p:cNvPr>
+          <p:cNvPicPr>
+            <a:picLocks noChangeAspect="1"/>
+          </p:cNvPicPr>
+          <p:nvPr/>
+        </p:nvPicPr>
+        <p:blipFill>
+          <a:blip r:embed="rId18"/>
+          <a:stretch>
+            <a:fillRect/>
+          </a:stretch>
+        </p:blipFill>
+        <p:spPr>
+          <a:xfrm>
+            <a:off x="3541722" y="2444233"/>
+            <a:ext cx="720080" cy="851004"/>
+          </a:xfrm>
+          <a:prstGeom prst="rect">
+            <a:avLst/>
+          </a:prstGeom>
+        </p:spPr>
+      </p:pic>
+      <p:pic>
+        <p:nvPicPr>
+          <p:cNvPr id="36" name="Picture 35">
+            <a:extLst>
+              <a:ext uri="{FF2B5EF4-FFF2-40B4-BE49-F238E27FC236}">
+                <a16:creationId xmlns:a16="http://schemas.microsoft.com/office/drawing/2014/main" id="{B5368BE6-4569-463D-A4F1-568018419248}"/>
+              </a:ext>
+            </a:extLst>
+          </p:cNvPr>
+          <p:cNvPicPr>
+            <a:picLocks noChangeAspect="1"/>
+          </p:cNvPicPr>
+          <p:nvPr/>
+        </p:nvPicPr>
+        <p:blipFill>
+          <a:blip r:embed="rId19"/>
+          <a:stretch>
+            <a:fillRect/>
+          </a:stretch>
+        </p:blipFill>
+        <p:spPr>
+          <a:xfrm>
+            <a:off x="7296133" y="2101070"/>
+            <a:ext cx="772761" cy="780906"/>
+          </a:xfrm>
+          <a:prstGeom prst="rect">
+            <a:avLst/>
+          </a:prstGeom>
+        </p:spPr>
+      </p:pic>
+      <p:sp>
+        <p:nvSpPr>
+          <p:cNvPr id="48" name="Content Placeholder 2">
+            <a:extLst>
+              <a:ext uri="{FF2B5EF4-FFF2-40B4-BE49-F238E27FC236}">
+                <a16:creationId xmlns:a16="http://schemas.microsoft.com/office/drawing/2014/main" id="{8BC0F51F-1CF6-4A98-A940-62A7D5C812AD}"/>
+              </a:ext>
+            </a:extLst>
+          </p:cNvPr>
+          <p:cNvSpPr txBox="1">
+            <a:spLocks/>
+          </p:cNvSpPr>
+          <p:nvPr/>
+        </p:nvSpPr>
+        <p:spPr>
+          <a:xfrm>
+            <a:off x="4514607" y="1737590"/>
+            <a:ext cx="2073617" cy="799964"/>
+          </a:xfrm>
+          <a:prstGeom prst="rect">
+            <a:avLst/>
+          </a:prstGeom>
+        </p:spPr>
+        <p:txBody>
+          <a:bodyPr vert="horz" lIns="91440" tIns="45720" rIns="91440" bIns="45720" rtlCol="0">
+            <a:noAutofit/>
+          </a:bodyPr>
+          <a:lstStyle>
+            <a:lvl1pPr marL="342900" indent="-342900" algn="l" defTabSz="914400" rtl="0" eaLnBrk="1" latinLnBrk="0" hangingPunct="1">
+              <a:spcBef>
+                <a:spcPts val="1200"/>
+              </a:spcBef>
+              <a:spcAft>
+                <a:spcPts val="1200"/>
+              </a:spcAft>
+              <a:buFont typeface="Arial" pitchFamily="34" charset="0"/>
+              <a:buChar char="•"/>
+              <a:defRPr sz="2800" kern="1200">
+                <a:solidFill>
+                  <a:schemeClr val="tx1"/>
+                </a:solidFill>
+                <a:latin typeface="+mn-lt"/>
+                <a:ea typeface="+mn-ea"/>
+                <a:cs typeface="+mn-cs"/>
+              </a:defRPr>
+            </a:lvl1pPr>
+            <a:lvl2pPr marL="742950" indent="-285750" algn="l" defTabSz="914400" rtl="0" eaLnBrk="1" latinLnBrk="0" hangingPunct="1">
+              <a:spcBef>
+                <a:spcPts val="1200"/>
+              </a:spcBef>
+              <a:spcAft>
+                <a:spcPts val="1200"/>
+              </a:spcAft>
+              <a:buFont typeface="Arial" pitchFamily="34" charset="0"/>
+              <a:buChar char="–"/>
+              <a:defRPr sz="2400" kern="1200">
+                <a:solidFill>
+                  <a:schemeClr val="tx1"/>
+                </a:solidFill>
+                <a:latin typeface="+mn-lt"/>
+                <a:ea typeface="+mn-ea"/>
+                <a:cs typeface="+mn-cs"/>
+              </a:defRPr>
+            </a:lvl2pPr>
+            <a:lvl3pPr marL="1143000" indent="-228600" algn="l" defTabSz="914400" rtl="0" eaLnBrk="1" latinLnBrk="0" hangingPunct="1">
+              <a:spcBef>
+                <a:spcPts val="1200"/>
+              </a:spcBef>
+              <a:spcAft>
+                <a:spcPts val="1200"/>
+              </a:spcAft>
+              <a:buFont typeface="Arial" pitchFamily="34" charset="0"/>
+              <a:buChar char="•"/>
+              <a:defRPr sz="2000" kern="1200">
+                <a:solidFill>
+                  <a:schemeClr val="tx1"/>
+                </a:solidFill>
+                <a:latin typeface="+mn-lt"/>
+                <a:ea typeface="+mn-ea"/>
+                <a:cs typeface="+mn-cs"/>
+              </a:defRPr>
+            </a:lvl3pPr>
+            <a:lvl4pPr marL="1600200" indent="-228600" algn="l" defTabSz="914400" rtl="0" eaLnBrk="1" latinLnBrk="0" hangingPunct="1">
+              <a:spcBef>
+                <a:spcPts val="1200"/>
+              </a:spcBef>
+              <a:spcAft>
+                <a:spcPts val="1200"/>
+              </a:spcAft>
+              <a:buFont typeface="Arial" pitchFamily="34" charset="0"/>
+              <a:buChar char="–"/>
+              <a:defRPr sz="1800" kern="1200">
+                <a:solidFill>
+                  <a:schemeClr val="tx1"/>
+                </a:solidFill>
+                <a:latin typeface="+mn-lt"/>
+                <a:ea typeface="+mn-ea"/>
+                <a:cs typeface="+mn-cs"/>
+              </a:defRPr>
+            </a:lvl4pPr>
+            <a:lvl5pPr marL="2057400" indent="-228600" algn="l" defTabSz="914400" rtl="0" eaLnBrk="1" latinLnBrk="0" hangingPunct="1">
+              <a:spcBef>
+                <a:spcPts val="1200"/>
+              </a:spcBef>
+              <a:spcAft>
+                <a:spcPts val="1200"/>
+              </a:spcAft>
+              <a:buFont typeface="Arial" pitchFamily="34" charset="0"/>
+              <a:buChar char="»"/>
+              <a:defRPr sz="1800" kern="1200">
+                <a:solidFill>
+                  <a:schemeClr val="tx1"/>
+                </a:solidFill>
+                <a:latin typeface="+mn-lt"/>
+                <a:ea typeface="+mn-ea"/>
+                <a:cs typeface="+mn-cs"/>
+              </a:defRPr>
+            </a:lvl5pPr>
+            <a:lvl6pPr marL="2514600" indent="-228600" algn="l" defTabSz="914400" rtl="0" eaLnBrk="1" latinLnBrk="0" hangingPunct="1">
+              <a:spcBef>
+                <a:spcPct val="20000"/>
+              </a:spcBef>
+              <a:buFont typeface="Arial" pitchFamily="34" charset="0"/>
+              <a:buChar char="•"/>
+              <a:defRPr sz="2000" kern="1200">
+                <a:solidFill>
+                  <a:schemeClr val="tx1"/>
+                </a:solidFill>
+                <a:latin typeface="+mn-lt"/>
+                <a:ea typeface="+mn-ea"/>
+                <a:cs typeface="+mn-cs"/>
+              </a:defRPr>
+            </a:lvl6pPr>
+            <a:lvl7pPr marL="2971800" indent="-228600" algn="l" defTabSz="914400" rtl="0" eaLnBrk="1" latinLnBrk="0" hangingPunct="1">
+              <a:spcBef>
+                <a:spcPct val="20000"/>
+              </a:spcBef>
+              <a:buFont typeface="Arial" pitchFamily="34" charset="0"/>
+              <a:buChar char="•"/>
+              <a:defRPr sz="2000" kern="1200">
+                <a:solidFill>
+                  <a:schemeClr val="tx1"/>
+                </a:solidFill>
+                <a:latin typeface="+mn-lt"/>
+                <a:ea typeface="+mn-ea"/>
+                <a:cs typeface="+mn-cs"/>
+              </a:defRPr>
+            </a:lvl7pPr>
+            <a:lvl8pPr marL="3429000" indent="-228600" algn="l" defTabSz="914400" rtl="0" eaLnBrk="1" latinLnBrk="0" hangingPunct="1">
+              <a:spcBef>
+                <a:spcPct val="20000"/>
+              </a:spcBef>
+              <a:buFont typeface="Arial" pitchFamily="34" charset="0"/>
+              <a:buChar char="•"/>
+              <a:defRPr sz="2000" kern="1200">
+                <a:solidFill>
+                  <a:schemeClr val="tx1"/>
+                </a:solidFill>
+                <a:latin typeface="+mn-lt"/>
+                <a:ea typeface="+mn-ea"/>
+                <a:cs typeface="+mn-cs"/>
+              </a:defRPr>
+            </a:lvl8pPr>
+            <a:lvl9pPr marL="3886200" indent="-228600" algn="l" defTabSz="914400" rtl="0" eaLnBrk="1" latinLnBrk="0" hangingPunct="1">
+              <a:spcBef>
+                <a:spcPct val="20000"/>
+              </a:spcBef>
+              <a:buFont typeface="Arial" pitchFamily="34" charset="0"/>
+              <a:buChar char="•"/>
+              <a:defRPr sz="2000" kern="1200">
+                <a:solidFill>
+                  <a:schemeClr val="tx1"/>
+                </a:solidFill>
+                <a:latin typeface="+mn-lt"/>
+                <a:ea typeface="+mn-ea"/>
+                <a:cs typeface="+mn-cs"/>
+              </a:defRPr>
+            </a:lvl9pPr>
+          </a:lstStyle>
+          <a:p>
+            <a:pPr marL="0" indent="0" algn="ctr">
+              <a:spcBef>
+                <a:spcPts val="0"/>
+              </a:spcBef>
+              <a:spcAft>
+                <a:spcPts val="0"/>
+              </a:spcAft>
+              <a:buFont typeface="Arial" pitchFamily="34" charset="0"/>
+              <a:buNone/>
+            </a:pPr>
+            <a:r>
+              <a:rPr lang="en-US" sz="2000" b="1" dirty="0"/>
+              <a:t>User interface</a:t>
+            </a:r>
+          </a:p>
+        </p:txBody>
+      </p:sp>
+      <p:sp>
+        <p:nvSpPr>
+          <p:cNvPr id="49" name="Content Placeholder 2">
+            <a:extLst>
+              <a:ext uri="{FF2B5EF4-FFF2-40B4-BE49-F238E27FC236}">
+                <a16:creationId xmlns:a16="http://schemas.microsoft.com/office/drawing/2014/main" id="{61379EDD-1688-4DC0-8DAC-C503115C93B7}"/>
+              </a:ext>
+            </a:extLst>
+          </p:cNvPr>
+          <p:cNvSpPr txBox="1">
+            <a:spLocks/>
+          </p:cNvSpPr>
+          <p:nvPr/>
+        </p:nvSpPr>
+        <p:spPr>
+          <a:xfrm>
+            <a:off x="2411760" y="1754436"/>
+            <a:ext cx="2073617" cy="799964"/>
+          </a:xfrm>
+          <a:prstGeom prst="rect">
+            <a:avLst/>
+          </a:prstGeom>
+        </p:spPr>
+        <p:txBody>
+          <a:bodyPr vert="horz" lIns="91440" tIns="45720" rIns="91440" bIns="45720" rtlCol="0">
+            <a:noAutofit/>
+          </a:bodyPr>
+          <a:lstStyle>
+            <a:lvl1pPr marL="342900" indent="-342900" algn="l" defTabSz="914400" rtl="0" eaLnBrk="1" latinLnBrk="0" hangingPunct="1">
+              <a:spcBef>
+                <a:spcPts val="1200"/>
+              </a:spcBef>
+              <a:spcAft>
+                <a:spcPts val="1200"/>
+              </a:spcAft>
+              <a:buFont typeface="Arial" pitchFamily="34" charset="0"/>
+              <a:buChar char="•"/>
+              <a:defRPr sz="2800" kern="1200">
+                <a:solidFill>
+                  <a:schemeClr val="tx1"/>
+                </a:solidFill>
+                <a:latin typeface="+mn-lt"/>
+                <a:ea typeface="+mn-ea"/>
+                <a:cs typeface="+mn-cs"/>
+              </a:defRPr>
+            </a:lvl1pPr>
+            <a:lvl2pPr marL="742950" indent="-285750" algn="l" defTabSz="914400" rtl="0" eaLnBrk="1" latinLnBrk="0" hangingPunct="1">
+              <a:spcBef>
+                <a:spcPts val="1200"/>
+              </a:spcBef>
+              <a:spcAft>
+                <a:spcPts val="1200"/>
+              </a:spcAft>
+              <a:buFont typeface="Arial" pitchFamily="34" charset="0"/>
+              <a:buChar char="–"/>
+              <a:defRPr sz="2400" kern="1200">
+                <a:solidFill>
+                  <a:schemeClr val="tx1"/>
+                </a:solidFill>
+                <a:latin typeface="+mn-lt"/>
+                <a:ea typeface="+mn-ea"/>
+                <a:cs typeface="+mn-cs"/>
+              </a:defRPr>
+            </a:lvl2pPr>
+            <a:lvl3pPr marL="1143000" indent="-228600" algn="l" defTabSz="914400" rtl="0" eaLnBrk="1" latinLnBrk="0" hangingPunct="1">
+              <a:spcBef>
+                <a:spcPts val="1200"/>
+              </a:spcBef>
+              <a:spcAft>
+                <a:spcPts val="1200"/>
+              </a:spcAft>
+              <a:buFont typeface="Arial" pitchFamily="34" charset="0"/>
+              <a:buChar char="•"/>
+              <a:defRPr sz="2000" kern="1200">
+                <a:solidFill>
+                  <a:schemeClr val="tx1"/>
+                </a:solidFill>
+                <a:latin typeface="+mn-lt"/>
+                <a:ea typeface="+mn-ea"/>
+                <a:cs typeface="+mn-cs"/>
+              </a:defRPr>
+            </a:lvl3pPr>
+            <a:lvl4pPr marL="1600200" indent="-228600" algn="l" defTabSz="914400" rtl="0" eaLnBrk="1" latinLnBrk="0" hangingPunct="1">
+              <a:spcBef>
+                <a:spcPts val="1200"/>
+              </a:spcBef>
+              <a:spcAft>
+                <a:spcPts val="1200"/>
+              </a:spcAft>
+              <a:buFont typeface="Arial" pitchFamily="34" charset="0"/>
+              <a:buChar char="–"/>
+              <a:defRPr sz="1800" kern="1200">
+                <a:solidFill>
+                  <a:schemeClr val="tx1"/>
+                </a:solidFill>
+                <a:latin typeface="+mn-lt"/>
+                <a:ea typeface="+mn-ea"/>
+                <a:cs typeface="+mn-cs"/>
+              </a:defRPr>
+            </a:lvl4pPr>
+            <a:lvl5pPr marL="2057400" indent="-228600" algn="l" defTabSz="914400" rtl="0" eaLnBrk="1" latinLnBrk="0" hangingPunct="1">
+              <a:spcBef>
+                <a:spcPts val="1200"/>
+              </a:spcBef>
+              <a:spcAft>
+                <a:spcPts val="1200"/>
+              </a:spcAft>
+              <a:buFont typeface="Arial" pitchFamily="34" charset="0"/>
+              <a:buChar char="»"/>
+              <a:defRPr sz="1800" kern="1200">
+                <a:solidFill>
+                  <a:schemeClr val="tx1"/>
+                </a:solidFill>
+                <a:latin typeface="+mn-lt"/>
+                <a:ea typeface="+mn-ea"/>
+                <a:cs typeface="+mn-cs"/>
+              </a:defRPr>
+            </a:lvl5pPr>
+            <a:lvl6pPr marL="2514600" indent="-228600" algn="l" defTabSz="914400" rtl="0" eaLnBrk="1" latinLnBrk="0" hangingPunct="1">
+              <a:spcBef>
+                <a:spcPct val="20000"/>
+              </a:spcBef>
+              <a:buFont typeface="Arial" pitchFamily="34" charset="0"/>
+              <a:buChar char="•"/>
+              <a:defRPr sz="2000" kern="1200">
+                <a:solidFill>
+                  <a:schemeClr val="tx1"/>
+                </a:solidFill>
+                <a:latin typeface="+mn-lt"/>
+                <a:ea typeface="+mn-ea"/>
+                <a:cs typeface="+mn-cs"/>
+              </a:defRPr>
+            </a:lvl6pPr>
+            <a:lvl7pPr marL="2971800" indent="-228600" algn="l" defTabSz="914400" rtl="0" eaLnBrk="1" latinLnBrk="0" hangingPunct="1">
+              <a:spcBef>
+                <a:spcPct val="20000"/>
+              </a:spcBef>
+              <a:buFont typeface="Arial" pitchFamily="34" charset="0"/>
+              <a:buChar char="•"/>
+              <a:defRPr sz="2000" kern="1200">
+                <a:solidFill>
+                  <a:schemeClr val="tx1"/>
+                </a:solidFill>
+                <a:latin typeface="+mn-lt"/>
+                <a:ea typeface="+mn-ea"/>
+                <a:cs typeface="+mn-cs"/>
+              </a:defRPr>
+            </a:lvl7pPr>
+            <a:lvl8pPr marL="3429000" indent="-228600" algn="l" defTabSz="914400" rtl="0" eaLnBrk="1" latinLnBrk="0" hangingPunct="1">
+              <a:spcBef>
+                <a:spcPct val="20000"/>
+              </a:spcBef>
+              <a:buFont typeface="Arial" pitchFamily="34" charset="0"/>
+              <a:buChar char="•"/>
+              <a:defRPr sz="2000" kern="1200">
+                <a:solidFill>
+                  <a:schemeClr val="tx1"/>
+                </a:solidFill>
+                <a:latin typeface="+mn-lt"/>
+                <a:ea typeface="+mn-ea"/>
+                <a:cs typeface="+mn-cs"/>
+              </a:defRPr>
+            </a:lvl8pPr>
+            <a:lvl9pPr marL="3886200" indent="-228600" algn="l" defTabSz="914400" rtl="0" eaLnBrk="1" latinLnBrk="0" hangingPunct="1">
+              <a:spcBef>
+                <a:spcPct val="20000"/>
+              </a:spcBef>
+              <a:buFont typeface="Arial" pitchFamily="34" charset="0"/>
+              <a:buChar char="•"/>
+              <a:defRPr sz="2000" kern="1200">
+                <a:solidFill>
+                  <a:schemeClr val="tx1"/>
+                </a:solidFill>
+                <a:latin typeface="+mn-lt"/>
+                <a:ea typeface="+mn-ea"/>
+                <a:cs typeface="+mn-cs"/>
+              </a:defRPr>
+            </a:lvl9pPr>
+          </a:lstStyle>
+          <a:p>
+            <a:pPr marL="0" indent="0" algn="ctr">
+              <a:spcBef>
+                <a:spcPts val="0"/>
+              </a:spcBef>
+              <a:spcAft>
+                <a:spcPts val="0"/>
+              </a:spcAft>
+              <a:buFont typeface="Arial" pitchFamily="34" charset="0"/>
+              <a:buNone/>
+            </a:pPr>
+            <a:r>
+              <a:rPr lang="en-US" sz="2000" b="1" dirty="0"/>
+              <a:t>Visualization</a:t>
+            </a:r>
+          </a:p>
+        </p:txBody>
+      </p:sp>
+      <p:sp>
+        <p:nvSpPr>
+          <p:cNvPr id="50" name="Content Placeholder 2">
+            <a:extLst>
+              <a:ext uri="{FF2B5EF4-FFF2-40B4-BE49-F238E27FC236}">
+                <a16:creationId xmlns:a16="http://schemas.microsoft.com/office/drawing/2014/main" id="{B420FFC9-B480-4774-AE4F-5217B0DE1489}"/>
+              </a:ext>
+            </a:extLst>
+          </p:cNvPr>
+          <p:cNvSpPr txBox="1">
+            <a:spLocks/>
+          </p:cNvSpPr>
+          <p:nvPr/>
+        </p:nvSpPr>
+        <p:spPr>
+          <a:xfrm>
+            <a:off x="6768383" y="1109996"/>
+            <a:ext cx="2073617" cy="799964"/>
+          </a:xfrm>
+          <a:prstGeom prst="rect">
+            <a:avLst/>
+          </a:prstGeom>
+        </p:spPr>
+        <p:txBody>
+          <a:bodyPr vert="horz" lIns="91440" tIns="45720" rIns="91440" bIns="45720" rtlCol="0">
+            <a:noAutofit/>
+          </a:bodyPr>
+          <a:lstStyle>
+            <a:lvl1pPr marL="342900" indent="-342900" algn="l" defTabSz="914400" rtl="0" eaLnBrk="1" latinLnBrk="0" hangingPunct="1">
+              <a:spcBef>
+                <a:spcPts val="1200"/>
+              </a:spcBef>
+              <a:spcAft>
+                <a:spcPts val="1200"/>
+              </a:spcAft>
+              <a:buFont typeface="Arial" pitchFamily="34" charset="0"/>
+              <a:buChar char="•"/>
+              <a:defRPr sz="2800" kern="1200">
+                <a:solidFill>
+                  <a:schemeClr val="tx1"/>
+                </a:solidFill>
+                <a:latin typeface="+mn-lt"/>
+                <a:ea typeface="+mn-ea"/>
+                <a:cs typeface="+mn-cs"/>
+              </a:defRPr>
+            </a:lvl1pPr>
+            <a:lvl2pPr marL="742950" indent="-285750" algn="l" defTabSz="914400" rtl="0" eaLnBrk="1" latinLnBrk="0" hangingPunct="1">
+              <a:spcBef>
+                <a:spcPts val="1200"/>
+              </a:spcBef>
+              <a:spcAft>
+                <a:spcPts val="1200"/>
+              </a:spcAft>
+              <a:buFont typeface="Arial" pitchFamily="34" charset="0"/>
+              <a:buChar char="–"/>
+              <a:defRPr sz="2400" kern="1200">
+                <a:solidFill>
+                  <a:schemeClr val="tx1"/>
+                </a:solidFill>
+                <a:latin typeface="+mn-lt"/>
+                <a:ea typeface="+mn-ea"/>
+                <a:cs typeface="+mn-cs"/>
+              </a:defRPr>
+            </a:lvl2pPr>
+            <a:lvl3pPr marL="1143000" indent="-228600" algn="l" defTabSz="914400" rtl="0" eaLnBrk="1" latinLnBrk="0" hangingPunct="1">
+              <a:spcBef>
+                <a:spcPts val="1200"/>
+              </a:spcBef>
+              <a:spcAft>
+                <a:spcPts val="1200"/>
+              </a:spcAft>
+              <a:buFont typeface="Arial" pitchFamily="34" charset="0"/>
+              <a:buChar char="•"/>
+              <a:defRPr sz="2000" kern="1200">
+                <a:solidFill>
+                  <a:schemeClr val="tx1"/>
+                </a:solidFill>
+                <a:latin typeface="+mn-lt"/>
+                <a:ea typeface="+mn-ea"/>
+                <a:cs typeface="+mn-cs"/>
+              </a:defRPr>
+            </a:lvl3pPr>
+            <a:lvl4pPr marL="1600200" indent="-228600" algn="l" defTabSz="914400" rtl="0" eaLnBrk="1" latinLnBrk="0" hangingPunct="1">
+              <a:spcBef>
+                <a:spcPts val="1200"/>
+              </a:spcBef>
+              <a:spcAft>
+                <a:spcPts val="1200"/>
+              </a:spcAft>
+              <a:buFont typeface="Arial" pitchFamily="34" charset="0"/>
+              <a:buChar char="–"/>
+              <a:defRPr sz="1800" kern="1200">
+                <a:solidFill>
+                  <a:schemeClr val="tx1"/>
+                </a:solidFill>
+                <a:latin typeface="+mn-lt"/>
+                <a:ea typeface="+mn-ea"/>
+                <a:cs typeface="+mn-cs"/>
+              </a:defRPr>
+            </a:lvl4pPr>
+            <a:lvl5pPr marL="2057400" indent="-228600" algn="l" defTabSz="914400" rtl="0" eaLnBrk="1" latinLnBrk="0" hangingPunct="1">
+              <a:spcBef>
+                <a:spcPts val="1200"/>
+              </a:spcBef>
+              <a:spcAft>
+                <a:spcPts val="1200"/>
+              </a:spcAft>
+              <a:buFont typeface="Arial" pitchFamily="34" charset="0"/>
+              <a:buChar char="»"/>
+              <a:defRPr sz="1800" kern="1200">
+                <a:solidFill>
+                  <a:schemeClr val="tx1"/>
+                </a:solidFill>
+                <a:latin typeface="+mn-lt"/>
+                <a:ea typeface="+mn-ea"/>
+                <a:cs typeface="+mn-cs"/>
+              </a:defRPr>
+            </a:lvl5pPr>
+            <a:lvl6pPr marL="2514600" indent="-228600" algn="l" defTabSz="914400" rtl="0" eaLnBrk="1" latinLnBrk="0" hangingPunct="1">
+              <a:spcBef>
+                <a:spcPct val="20000"/>
+              </a:spcBef>
+              <a:buFont typeface="Arial" pitchFamily="34" charset="0"/>
+              <a:buChar char="•"/>
+              <a:defRPr sz="2000" kern="1200">
+                <a:solidFill>
+                  <a:schemeClr val="tx1"/>
+                </a:solidFill>
+                <a:latin typeface="+mn-lt"/>
+                <a:ea typeface="+mn-ea"/>
+                <a:cs typeface="+mn-cs"/>
+              </a:defRPr>
+            </a:lvl6pPr>
+            <a:lvl7pPr marL="2971800" indent="-228600" algn="l" defTabSz="914400" rtl="0" eaLnBrk="1" latinLnBrk="0" hangingPunct="1">
+              <a:spcBef>
+                <a:spcPct val="20000"/>
+              </a:spcBef>
+              <a:buFont typeface="Arial" pitchFamily="34" charset="0"/>
+              <a:buChar char="•"/>
+              <a:defRPr sz="2000" kern="1200">
+                <a:solidFill>
+                  <a:schemeClr val="tx1"/>
+                </a:solidFill>
+                <a:latin typeface="+mn-lt"/>
+                <a:ea typeface="+mn-ea"/>
+                <a:cs typeface="+mn-cs"/>
+              </a:defRPr>
+            </a:lvl7pPr>
+            <a:lvl8pPr marL="3429000" indent="-228600" algn="l" defTabSz="914400" rtl="0" eaLnBrk="1" latinLnBrk="0" hangingPunct="1">
+              <a:spcBef>
+                <a:spcPct val="20000"/>
+              </a:spcBef>
+              <a:buFont typeface="Arial" pitchFamily="34" charset="0"/>
+              <a:buChar char="•"/>
+              <a:defRPr sz="2000" kern="1200">
+                <a:solidFill>
+                  <a:schemeClr val="tx1"/>
+                </a:solidFill>
+                <a:latin typeface="+mn-lt"/>
+                <a:ea typeface="+mn-ea"/>
+                <a:cs typeface="+mn-cs"/>
+              </a:defRPr>
+            </a:lvl8pPr>
+            <a:lvl9pPr marL="3886200" indent="-228600" algn="l" defTabSz="914400" rtl="0" eaLnBrk="1" latinLnBrk="0" hangingPunct="1">
+              <a:spcBef>
+                <a:spcPct val="20000"/>
+              </a:spcBef>
+              <a:buFont typeface="Arial" pitchFamily="34" charset="0"/>
+              <a:buChar char="•"/>
+              <a:defRPr sz="2000" kern="1200">
+                <a:solidFill>
+                  <a:schemeClr val="tx1"/>
+                </a:solidFill>
+                <a:latin typeface="+mn-lt"/>
+                <a:ea typeface="+mn-ea"/>
+                <a:cs typeface="+mn-cs"/>
+              </a:defRPr>
+            </a:lvl9pPr>
+          </a:lstStyle>
+          <a:p>
+            <a:pPr marL="0" indent="0" algn="ctr">
+              <a:spcBef>
+                <a:spcPts val="0"/>
+              </a:spcBef>
+              <a:spcAft>
+                <a:spcPts val="0"/>
+              </a:spcAft>
+              <a:buFont typeface="Arial" pitchFamily="34" charset="0"/>
+              <a:buNone/>
+            </a:pPr>
+            <a:r>
+              <a:rPr lang="en-US" b="1" i="1" dirty="0"/>
+              <a:t>Applications</a:t>
+            </a:r>
+          </a:p>
+        </p:txBody>
+      </p:sp>
+      <p:sp>
+        <p:nvSpPr>
+          <p:cNvPr id="51" name="Content Placeholder 2">
+            <a:extLst>
+              <a:ext uri="{FF2B5EF4-FFF2-40B4-BE49-F238E27FC236}">
+                <a16:creationId xmlns:a16="http://schemas.microsoft.com/office/drawing/2014/main" id="{39D23A7F-EC73-4B0A-9A4C-7F28A2DBAC8A}"/>
+              </a:ext>
+            </a:extLst>
+          </p:cNvPr>
+          <p:cNvSpPr txBox="1">
+            <a:spLocks/>
+          </p:cNvSpPr>
+          <p:nvPr/>
+        </p:nvSpPr>
+        <p:spPr>
+          <a:xfrm>
+            <a:off x="3525537" y="3624917"/>
+            <a:ext cx="2488299" cy="799964"/>
+          </a:xfrm>
+          <a:prstGeom prst="rect">
+            <a:avLst/>
+          </a:prstGeom>
+        </p:spPr>
+        <p:txBody>
+          <a:bodyPr vert="horz" lIns="91440" tIns="45720" rIns="91440" bIns="45720" rtlCol="0">
+            <a:noAutofit/>
+          </a:bodyPr>
+          <a:lstStyle>
+            <a:lvl1pPr marL="342900" indent="-342900" algn="l" defTabSz="914400" rtl="0" eaLnBrk="1" latinLnBrk="0" hangingPunct="1">
+              <a:spcBef>
+                <a:spcPts val="1200"/>
+              </a:spcBef>
+              <a:spcAft>
+                <a:spcPts val="1200"/>
+              </a:spcAft>
+              <a:buFont typeface="Arial" pitchFamily="34" charset="0"/>
+              <a:buChar char="•"/>
+              <a:defRPr sz="2800" kern="1200">
+                <a:solidFill>
+                  <a:schemeClr val="tx1"/>
+                </a:solidFill>
+                <a:latin typeface="+mn-lt"/>
+                <a:ea typeface="+mn-ea"/>
+                <a:cs typeface="+mn-cs"/>
+              </a:defRPr>
+            </a:lvl1pPr>
+            <a:lvl2pPr marL="742950" indent="-285750" algn="l" defTabSz="914400" rtl="0" eaLnBrk="1" latinLnBrk="0" hangingPunct="1">
+              <a:spcBef>
+                <a:spcPts val="1200"/>
+              </a:spcBef>
+              <a:spcAft>
+                <a:spcPts val="1200"/>
+              </a:spcAft>
+              <a:buFont typeface="Arial" pitchFamily="34" charset="0"/>
+              <a:buChar char="–"/>
+              <a:defRPr sz="2400" kern="1200">
+                <a:solidFill>
+                  <a:schemeClr val="tx1"/>
+                </a:solidFill>
+                <a:latin typeface="+mn-lt"/>
+                <a:ea typeface="+mn-ea"/>
+                <a:cs typeface="+mn-cs"/>
+              </a:defRPr>
+            </a:lvl2pPr>
+            <a:lvl3pPr marL="1143000" indent="-228600" algn="l" defTabSz="914400" rtl="0" eaLnBrk="1" latinLnBrk="0" hangingPunct="1">
+              <a:spcBef>
+                <a:spcPts val="1200"/>
+              </a:spcBef>
+              <a:spcAft>
+                <a:spcPts val="1200"/>
+              </a:spcAft>
+              <a:buFont typeface="Arial" pitchFamily="34" charset="0"/>
+              <a:buChar char="•"/>
+              <a:defRPr sz="2000" kern="1200">
+                <a:solidFill>
+                  <a:schemeClr val="tx1"/>
+                </a:solidFill>
+                <a:latin typeface="+mn-lt"/>
+                <a:ea typeface="+mn-ea"/>
+                <a:cs typeface="+mn-cs"/>
+              </a:defRPr>
+            </a:lvl3pPr>
+            <a:lvl4pPr marL="1600200" indent="-228600" algn="l" defTabSz="914400" rtl="0" eaLnBrk="1" latinLnBrk="0" hangingPunct="1">
+              <a:spcBef>
+                <a:spcPts val="1200"/>
+              </a:spcBef>
+              <a:spcAft>
+                <a:spcPts val="1200"/>
+              </a:spcAft>
+              <a:buFont typeface="Arial" pitchFamily="34" charset="0"/>
+              <a:buChar char="–"/>
+              <a:defRPr sz="1800" kern="1200">
+                <a:solidFill>
+                  <a:schemeClr val="tx1"/>
+                </a:solidFill>
+                <a:latin typeface="+mn-lt"/>
+                <a:ea typeface="+mn-ea"/>
+                <a:cs typeface="+mn-cs"/>
+              </a:defRPr>
+            </a:lvl4pPr>
+            <a:lvl5pPr marL="2057400" indent="-228600" algn="l" defTabSz="914400" rtl="0" eaLnBrk="1" latinLnBrk="0" hangingPunct="1">
+              <a:spcBef>
+                <a:spcPts val="1200"/>
+              </a:spcBef>
+              <a:spcAft>
+                <a:spcPts val="1200"/>
+              </a:spcAft>
+              <a:buFont typeface="Arial" pitchFamily="34" charset="0"/>
+              <a:buChar char="»"/>
+              <a:defRPr sz="1800" kern="1200">
+                <a:solidFill>
+                  <a:schemeClr val="tx1"/>
+                </a:solidFill>
+                <a:latin typeface="+mn-lt"/>
+                <a:ea typeface="+mn-ea"/>
+                <a:cs typeface="+mn-cs"/>
+              </a:defRPr>
+            </a:lvl5pPr>
+            <a:lvl6pPr marL="2514600" indent="-228600" algn="l" defTabSz="914400" rtl="0" eaLnBrk="1" latinLnBrk="0" hangingPunct="1">
+              <a:spcBef>
+                <a:spcPct val="20000"/>
+              </a:spcBef>
+              <a:buFont typeface="Arial" pitchFamily="34" charset="0"/>
+              <a:buChar char="•"/>
+              <a:defRPr sz="2000" kern="1200">
+                <a:solidFill>
+                  <a:schemeClr val="tx1"/>
+                </a:solidFill>
+                <a:latin typeface="+mn-lt"/>
+                <a:ea typeface="+mn-ea"/>
+                <a:cs typeface="+mn-cs"/>
+              </a:defRPr>
+            </a:lvl6pPr>
+            <a:lvl7pPr marL="2971800" indent="-228600" algn="l" defTabSz="914400" rtl="0" eaLnBrk="1" latinLnBrk="0" hangingPunct="1">
+              <a:spcBef>
+                <a:spcPct val="20000"/>
+              </a:spcBef>
+              <a:buFont typeface="Arial" pitchFamily="34" charset="0"/>
+              <a:buChar char="•"/>
+              <a:defRPr sz="2000" kern="1200">
+                <a:solidFill>
+                  <a:schemeClr val="tx1"/>
+                </a:solidFill>
+                <a:latin typeface="+mn-lt"/>
+                <a:ea typeface="+mn-ea"/>
+                <a:cs typeface="+mn-cs"/>
+              </a:defRPr>
+            </a:lvl7pPr>
+            <a:lvl8pPr marL="3429000" indent="-228600" algn="l" defTabSz="914400" rtl="0" eaLnBrk="1" latinLnBrk="0" hangingPunct="1">
+              <a:spcBef>
+                <a:spcPct val="20000"/>
+              </a:spcBef>
+              <a:buFont typeface="Arial" pitchFamily="34" charset="0"/>
+              <a:buChar char="•"/>
+              <a:defRPr sz="2000" kern="1200">
+                <a:solidFill>
+                  <a:schemeClr val="tx1"/>
+                </a:solidFill>
+                <a:latin typeface="+mn-lt"/>
+                <a:ea typeface="+mn-ea"/>
+                <a:cs typeface="+mn-cs"/>
+              </a:defRPr>
+            </a:lvl8pPr>
+            <a:lvl9pPr marL="3886200" indent="-228600" algn="l" defTabSz="914400" rtl="0" eaLnBrk="1" latinLnBrk="0" hangingPunct="1">
+              <a:spcBef>
+                <a:spcPct val="20000"/>
+              </a:spcBef>
+              <a:buFont typeface="Arial" pitchFamily="34" charset="0"/>
+              <a:buChar char="•"/>
+              <a:defRPr sz="2000" kern="1200">
+                <a:solidFill>
+                  <a:schemeClr val="tx1"/>
+                </a:solidFill>
+                <a:latin typeface="+mn-lt"/>
+                <a:ea typeface="+mn-ea"/>
+                <a:cs typeface="+mn-cs"/>
+              </a:defRPr>
+            </a:lvl9pPr>
+          </a:lstStyle>
+          <a:p>
+            <a:pPr marL="0" indent="0" algn="ctr">
+              <a:spcBef>
+                <a:spcPts val="0"/>
+              </a:spcBef>
+              <a:spcAft>
+                <a:spcPts val="0"/>
+              </a:spcAft>
+              <a:buFont typeface="Arial" pitchFamily="34" charset="0"/>
+              <a:buNone/>
+            </a:pPr>
+            <a:r>
+              <a:rPr lang="en-US" sz="2000" b="1" dirty="0"/>
+              <a:t>Communication</a:t>
+            </a:r>
+          </a:p>
+        </p:txBody>
+      </p:sp>
+      <p:pic>
+        <p:nvPicPr>
+          <p:cNvPr id="53" name="Picture 4" descr="http://python.cz/images/logo.png">
+            <a:extLst>
+              <a:ext uri="{FF2B5EF4-FFF2-40B4-BE49-F238E27FC236}">
+                <a16:creationId xmlns:a16="http://schemas.microsoft.com/office/drawing/2014/main" id="{479ADEB1-78AB-4BE9-BC52-C4740156B478}"/>
+              </a:ext>
+            </a:extLst>
+          </p:cNvPr>
+          <p:cNvPicPr>
+            <a:picLocks noChangeAspect="1" noChangeArrowheads="1"/>
+          </p:cNvPicPr>
+          <p:nvPr/>
+        </p:nvPicPr>
+        <p:blipFill>
+          <a:blip r:embed="rId20" cstate="print">
+            <a:extLst>
+              <a:ext uri="{28A0092B-C50C-407E-A947-70E740481C1C}">
+                <a14:useLocalDpi xmlns:a14="http://schemas.microsoft.com/office/drawing/2010/main" val="0"/>
+              </a:ext>
+            </a:extLst>
+          </a:blip>
+          <a:srcRect/>
+          <a:stretch>
+            <a:fillRect/>
+          </a:stretch>
+        </p:blipFill>
+        <p:spPr bwMode="auto">
+          <a:xfrm>
+            <a:off x="8145799" y="2519866"/>
+            <a:ext cx="448751" cy="448751"/>
+          </a:xfrm>
+          <a:prstGeom prst="rect">
+            <a:avLst/>
+          </a:prstGeom>
+          <a:noFill/>
+          <a:extLst>
+            <a:ext uri="{909E8E84-426E-40DD-AFC4-6F175D3DCCD1}">
+              <a14:hiddenFill xmlns:a14="http://schemas.microsoft.com/office/drawing/2010/main">
+                <a:solidFill>
+                  <a:srgbClr val="FFFFFF"/>
+                </a:solidFill>
+              </a14:hiddenFill>
+            </a:ext>
+          </a:extLst>
+        </p:spPr>
+      </p:pic>
+      <p:pic>
+        <p:nvPicPr>
+          <p:cNvPr id="54" name="Picture 53">
+            <a:extLst>
+              <a:ext uri="{FF2B5EF4-FFF2-40B4-BE49-F238E27FC236}">
+                <a16:creationId xmlns:a16="http://schemas.microsoft.com/office/drawing/2014/main" id="{A236B9CE-6DF3-40B7-9054-529CAAC51EC6}"/>
+              </a:ext>
+            </a:extLst>
+          </p:cNvPr>
+          <p:cNvPicPr>
+            <a:picLocks noChangeAspect="1"/>
+          </p:cNvPicPr>
+          <p:nvPr/>
+        </p:nvPicPr>
+        <p:blipFill>
+          <a:blip r:embed="rId17"/>
+          <a:stretch>
+            <a:fillRect/>
+          </a:stretch>
+        </p:blipFill>
+        <p:spPr>
+          <a:xfrm>
+            <a:off x="8207663" y="2048746"/>
+            <a:ext cx="358903" cy="430683"/>
+          </a:xfrm>
+          <a:prstGeom prst="rect">
+            <a:avLst/>
+          </a:prstGeom>
+        </p:spPr>
+      </p:pic>
+      <p:sp>
+        <p:nvSpPr>
+          <p:cNvPr id="55" name="Content Placeholder 2">
+            <a:extLst>
+              <a:ext uri="{FF2B5EF4-FFF2-40B4-BE49-F238E27FC236}">
+                <a16:creationId xmlns:a16="http://schemas.microsoft.com/office/drawing/2014/main" id="{91389BAD-D0DC-4078-812E-AE62492CBB2E}"/>
+              </a:ext>
+            </a:extLst>
+          </p:cNvPr>
+          <p:cNvSpPr txBox="1">
+            <a:spLocks/>
+          </p:cNvSpPr>
+          <p:nvPr/>
+        </p:nvSpPr>
+        <p:spPr>
+          <a:xfrm>
+            <a:off x="1133919" y="1119994"/>
+            <a:ext cx="4482132" cy="799964"/>
+          </a:xfrm>
+          <a:prstGeom prst="rect">
+            <a:avLst/>
+          </a:prstGeom>
+        </p:spPr>
+        <p:txBody>
+          <a:bodyPr vert="horz" lIns="91440" tIns="45720" rIns="91440" bIns="45720" rtlCol="0">
+            <a:noAutofit/>
+          </a:bodyPr>
+          <a:lstStyle>
+            <a:lvl1pPr marL="342900" indent="-342900" algn="l" defTabSz="914400" rtl="0" eaLnBrk="1" latinLnBrk="0" hangingPunct="1">
+              <a:spcBef>
+                <a:spcPts val="1200"/>
+              </a:spcBef>
+              <a:spcAft>
+                <a:spcPts val="1200"/>
+              </a:spcAft>
+              <a:buFont typeface="Arial" pitchFamily="34" charset="0"/>
+              <a:buChar char="•"/>
+              <a:defRPr sz="2800" kern="1200">
+                <a:solidFill>
+                  <a:schemeClr val="tx1"/>
+                </a:solidFill>
+                <a:latin typeface="+mn-lt"/>
+                <a:ea typeface="+mn-ea"/>
+                <a:cs typeface="+mn-cs"/>
+              </a:defRPr>
+            </a:lvl1pPr>
+            <a:lvl2pPr marL="742950" indent="-285750" algn="l" defTabSz="914400" rtl="0" eaLnBrk="1" latinLnBrk="0" hangingPunct="1">
+              <a:spcBef>
+                <a:spcPts val="1200"/>
+              </a:spcBef>
+              <a:spcAft>
+                <a:spcPts val="1200"/>
+              </a:spcAft>
+              <a:buFont typeface="Arial" pitchFamily="34" charset="0"/>
+              <a:buChar char="–"/>
+              <a:defRPr sz="2400" kern="1200">
+                <a:solidFill>
+                  <a:schemeClr val="tx1"/>
+                </a:solidFill>
+                <a:latin typeface="+mn-lt"/>
+                <a:ea typeface="+mn-ea"/>
+                <a:cs typeface="+mn-cs"/>
+              </a:defRPr>
+            </a:lvl2pPr>
+            <a:lvl3pPr marL="1143000" indent="-228600" algn="l" defTabSz="914400" rtl="0" eaLnBrk="1" latinLnBrk="0" hangingPunct="1">
+              <a:spcBef>
+                <a:spcPts val="1200"/>
+              </a:spcBef>
+              <a:spcAft>
+                <a:spcPts val="1200"/>
+              </a:spcAft>
+              <a:buFont typeface="Arial" pitchFamily="34" charset="0"/>
+              <a:buChar char="•"/>
+              <a:defRPr sz="2000" kern="1200">
+                <a:solidFill>
+                  <a:schemeClr val="tx1"/>
+                </a:solidFill>
+                <a:latin typeface="+mn-lt"/>
+                <a:ea typeface="+mn-ea"/>
+                <a:cs typeface="+mn-cs"/>
+              </a:defRPr>
+            </a:lvl3pPr>
+            <a:lvl4pPr marL="1600200" indent="-228600" algn="l" defTabSz="914400" rtl="0" eaLnBrk="1" latinLnBrk="0" hangingPunct="1">
+              <a:spcBef>
+                <a:spcPts val="1200"/>
+              </a:spcBef>
+              <a:spcAft>
+                <a:spcPts val="1200"/>
+              </a:spcAft>
+              <a:buFont typeface="Arial" pitchFamily="34" charset="0"/>
+              <a:buChar char="–"/>
+              <a:defRPr sz="1800" kern="1200">
+                <a:solidFill>
+                  <a:schemeClr val="tx1"/>
+                </a:solidFill>
+                <a:latin typeface="+mn-lt"/>
+                <a:ea typeface="+mn-ea"/>
+                <a:cs typeface="+mn-cs"/>
+              </a:defRPr>
+            </a:lvl4pPr>
+            <a:lvl5pPr marL="2057400" indent="-228600" algn="l" defTabSz="914400" rtl="0" eaLnBrk="1" latinLnBrk="0" hangingPunct="1">
+              <a:spcBef>
+                <a:spcPts val="1200"/>
+              </a:spcBef>
+              <a:spcAft>
+                <a:spcPts val="1200"/>
+              </a:spcAft>
+              <a:buFont typeface="Arial" pitchFamily="34" charset="0"/>
+              <a:buChar char="»"/>
+              <a:defRPr sz="1800" kern="1200">
+                <a:solidFill>
+                  <a:schemeClr val="tx1"/>
+                </a:solidFill>
+                <a:latin typeface="+mn-lt"/>
+                <a:ea typeface="+mn-ea"/>
+                <a:cs typeface="+mn-cs"/>
+              </a:defRPr>
+            </a:lvl5pPr>
+            <a:lvl6pPr marL="2514600" indent="-228600" algn="l" defTabSz="914400" rtl="0" eaLnBrk="1" latinLnBrk="0" hangingPunct="1">
+              <a:spcBef>
+                <a:spcPct val="20000"/>
+              </a:spcBef>
+              <a:buFont typeface="Arial" pitchFamily="34" charset="0"/>
+              <a:buChar char="•"/>
+              <a:defRPr sz="2000" kern="1200">
+                <a:solidFill>
+                  <a:schemeClr val="tx1"/>
+                </a:solidFill>
+                <a:latin typeface="+mn-lt"/>
+                <a:ea typeface="+mn-ea"/>
+                <a:cs typeface="+mn-cs"/>
+              </a:defRPr>
+            </a:lvl6pPr>
+            <a:lvl7pPr marL="2971800" indent="-228600" algn="l" defTabSz="914400" rtl="0" eaLnBrk="1" latinLnBrk="0" hangingPunct="1">
+              <a:spcBef>
+                <a:spcPct val="20000"/>
+              </a:spcBef>
+              <a:buFont typeface="Arial" pitchFamily="34" charset="0"/>
+              <a:buChar char="•"/>
+              <a:defRPr sz="2000" kern="1200">
+                <a:solidFill>
+                  <a:schemeClr val="tx1"/>
+                </a:solidFill>
+                <a:latin typeface="+mn-lt"/>
+                <a:ea typeface="+mn-ea"/>
+                <a:cs typeface="+mn-cs"/>
+              </a:defRPr>
+            </a:lvl7pPr>
+            <a:lvl8pPr marL="3429000" indent="-228600" algn="l" defTabSz="914400" rtl="0" eaLnBrk="1" latinLnBrk="0" hangingPunct="1">
+              <a:spcBef>
+                <a:spcPct val="20000"/>
+              </a:spcBef>
+              <a:buFont typeface="Arial" pitchFamily="34" charset="0"/>
+              <a:buChar char="•"/>
+              <a:defRPr sz="2000" kern="1200">
+                <a:solidFill>
+                  <a:schemeClr val="tx1"/>
+                </a:solidFill>
+                <a:latin typeface="+mn-lt"/>
+                <a:ea typeface="+mn-ea"/>
+                <a:cs typeface="+mn-cs"/>
+              </a:defRPr>
+            </a:lvl8pPr>
+            <a:lvl9pPr marL="3886200" indent="-228600" algn="l" defTabSz="914400" rtl="0" eaLnBrk="1" latinLnBrk="0" hangingPunct="1">
+              <a:spcBef>
+                <a:spcPct val="20000"/>
+              </a:spcBef>
+              <a:buFont typeface="Arial" pitchFamily="34" charset="0"/>
+              <a:buChar char="•"/>
+              <a:defRPr sz="2000" kern="1200">
+                <a:solidFill>
+                  <a:schemeClr val="tx1"/>
+                </a:solidFill>
+                <a:latin typeface="+mn-lt"/>
+                <a:ea typeface="+mn-ea"/>
+                <a:cs typeface="+mn-cs"/>
+              </a:defRPr>
+            </a:lvl9pPr>
+          </a:lstStyle>
+          <a:p>
+            <a:pPr marL="0" indent="0" algn="ctr">
+              <a:spcBef>
+                <a:spcPts val="0"/>
+              </a:spcBef>
+              <a:spcAft>
+                <a:spcPts val="0"/>
+              </a:spcAft>
+              <a:buFont typeface="Arial" pitchFamily="34" charset="0"/>
+              <a:buNone/>
+            </a:pPr>
+            <a:r>
+              <a:rPr lang="en-US" b="1" i="1" dirty="0"/>
+              <a:t>Libraries, toolkits, packages</a:t>
+            </a:r>
+          </a:p>
+        </p:txBody>
+      </p:sp>
+      <p:pic>
+        <p:nvPicPr>
+          <p:cNvPr id="41" name="Picture 40">
+            <a:extLst>
+              <a:ext uri="{FF2B5EF4-FFF2-40B4-BE49-F238E27FC236}">
+                <a16:creationId xmlns:a16="http://schemas.microsoft.com/office/drawing/2014/main" id="{FB77C1F8-B12F-4F77-8074-B499962F4926}"/>
+              </a:ext>
+            </a:extLst>
+          </p:cNvPr>
+          <p:cNvPicPr>
+            <a:picLocks noChangeAspect="1"/>
+          </p:cNvPicPr>
+          <p:nvPr/>
+        </p:nvPicPr>
+        <p:blipFill>
+          <a:blip r:embed="rId21">
+            <a:extLst>
+              <a:ext uri="{BEBA8EAE-BF5A-486C-A8C5-ECC9F3942E4B}">
+                <a14:imgProps xmlns:a14="http://schemas.microsoft.com/office/drawing/2010/main">
+                  <a14:imgLayer r:embed="rId22">
+                    <a14:imgEffect>
+                      <a14:backgroundRemoval t="0" b="98438" l="0" r="98438">
+                        <a14:foregroundMark x1="13281" y1="9375" x2="70313" y2="14844"/>
+                        <a14:foregroundMark x1="70313" y1="14844" x2="21875" y2="36719"/>
+                        <a14:foregroundMark x1="21875" y1="36719" x2="74219" y2="57031"/>
+                        <a14:foregroundMark x1="74219" y1="57031" x2="32031" y2="90625"/>
+                        <a14:foregroundMark x1="32031" y1="90625" x2="12500" y2="64063"/>
+                        <a14:foregroundMark x1="23438" y1="23438" x2="14844" y2="79688"/>
+                        <a14:foregroundMark x1="30469" y1="89844" x2="12500" y2="82813"/>
+                        <a14:foregroundMark x1="11719" y1="78906" x2="13281" y2="20313"/>
+                        <a14:foregroundMark x1="13281" y1="20313" x2="65625" y2="6250"/>
+                        <a14:foregroundMark x1="65625" y1="6250" x2="85156" y2="56250"/>
+                        <a14:foregroundMark x1="85156" y1="56250" x2="38281" y2="84375"/>
+                        <a14:foregroundMark x1="38281" y1="84375" x2="28906" y2="83594"/>
+                        <a14:foregroundMark x1="35938" y1="88281" x2="66406" y2="96094"/>
+                        <a14:foregroundMark x1="53906" y1="89063" x2="93750" y2="88281"/>
+                        <a14:foregroundMark x1="85938" y1="82031" x2="92969" y2="44531"/>
+                        <a14:foregroundMark x1="59375" y1="10938" x2="89844" y2="7813"/>
+                        <a14:foregroundMark x1="46875" y1="10156" x2="8594" y2="7031"/>
+                        <a14:foregroundMark x1="8594" y1="14063" x2="0" y2="30469"/>
+                        <a14:foregroundMark x1="23438" y1="13281" x2="34375" y2="0"/>
+                        <a14:foregroundMark x1="87500" y1="26563" x2="98438" y2="32813"/>
+                        <a14:foregroundMark x1="9375" y1="51563" x2="0" y2="51563"/>
+                        <a14:foregroundMark x1="44531" y1="89844" x2="45313" y2="98438"/>
+                        <a14:foregroundMark x1="51563" y1="20313" x2="54688" y2="4688"/>
+                        <a14:backgroundMark x1="2344" y1="3125" x2="2344" y2="3125"/>
+                        <a14:backgroundMark x1="2344" y1="3125" x2="781" y2="3906"/>
+                        <a14:backgroundMark x1="96094" y1="781" x2="99219" y2="3906"/>
+                        <a14:backgroundMark x1="96875" y1="99219" x2="99219" y2="96094"/>
+                        <a14:backgroundMark x1="1563" y1="97656" x2="0" y2="96094"/>
+                      </a14:backgroundRemoval>
+                    </a14:imgEffect>
+                  </a14:imgLayer>
+                </a14:imgProps>
+              </a:ext>
+            </a:extLst>
+          </a:blip>
+          <a:stretch>
+            <a:fillRect/>
+          </a:stretch>
+        </p:blipFill>
+        <p:spPr>
+          <a:xfrm>
+            <a:off x="7164288" y="2581839"/>
+            <a:ext cx="337819" cy="337819"/>
+          </a:xfrm>
+          <a:prstGeom prst="rect">
+            <a:avLst/>
+          </a:prstGeom>
+        </p:spPr>
+      </p:pic>
+    </p:spTree>
+    <p:extLst>
+      <p:ext uri="{BB962C8B-B14F-4D97-AF65-F5344CB8AC3E}">
+        <p14:creationId xmlns:p14="http://schemas.microsoft.com/office/powerpoint/2010/main" val="306139597"/>
+      </p:ext>
+    </p:extLst>
+  </p:cSld>
+  <p:clrMapOvr>
+    <a:masterClrMapping/>
+  </p:clrMapOvr>
+</p:sld>
+</file>
+
+<file path=ppt/slides/slide13.xml><?xml version="1.0" encoding="utf-8"?>
+<p:sld xmlns:a="http://schemas.openxmlformats.org/drawingml/2006/main" xmlns:r="http://schemas.openxmlformats.org/officeDocument/2006/relationships" xmlns:p="http://schemas.openxmlformats.org/presentationml/2006/main">
+  <p:cSld>
+    <p:spTree>
+      <p:nvGrpSpPr>
+        <p:cNvPr id="1" name=""/>
+        <p:cNvGrpSpPr/>
+        <p:nvPr/>
+      </p:nvGrpSpPr>
+      <p:grpSpPr>
+        <a:xfrm>
+          <a:off x="0" y="0"/>
+          <a:ext cx="0" cy="0"/>
+          <a:chOff x="0" y="0"/>
+          <a:chExt cx="0" cy="0"/>
+        </a:xfrm>
+      </p:grpSpPr>
+      <p:cxnSp>
+        <p:nvCxnSpPr>
+          <p:cNvPr id="126" name="Straight Connector 125">
+            <a:extLst>
+              <a:ext uri="{FF2B5EF4-FFF2-40B4-BE49-F238E27FC236}">
+                <a16:creationId xmlns:a16="http://schemas.microsoft.com/office/drawing/2014/main" id="{07E3A791-0EDF-41E2-972B-35A9DDF6250D}"/>
+              </a:ext>
+            </a:extLst>
+          </p:cNvPr>
+          <p:cNvCxnSpPr>
+            <a:cxnSpLocks/>
+          </p:cNvCxnSpPr>
+          <p:nvPr/>
+        </p:nvCxnSpPr>
+        <p:spPr>
+          <a:xfrm>
+            <a:off x="7164288" y="1782253"/>
+            <a:ext cx="0" cy="1411524"/>
+          </a:xfrm>
+          <a:prstGeom prst="line">
+            <a:avLst/>
+          </a:prstGeom>
+          <a:ln w="31750">
+            <a:solidFill>
+              <a:schemeClr val="tx1"/>
+            </a:solidFill>
+            <a:prstDash val="solid"/>
+          </a:ln>
+        </p:spPr>
+        <p:style>
+          <a:lnRef idx="1">
+            <a:schemeClr val="accent1"/>
+          </a:lnRef>
+          <a:fillRef idx="0">
+            <a:schemeClr val="accent1"/>
+          </a:fillRef>
+          <a:effectRef idx="0">
+            <a:schemeClr val="accent1"/>
+          </a:effectRef>
+          <a:fontRef idx="minor">
+            <a:schemeClr val="tx1"/>
+          </a:fontRef>
+        </p:style>
+      </p:cxnSp>
+      <p:cxnSp>
+        <p:nvCxnSpPr>
+          <p:cNvPr id="130" name="Straight Connector 129">
+            <a:extLst>
+              <a:ext uri="{FF2B5EF4-FFF2-40B4-BE49-F238E27FC236}">
+                <a16:creationId xmlns:a16="http://schemas.microsoft.com/office/drawing/2014/main" id="{A18E0851-645B-4F25-9807-D787A2C5FB23}"/>
+              </a:ext>
+            </a:extLst>
+          </p:cNvPr>
+          <p:cNvCxnSpPr>
+            <a:cxnSpLocks/>
+          </p:cNvCxnSpPr>
+          <p:nvPr/>
+        </p:nvCxnSpPr>
+        <p:spPr>
+          <a:xfrm>
+            <a:off x="8303365" y="1802087"/>
+            <a:ext cx="0" cy="1411524"/>
+          </a:xfrm>
+          <a:prstGeom prst="line">
+            <a:avLst/>
+          </a:prstGeom>
+          <a:ln w="31750">
+            <a:solidFill>
+              <a:schemeClr val="tx1"/>
+            </a:solidFill>
+            <a:prstDash val="solid"/>
+          </a:ln>
+        </p:spPr>
+        <p:style>
+          <a:lnRef idx="1">
+            <a:schemeClr val="accent1"/>
+          </a:lnRef>
+          <a:fillRef idx="0">
+            <a:schemeClr val="accent1"/>
+          </a:fillRef>
+          <a:effectRef idx="0">
+            <a:schemeClr val="accent1"/>
+          </a:effectRef>
+          <a:fontRef idx="minor">
+            <a:schemeClr val="tx1"/>
+          </a:fontRef>
+        </p:style>
+      </p:cxnSp>
       <p:cxnSp>
         <p:nvCxnSpPr>
           <p:cNvPr id="117" name="Straight Connector 116"/>
@@ -5801,42 +9124,6 @@
       </p:cxnSp>
       <p:cxnSp>
         <p:nvCxnSpPr>
-          <p:cNvPr id="119" name="Straight Connector 118"/>
-          <p:cNvCxnSpPr/>
-          <p:nvPr/>
-        </p:nvCxnSpPr>
-        <p:spPr>
-          <a:xfrm flipH="1" flipV="1">
-            <a:off x="6818647" y="1352240"/>
-            <a:ext cx="3039" cy="692748"/>
-          </a:xfrm>
-          <a:prstGeom prst="line">
-            <a:avLst/>
-          </a:prstGeom>
-          <a:ln w="31750">
-            <a:solidFill>
-              <a:schemeClr val="tx1"/>
-            </a:solidFill>
-            <a:prstDash val="solid"/>
-          </a:ln>
-        </p:spPr>
-        <p:style>
-          <a:lnRef idx="1">
-            <a:schemeClr val="accent1"/>
-          </a:lnRef>
-          <a:fillRef idx="0">
-            <a:schemeClr val="accent1"/>
-          </a:fillRef>
-          <a:effectRef idx="0">
-            <a:schemeClr val="accent1"/>
-          </a:effectRef>
-          <a:fontRef idx="minor">
-            <a:schemeClr val="tx1"/>
-          </a:fontRef>
-        </p:style>
-      </p:cxnSp>
-      <p:cxnSp>
-        <p:nvCxnSpPr>
           <p:cNvPr id="67" name="Straight Connector 66"/>
           <p:cNvCxnSpPr/>
           <p:nvPr/>
@@ -5844,42 +9131,6 @@
         <p:spPr>
           <a:xfrm>
             <a:off x="2846380" y="2014788"/>
-            <a:ext cx="0" cy="803164"/>
-          </a:xfrm>
-          <a:prstGeom prst="line">
-            <a:avLst/>
-          </a:prstGeom>
-          <a:ln w="31750">
-            <a:solidFill>
-              <a:schemeClr val="tx1"/>
-            </a:solidFill>
-            <a:prstDash val="solid"/>
-          </a:ln>
-        </p:spPr>
-        <p:style>
-          <a:lnRef idx="1">
-            <a:schemeClr val="accent1"/>
-          </a:lnRef>
-          <a:fillRef idx="0">
-            <a:schemeClr val="accent1"/>
-          </a:fillRef>
-          <a:effectRef idx="0">
-            <a:schemeClr val="accent1"/>
-          </a:effectRef>
-          <a:fontRef idx="minor">
-            <a:schemeClr val="tx1"/>
-          </a:fontRef>
-        </p:style>
-      </p:cxnSp>
-      <p:cxnSp>
-        <p:nvCxnSpPr>
-          <p:cNvPr id="62" name="Straight Connector 61"/>
-          <p:cNvCxnSpPr/>
-          <p:nvPr/>
-        </p:nvCxnSpPr>
-        <p:spPr>
-          <a:xfrm>
-            <a:off x="6843309" y="1850451"/>
             <a:ext cx="0" cy="803164"/>
           </a:xfrm>
           <a:prstGeom prst="line">
@@ -5982,13 +9233,15 @@
       <p:cxnSp>
         <p:nvCxnSpPr>
           <p:cNvPr id="68" name="Straight Connector 67"/>
-          <p:cNvCxnSpPr/>
+          <p:cNvCxnSpPr>
+            <a:cxnSpLocks/>
+          </p:cNvCxnSpPr>
           <p:nvPr/>
         </p:nvCxnSpPr>
         <p:spPr>
           <a:xfrm>
-            <a:off x="5563513" y="2390613"/>
-            <a:ext cx="0" cy="803164"/>
+            <a:off x="5862088" y="1782253"/>
+            <a:ext cx="0" cy="1411524"/>
           </a:xfrm>
           <a:prstGeom prst="line">
             <a:avLst/>
@@ -6757,8 +10010,8 @@
         </p:nvSpPr>
         <p:spPr>
           <a:xfrm>
-            <a:off x="5156628" y="1790655"/>
-            <a:ext cx="3549377" cy="1045832"/>
+            <a:off x="6633010" y="2293792"/>
+            <a:ext cx="1131379" cy="533440"/>
           </a:xfrm>
           <a:prstGeom prst="rect">
             <a:avLst/>
@@ -6784,7 +10037,7 @@
           <a:lstStyle/>
           <a:p>
             <a:pPr algn="ctr"/>
-            <a:endParaRPr lang="en-CA" sz="1200">
+            <a:endParaRPr lang="en-CA" sz="1200" dirty="0">
               <a:solidFill>
                 <a:schemeClr val="tx1"/>
               </a:solidFill>
@@ -6800,8 +10053,8 @@
         </p:nvSpPr>
         <p:spPr>
           <a:xfrm>
-            <a:off x="5209524" y="1807308"/>
-            <a:ext cx="829481" cy="307777"/>
+            <a:off x="6616544" y="2401951"/>
+            <a:ext cx="1139414" cy="307777"/>
           </a:xfrm>
           <a:prstGeom prst="rect">
             <a:avLst/>
@@ -6817,60 +10070,9 @@
             <a:pPr algn="r"/>
             <a:r>
               <a:rPr lang="en-CA" sz="1400" b="1" dirty="0" err="1"/>
-              <a:t>SlicerRT</a:t>
+              <a:t>SlicerJupyter</a:t>
             </a:r>
             <a:endParaRPr lang="en-CA" sz="1400" b="1" dirty="0"/>
-          </a:p>
-        </p:txBody>
-      </p:sp>
-      <p:sp>
-        <p:nvSpPr>
-          <p:cNvPr id="98" name="Rectangle 97"/>
-          <p:cNvSpPr/>
-          <p:nvPr/>
-        </p:nvSpPr>
-        <p:spPr>
-          <a:xfrm>
-            <a:off x="5263629" y="2354364"/>
-            <a:ext cx="850746" cy="390395"/>
-          </a:xfrm>
-          <a:prstGeom prst="rect">
-            <a:avLst/>
-          </a:prstGeom>
-          <a:ln/>
-        </p:spPr>
-        <p:style>
-          <a:lnRef idx="1">
-            <a:schemeClr val="accent4"/>
-          </a:lnRef>
-          <a:fillRef idx="2">
-            <a:schemeClr val="accent4"/>
-          </a:fillRef>
-          <a:effectRef idx="1">
-            <a:schemeClr val="accent4"/>
-          </a:effectRef>
-          <a:fontRef idx="minor">
-            <a:schemeClr val="dk1"/>
-          </a:fontRef>
-        </p:style>
-        <p:txBody>
-          <a:bodyPr rtlCol="0" anchor="ctr"/>
-          <a:lstStyle/>
-          <a:p>
-            <a:pPr algn="ctr"/>
-            <a:r>
-              <a:rPr lang="en-US" sz="1200" b="1" dirty="0">
-                <a:solidFill>
-                  <a:schemeClr val="tx1"/>
-                </a:solidFill>
-              </a:rPr>
-              <a:t>DICOM-RT import</a:t>
-            </a:r>
-            <a:endParaRPr lang="en-CA" sz="1200" b="1" dirty="0">
-              <a:solidFill>
-                <a:schemeClr val="tx1"/>
-              </a:solidFill>
-            </a:endParaRPr>
           </a:p>
         </p:txBody>
       </p:sp>
@@ -6883,7 +10085,7 @@
         <p:spPr>
           <a:xfrm>
             <a:off x="666910" y="3654296"/>
-            <a:ext cx="1999651" cy="341236"/>
+            <a:ext cx="2572741" cy="341236"/>
           </a:xfrm>
           <a:prstGeom prst="rect">
             <a:avLst/>
@@ -6915,7 +10117,7 @@
                   <a:schemeClr val="tx1"/>
                 </a:solidFill>
               </a:rPr>
-              <a:t>VTK, ITK, CTK, QT, DCMTK, …</a:t>
+              <a:t>Python, VTK, ITK, CTK, Qt, DCMTK, …</a:t>
             </a:r>
           </a:p>
         </p:txBody>
@@ -6929,56 +10131,6 @@
         <p:spPr>
           <a:xfrm>
             <a:off x="3295805" y="2329681"/>
-            <a:ext cx="377026" cy="369332"/>
-          </a:xfrm>
-          <a:prstGeom prst="rect">
-            <a:avLst/>
-          </a:prstGeom>
-          <a:noFill/>
-          <a:ln>
-            <a:noFill/>
-          </a:ln>
-        </p:spPr>
-        <p:style>
-          <a:lnRef idx="1">
-            <a:schemeClr val="accent4"/>
-          </a:lnRef>
-          <a:fillRef idx="2">
-            <a:schemeClr val="accent4"/>
-          </a:fillRef>
-          <a:effectRef idx="1">
-            <a:schemeClr val="accent4"/>
-          </a:effectRef>
-          <a:fontRef idx="minor">
-            <a:schemeClr val="dk1"/>
-          </a:fontRef>
-        </p:style>
-        <p:txBody>
-          <a:bodyPr wrap="none" rtlCol="0">
-            <a:spAutoFit/>
-          </a:bodyPr>
-          <a:lstStyle/>
-          <a:p>
-            <a:r>
-              <a:rPr lang="en-CA" b="1" dirty="0">
-                <a:solidFill>
-                  <a:schemeClr val="tx1"/>
-                </a:solidFill>
-              </a:rPr>
-              <a:t>...</a:t>
-            </a:r>
-          </a:p>
-        </p:txBody>
-      </p:sp>
-      <p:sp>
-        <p:nvSpPr>
-          <p:cNvPr id="102" name="TextBox 101"/>
-          <p:cNvSpPr txBox="1"/>
-          <p:nvPr/>
-        </p:nvSpPr>
-        <p:spPr>
-          <a:xfrm>
-            <a:off x="7262179" y="2329681"/>
             <a:ext cx="377026" cy="369332"/>
           </a:xfrm>
           <a:prstGeom prst="rect">
@@ -7372,56 +10524,13 @@
       </p:cxnSp>
       <p:sp>
         <p:nvSpPr>
-          <p:cNvPr id="125" name="TextBox 124"/>
-          <p:cNvSpPr txBox="1"/>
-          <p:nvPr/>
-        </p:nvSpPr>
-        <p:spPr>
-          <a:xfrm>
-            <a:off x="6195992" y="1192571"/>
-            <a:ext cx="1293917" cy="276999"/>
-          </a:xfrm>
-          <a:prstGeom prst="rect">
-            <a:avLst/>
-          </a:prstGeom>
-        </p:spPr>
-        <p:style>
-          <a:lnRef idx="1">
-            <a:schemeClr val="accent4"/>
-          </a:lnRef>
-          <a:fillRef idx="2">
-            <a:schemeClr val="accent4"/>
-          </a:fillRef>
-          <a:effectRef idx="1">
-            <a:schemeClr val="accent4"/>
-          </a:effectRef>
-          <a:fontRef idx="minor">
-            <a:schemeClr val="dk1"/>
-          </a:fontRef>
-        </p:style>
-        <p:txBody>
-          <a:bodyPr wrap="square" rtlCol="0">
-            <a:spAutoFit/>
-          </a:bodyPr>
-          <a:lstStyle/>
-          <a:p>
-            <a:pPr algn="ctr"/>
-            <a:r>
-              <a:rPr lang="en-CA" sz="1200" b="1" dirty="0"/>
-              <a:t>Gel dosimetry</a:t>
-            </a:r>
-          </a:p>
-        </p:txBody>
-      </p:sp>
-      <p:sp>
-        <p:nvSpPr>
           <p:cNvPr id="59" name="TextBox 58"/>
           <p:cNvSpPr txBox="1"/>
           <p:nvPr/>
         </p:nvSpPr>
         <p:spPr>
           <a:xfrm>
-            <a:off x="4667405" y="2054969"/>
+            <a:off x="4667405" y="2267580"/>
             <a:ext cx="377026" cy="369332"/>
           </a:xfrm>
           <a:prstGeom prst="rect">
@@ -7465,13 +10574,49 @@
       </p:sp>
       <p:sp>
         <p:nvSpPr>
-          <p:cNvPr id="82" name="TextBox 81"/>
+          <p:cNvPr id="103" name="TextBox 102"/>
           <p:cNvSpPr txBox="1"/>
           <p:nvPr/>
         </p:nvSpPr>
         <p:spPr>
           <a:xfrm>
-            <a:off x="5435956" y="1161281"/>
+            <a:off x="324005" y="1136104"/>
+            <a:ext cx="1905000" cy="461665"/>
+          </a:xfrm>
+          <a:prstGeom prst="rect">
+            <a:avLst/>
+          </a:prstGeom>
+          <a:noFill/>
+        </p:spPr>
+        <p:txBody>
+          <a:bodyPr wrap="square" rtlCol="0">
+            <a:spAutoFit/>
+          </a:bodyPr>
+          <a:lstStyle/>
+          <a:p>
+            <a:r>
+              <a:rPr lang="en-CA" sz="1200" b="1" dirty="0" err="1"/>
+              <a:t>Slicelets</a:t>
+            </a:r>
+            <a:endParaRPr lang="en-CA" sz="1200" b="1" dirty="0"/>
+          </a:p>
+          <a:p>
+            <a:r>
+              <a:rPr lang="en-CA" sz="1200" b="1" dirty="0"/>
+              <a:t>(custom Slicer applets)</a:t>
+            </a:r>
+          </a:p>
+        </p:txBody>
+      </p:sp>
+      <p:sp>
+        <p:nvSpPr>
+          <p:cNvPr id="105" name="TextBox 104"/>
+          <p:cNvSpPr txBox="1"/>
+          <p:nvPr/>
+        </p:nvSpPr>
+        <p:spPr>
+          <a:xfrm>
+            <a:off x="3375979" y="1147849"/>
             <a:ext cx="377026" cy="369332"/>
           </a:xfrm>
           <a:prstGeom prst="rect">
@@ -7515,92 +10660,6 @@
       </p:sp>
       <p:sp>
         <p:nvSpPr>
-          <p:cNvPr id="103" name="TextBox 102"/>
-          <p:cNvSpPr txBox="1"/>
-          <p:nvPr/>
-        </p:nvSpPr>
-        <p:spPr>
-          <a:xfrm>
-            <a:off x="324005" y="1136104"/>
-            <a:ext cx="1905000" cy="461665"/>
-          </a:xfrm>
-          <a:prstGeom prst="rect">
-            <a:avLst/>
-          </a:prstGeom>
-          <a:noFill/>
-        </p:spPr>
-        <p:txBody>
-          <a:bodyPr wrap="square" rtlCol="0">
-            <a:spAutoFit/>
-          </a:bodyPr>
-          <a:lstStyle/>
-          <a:p>
-            <a:r>
-              <a:rPr lang="en-CA" sz="1200" b="1" dirty="0" err="1"/>
-              <a:t>Slicelets</a:t>
-            </a:r>
-            <a:endParaRPr lang="en-CA" sz="1200" b="1" dirty="0"/>
-          </a:p>
-          <a:p>
-            <a:r>
-              <a:rPr lang="en-CA" sz="1200" b="1" dirty="0"/>
-              <a:t>(custom Slicer applets)</a:t>
-            </a:r>
-          </a:p>
-        </p:txBody>
-      </p:sp>
-      <p:sp>
-        <p:nvSpPr>
-          <p:cNvPr id="105" name="TextBox 104"/>
-          <p:cNvSpPr txBox="1"/>
-          <p:nvPr/>
-        </p:nvSpPr>
-        <p:spPr>
-          <a:xfrm>
-            <a:off x="3375979" y="1147849"/>
-            <a:ext cx="377026" cy="369332"/>
-          </a:xfrm>
-          <a:prstGeom prst="rect">
-            <a:avLst/>
-          </a:prstGeom>
-          <a:noFill/>
-          <a:ln>
-            <a:noFill/>
-          </a:ln>
-        </p:spPr>
-        <p:style>
-          <a:lnRef idx="1">
-            <a:schemeClr val="accent3"/>
-          </a:lnRef>
-          <a:fillRef idx="2">
-            <a:schemeClr val="accent3"/>
-          </a:fillRef>
-          <a:effectRef idx="1">
-            <a:schemeClr val="accent3"/>
-          </a:effectRef>
-          <a:fontRef idx="minor">
-            <a:schemeClr val="dk1"/>
-          </a:fontRef>
-        </p:style>
-        <p:txBody>
-          <a:bodyPr wrap="none" rtlCol="0">
-            <a:spAutoFit/>
-          </a:bodyPr>
-          <a:lstStyle/>
-          <a:p>
-            <a:r>
-              <a:rPr lang="en-CA" b="1" dirty="0">
-                <a:solidFill>
-                  <a:schemeClr val="tx1"/>
-                </a:solidFill>
-              </a:rPr>
-              <a:t>...</a:t>
-            </a:r>
-          </a:p>
-        </p:txBody>
-      </p:sp>
-      <p:sp>
-        <p:nvSpPr>
           <p:cNvPr id="111" name="Rectangle 110"/>
           <p:cNvSpPr/>
           <p:nvPr/>
@@ -7692,108 +10751,6 @@
                 </a:solidFill>
               </a:rPr>
               <a:t>Model registration</a:t>
-            </a:r>
-            <a:endParaRPr lang="en-CA" sz="1200" b="1" dirty="0">
-              <a:solidFill>
-                <a:schemeClr val="tx1"/>
-              </a:solidFill>
-            </a:endParaRPr>
-          </a:p>
-        </p:txBody>
-      </p:sp>
-      <p:sp>
-        <p:nvSpPr>
-          <p:cNvPr id="113" name="Rectangle 112"/>
-          <p:cNvSpPr/>
-          <p:nvPr/>
-        </p:nvSpPr>
-        <p:spPr>
-          <a:xfrm>
-            <a:off x="6191405" y="2351377"/>
-            <a:ext cx="1065859" cy="390395"/>
-          </a:xfrm>
-          <a:prstGeom prst="rect">
-            <a:avLst/>
-          </a:prstGeom>
-          <a:ln/>
-        </p:spPr>
-        <p:style>
-          <a:lnRef idx="1">
-            <a:schemeClr val="accent4"/>
-          </a:lnRef>
-          <a:fillRef idx="2">
-            <a:schemeClr val="accent4"/>
-          </a:fillRef>
-          <a:effectRef idx="1">
-            <a:schemeClr val="accent4"/>
-          </a:effectRef>
-          <a:fontRef idx="minor">
-            <a:schemeClr val="dk1"/>
-          </a:fontRef>
-        </p:style>
-        <p:txBody>
-          <a:bodyPr rtlCol="0" anchor="ctr"/>
-          <a:lstStyle/>
-          <a:p>
-            <a:pPr algn="ctr"/>
-            <a:r>
-              <a:rPr lang="en-US" sz="1200" b="1" dirty="0">
-                <a:solidFill>
-                  <a:schemeClr val="tx1"/>
-                </a:solidFill>
-              </a:rPr>
-              <a:t>Dose volume histogram</a:t>
-            </a:r>
-            <a:endParaRPr lang="en-CA" sz="1200" b="1" dirty="0">
-              <a:solidFill>
-                <a:schemeClr val="tx1"/>
-              </a:solidFill>
-            </a:endParaRPr>
-          </a:p>
-        </p:txBody>
-      </p:sp>
-      <p:sp>
-        <p:nvSpPr>
-          <p:cNvPr id="114" name="Rectangle 113"/>
-          <p:cNvSpPr/>
-          <p:nvPr/>
-        </p:nvSpPr>
-        <p:spPr>
-          <a:xfrm>
-            <a:off x="7669688" y="2348892"/>
-            <a:ext cx="960117" cy="390395"/>
-          </a:xfrm>
-          <a:prstGeom prst="rect">
-            <a:avLst/>
-          </a:prstGeom>
-          <a:ln/>
-        </p:spPr>
-        <p:style>
-          <a:lnRef idx="1">
-            <a:schemeClr val="accent4"/>
-          </a:lnRef>
-          <a:fillRef idx="2">
-            <a:schemeClr val="accent4"/>
-          </a:fillRef>
-          <a:effectRef idx="1">
-            <a:schemeClr val="accent4"/>
-          </a:effectRef>
-          <a:fontRef idx="minor">
-            <a:schemeClr val="dk1"/>
-          </a:fontRef>
-        </p:style>
-        <p:txBody>
-          <a:bodyPr rtlCol="0" anchor="ctr"/>
-          <a:lstStyle/>
-          <a:p>
-            <a:pPr algn="ctr"/>
-            <a:r>
-              <a:rPr lang="en-US" sz="1200" b="1" dirty="0">
-                <a:solidFill>
-                  <a:schemeClr val="tx1"/>
-                </a:solidFill>
-              </a:rPr>
-              <a:t>Dose comparison</a:t>
             </a:r>
             <a:endParaRPr lang="en-CA" sz="1200" b="1" dirty="0">
               <a:solidFill>
@@ -8364,12 +11321,8 @@
           <a:lstStyle/>
           <a:p>
             <a:r>
-              <a:rPr lang="en-US" dirty="0" err="1"/>
-              <a:t>PerkLab</a:t>
-            </a:r>
-            <a:r>
               <a:rPr lang="en-US" dirty="0"/>
-              <a:t> systems overview</a:t>
+              <a:t>3D Slicer architecture</a:t>
             </a:r>
           </a:p>
         </p:txBody>
@@ -8403,7 +11356,7 @@
             </a:r>
             <a:fld id="{5956B730-B1F8-44BC-BA64-192B445FEF2C}" type="slidenum">
               <a:rPr lang="en-US" smtClean="0"/>
-              <a:t>12</a:t>
+              <a:t>13</a:t>
             </a:fld>
             <a:r>
               <a:rPr lang="en-US" dirty="0"/>
@@ -8437,7 +11390,7 @@
             </a:pPr>
             <a:r>
               <a:rPr lang="en-US" dirty="0"/>
-              <a:t>Laboratory for Percutaneous Surgery – Copyright © Queen’s University, 2019</a:t>
+              <a:t>Laboratory for Percutaneous Surgery – Copyright © Queen’s University, 2021</a:t>
             </a:r>
           </a:p>
         </p:txBody>
@@ -8481,10 +11434,347 @@
           </a:p>
         </p:txBody>
       </p:sp>
+      <p:sp>
+        <p:nvSpPr>
+          <p:cNvPr id="2" name="Cloud 1">
+            <a:extLst>
+              <a:ext uri="{FF2B5EF4-FFF2-40B4-BE49-F238E27FC236}">
+                <a16:creationId xmlns:a16="http://schemas.microsoft.com/office/drawing/2014/main" id="{DA52CDC5-7BE5-4263-82CD-05E98E740933}"/>
+              </a:ext>
+            </a:extLst>
+          </p:cNvPr>
+          <p:cNvSpPr/>
+          <p:nvPr/>
+        </p:nvSpPr>
+        <p:spPr>
+          <a:xfrm>
+            <a:off x="7696200" y="1259751"/>
+            <a:ext cx="1317213" cy="794073"/>
+          </a:xfrm>
+          <a:prstGeom prst="cloud">
+            <a:avLst/>
+          </a:prstGeom>
+          <a:solidFill>
+            <a:schemeClr val="bg1"/>
+          </a:solidFill>
+          <a:ln>
+            <a:solidFill>
+              <a:schemeClr val="tx1"/>
+            </a:solidFill>
+          </a:ln>
+        </p:spPr>
+        <p:style>
+          <a:lnRef idx="2">
+            <a:schemeClr val="accent1">
+              <a:shade val="50000"/>
+            </a:schemeClr>
+          </a:lnRef>
+          <a:fillRef idx="1">
+            <a:schemeClr val="accent1"/>
+          </a:fillRef>
+          <a:effectRef idx="0">
+            <a:schemeClr val="accent1"/>
+          </a:effectRef>
+          <a:fontRef idx="minor">
+            <a:schemeClr val="lt1"/>
+          </a:fontRef>
+        </p:style>
+        <p:txBody>
+          <a:bodyPr rtlCol="0" anchor="ctr"/>
+          <a:lstStyle/>
+          <a:p>
+            <a:pPr algn="ctr"/>
+            <a:r>
+              <a:rPr lang="en-US" sz="1100" dirty="0">
+                <a:solidFill>
+                  <a:schemeClr val="tx1"/>
+                </a:solidFill>
+              </a:rPr>
+              <a:t>DICOMweb</a:t>
+            </a:r>
+            <a:br>
+              <a:rPr lang="en-US" sz="1100" dirty="0">
+                <a:solidFill>
+                  <a:schemeClr val="tx1"/>
+                </a:solidFill>
+              </a:rPr>
+            </a:br>
+            <a:r>
+              <a:rPr lang="en-US" sz="1100" dirty="0">
+                <a:solidFill>
+                  <a:schemeClr val="tx1"/>
+                </a:solidFill>
+              </a:rPr>
+              <a:t>REST API</a:t>
+            </a:r>
+            <a:endParaRPr lang="en-CA" sz="1100" dirty="0">
+              <a:solidFill>
+                <a:schemeClr val="tx1"/>
+              </a:solidFill>
+            </a:endParaRPr>
+          </a:p>
+        </p:txBody>
+      </p:sp>
+      <p:sp>
+        <p:nvSpPr>
+          <p:cNvPr id="128" name="Rectangle 127">
+            <a:extLst>
+              <a:ext uri="{FF2B5EF4-FFF2-40B4-BE49-F238E27FC236}">
+                <a16:creationId xmlns:a16="http://schemas.microsoft.com/office/drawing/2014/main" id="{A5034119-3147-4B74-AED4-B44484187672}"/>
+              </a:ext>
+            </a:extLst>
+          </p:cNvPr>
+          <p:cNvSpPr/>
+          <p:nvPr/>
+        </p:nvSpPr>
+        <p:spPr>
+          <a:xfrm>
+            <a:off x="7942182" y="2297246"/>
+            <a:ext cx="1022306" cy="533440"/>
+          </a:xfrm>
+          <a:prstGeom prst="rect">
+            <a:avLst/>
+          </a:prstGeom>
+          <a:ln/>
+        </p:spPr>
+        <p:style>
+          <a:lnRef idx="1">
+            <a:schemeClr val="accent4"/>
+          </a:lnRef>
+          <a:fillRef idx="2">
+            <a:schemeClr val="accent4"/>
+          </a:fillRef>
+          <a:effectRef idx="1">
+            <a:schemeClr val="accent4"/>
+          </a:effectRef>
+          <a:fontRef idx="minor">
+            <a:schemeClr val="dk1"/>
+          </a:fontRef>
+        </p:style>
+        <p:txBody>
+          <a:bodyPr rtlCol="0" anchor="ctr"/>
+          <a:lstStyle/>
+          <a:p>
+            <a:pPr algn="ctr"/>
+            <a:endParaRPr lang="en-CA" sz="1200" dirty="0">
+              <a:solidFill>
+                <a:schemeClr val="tx1"/>
+              </a:solidFill>
+            </a:endParaRPr>
+          </a:p>
+        </p:txBody>
+      </p:sp>
+      <p:sp>
+        <p:nvSpPr>
+          <p:cNvPr id="129" name="TextBox 128">
+            <a:extLst>
+              <a:ext uri="{FF2B5EF4-FFF2-40B4-BE49-F238E27FC236}">
+                <a16:creationId xmlns:a16="http://schemas.microsoft.com/office/drawing/2014/main" id="{C2BDFC87-DF6E-45A5-BC51-CA0A21F9E2A8}"/>
+              </a:ext>
+            </a:extLst>
+          </p:cNvPr>
+          <p:cNvSpPr txBox="1"/>
+          <p:nvPr/>
+        </p:nvSpPr>
+        <p:spPr>
+          <a:xfrm>
+            <a:off x="7976992" y="2401951"/>
+            <a:ext cx="931665" cy="307777"/>
+          </a:xfrm>
+          <a:prstGeom prst="rect">
+            <a:avLst/>
+          </a:prstGeom>
+          <a:noFill/>
+        </p:spPr>
+        <p:txBody>
+          <a:bodyPr wrap="none" rtlCol="0">
+            <a:spAutoFit/>
+          </a:bodyPr>
+          <a:lstStyle/>
+          <a:p>
+            <a:pPr algn="r"/>
+            <a:r>
+              <a:rPr lang="en-CA" sz="1400" b="1" dirty="0" err="1"/>
+              <a:t>SlicerWeb</a:t>
+            </a:r>
+            <a:endParaRPr lang="en-CA" sz="1400" b="1" dirty="0"/>
+          </a:p>
+        </p:txBody>
+      </p:sp>
+      <p:sp>
+        <p:nvSpPr>
+          <p:cNvPr id="131" name="Rectangle 130">
+            <a:extLst>
+              <a:ext uri="{FF2B5EF4-FFF2-40B4-BE49-F238E27FC236}">
+                <a16:creationId xmlns:a16="http://schemas.microsoft.com/office/drawing/2014/main" id="{3D574B88-334F-483D-8BB2-DB05B3935E76}"/>
+              </a:ext>
+            </a:extLst>
+          </p:cNvPr>
+          <p:cNvSpPr/>
+          <p:nvPr/>
+        </p:nvSpPr>
+        <p:spPr>
+          <a:xfrm>
+            <a:off x="5319161" y="2289689"/>
+            <a:ext cx="1131379" cy="533440"/>
+          </a:xfrm>
+          <a:prstGeom prst="rect">
+            <a:avLst/>
+          </a:prstGeom>
+          <a:ln/>
+        </p:spPr>
+        <p:style>
+          <a:lnRef idx="1">
+            <a:schemeClr val="accent4"/>
+          </a:lnRef>
+          <a:fillRef idx="2">
+            <a:schemeClr val="accent4"/>
+          </a:fillRef>
+          <a:effectRef idx="1">
+            <a:schemeClr val="accent4"/>
+          </a:effectRef>
+          <a:fontRef idx="minor">
+            <a:schemeClr val="dk1"/>
+          </a:fontRef>
+        </p:style>
+        <p:txBody>
+          <a:bodyPr rtlCol="0" anchor="ctr"/>
+          <a:lstStyle/>
+          <a:p>
+            <a:pPr algn="ctr"/>
+            <a:endParaRPr lang="en-CA" sz="1200" dirty="0">
+              <a:solidFill>
+                <a:schemeClr val="tx1"/>
+              </a:solidFill>
+            </a:endParaRPr>
+          </a:p>
+        </p:txBody>
+      </p:sp>
+      <p:pic>
+        <p:nvPicPr>
+          <p:cNvPr id="132" name="Picture 131">
+            <a:extLst>
+              <a:ext uri="{FF2B5EF4-FFF2-40B4-BE49-F238E27FC236}">
+                <a16:creationId xmlns:a16="http://schemas.microsoft.com/office/drawing/2014/main" id="{848DE1B2-305C-4F84-AE2E-2B820DCE80C3}"/>
+              </a:ext>
+            </a:extLst>
+          </p:cNvPr>
+          <p:cNvPicPr>
+            <a:picLocks noChangeAspect="1"/>
+          </p:cNvPicPr>
+          <p:nvPr/>
+        </p:nvPicPr>
+        <p:blipFill>
+          <a:blip r:embed="rId3"/>
+          <a:stretch>
+            <a:fillRect/>
+          </a:stretch>
+        </p:blipFill>
+        <p:spPr>
+          <a:xfrm>
+            <a:off x="6732240" y="1192683"/>
+            <a:ext cx="786347" cy="943616"/>
+          </a:xfrm>
+          <a:prstGeom prst="rect">
+            <a:avLst/>
+          </a:prstGeom>
+        </p:spPr>
+      </p:pic>
+      <p:sp>
+        <p:nvSpPr>
+          <p:cNvPr id="133" name="TextBox 132">
+            <a:extLst>
+              <a:ext uri="{FF2B5EF4-FFF2-40B4-BE49-F238E27FC236}">
+                <a16:creationId xmlns:a16="http://schemas.microsoft.com/office/drawing/2014/main" id="{820C1D2E-0090-4AE2-9E8C-46452A3823D1}"/>
+              </a:ext>
+            </a:extLst>
+          </p:cNvPr>
+          <p:cNvSpPr txBox="1"/>
+          <p:nvPr/>
+        </p:nvSpPr>
+        <p:spPr>
+          <a:xfrm>
+            <a:off x="5275792" y="2301096"/>
+            <a:ext cx="1204752" cy="523220"/>
+          </a:xfrm>
+          <a:prstGeom prst="rect">
+            <a:avLst/>
+          </a:prstGeom>
+          <a:noFill/>
+        </p:spPr>
+        <p:txBody>
+          <a:bodyPr wrap="none" rtlCol="0">
+            <a:spAutoFit/>
+          </a:bodyPr>
+          <a:lstStyle/>
+          <a:p>
+            <a:pPr algn="ctr"/>
+            <a:r>
+              <a:rPr lang="en-CA" sz="1400" b="1" dirty="0"/>
+              <a:t>Slicer</a:t>
+            </a:r>
+            <a:br>
+              <a:rPr lang="en-CA" sz="1400" b="1" dirty="0"/>
+            </a:br>
+            <a:r>
+              <a:rPr lang="en-CA" sz="1400" b="1" dirty="0" err="1"/>
+              <a:t>VirtualReality</a:t>
+            </a:r>
+            <a:endParaRPr lang="en-CA" sz="1400" b="1" dirty="0"/>
+          </a:p>
+        </p:txBody>
+      </p:sp>
+      <p:pic>
+        <p:nvPicPr>
+          <p:cNvPr id="2050" name="Picture 2" descr="See the source image">
+            <a:extLst>
+              <a:ext uri="{FF2B5EF4-FFF2-40B4-BE49-F238E27FC236}">
+                <a16:creationId xmlns:a16="http://schemas.microsoft.com/office/drawing/2014/main" id="{652587A7-B2D2-45E6-AD70-8BF4B4F4AA56}"/>
+              </a:ext>
+            </a:extLst>
+          </p:cNvPr>
+          <p:cNvPicPr>
+            <a:picLocks noChangeAspect="1" noChangeArrowheads="1"/>
+          </p:cNvPicPr>
+          <p:nvPr/>
+        </p:nvPicPr>
+        <p:blipFill>
+          <a:blip r:embed="rId4" cstate="print">
+            <a:extLst>
+              <a:ext uri="{28A0092B-C50C-407E-A947-70E740481C1C}">
+                <a14:useLocalDpi xmlns:a14="http://schemas.microsoft.com/office/drawing/2010/main" val="0"/>
+              </a:ext>
+            </a:extLst>
+          </a:blip>
+          <a:srcRect/>
+          <a:stretch>
+            <a:fillRect/>
+          </a:stretch>
+        </p:blipFill>
+        <p:spPr bwMode="auto">
+          <a:xfrm>
+            <a:off x="5292080" y="1206371"/>
+            <a:ext cx="1166191" cy="777461"/>
+          </a:xfrm>
+          <a:prstGeom prst="rect">
+            <a:avLst/>
+          </a:prstGeom>
+          <a:noFill/>
+          <a:extLst>
+            <a:ext uri="{909E8E84-426E-40DD-AFC4-6F175D3DCCD1}">
+              <a14:hiddenFill xmlns:a14="http://schemas.microsoft.com/office/drawing/2010/main">
+                <a:solidFill>
+                  <a:srgbClr val="FFFFFF"/>
+                </a:solidFill>
+              </a14:hiddenFill>
+            </a:ext>
+          </a:extLst>
+        </p:spPr>
+      </p:pic>
     </p:spTree>
     <p:extLst>
       <p:ext uri="{BB962C8B-B14F-4D97-AF65-F5344CB8AC3E}">
-        <p14:creationId xmlns:p14="http://schemas.microsoft.com/office/powerpoint/2010/main" val="1151275399"/>
+        <p14:creationId xmlns:p14="http://schemas.microsoft.com/office/powerpoint/2010/main" val="1979897577"/>
       </p:ext>
     </p:extLst>
   </p:cSld>
@@ -8502,7 +11792,7 @@
 </p:sld>
 </file>
 
-<file path=ppt/slides/slide13.xml><?xml version="1.0" encoding="utf-8"?>
+<file path=ppt/slides/slide14.xml><?xml version="1.0" encoding="utf-8"?>
 <p:sld xmlns:a="http://schemas.openxmlformats.org/drawingml/2006/main" xmlns:r="http://schemas.openxmlformats.org/officeDocument/2006/relationships" xmlns:p="http://schemas.openxmlformats.org/presentationml/2006/main">
   <p:cSld>
     <p:spTree>
@@ -8561,7 +11851,7 @@
             </a:pPr>
             <a:r>
               <a:rPr lang="en-CA" dirty="0"/>
-              <a:t>Laboratory for Percutaneous Surgery (The Perk Lab) – Copyright © Queen’s University, 2019</a:t>
+              <a:t>Laboratory for Percutaneous Surgery (The Perk Lab) – Copyright © Queen’s University, 2021</a:t>
             </a:r>
             <a:endParaRPr lang="en-US" dirty="0"/>
           </a:p>
@@ -8665,7 +11955,7 @@
           <a:p>
             <a:r>
               <a:rPr lang="en-CA" dirty="0"/>
-              <a:t>Laboratory for Percutaneous Surgery (The Perk Lab) – Copyright © Queen’s University, 2019</a:t>
+              <a:t>Laboratory for Percutaneous Surgery (The Perk Lab) – Copyright © Queen’s University, 2021</a:t>
             </a:r>
             <a:endParaRPr lang="en-US" dirty="0"/>
           </a:p>
@@ -9186,7 +12476,7 @@
           <a:p>
             <a:r>
               <a:rPr lang="en-CA" dirty="0"/>
-              <a:t>Laboratory for Percutaneous Surgery (The Perk Lab) – Copyright © Queen’s University, 2019</a:t>
+              <a:t>Laboratory for Percutaneous Surgery (The Perk Lab) – Copyright © Queen’s University, 2021</a:t>
             </a:r>
             <a:endParaRPr lang="en-US" dirty="0"/>
           </a:p>
@@ -9644,7 +12934,7 @@
           <a:p>
             <a:r>
               <a:rPr lang="en-CA" dirty="0"/>
-              <a:t>Laboratory for Percutaneous Surgery (The Perk Lab) – Copyright © Queen’s University, 2019</a:t>
+              <a:t>Laboratory for Percutaneous Surgery (The Perk Lab) – Copyright © Queen’s University, 2021</a:t>
             </a:r>
             <a:endParaRPr lang="en-US" dirty="0"/>
           </a:p>
@@ -10071,7 +13361,7 @@
           <a:p>
             <a:r>
               <a:rPr lang="en-CA" dirty="0"/>
-              <a:t>Laboratory for Percutaneous Surgery (The Perk Lab) – Copyright © Queen’s University, 2019</a:t>
+              <a:t>Laboratory for Percutaneous Surgery (The Perk Lab) – Copyright © Queen’s University, 2021</a:t>
             </a:r>
             <a:endParaRPr lang="en-US" dirty="0"/>
           </a:p>
@@ -10378,7 +13668,7 @@
           <a:p>
             <a:r>
               <a:rPr lang="en-CA" dirty="0"/>
-              <a:t>Laboratory for Percutaneous Surgery (The Perk Lab) – Copyright © Queen’s University, 2019</a:t>
+              <a:t>Laboratory for Percutaneous Surgery (The Perk Lab) – Copyright © Queen’s University, 2021</a:t>
             </a:r>
             <a:endParaRPr lang="en-US" dirty="0"/>
           </a:p>
@@ -10723,24 +14013,236 @@
           <a:chExt cx="0" cy="0"/>
         </a:xfrm>
       </p:grpSpPr>
+      <p:sp>
+        <p:nvSpPr>
+          <p:cNvPr id="20482" name="Title 1"/>
+          <p:cNvSpPr>
+            <a:spLocks noGrp="1"/>
+          </p:cNvSpPr>
+          <p:nvPr>
+            <p:ph type="title"/>
+          </p:nvPr>
+        </p:nvSpPr>
+        <p:spPr/>
+        <p:txBody>
+          <a:bodyPr/>
+          <a:lstStyle/>
+          <a:p>
+            <a:r>
+              <a:rPr lang="en-US" dirty="0"/>
+              <a:t>Planning, design, implementation</a:t>
+            </a:r>
+          </a:p>
+        </p:txBody>
+      </p:sp>
+      <p:sp>
+        <p:nvSpPr>
+          <p:cNvPr id="20483" name="Content Placeholder 2"/>
+          <p:cNvSpPr>
+            <a:spLocks noGrp="1"/>
+          </p:cNvSpPr>
+          <p:nvPr>
+            <p:ph idx="1"/>
+          </p:nvPr>
+        </p:nvSpPr>
+        <p:spPr>
+          <a:xfrm>
+            <a:off x="152400" y="1196752"/>
+            <a:ext cx="4707632" cy="5328592"/>
+          </a:xfrm>
+        </p:spPr>
+        <p:txBody>
+          <a:bodyPr>
+            <a:normAutofit fontScale="85000" lnSpcReduction="10000"/>
+          </a:bodyPr>
+          <a:lstStyle/>
+          <a:p>
+            <a:pPr>
+              <a:spcBef>
+                <a:spcPts val="0"/>
+              </a:spcBef>
+              <a:spcAft>
+                <a:spcPts val="0"/>
+              </a:spcAft>
+            </a:pPr>
+            <a:r>
+              <a:rPr lang="en-US" dirty="0"/>
+              <a:t>Web-based, integrated project management: GitHub or GitLab</a:t>
+            </a:r>
+          </a:p>
+          <a:p>
+            <a:pPr lvl="1">
+              <a:spcBef>
+                <a:spcPts val="0"/>
+              </a:spcBef>
+              <a:spcAft>
+                <a:spcPts val="0"/>
+              </a:spcAft>
+            </a:pPr>
+            <a:r>
+              <a:rPr lang="en-US" dirty="0">
+                <a:hlinkClick r:id="rId2"/>
+              </a:rPr>
+              <a:t>GitHub</a:t>
+            </a:r>
+            <a:r>
+              <a:rPr lang="en-US" dirty="0"/>
+              <a:t>: everybody is there, unlimited public repositories for free; free private repositories for university research labs; free continuous integration</a:t>
+            </a:r>
+          </a:p>
+          <a:p>
+            <a:pPr>
+              <a:spcBef>
+                <a:spcPts val="0"/>
+              </a:spcBef>
+              <a:spcAft>
+                <a:spcPts val="0"/>
+              </a:spcAft>
+            </a:pPr>
+            <a:r>
+              <a:rPr lang="en-US" dirty="0"/>
+              <a:t>Provided services:</a:t>
+            </a:r>
+          </a:p>
+          <a:p>
+            <a:pPr lvl="1">
+              <a:spcBef>
+                <a:spcPts val="0"/>
+              </a:spcBef>
+              <a:spcAft>
+                <a:spcPts val="0"/>
+              </a:spcAft>
+            </a:pPr>
+            <a:r>
+              <a:rPr lang="en-US" dirty="0"/>
+              <a:t>revision control</a:t>
+            </a:r>
+          </a:p>
+          <a:p>
+            <a:pPr lvl="1">
+              <a:spcBef>
+                <a:spcPts val="0"/>
+              </a:spcBef>
+              <a:spcAft>
+                <a:spcPts val="0"/>
+              </a:spcAft>
+            </a:pPr>
+            <a:r>
+              <a:rPr lang="en-US" dirty="0"/>
+              <a:t>code review</a:t>
+            </a:r>
+          </a:p>
+          <a:p>
+            <a:pPr lvl="1">
+              <a:spcBef>
+                <a:spcPts val="0"/>
+              </a:spcBef>
+              <a:spcAft>
+                <a:spcPts val="0"/>
+              </a:spcAft>
+            </a:pPr>
+            <a:r>
+              <a:rPr lang="en-US" dirty="0"/>
+              <a:t>issue tracking: issues, releases, milestones, project boards</a:t>
+            </a:r>
+          </a:p>
+          <a:p>
+            <a:pPr lvl="1">
+              <a:spcBef>
+                <a:spcPts val="0"/>
+              </a:spcBef>
+              <a:spcAft>
+                <a:spcPts val="0"/>
+              </a:spcAft>
+            </a:pPr>
+            <a:r>
+              <a:rPr lang="en-US" dirty="0"/>
+              <a:t>continuous integration: automated testing, documentation generation</a:t>
+            </a:r>
+          </a:p>
+          <a:p>
+            <a:pPr lvl="1">
+              <a:spcBef>
+                <a:spcPts val="0"/>
+              </a:spcBef>
+              <a:spcAft>
+                <a:spcPts val="0"/>
+              </a:spcAft>
+            </a:pPr>
+            <a:r>
+              <a:rPr lang="en-US" dirty="0"/>
+              <a:t>website hosting, wiki</a:t>
+            </a:r>
+          </a:p>
+          <a:p>
+            <a:pPr lvl="1">
+              <a:spcBef>
+                <a:spcPts val="0"/>
+              </a:spcBef>
+              <a:spcAft>
+                <a:spcPts val="0"/>
+              </a:spcAft>
+            </a:pPr>
+            <a:r>
+              <a:rPr lang="en-US" dirty="0"/>
+              <a:t>discussions (very limited), no private messaging</a:t>
+            </a:r>
+          </a:p>
+        </p:txBody>
+      </p:sp>
+      <p:sp>
+        <p:nvSpPr>
+          <p:cNvPr id="6" name="Footer Placeholder 10"/>
+          <p:cNvSpPr>
+            <a:spLocks noGrp="1"/>
+          </p:cNvSpPr>
+          <p:nvPr>
+            <p:ph type="ftr" sz="quarter" idx="11"/>
+          </p:nvPr>
+        </p:nvSpPr>
+        <p:spPr>
+          <a:xfrm>
+            <a:off x="2123728" y="6356350"/>
+            <a:ext cx="5976664" cy="365125"/>
+          </a:xfrm>
+        </p:spPr>
+        <p:txBody>
+          <a:bodyPr/>
+          <a:lstStyle>
+            <a:lvl1pPr>
+              <a:defRPr/>
+            </a:lvl1pPr>
+          </a:lstStyle>
+          <a:p>
+            <a:pPr>
+              <a:defRPr/>
+            </a:pPr>
+            <a:r>
+              <a:rPr lang="en-CA" dirty="0"/>
+              <a:t>Laboratory for Percutaneous Surgery (The Perk Lab) – Copyright © Queen’s University, 2021</a:t>
+            </a:r>
+            <a:endParaRPr lang="en-US" dirty="0"/>
+          </a:p>
+        </p:txBody>
+      </p:sp>
       <p:pic>
         <p:nvPicPr>
-          <p:cNvPr id="2" name="Picture 1"/>
+          <p:cNvPr id="3" name="Picture 2"/>
           <p:cNvPicPr>
             <a:picLocks noChangeAspect="1"/>
           </p:cNvPicPr>
           <p:nvPr/>
         </p:nvPicPr>
         <p:blipFill>
-          <a:blip r:embed="rId2"/>
+          <a:blip r:embed="rId3"/>
           <a:stretch>
             <a:fillRect/>
           </a:stretch>
         </p:blipFill>
         <p:spPr>
           <a:xfrm>
-            <a:off x="4788024" y="1196752"/>
-            <a:ext cx="3484772" cy="3151832"/>
+            <a:off x="4932040" y="1170086"/>
+            <a:ext cx="3437432" cy="2786830"/>
           </a:xfrm>
           <a:prstGeom prst="rect">
             <a:avLst/>
@@ -10777,6 +14279,73 @@
           </a:sp3d>
         </p:spPr>
       </p:pic>
+      <p:pic>
+        <p:nvPicPr>
+          <p:cNvPr id="5" name="Picture 4">
+            <a:extLst>
+              <a:ext uri="{FF2B5EF4-FFF2-40B4-BE49-F238E27FC236}">
+                <a16:creationId xmlns:a16="http://schemas.microsoft.com/office/drawing/2014/main" id="{2799EA71-221B-4DC1-A77E-DC00BBE6D19E}"/>
+              </a:ext>
+            </a:extLst>
+          </p:cNvPr>
+          <p:cNvPicPr>
+            <a:picLocks noChangeAspect="1"/>
+          </p:cNvPicPr>
+          <p:nvPr/>
+        </p:nvPicPr>
+        <p:blipFill>
+          <a:blip r:embed="rId4"/>
+          <a:stretch>
+            <a:fillRect/>
+          </a:stretch>
+        </p:blipFill>
+        <p:spPr>
+          <a:xfrm>
+            <a:off x="5220072" y="3789040"/>
+            <a:ext cx="3691260" cy="2414336"/>
+          </a:xfrm>
+          <a:prstGeom prst="rect">
+            <a:avLst/>
+          </a:prstGeom>
+          <a:effectLst>
+            <a:outerShdw blurRad="63500" sx="102000" sy="102000" algn="ctr" rotWithShape="0">
+              <a:prstClr val="black">
+                <a:alpha val="40000"/>
+              </a:prstClr>
+            </a:outerShdw>
+          </a:effectLst>
+        </p:spPr>
+      </p:pic>
+    </p:spTree>
+    <p:extLst>
+      <p:ext uri="{BB962C8B-B14F-4D97-AF65-F5344CB8AC3E}">
+        <p14:creationId xmlns:p14="http://schemas.microsoft.com/office/powerpoint/2010/main" val="1845515199"/>
+      </p:ext>
+    </p:extLst>
+  </p:cSld>
+  <p:clrMapOvr>
+    <a:masterClrMapping/>
+  </p:clrMapOvr>
+</p:sld>
+</file>
+
+<file path=ppt/slides/slide8.xml><?xml version="1.0" encoding="utf-8"?>
+<p:sld xmlns:a="http://schemas.openxmlformats.org/drawingml/2006/main" xmlns:r="http://schemas.openxmlformats.org/officeDocument/2006/relationships" xmlns:p="http://schemas.openxmlformats.org/presentationml/2006/main">
+  <p:cSld>
+    <p:spTree>
+      <p:nvGrpSpPr>
+        <p:cNvPr id="1" name=""/>
+        <p:cNvGrpSpPr/>
+        <p:nvPr/>
+      </p:nvGrpSpPr>
+      <p:grpSpPr>
+        <a:xfrm>
+          <a:off x="0" y="0"/>
+          <a:ext cx="0" cy="0"/>
+          <a:chOff x="0" y="0"/>
+          <a:chExt cx="0" cy="0"/>
+        </a:xfrm>
+      </p:grpSpPr>
       <p:sp>
         <p:nvSpPr>
           <p:cNvPr id="20482" name="Title 1"/>
@@ -10812,12 +14381,12 @@
         <p:spPr>
           <a:xfrm>
             <a:off x="152400" y="1196752"/>
-            <a:ext cx="4491608" cy="4968552"/>
+            <a:ext cx="4707632" cy="5616624"/>
           </a:xfrm>
         </p:spPr>
         <p:txBody>
           <a:bodyPr>
-            <a:normAutofit fontScale="92500" lnSpcReduction="10000"/>
+            <a:normAutofit/>
           </a:bodyPr>
           <a:lstStyle/>
           <a:p>
@@ -10831,7 +14400,7 @@
             </a:pPr>
             <a:r>
               <a:rPr lang="en-US" dirty="0"/>
-              <a:t>Web-based, integrated project management:</a:t>
+              <a:t>Documentation:</a:t>
             </a:r>
           </a:p>
           <a:p>
@@ -10844,18 +14413,12 @@
               </a:spcAft>
             </a:pPr>
             <a:r>
-              <a:rPr lang="en-US" dirty="0">
-                <a:hlinkClick r:id="rId3"/>
-              </a:rPr>
-              <a:t>GitHub</a:t>
-            </a:r>
-            <a:r>
               <a:rPr lang="en-US" dirty="0"/>
-              <a:t>: unlimited public repositories for free; free private repositories for university research labs</a:t>
-            </a:r>
-          </a:p>
-          <a:p>
-            <a:pPr lvl="1">
+              <a:t>User manual:</a:t>
+            </a:r>
+          </a:p>
+          <a:p>
+            <a:pPr lvl="2">
               <a:spcBef>
                 <a:spcPts val="0"/>
               </a:spcBef>
@@ -10865,19 +14428,11 @@
             </a:pPr>
             <a:r>
               <a:rPr lang="en-US" dirty="0"/>
-              <a:t>Tools: revision control, code review, </a:t>
-            </a:r>
-            <a:r>
-              <a:rPr lang="en-US" dirty="0" err="1"/>
-              <a:t>bugtracking</a:t>
-            </a:r>
-            <a:r>
-              <a:rPr lang="en-US" dirty="0"/>
-              <a:t>, project boards, releases, website hosting; very limited: messaging, discussion</a:t>
-            </a:r>
-          </a:p>
-          <a:p>
-            <a:pPr>
+              <a:t>Tutorials (PowerPoint, YouTube)</a:t>
+            </a:r>
+          </a:p>
+          <a:p>
+            <a:pPr lvl="2">
               <a:spcBef>
                 <a:spcPts val="0"/>
               </a:spcBef>
@@ -10887,42 +14442,100 @@
             </a:pPr>
             <a:r>
               <a:rPr lang="en-US" dirty="0"/>
-              <a:t>Automated build and API </a:t>
-            </a:r>
-            <a:br>
+              <a:t>Reference manual (description of the software)</a:t>
+            </a:r>
+          </a:p>
+          <a:p>
+            <a:pPr lvl="1">
+              <a:spcBef>
+                <a:spcPts val="0"/>
+              </a:spcBef>
+              <a:spcAft>
+                <a:spcPts val="0"/>
+              </a:spcAft>
+            </a:pPr>
+            <a:r>
               <a:rPr lang="en-US" dirty="0"/>
-            </a:br>
+              <a:t>Developer manual:</a:t>
+            </a:r>
+          </a:p>
+          <a:p>
+            <a:pPr lvl="2">
+              <a:spcBef>
+                <a:spcPts val="0"/>
+              </a:spcBef>
+              <a:spcAft>
+                <a:spcPts val="0"/>
+              </a:spcAft>
+            </a:pPr>
             <a:r>
               <a:rPr lang="en-US" dirty="0"/>
-              <a:t>documentation generation (</a:t>
-            </a:r>
-            <a:r>
-              <a:rPr lang="en-US" dirty="0">
-                <a:hlinkClick r:id="rId4"/>
-              </a:rPr>
-              <a:t>CMake</a:t>
-            </a:r>
+              <a:t>Tutorials</a:t>
+            </a:r>
+          </a:p>
+          <a:p>
+            <a:pPr lvl="2">
+              <a:spcBef>
+                <a:spcPts val="0"/>
+              </a:spcBef>
+              <a:spcAft>
+                <a:spcPts val="0"/>
+              </a:spcAft>
+            </a:pPr>
             <a:r>
               <a:rPr lang="en-US" dirty="0"/>
-              <a:t>, </a:t>
-            </a:r>
-            <a:r>
-              <a:rPr lang="en-US" dirty="0" err="1">
-                <a:hlinkClick r:id="rId5"/>
-              </a:rPr>
+              <a:t>Examples, tests</a:t>
+            </a:r>
+          </a:p>
+          <a:p>
+            <a:pPr lvl="2">
+              <a:spcBef>
+                <a:spcPts val="0"/>
+              </a:spcBef>
+              <a:spcAft>
+                <a:spcPts val="0"/>
+              </a:spcAft>
+            </a:pPr>
+            <a:r>
+              <a:rPr lang="en-US" dirty="0"/>
+              <a:t>API documentation (Sphinx for Python, </a:t>
+            </a:r>
+            <a:r>
+              <a:rPr lang="en-US" dirty="0" err="1"/>
               <a:t>Doxygen</a:t>
             </a:r>
             <a:r>
               <a:rPr lang="en-US" dirty="0"/>
-              <a:t>), </a:t>
-            </a:r>
-            <a:r>
-              <a:rPr lang="en-US" dirty="0">
-                <a:hlinkClick r:id="rId6"/>
-              </a:rPr>
-              <a:t>tutorials</a:t>
-            </a:r>
-            <a:endParaRPr lang="en-US" dirty="0"/>
+              <a:t> for C++)</a:t>
+            </a:r>
+          </a:p>
+          <a:p>
+            <a:pPr lvl="2">
+              <a:spcBef>
+                <a:spcPts val="0"/>
+              </a:spcBef>
+              <a:spcAft>
+                <a:spcPts val="0"/>
+              </a:spcAft>
+            </a:pPr>
+            <a:r>
+              <a:rPr lang="en-US" dirty="0"/>
+              <a:t>Design documentation</a:t>
+            </a:r>
+          </a:p>
+          <a:p>
+            <a:pPr lvl="1">
+              <a:spcBef>
+                <a:spcPts val="0"/>
+              </a:spcBef>
+              <a:spcAft>
+                <a:spcPts val="0"/>
+              </a:spcAft>
+            </a:pPr>
+            <a:r>
+              <a:rPr lang="en-US" dirty="0"/>
+              <a:t>Hosting: readthedocs, github pages</a:t>
+            </a:r>
           </a:p>
         </p:txBody>
       </p:sp>
@@ -10955,7 +14568,7 @@
             </a:pPr>
             <a:r>
               <a:rPr lang="en-CA" dirty="0"/>
-              <a:t>Laboratory for Percutaneous Surgery (The Perk Lab) – Copyright © Queen’s University, 2019</a:t>
+              <a:t>Laboratory for Percutaneous Surgery (The Perk Lab) – Copyright © Queen’s University, 2021</a:t>
             </a:r>
             <a:endParaRPr lang="en-US" dirty="0"/>
           </a:p>
@@ -10970,14 +14583,14 @@
           <p:nvPr/>
         </p:nvPicPr>
         <p:blipFill>
-          <a:blip r:embed="rId7"/>
+          <a:blip r:embed="rId2"/>
           <a:stretch>
             <a:fillRect/>
           </a:stretch>
         </p:blipFill>
         <p:spPr>
           <a:xfrm>
-            <a:off x="5436096" y="3450482"/>
+            <a:off x="4932040" y="1170086"/>
             <a:ext cx="3437432" cy="2786830"/>
           </a:xfrm>
           <a:prstGeom prst="rect">
@@ -11015,448 +14628,47 @@
           </a:sp3d>
         </p:spPr>
       </p:pic>
-    </p:spTree>
-    <p:extLst>
-      <p:ext uri="{BB962C8B-B14F-4D97-AF65-F5344CB8AC3E}">
-        <p14:creationId xmlns:p14="http://schemas.microsoft.com/office/powerpoint/2010/main" val="1845515199"/>
-      </p:ext>
-    </p:extLst>
-  </p:cSld>
-  <p:clrMapOvr>
-    <a:masterClrMapping/>
-  </p:clrMapOvr>
-</p:sld>
-</file>
-
-<file path=ppt/slides/slide8.xml><?xml version="1.0" encoding="utf-8"?>
-<p:sld xmlns:a="http://schemas.openxmlformats.org/drawingml/2006/main" xmlns:r="http://schemas.openxmlformats.org/officeDocument/2006/relationships" xmlns:p="http://schemas.openxmlformats.org/presentationml/2006/main">
-  <p:cSld>
-    <p:spTree>
-      <p:nvGrpSpPr>
-        <p:cNvPr id="1" name=""/>
-        <p:cNvGrpSpPr/>
-        <p:nvPr/>
-      </p:nvGrpSpPr>
-      <p:grpSpPr>
-        <a:xfrm>
-          <a:off x="0" y="0"/>
-          <a:ext cx="0" cy="0"/>
-          <a:chOff x="0" y="0"/>
-          <a:chExt cx="0" cy="0"/>
-        </a:xfrm>
-      </p:grpSpPr>
-      <p:sp>
-        <p:nvSpPr>
-          <p:cNvPr id="21506" name="Title 1"/>
-          <p:cNvSpPr>
-            <a:spLocks noGrp="1"/>
-          </p:cNvSpPr>
-          <p:nvPr>
-            <p:ph type="title"/>
-          </p:nvPr>
-        </p:nvSpPr>
-        <p:spPr/>
-        <p:txBody>
-          <a:bodyPr/>
-          <a:lstStyle/>
-          <a:p>
-            <a:r>
-              <a:rPr lang="en-US" dirty="0"/>
-              <a:t>Verification</a:t>
-            </a:r>
-          </a:p>
-        </p:txBody>
-      </p:sp>
-      <p:sp>
-        <p:nvSpPr>
-          <p:cNvPr id="21507" name="Content Placeholder 2"/>
-          <p:cNvSpPr>
-            <a:spLocks noGrp="1"/>
-          </p:cNvSpPr>
-          <p:nvPr>
-            <p:ph idx="1"/>
-          </p:nvPr>
-        </p:nvSpPr>
-        <p:spPr>
-          <a:xfrm>
-            <a:off x="323528" y="970309"/>
-            <a:ext cx="8568952" cy="4906963"/>
-          </a:xfrm>
-        </p:spPr>
-        <p:txBody>
-          <a:bodyPr>
-            <a:normAutofit/>
-          </a:bodyPr>
-          <a:lstStyle/>
-          <a:p>
-            <a:pPr>
-              <a:spcBef>
-                <a:spcPts val="0"/>
-              </a:spcBef>
-              <a:spcAft>
-                <a:spcPts val="0"/>
-              </a:spcAft>
-            </a:pPr>
-            <a:r>
-              <a:rPr lang="en-US" dirty="0"/>
-              <a:t>Automatic continuous and nightly build and test (</a:t>
-            </a:r>
-            <a:r>
-              <a:rPr lang="en-US" dirty="0" err="1"/>
-              <a:t>CTest</a:t>
-            </a:r>
-            <a:r>
-              <a:rPr lang="en-US" dirty="0"/>
-              <a:t>)</a:t>
-            </a:r>
-          </a:p>
-          <a:p>
-            <a:pPr>
-              <a:spcBef>
-                <a:spcPts val="0"/>
-              </a:spcBef>
-              <a:spcAft>
-                <a:spcPts val="0"/>
-              </a:spcAft>
-            </a:pPr>
-            <a:r>
-              <a:rPr lang="en-US" dirty="0"/>
-              <a:t>Web-based dashboard (</a:t>
-            </a:r>
-            <a:r>
-              <a:rPr lang="en-US" dirty="0" err="1"/>
-              <a:t>CDash</a:t>
-            </a:r>
-            <a:r>
-              <a:rPr lang="en-US" dirty="0"/>
-              <a:t>)</a:t>
-            </a:r>
-          </a:p>
-          <a:p>
-            <a:pPr>
-              <a:spcBef>
-                <a:spcPts val="0"/>
-              </a:spcBef>
-              <a:spcAft>
-                <a:spcPts val="0"/>
-              </a:spcAft>
-            </a:pPr>
-            <a:r>
-              <a:rPr lang="en-US" dirty="0"/>
-              <a:t>Automatic GUI testing with </a:t>
-            </a:r>
-            <a:r>
-              <a:rPr lang="en-US" dirty="0" err="1"/>
-              <a:t>QtTesting</a:t>
-            </a:r>
-            <a:r>
-              <a:rPr lang="en-US" dirty="0"/>
-              <a:t>: </a:t>
-            </a:r>
-            <a:r>
-              <a:rPr lang="en-US" dirty="0" err="1"/>
-              <a:t>record&amp;replay</a:t>
-            </a:r>
-            <a:r>
-              <a:rPr lang="en-US" dirty="0"/>
-              <a:t> Qt events</a:t>
-            </a:r>
-          </a:p>
-        </p:txBody>
-      </p:sp>
-      <p:sp>
-        <p:nvSpPr>
-          <p:cNvPr id="9" name="Footer Placeholder 10"/>
-          <p:cNvSpPr>
-            <a:spLocks noGrp="1"/>
-          </p:cNvSpPr>
-          <p:nvPr>
-            <p:ph type="ftr" sz="quarter" idx="11"/>
-          </p:nvPr>
-        </p:nvSpPr>
-        <p:spPr/>
-        <p:txBody>
-          <a:bodyPr/>
-          <a:lstStyle>
-            <a:lvl1pPr>
-              <a:defRPr/>
-            </a:lvl1pPr>
-          </a:lstStyle>
-          <a:p>
-            <a:pPr>
-              <a:defRPr/>
-            </a:pPr>
-            <a:r>
-              <a:rPr lang="en-CA" dirty="0"/>
-              <a:t>Laboratory for Percutaneous Surgery (The Perk Lab) – Copyright © Queen’s University, 2019</a:t>
-            </a:r>
-            <a:endParaRPr lang="en-US" dirty="0"/>
-          </a:p>
-        </p:txBody>
-      </p:sp>
       <p:pic>
         <p:nvPicPr>
-          <p:cNvPr id="3075" name="Picture 3"/>
+          <p:cNvPr id="5" name="Picture 4">
+            <a:extLst>
+              <a:ext uri="{FF2B5EF4-FFF2-40B4-BE49-F238E27FC236}">
+                <a16:creationId xmlns:a16="http://schemas.microsoft.com/office/drawing/2014/main" id="{2799EA71-221B-4DC1-A77E-DC00BBE6D19E}"/>
+              </a:ext>
+            </a:extLst>
+          </p:cNvPr>
           <p:cNvPicPr>
-            <a:picLocks noChangeAspect="1" noChangeArrowheads="1"/>
+            <a:picLocks noChangeAspect="1"/>
           </p:cNvPicPr>
           <p:nvPr/>
         </p:nvPicPr>
         <p:blipFill>
-          <a:blip r:embed="rId2" cstate="print"/>
-          <a:srcRect l="1267" t="14035" r="3422" b="2294"/>
+          <a:blip r:embed="rId3"/>
           <a:stretch>
             <a:fillRect/>
           </a:stretch>
         </p:blipFill>
-        <p:spPr bwMode="auto">
-          <a:xfrm>
-            <a:off x="1360376" y="2924944"/>
-            <a:ext cx="3211624" cy="2647882"/>
+        <p:spPr>
+          <a:xfrm>
+            <a:off x="5220072" y="3789040"/>
+            <a:ext cx="3691260" cy="2414336"/>
           </a:xfrm>
           <a:prstGeom prst="rect">
             <a:avLst/>
           </a:prstGeom>
-          <a:noFill/>
-          <a:ln w="9525">
-            <a:noFill/>
-            <a:miter lim="800000"/>
-            <a:headEnd/>
-            <a:tailEnd/>
-          </a:ln>
+          <a:effectLst>
+            <a:outerShdw blurRad="63500" sx="102000" sy="102000" algn="ctr" rotWithShape="0">
+              <a:prstClr val="black">
+                <a:alpha val="40000"/>
+              </a:prstClr>
+            </a:outerShdw>
+          </a:effectLst>
         </p:spPr>
       </p:pic>
-      <p:pic>
-        <p:nvPicPr>
-          <p:cNvPr id="21510" name="Picture 3"/>
-          <p:cNvPicPr>
-            <a:picLocks noChangeAspect="1" noChangeArrowheads="1"/>
-          </p:cNvPicPr>
-          <p:nvPr/>
-        </p:nvPicPr>
-        <p:blipFill>
-          <a:blip r:embed="rId3" cstate="print"/>
-          <a:srcRect/>
-          <a:stretch>
-            <a:fillRect/>
-          </a:stretch>
-        </p:blipFill>
-        <p:spPr bwMode="auto">
-          <a:xfrm>
-            <a:off x="5004048" y="2924944"/>
-            <a:ext cx="3240360" cy="2655515"/>
-          </a:xfrm>
-          <a:prstGeom prst="rect">
-            <a:avLst/>
-          </a:prstGeom>
-          <a:noFill/>
-          <a:ln w="9525">
-            <a:noFill/>
-            <a:miter lim="800000"/>
-            <a:headEnd/>
-            <a:tailEnd/>
-          </a:ln>
-        </p:spPr>
-      </p:pic>
-      <p:sp>
-        <p:nvSpPr>
-          <p:cNvPr id="11" name="Content Placeholder 2"/>
-          <p:cNvSpPr txBox="1">
-            <a:spLocks/>
-          </p:cNvSpPr>
-          <p:nvPr/>
-        </p:nvSpPr>
-        <p:spPr>
-          <a:xfrm>
-            <a:off x="2509084" y="5594224"/>
-            <a:ext cx="4989928" cy="634307"/>
-          </a:xfrm>
-          <a:prstGeom prst="rect">
-            <a:avLst/>
-          </a:prstGeom>
-        </p:spPr>
-        <p:txBody>
-          <a:bodyPr vert="horz" lIns="91440" tIns="45720" rIns="91440" bIns="45720" rtlCol="0">
-            <a:normAutofit/>
-          </a:bodyPr>
-          <a:lstStyle>
-            <a:lvl1pPr marL="342900" indent="-342900" algn="l" defTabSz="914400" rtl="0" eaLnBrk="1" latinLnBrk="0" hangingPunct="1">
-              <a:spcBef>
-                <a:spcPts val="1200"/>
-              </a:spcBef>
-              <a:spcAft>
-                <a:spcPts val="1200"/>
-              </a:spcAft>
-              <a:buFont typeface="Arial" pitchFamily="34" charset="0"/>
-              <a:buChar char="•"/>
-              <a:defRPr sz="2800" kern="1200">
-                <a:solidFill>
-                  <a:schemeClr val="tx1"/>
-                </a:solidFill>
-                <a:latin typeface="+mn-lt"/>
-                <a:ea typeface="+mn-ea"/>
-                <a:cs typeface="+mn-cs"/>
-              </a:defRPr>
-            </a:lvl1pPr>
-            <a:lvl2pPr marL="742950" indent="-285750" algn="l" defTabSz="914400" rtl="0" eaLnBrk="1" latinLnBrk="0" hangingPunct="1">
-              <a:spcBef>
-                <a:spcPts val="1200"/>
-              </a:spcBef>
-              <a:spcAft>
-                <a:spcPts val="1200"/>
-              </a:spcAft>
-              <a:buFont typeface="Arial" pitchFamily="34" charset="0"/>
-              <a:buChar char="–"/>
-              <a:defRPr sz="2400" kern="1200">
-                <a:solidFill>
-                  <a:schemeClr val="tx1"/>
-                </a:solidFill>
-                <a:latin typeface="+mn-lt"/>
-                <a:ea typeface="+mn-ea"/>
-                <a:cs typeface="+mn-cs"/>
-              </a:defRPr>
-            </a:lvl2pPr>
-            <a:lvl3pPr marL="1143000" indent="-228600" algn="l" defTabSz="914400" rtl="0" eaLnBrk="1" latinLnBrk="0" hangingPunct="1">
-              <a:spcBef>
-                <a:spcPts val="1200"/>
-              </a:spcBef>
-              <a:spcAft>
-                <a:spcPts val="1200"/>
-              </a:spcAft>
-              <a:buFont typeface="Arial" pitchFamily="34" charset="0"/>
-              <a:buChar char="•"/>
-              <a:defRPr sz="2000" kern="1200">
-                <a:solidFill>
-                  <a:schemeClr val="tx1"/>
-                </a:solidFill>
-                <a:latin typeface="+mn-lt"/>
-                <a:ea typeface="+mn-ea"/>
-                <a:cs typeface="+mn-cs"/>
-              </a:defRPr>
-            </a:lvl3pPr>
-            <a:lvl4pPr marL="1600200" indent="-228600" algn="l" defTabSz="914400" rtl="0" eaLnBrk="1" latinLnBrk="0" hangingPunct="1">
-              <a:spcBef>
-                <a:spcPts val="1200"/>
-              </a:spcBef>
-              <a:spcAft>
-                <a:spcPts val="1200"/>
-              </a:spcAft>
-              <a:buFont typeface="Arial" pitchFamily="34" charset="0"/>
-              <a:buChar char="–"/>
-              <a:defRPr sz="1800" kern="1200">
-                <a:solidFill>
-                  <a:schemeClr val="tx1"/>
-                </a:solidFill>
-                <a:latin typeface="+mn-lt"/>
-                <a:ea typeface="+mn-ea"/>
-                <a:cs typeface="+mn-cs"/>
-              </a:defRPr>
-            </a:lvl4pPr>
-            <a:lvl5pPr marL="2057400" indent="-228600" algn="l" defTabSz="914400" rtl="0" eaLnBrk="1" latinLnBrk="0" hangingPunct="1">
-              <a:spcBef>
-                <a:spcPts val="1200"/>
-              </a:spcBef>
-              <a:spcAft>
-                <a:spcPts val="1200"/>
-              </a:spcAft>
-              <a:buFont typeface="Arial" pitchFamily="34" charset="0"/>
-              <a:buChar char="»"/>
-              <a:defRPr sz="1800" kern="1200">
-                <a:solidFill>
-                  <a:schemeClr val="tx1"/>
-                </a:solidFill>
-                <a:latin typeface="+mn-lt"/>
-                <a:ea typeface="+mn-ea"/>
-                <a:cs typeface="+mn-cs"/>
-              </a:defRPr>
-            </a:lvl5pPr>
-            <a:lvl6pPr marL="2514600" indent="-228600" algn="l" defTabSz="914400" rtl="0" eaLnBrk="1" latinLnBrk="0" hangingPunct="1">
-              <a:spcBef>
-                <a:spcPct val="20000"/>
-              </a:spcBef>
-              <a:buFont typeface="Arial" pitchFamily="34" charset="0"/>
-              <a:buChar char="•"/>
-              <a:defRPr sz="2000" kern="1200">
-                <a:solidFill>
-                  <a:schemeClr val="tx1"/>
-                </a:solidFill>
-                <a:latin typeface="+mn-lt"/>
-                <a:ea typeface="+mn-ea"/>
-                <a:cs typeface="+mn-cs"/>
-              </a:defRPr>
-            </a:lvl6pPr>
-            <a:lvl7pPr marL="2971800" indent="-228600" algn="l" defTabSz="914400" rtl="0" eaLnBrk="1" latinLnBrk="0" hangingPunct="1">
-              <a:spcBef>
-                <a:spcPct val="20000"/>
-              </a:spcBef>
-              <a:buFont typeface="Arial" pitchFamily="34" charset="0"/>
-              <a:buChar char="•"/>
-              <a:defRPr sz="2000" kern="1200">
-                <a:solidFill>
-                  <a:schemeClr val="tx1"/>
-                </a:solidFill>
-                <a:latin typeface="+mn-lt"/>
-                <a:ea typeface="+mn-ea"/>
-                <a:cs typeface="+mn-cs"/>
-              </a:defRPr>
-            </a:lvl7pPr>
-            <a:lvl8pPr marL="3429000" indent="-228600" algn="l" defTabSz="914400" rtl="0" eaLnBrk="1" latinLnBrk="0" hangingPunct="1">
-              <a:spcBef>
-                <a:spcPct val="20000"/>
-              </a:spcBef>
-              <a:buFont typeface="Arial" pitchFamily="34" charset="0"/>
-              <a:buChar char="•"/>
-              <a:defRPr sz="2000" kern="1200">
-                <a:solidFill>
-                  <a:schemeClr val="tx1"/>
-                </a:solidFill>
-                <a:latin typeface="+mn-lt"/>
-                <a:ea typeface="+mn-ea"/>
-                <a:cs typeface="+mn-cs"/>
-              </a:defRPr>
-            </a:lvl8pPr>
-            <a:lvl9pPr marL="3886200" indent="-228600" algn="l" defTabSz="914400" rtl="0" eaLnBrk="1" latinLnBrk="0" hangingPunct="1">
-              <a:spcBef>
-                <a:spcPct val="20000"/>
-              </a:spcBef>
-              <a:buFont typeface="Arial" pitchFamily="34" charset="0"/>
-              <a:buChar char="•"/>
-              <a:defRPr sz="2000" kern="1200">
-                <a:solidFill>
-                  <a:schemeClr val="tx1"/>
-                </a:solidFill>
-                <a:latin typeface="+mn-lt"/>
-                <a:ea typeface="+mn-ea"/>
-                <a:cs typeface="+mn-cs"/>
-              </a:defRPr>
-            </a:lvl9pPr>
-          </a:lstStyle>
-          <a:p>
-            <a:pPr marL="0" indent="0">
-              <a:buNone/>
-            </a:pPr>
-            <a:r>
-              <a:rPr lang="en-CA" i="1" dirty="0" err="1"/>
-              <a:t>CTest</a:t>
-            </a:r>
-            <a:r>
-              <a:rPr lang="en-CA" i="1" dirty="0"/>
-              <a:t> results reported on </a:t>
-            </a:r>
-            <a:r>
-              <a:rPr lang="en-CA" i="1" dirty="0" err="1">
-                <a:hlinkClick r:id="rId4"/>
-              </a:rPr>
-              <a:t>CDash</a:t>
-            </a:r>
-            <a:endParaRPr lang="en-CA" dirty="0"/>
-          </a:p>
-        </p:txBody>
-      </p:sp>
     </p:spTree>
     <p:extLst>
       <p:ext uri="{BB962C8B-B14F-4D97-AF65-F5344CB8AC3E}">
-        <p14:creationId xmlns:p14="http://schemas.microsoft.com/office/powerpoint/2010/main" val="3892674475"/>
+        <p14:creationId xmlns:p14="http://schemas.microsoft.com/office/powerpoint/2010/main" val="2300565020"/>
       </p:ext>
     </p:extLst>
   </p:cSld>
@@ -11500,7 +14712,7 @@
           <a:p>
             <a:r>
               <a:rPr lang="en-US" dirty="0"/>
-              <a:t>Validation</a:t>
+              <a:t>Verification</a:t>
             </a:r>
           </a:p>
         </p:txBody>
@@ -11518,7 +14730,7 @@
         <p:spPr>
           <a:xfrm>
             <a:off x="323528" y="970309"/>
-            <a:ext cx="8568952" cy="1954635"/>
+            <a:ext cx="8568952" cy="4906963"/>
           </a:xfrm>
         </p:spPr>
         <p:txBody>
@@ -11537,7 +14749,7 @@
             </a:pPr>
             <a:r>
               <a:rPr lang="en-US" dirty="0"/>
-              <a:t>Fidelity levels: Simulated &lt; Synthetic phantoms &lt; Animal tissue (butcher shop) &lt; Cadaver &lt; Patient</a:t>
+              <a:t>Automatic build and test (many frameworks for Python; CMake/CTest for C++)</a:t>
             </a:r>
           </a:p>
           <a:p>
@@ -11551,7 +14763,7 @@
             </a:pPr>
             <a:r>
               <a:rPr lang="en-US" dirty="0"/>
-              <a:t>Ethics approval: required for human subject studies, evaluation on patient cases</a:t>
+              <a:t>Automated GUI testing is hard</a:t>
             </a:r>
           </a:p>
           <a:p>
@@ -11563,6 +14775,14 @@
                 <a:spcPts val="0"/>
               </a:spcAft>
             </a:pPr>
+            <a:r>
+              <a:rPr lang="en-US" dirty="0"/>
+              <a:t>Continuous integration: GitHub actions, </a:t>
+            </a:r>
+            <a:r>
+              <a:rPr lang="en-US" dirty="0" err="1"/>
+              <a:t>CDash</a:t>
+            </a:r>
             <a:endParaRPr lang="en-US" dirty="0"/>
           </a:p>
         </p:txBody>
@@ -11591,15 +14811,79 @@
             </a:pPr>
             <a:r>
               <a:rPr lang="en-CA" dirty="0"/>
-              <a:t>Laboratory for Percutaneous Surgery (The Perk Lab) – Copyright © Queen’s University, 2019</a:t>
+              <a:t>Laboratory for Percutaneous Surgery (The Perk Lab) – Copyright © Queen’s University, 2021</a:t>
             </a:r>
             <a:endParaRPr lang="en-US" dirty="0"/>
           </a:p>
         </p:txBody>
       </p:sp>
+      <p:pic>
+        <p:nvPicPr>
+          <p:cNvPr id="3075" name="Picture 3"/>
+          <p:cNvPicPr>
+            <a:picLocks noChangeAspect="1" noChangeArrowheads="1"/>
+          </p:cNvPicPr>
+          <p:nvPr/>
+        </p:nvPicPr>
+        <p:blipFill>
+          <a:blip r:embed="rId2" cstate="print"/>
+          <a:srcRect l="1267" t="14035" r="3422" b="2294"/>
+          <a:stretch>
+            <a:fillRect/>
+          </a:stretch>
+        </p:blipFill>
+        <p:spPr bwMode="auto">
+          <a:xfrm>
+            <a:off x="1360376" y="2924944"/>
+            <a:ext cx="3211624" cy="2647882"/>
+          </a:xfrm>
+          <a:prstGeom prst="rect">
+            <a:avLst/>
+          </a:prstGeom>
+          <a:noFill/>
+          <a:ln w="9525">
+            <a:noFill/>
+            <a:miter lim="800000"/>
+            <a:headEnd/>
+            <a:tailEnd/>
+          </a:ln>
+        </p:spPr>
+      </p:pic>
+      <p:pic>
+        <p:nvPicPr>
+          <p:cNvPr id="21510" name="Picture 3"/>
+          <p:cNvPicPr>
+            <a:picLocks noChangeAspect="1" noChangeArrowheads="1"/>
+          </p:cNvPicPr>
+          <p:nvPr/>
+        </p:nvPicPr>
+        <p:blipFill>
+          <a:blip r:embed="rId3" cstate="print"/>
+          <a:srcRect/>
+          <a:stretch>
+            <a:fillRect/>
+          </a:stretch>
+        </p:blipFill>
+        <p:spPr bwMode="auto">
+          <a:xfrm>
+            <a:off x="5004048" y="2924944"/>
+            <a:ext cx="3240360" cy="2655515"/>
+          </a:xfrm>
+          <a:prstGeom prst="rect">
+            <a:avLst/>
+          </a:prstGeom>
+          <a:noFill/>
+          <a:ln w="9525">
+            <a:noFill/>
+            <a:miter lim="800000"/>
+            <a:headEnd/>
+            <a:tailEnd/>
+          </a:ln>
+        </p:spPr>
+      </p:pic>
       <p:sp>
         <p:nvSpPr>
-          <p:cNvPr id="12" name="Content Placeholder 2"/>
+          <p:cNvPr id="11" name="Content Placeholder 2"/>
           <p:cNvSpPr txBox="1">
             <a:spLocks/>
           </p:cNvSpPr>
@@ -11607,8 +14891,8 @@
         </p:nvSpPr>
         <p:spPr>
           <a:xfrm>
-            <a:off x="287524" y="2924944"/>
-            <a:ext cx="5920903" cy="3240360"/>
+            <a:off x="2509084" y="5594224"/>
+            <a:ext cx="4989928" cy="634307"/>
           </a:xfrm>
           <a:prstGeom prst="rect">
             <a:avLst/>
@@ -11616,7 +14900,7 @@
         </p:spPr>
         <p:txBody>
           <a:bodyPr vert="horz" lIns="91440" tIns="45720" rIns="91440" bIns="45720" rtlCol="0">
-            <a:normAutofit fontScale="92500" lnSpcReduction="20000"/>
+            <a:normAutofit/>
           </a:bodyPr>
           <a:lstStyle>
             <a:lvl1pPr marL="342900" indent="-342900" algn="l" defTabSz="914400" rtl="0" eaLnBrk="1" latinLnBrk="0" hangingPunct="1">
@@ -11772,189 +15056,30 @@
           </a:lstStyle>
           <a:p>
             <a:pPr marL="0" indent="0">
-              <a:spcBef>
-                <a:spcPts val="0"/>
-              </a:spcBef>
-              <a:spcAft>
-                <a:spcPts val="0"/>
-              </a:spcAft>
               <a:buNone/>
             </a:pPr>
             <a:r>
-              <a:rPr lang="en-US" sz="3000" dirty="0"/>
-              <a:t>Phantoms</a:t>
-            </a:r>
-          </a:p>
-          <a:p>
-            <a:pPr>
-              <a:spcBef>
-                <a:spcPts val="0"/>
-              </a:spcBef>
-              <a:spcAft>
-                <a:spcPts val="0"/>
-              </a:spcAft>
-            </a:pPr>
-            <a:r>
-              <a:rPr lang="en-US" dirty="0"/>
-              <a:t>Hard tissue (bone): 3D printed, with Barium coating for X-ray visibility</a:t>
-            </a:r>
-          </a:p>
-          <a:p>
-            <a:pPr>
-              <a:spcBef>
-                <a:spcPts val="0"/>
-              </a:spcBef>
-              <a:spcAft>
-                <a:spcPts val="0"/>
-              </a:spcAft>
-            </a:pPr>
-            <a:r>
-              <a:rPr lang="en-US" dirty="0"/>
-              <a:t>Soft tissue: water based (agar, gelatin), PVC, silicon</a:t>
-            </a:r>
-          </a:p>
-          <a:p>
-            <a:pPr>
-              <a:spcBef>
-                <a:spcPts val="0"/>
-              </a:spcBef>
-              <a:spcAft>
-                <a:spcPts val="0"/>
-              </a:spcAft>
-            </a:pPr>
-            <a:r>
-              <a:rPr lang="en-US" dirty="0"/>
-              <a:t>Skin: super soft silicon rubber</a:t>
-            </a:r>
-          </a:p>
-          <a:p>
-            <a:pPr>
-              <a:spcBef>
-                <a:spcPts val="0"/>
-              </a:spcBef>
-              <a:spcAft>
-                <a:spcPts val="0"/>
-              </a:spcAft>
-            </a:pPr>
-            <a:r>
-              <a:rPr lang="en-US" dirty="0"/>
-              <a:t>Vessels: rubber tubes</a:t>
-            </a:r>
-          </a:p>
-          <a:p>
-            <a:pPr>
-              <a:spcBef>
-                <a:spcPts val="0"/>
-              </a:spcBef>
-              <a:spcAft>
-                <a:spcPts val="0"/>
-              </a:spcAft>
-            </a:pPr>
-            <a:r>
-              <a:rPr lang="en-US" dirty="0"/>
-              <a:t>Targets, validation points</a:t>
-            </a:r>
-          </a:p>
-          <a:p>
-            <a:pPr marL="0" indent="0">
-              <a:spcBef>
-                <a:spcPts val="600"/>
-              </a:spcBef>
-              <a:spcAft>
-                <a:spcPts val="0"/>
-              </a:spcAft>
-              <a:buNone/>
-            </a:pPr>
-            <a:r>
-              <a:rPr lang="en-CA" sz="1700" dirty="0">
-                <a:hlinkClick r:id="rId2"/>
+              <a:rPr lang="en-CA" i="1" dirty="0" err="1"/>
+              <a:t>CTest</a:t>
+            </a:r>
+            <a:r>
+              <a:rPr lang="en-CA" i="1" dirty="0"/>
+              <a:t> results reported on </a:t>
+            </a:r>
+            <a:r>
+              <a:rPr lang="en-CA" i="1" dirty="0" err="1">
+                <a:hlinkClick r:id="rId4"/>
               </a:rPr>
-              <a:t>http://perk-software.cs.queensu.ca/plus/doc/nightly/modelcatalog/</a:t>
-            </a:r>
-            <a:endParaRPr lang="en-CA" sz="1700" dirty="0"/>
-          </a:p>
-          <a:p>
-            <a:pPr marL="0" indent="0">
-              <a:spcBef>
-                <a:spcPts val="600"/>
-              </a:spcBef>
-              <a:spcAft>
-                <a:spcPts val="0"/>
-              </a:spcAft>
-              <a:buNone/>
-            </a:pPr>
-            <a:endParaRPr lang="en-US" sz="1700" dirty="0"/>
+              <a:t>CDash</a:t>
+            </a:r>
+            <a:endParaRPr lang="en-CA" dirty="0"/>
           </a:p>
         </p:txBody>
       </p:sp>
-      <p:pic>
-        <p:nvPicPr>
-          <p:cNvPr id="16" name="Picture 3"/>
-          <p:cNvPicPr>
-            <a:picLocks noChangeAspect="1" noChangeArrowheads="1"/>
-          </p:cNvPicPr>
-          <p:nvPr/>
-        </p:nvPicPr>
-        <p:blipFill>
-          <a:blip r:embed="rId3" cstate="email">
-            <a:extLst>
-              <a:ext uri="{28A0092B-C50C-407E-A947-70E740481C1C}">
-                <a14:useLocalDpi xmlns:a14="http://schemas.microsoft.com/office/drawing/2010/main"/>
-              </a:ext>
-            </a:extLst>
-          </a:blip>
-          <a:srcRect/>
-          <a:stretch>
-            <a:fillRect/>
-          </a:stretch>
-        </p:blipFill>
-        <p:spPr bwMode="auto">
-          <a:xfrm>
-            <a:off x="6156176" y="3079333"/>
-            <a:ext cx="2519553" cy="2725931"/>
-          </a:xfrm>
-          <a:prstGeom prst="rect">
-            <a:avLst/>
-          </a:prstGeom>
-          <a:noFill/>
-          <a:ln>
-            <a:noFill/>
-          </a:ln>
-          <a:effectLst/>
-          <a:extLst>
-            <a:ext uri="{909E8E84-426E-40DD-AFC4-6F175D3DCCD1}">
-              <a14:hiddenFill xmlns:a14="http://schemas.microsoft.com/office/drawing/2010/main">
-                <a:solidFill>
-                  <a:schemeClr val="accent1"/>
-                </a:solidFill>
-              </a14:hiddenFill>
-            </a:ext>
-            <a:ext uri="{91240B29-F687-4F45-9708-019B960494DF}">
-              <a14:hiddenLine xmlns:a14="http://schemas.microsoft.com/office/drawing/2010/main" w="9525">
-                <a:solidFill>
-                  <a:schemeClr val="tx1"/>
-                </a:solidFill>
-                <a:miter lim="800000"/>
-                <a:headEnd/>
-                <a:tailEnd/>
-              </a14:hiddenLine>
-            </a:ext>
-            <a:ext uri="{AF507438-7753-43E0-B8FC-AC1667EBCBE1}">
-              <a14:hiddenEffects xmlns:a14="http://schemas.microsoft.com/office/drawing/2010/main">
-                <a:effectLst>
-                  <a:outerShdw dist="35921" dir="2700000" algn="ctr" rotWithShape="0">
-                    <a:schemeClr val="bg2"/>
-                  </a:outerShdw>
-                </a:effectLst>
-              </a14:hiddenEffects>
-            </a:ext>
-          </a:extLst>
-        </p:spPr>
-      </p:pic>
     </p:spTree>
     <p:extLst>
       <p:ext uri="{BB962C8B-B14F-4D97-AF65-F5344CB8AC3E}">
-        <p14:creationId xmlns:p14="http://schemas.microsoft.com/office/powerpoint/2010/main" val="2555543682"/>
+        <p14:creationId xmlns:p14="http://schemas.microsoft.com/office/powerpoint/2010/main" val="3892674475"/>
       </p:ext>
     </p:extLst>
   </p:cSld>

--- a/Doc/day1_1_PerkLabResearchMethodology.pptx
+++ b/Doc/day1_1_PerkLabResearchMethodology.pptx
@@ -2898,7 +2898,7 @@
             <a:fld id="{A6E16264-6225-448A-8F6B-37C607BF693C}" type="datetimeFigureOut">
               <a:rPr lang="en-CA" smtClean="0"/>
               <a:pPr/>
-              <a:t>2021-05-02</a:t>
+              <a:t>2021-05-03</a:t>
             </a:fld>
             <a:endParaRPr lang="en-CA"/>
           </a:p>
@@ -4104,7 +4104,7 @@
           <a:p>
             <a:fld id="{9FE18F2B-46EB-42F1-ADBB-7DC15FF809A9}" type="datetime1">
               <a:rPr lang="en-CA" smtClean="0"/>
-              <a:t>2021-05-02</a:t>
+              <a:t>2021-05-03</a:t>
             </a:fld>
             <a:endParaRPr lang="en-CA" dirty="0"/>
           </a:p>
@@ -4402,7 +4402,7 @@
           <a:p>
             <a:fld id="{89909B16-C605-46D9-9901-5F215FFB9844}" type="datetime1">
               <a:rPr lang="en-CA" smtClean="0"/>
-              <a:t>2021-05-02</a:t>
+              <a:t>2021-05-03</a:t>
             </a:fld>
             <a:endParaRPr lang="en-CA"/>
           </a:p>
@@ -4606,7 +4606,7 @@
           <a:p>
             <a:fld id="{9FB522E9-13A7-4907-A4DF-6AD586BEFFFD}" type="datetime1">
               <a:rPr lang="en-CA" smtClean="0"/>
-              <a:t>2021-05-02</a:t>
+              <a:t>2021-05-03</a:t>
             </a:fld>
             <a:endParaRPr lang="en-CA"/>
           </a:p>
@@ -4888,7 +4888,7 @@
           <a:p>
             <a:fld id="{B70F6ABA-023A-4E7E-9A89-58D5A720A925}" type="datetime1">
               <a:rPr lang="en-CA" smtClean="0"/>
-              <a:t>2021-05-02</a:t>
+              <a:t>2021-05-03</a:t>
             </a:fld>
             <a:endParaRPr lang="en-CA"/>
           </a:p>
@@ -5339,7 +5339,7 @@
                   <a:schemeClr val="tx1"/>
                 </a:solidFill>
               </a:rPr>
-              <a:t>Associate Director</a:t>
+              <a:t>Associate Director - Engineering</a:t>
             </a:r>
           </a:p>
           <a:p>
@@ -13402,8 +13402,13 @@
             </a:pPr>
             <a:r>
               <a:rPr lang="en-CA" dirty="0"/>
-              <a:t>By default openly available source code, full documentation, all data</a:t>
-            </a:r>
+              <a:t>By default openly available source code, full documentation, all data </a:t>
+            </a:r>
+            <a:r>
+              <a:rPr lang="en-CA" sz="1900" dirty="0"/>
+              <a:t>*sharing lots of data is getting difficult now</a:t>
+            </a:r>
+            <a:endParaRPr lang="en-CA" dirty="0"/>
           </a:p>
           <a:p>
             <a:pPr marL="357188" indent="-357188">

--- a/Doc/day1_1_PerkLabResearchMethodology.pptx
+++ b/Doc/day1_1_PerkLabResearchMethodology.pptx
@@ -2898,7 +2898,7 @@
             <a:fld id="{A6E16264-6225-448A-8F6B-37C607BF693C}" type="datetimeFigureOut">
               <a:rPr lang="en-CA" smtClean="0"/>
               <a:pPr/>
-              <a:t>2021-05-03</a:t>
+              <a:t>2021-12-07</a:t>
             </a:fld>
             <a:endParaRPr lang="en-CA"/>
           </a:p>
@@ -4104,7 +4104,7 @@
           <a:p>
             <a:fld id="{9FE18F2B-46EB-42F1-ADBB-7DC15FF809A9}" type="datetime1">
               <a:rPr lang="en-CA" smtClean="0"/>
-              <a:t>2021-05-03</a:t>
+              <a:t>2021-12-07</a:t>
             </a:fld>
             <a:endParaRPr lang="en-CA" dirty="0"/>
           </a:p>
@@ -4402,7 +4402,7 @@
           <a:p>
             <a:fld id="{89909B16-C605-46D9-9901-5F215FFB9844}" type="datetime1">
               <a:rPr lang="en-CA" smtClean="0"/>
-              <a:t>2021-05-03</a:t>
+              <a:t>2021-12-07</a:t>
             </a:fld>
             <a:endParaRPr lang="en-CA"/>
           </a:p>
@@ -4606,7 +4606,7 @@
           <a:p>
             <a:fld id="{9FB522E9-13A7-4907-A4DF-6AD586BEFFFD}" type="datetime1">
               <a:rPr lang="en-CA" smtClean="0"/>
-              <a:t>2021-05-03</a:t>
+              <a:t>2021-12-07</a:t>
             </a:fld>
             <a:endParaRPr lang="en-CA"/>
           </a:p>
@@ -4888,7 +4888,7 @@
           <a:p>
             <a:fld id="{B70F6ABA-023A-4E7E-9A89-58D5A720A925}" type="datetime1">
               <a:rPr lang="en-CA" smtClean="0"/>
-              <a:t>2021-05-03</a:t>
+              <a:t>2021-12-07</a:t>
             </a:fld>
             <a:endParaRPr lang="en-CA"/>
           </a:p>
@@ -8964,6 +8964,180 @@
       </p:grpSpPr>
       <p:cxnSp>
         <p:nvCxnSpPr>
+          <p:cNvPr id="138" name="Straight Connector 137">
+            <a:extLst>
+              <a:ext uri="{FF2B5EF4-FFF2-40B4-BE49-F238E27FC236}">
+                <a16:creationId xmlns:a16="http://schemas.microsoft.com/office/drawing/2014/main" id="{0A8AAAF1-3190-485C-AD5A-1A0CD157E1BC}"/>
+              </a:ext>
+            </a:extLst>
+          </p:cNvPr>
+          <p:cNvCxnSpPr/>
+          <p:nvPr/>
+        </p:nvCxnSpPr>
+        <p:spPr>
+          <a:xfrm>
+            <a:off x="899592" y="2573323"/>
+            <a:ext cx="0" cy="585508"/>
+          </a:xfrm>
+          <a:prstGeom prst="line">
+            <a:avLst/>
+          </a:prstGeom>
+          <a:ln w="31750">
+            <a:solidFill>
+              <a:schemeClr val="tx1"/>
+            </a:solidFill>
+            <a:prstDash val="solid"/>
+          </a:ln>
+        </p:spPr>
+        <p:style>
+          <a:lnRef idx="1">
+            <a:schemeClr val="accent1"/>
+          </a:lnRef>
+          <a:fillRef idx="0">
+            <a:schemeClr val="accent1"/>
+          </a:fillRef>
+          <a:effectRef idx="0">
+            <a:schemeClr val="accent1"/>
+          </a:effectRef>
+          <a:fontRef idx="minor">
+            <a:schemeClr val="tx1"/>
+          </a:fontRef>
+        </p:style>
+      </p:cxnSp>
+      <p:cxnSp>
+        <p:nvCxnSpPr>
+          <p:cNvPr id="134" name="Straight Connector 133">
+            <a:extLst>
+              <a:ext uri="{FF2B5EF4-FFF2-40B4-BE49-F238E27FC236}">
+                <a16:creationId xmlns:a16="http://schemas.microsoft.com/office/drawing/2014/main" id="{77F42C50-E2EE-452C-A378-5134D6A1162B}"/>
+              </a:ext>
+            </a:extLst>
+          </p:cNvPr>
+          <p:cNvCxnSpPr>
+            <a:cxnSpLocks/>
+          </p:cNvCxnSpPr>
+          <p:nvPr/>
+        </p:nvCxnSpPr>
+        <p:spPr>
+          <a:xfrm>
+            <a:off x="628805" y="4509120"/>
+            <a:ext cx="894377" cy="0"/>
+          </a:xfrm>
+          <a:prstGeom prst="line">
+            <a:avLst/>
+          </a:prstGeom>
+          <a:ln w="31750">
+            <a:solidFill>
+              <a:schemeClr val="tx1"/>
+            </a:solidFill>
+          </a:ln>
+          <a:effectLst/>
+        </p:spPr>
+        <p:style>
+          <a:lnRef idx="1">
+            <a:schemeClr val="accent3"/>
+          </a:lnRef>
+          <a:fillRef idx="2">
+            <a:schemeClr val="accent3"/>
+          </a:fillRef>
+          <a:effectRef idx="1">
+            <a:schemeClr val="accent3"/>
+          </a:effectRef>
+          <a:fontRef idx="minor">
+            <a:schemeClr val="dk1"/>
+          </a:fontRef>
+        </p:style>
+      </p:cxnSp>
+      <p:cxnSp>
+        <p:nvCxnSpPr>
+          <p:cNvPr id="135" name="Straight Connector 134">
+            <a:extLst>
+              <a:ext uri="{FF2B5EF4-FFF2-40B4-BE49-F238E27FC236}">
+                <a16:creationId xmlns:a16="http://schemas.microsoft.com/office/drawing/2014/main" id="{8F058F56-8BB3-417E-B933-395E59031B33}"/>
+              </a:ext>
+            </a:extLst>
+          </p:cNvPr>
+          <p:cNvCxnSpPr>
+            <a:cxnSpLocks/>
+          </p:cNvCxnSpPr>
+          <p:nvPr/>
+        </p:nvCxnSpPr>
+        <p:spPr>
+          <a:xfrm flipV="1">
+            <a:off x="827584" y="3455597"/>
+            <a:ext cx="0" cy="909507"/>
+          </a:xfrm>
+          <a:prstGeom prst="line">
+            <a:avLst/>
+          </a:prstGeom>
+          <a:ln w="31750">
+            <a:solidFill>
+              <a:schemeClr val="tx1"/>
+            </a:solidFill>
+          </a:ln>
+          <a:effectLst/>
+        </p:spPr>
+        <p:style>
+          <a:lnRef idx="1">
+            <a:schemeClr val="accent3"/>
+          </a:lnRef>
+          <a:fillRef idx="2">
+            <a:schemeClr val="accent3"/>
+          </a:fillRef>
+          <a:effectRef idx="1">
+            <a:schemeClr val="accent3"/>
+          </a:effectRef>
+          <a:fontRef idx="minor">
+            <a:schemeClr val="dk1"/>
+          </a:fontRef>
+        </p:style>
+      </p:cxnSp>
+      <p:cxnSp>
+        <p:nvCxnSpPr>
+          <p:cNvPr id="114" name="Straight Connector 113">
+            <a:extLst>
+              <a:ext uri="{FF2B5EF4-FFF2-40B4-BE49-F238E27FC236}">
+                <a16:creationId xmlns:a16="http://schemas.microsoft.com/office/drawing/2014/main" id="{7AF4C03D-EC00-4E86-9682-57AE794DD32D}"/>
+              </a:ext>
+            </a:extLst>
+          </p:cNvPr>
+          <p:cNvCxnSpPr>
+            <a:cxnSpLocks/>
+          </p:cNvCxnSpPr>
+          <p:nvPr/>
+        </p:nvCxnSpPr>
+        <p:spPr>
+          <a:xfrm>
+            <a:off x="5909871" y="4581128"/>
+            <a:ext cx="894377" cy="0"/>
+          </a:xfrm>
+          <a:prstGeom prst="line">
+            <a:avLst/>
+          </a:prstGeom>
+          <a:ln w="31750">
+            <a:solidFill>
+              <a:schemeClr val="tx1"/>
+            </a:solidFill>
+          </a:ln>
+          <a:effectLst/>
+        </p:spPr>
+        <p:style>
+          <a:lnRef idx="1">
+            <a:schemeClr val="accent3"/>
+          </a:lnRef>
+          <a:fillRef idx="2">
+            <a:schemeClr val="accent3"/>
+          </a:fillRef>
+          <a:effectRef idx="1">
+            <a:schemeClr val="accent3"/>
+          </a:effectRef>
+          <a:fontRef idx="minor">
+            <a:schemeClr val="dk1"/>
+          </a:fontRef>
+        </p:style>
+      </p:cxnSp>
+      <p:cxnSp>
+        <p:nvCxnSpPr>
           <p:cNvPr id="126" name="Straight Connector 125">
             <a:extLst>
               <a:ext uri="{FF2B5EF4-FFF2-40B4-BE49-F238E27FC236}">
@@ -10219,13 +10393,15 @@
       <p:cxnSp>
         <p:nvCxnSpPr>
           <p:cNvPr id="107" name="Straight Connector 106"/>
-          <p:cNvCxnSpPr/>
+          <p:cNvCxnSpPr>
+            <a:cxnSpLocks/>
+          </p:cNvCxnSpPr>
           <p:nvPr/>
         </p:nvCxnSpPr>
         <p:spPr>
           <a:xfrm>
             <a:off x="5200805" y="3718437"/>
-            <a:ext cx="1830801" cy="0"/>
+            <a:ext cx="2317782" cy="0"/>
           </a:xfrm>
           <a:prstGeom prst="line">
             <a:avLst/>
@@ -10296,7 +10472,7 @@
         </p:nvCxnSpPr>
         <p:spPr>
           <a:xfrm flipV="1">
-            <a:off x="7029605" y="3718437"/>
+            <a:off x="7524328" y="3718437"/>
             <a:ext cx="0" cy="1745536"/>
           </a:xfrm>
           <a:prstGeom prst="line">
@@ -10819,7 +10995,7 @@
         </p:nvSpPr>
         <p:spPr>
           <a:xfrm>
-            <a:off x="152400" y="2050504"/>
+            <a:off x="16419" y="1745375"/>
             <a:ext cx="1009805" cy="461665"/>
           </a:xfrm>
           <a:prstGeom prst="rect">
@@ -10848,7 +11024,7 @@
         </p:nvCxnSpPr>
         <p:spPr>
           <a:xfrm flipV="1">
-            <a:off x="7805561" y="3654296"/>
+            <a:off x="8227653" y="3654296"/>
             <a:ext cx="0" cy="1962077"/>
           </a:xfrm>
           <a:prstGeom prst="line">
@@ -10884,7 +11060,7 @@
         </p:nvSpPr>
         <p:spPr>
           <a:xfrm>
-            <a:off x="7246252" y="3542533"/>
+            <a:off x="7668344" y="3542533"/>
             <a:ext cx="1154953" cy="341236"/>
           </a:xfrm>
           <a:prstGeom prst="rect">
@@ -11250,52 +11426,6 @@
                 </a:solidFill>
               </a:rPr>
               <a:t>Surgical microscopes, endoscopes</a:t>
-            </a:r>
-          </a:p>
-        </p:txBody>
-      </p:sp>
-      <p:sp>
-        <p:nvSpPr>
-          <p:cNvPr id="106" name="Rectangle 105"/>
-          <p:cNvSpPr/>
-          <p:nvPr/>
-        </p:nvSpPr>
-        <p:spPr>
-          <a:xfrm>
-            <a:off x="6788581" y="5465646"/>
-            <a:ext cx="1432627" cy="394149"/>
-          </a:xfrm>
-          <a:prstGeom prst="rect">
-            <a:avLst/>
-          </a:prstGeom>
-          <a:ln/>
-        </p:spPr>
-        <p:style>
-          <a:lnRef idx="1">
-            <a:schemeClr val="accent1"/>
-          </a:lnRef>
-          <a:fillRef idx="2">
-            <a:schemeClr val="accent1"/>
-          </a:fillRef>
-          <a:effectRef idx="1">
-            <a:schemeClr val="accent1"/>
-          </a:effectRef>
-          <a:fontRef idx="minor">
-            <a:schemeClr val="dk1"/>
-          </a:fontRef>
-        </p:style>
-        <p:txBody>
-          <a:bodyPr rtlCol="0" anchor="ctr"/>
-          <a:lstStyle/>
-          <a:p>
-            <a:pPr algn="ctr"/>
-            <a:r>
-              <a:rPr lang="en-CA" sz="1200" b="1" dirty="0">
-                <a:solidFill>
-                  <a:schemeClr val="tx1"/>
-                </a:solidFill>
-              </a:rPr>
-              <a:t>MRI, CT, PET scanners</a:t>
             </a:r>
           </a:p>
         </p:txBody>
@@ -11771,6 +11901,348 @@
           </a:extLst>
         </p:spPr>
       </p:pic>
+      <p:cxnSp>
+        <p:nvCxnSpPr>
+          <p:cNvPr id="98" name="Straight Connector 97">
+            <a:extLst>
+              <a:ext uri="{FF2B5EF4-FFF2-40B4-BE49-F238E27FC236}">
+                <a16:creationId xmlns:a16="http://schemas.microsoft.com/office/drawing/2014/main" id="{9F2D9A5E-E29A-4D27-816C-E0D6F7255F7E}"/>
+              </a:ext>
+            </a:extLst>
+          </p:cNvPr>
+          <p:cNvCxnSpPr>
+            <a:cxnSpLocks/>
+          </p:cNvCxnSpPr>
+          <p:nvPr/>
+        </p:nvCxnSpPr>
+        <p:spPr>
+          <a:xfrm>
+            <a:off x="7812360" y="5616373"/>
+            <a:ext cx="415293" cy="0"/>
+          </a:xfrm>
+          <a:prstGeom prst="line">
+            <a:avLst/>
+          </a:prstGeom>
+          <a:ln w="31750">
+            <a:solidFill>
+              <a:schemeClr val="tx1"/>
+            </a:solidFill>
+          </a:ln>
+          <a:effectLst/>
+        </p:spPr>
+        <p:style>
+          <a:lnRef idx="1">
+            <a:schemeClr val="accent3"/>
+          </a:lnRef>
+          <a:fillRef idx="2">
+            <a:schemeClr val="accent3"/>
+          </a:fillRef>
+          <a:effectRef idx="1">
+            <a:schemeClr val="accent3"/>
+          </a:effectRef>
+          <a:fontRef idx="minor">
+            <a:schemeClr val="dk1"/>
+          </a:fontRef>
+        </p:style>
+      </p:cxnSp>
+      <p:sp>
+        <p:nvSpPr>
+          <p:cNvPr id="106" name="Rectangle 105"/>
+          <p:cNvSpPr/>
+          <p:nvPr/>
+        </p:nvSpPr>
+        <p:spPr>
+          <a:xfrm>
+            <a:off x="6644565" y="5465646"/>
+            <a:ext cx="1239803" cy="394149"/>
+          </a:xfrm>
+          <a:prstGeom prst="rect">
+            <a:avLst/>
+          </a:prstGeom>
+          <a:ln/>
+        </p:spPr>
+        <p:style>
+          <a:lnRef idx="1">
+            <a:schemeClr val="accent1"/>
+          </a:lnRef>
+          <a:fillRef idx="2">
+            <a:schemeClr val="accent1"/>
+          </a:fillRef>
+          <a:effectRef idx="1">
+            <a:schemeClr val="accent1"/>
+          </a:effectRef>
+          <a:fontRef idx="minor">
+            <a:schemeClr val="dk1"/>
+          </a:fontRef>
+        </p:style>
+        <p:txBody>
+          <a:bodyPr rtlCol="0" anchor="ctr"/>
+          <a:lstStyle/>
+          <a:p>
+            <a:pPr algn="ctr"/>
+            <a:r>
+              <a:rPr lang="en-CA" sz="1200" b="1" dirty="0">
+                <a:solidFill>
+                  <a:schemeClr val="tx1"/>
+                </a:solidFill>
+              </a:rPr>
+              <a:t>MRI, CT, PET scanners</a:t>
+            </a:r>
+          </a:p>
+        </p:txBody>
+      </p:sp>
+      <p:cxnSp>
+        <p:nvCxnSpPr>
+          <p:cNvPr id="102" name="Straight Connector 101">
+            <a:extLst>
+              <a:ext uri="{FF2B5EF4-FFF2-40B4-BE49-F238E27FC236}">
+                <a16:creationId xmlns:a16="http://schemas.microsoft.com/office/drawing/2014/main" id="{439F27C5-4895-46CD-B8A7-875DD8E08EAD}"/>
+              </a:ext>
+            </a:extLst>
+          </p:cNvPr>
+          <p:cNvCxnSpPr>
+            <a:cxnSpLocks/>
+          </p:cNvCxnSpPr>
+          <p:nvPr/>
+        </p:nvCxnSpPr>
+        <p:spPr>
+          <a:xfrm flipV="1">
+            <a:off x="6804248" y="3717032"/>
+            <a:ext cx="0" cy="585801"/>
+          </a:xfrm>
+          <a:prstGeom prst="line">
+            <a:avLst/>
+          </a:prstGeom>
+          <a:ln w="31750">
+            <a:solidFill>
+              <a:schemeClr val="tx1"/>
+            </a:solidFill>
+            <a:prstDash val="solid"/>
+          </a:ln>
+        </p:spPr>
+        <p:style>
+          <a:lnRef idx="1">
+            <a:schemeClr val="accent1"/>
+          </a:lnRef>
+          <a:fillRef idx="0">
+            <a:schemeClr val="accent1"/>
+          </a:fillRef>
+          <a:effectRef idx="0">
+            <a:schemeClr val="accent1"/>
+          </a:effectRef>
+          <a:fontRef idx="minor">
+            <a:schemeClr val="tx1"/>
+          </a:fontRef>
+        </p:style>
+      </p:cxnSp>
+      <p:sp>
+        <p:nvSpPr>
+          <p:cNvPr id="113" name="Rectangle 112">
+            <a:extLst>
+              <a:ext uri="{FF2B5EF4-FFF2-40B4-BE49-F238E27FC236}">
+                <a16:creationId xmlns:a16="http://schemas.microsoft.com/office/drawing/2014/main" id="{2F86EB33-5C19-4183-A027-B946549E5EEA}"/>
+              </a:ext>
+            </a:extLst>
+          </p:cNvPr>
+          <p:cNvSpPr/>
+          <p:nvPr/>
+        </p:nvSpPr>
+        <p:spPr>
+          <a:xfrm>
+            <a:off x="6387674" y="4148944"/>
+            <a:ext cx="920630" cy="1045847"/>
+          </a:xfrm>
+          <a:prstGeom prst="rect">
+            <a:avLst/>
+          </a:prstGeom>
+          <a:ln/>
+        </p:spPr>
+        <p:style>
+          <a:lnRef idx="1">
+            <a:schemeClr val="accent6"/>
+          </a:lnRef>
+          <a:fillRef idx="2">
+            <a:schemeClr val="accent6"/>
+          </a:fillRef>
+          <a:effectRef idx="1">
+            <a:schemeClr val="accent6"/>
+          </a:effectRef>
+          <a:fontRef idx="minor">
+            <a:schemeClr val="dk1"/>
+          </a:fontRef>
+        </p:style>
+        <p:txBody>
+          <a:bodyPr rtlCol="0" anchor="ctr"/>
+          <a:lstStyle/>
+          <a:p>
+            <a:pPr algn="ctr"/>
+            <a:r>
+              <a:rPr lang="en-US" sz="1200" b="1" dirty="0">
+                <a:solidFill>
+                  <a:schemeClr val="tx1"/>
+                </a:solidFill>
+              </a:rPr>
+              <a:t>Neural networks</a:t>
+            </a:r>
+          </a:p>
+        </p:txBody>
+      </p:sp>
+      <p:sp>
+        <p:nvSpPr>
+          <p:cNvPr id="125" name="Rectangle 124">
+            <a:extLst>
+              <a:ext uri="{FF2B5EF4-FFF2-40B4-BE49-F238E27FC236}">
+                <a16:creationId xmlns:a16="http://schemas.microsoft.com/office/drawing/2014/main" id="{3B7ABAD8-5DD4-4EDA-9C6D-1A4CD34E15D4}"/>
+              </a:ext>
+            </a:extLst>
+          </p:cNvPr>
+          <p:cNvSpPr/>
+          <p:nvPr/>
+        </p:nvSpPr>
+        <p:spPr>
+          <a:xfrm>
+            <a:off x="268766" y="4148055"/>
+            <a:ext cx="779076" cy="698910"/>
+          </a:xfrm>
+          <a:prstGeom prst="rect">
+            <a:avLst/>
+          </a:prstGeom>
+          <a:ln/>
+        </p:spPr>
+        <p:style>
+          <a:lnRef idx="1">
+            <a:schemeClr val="accent6"/>
+          </a:lnRef>
+          <a:fillRef idx="2">
+            <a:schemeClr val="accent6"/>
+          </a:fillRef>
+          <a:effectRef idx="1">
+            <a:schemeClr val="accent6"/>
+          </a:effectRef>
+          <a:fontRef idx="minor">
+            <a:schemeClr val="dk1"/>
+          </a:fontRef>
+        </p:style>
+        <p:txBody>
+          <a:bodyPr rtlCol="0" anchor="ctr"/>
+          <a:lstStyle/>
+          <a:p>
+            <a:pPr algn="ctr"/>
+            <a:r>
+              <a:rPr lang="en-US" sz="1200" b="1" dirty="0">
+                <a:solidFill>
+                  <a:schemeClr val="tx1"/>
+                </a:solidFill>
+              </a:rPr>
+              <a:t>Disk storage</a:t>
+            </a:r>
+          </a:p>
+        </p:txBody>
+      </p:sp>
+      <p:sp>
+        <p:nvSpPr>
+          <p:cNvPr id="137" name="Rectangle 136">
+            <a:extLst>
+              <a:ext uri="{FF2B5EF4-FFF2-40B4-BE49-F238E27FC236}">
+                <a16:creationId xmlns:a16="http://schemas.microsoft.com/office/drawing/2014/main" id="{749CC73D-7F0F-47C0-8F3F-C8B179CC9601}"/>
+              </a:ext>
+            </a:extLst>
+          </p:cNvPr>
+          <p:cNvSpPr/>
+          <p:nvPr/>
+        </p:nvSpPr>
+        <p:spPr>
+          <a:xfrm>
+            <a:off x="88510" y="2309962"/>
+            <a:ext cx="984614" cy="526723"/>
+          </a:xfrm>
+          <a:prstGeom prst="rect">
+            <a:avLst/>
+          </a:prstGeom>
+          <a:ln/>
+        </p:spPr>
+        <p:style>
+          <a:lnRef idx="1">
+            <a:schemeClr val="accent4"/>
+          </a:lnRef>
+          <a:fillRef idx="2">
+            <a:schemeClr val="accent4"/>
+          </a:fillRef>
+          <a:effectRef idx="1">
+            <a:schemeClr val="accent4"/>
+          </a:effectRef>
+          <a:fontRef idx="minor">
+            <a:schemeClr val="dk1"/>
+          </a:fontRef>
+        </p:style>
+        <p:txBody>
+          <a:bodyPr rtlCol="0" anchor="ctr"/>
+          <a:lstStyle/>
+          <a:p>
+            <a:pPr algn="ctr"/>
+            <a:r>
+              <a:rPr lang="en-US" sz="1200" b="1" dirty="0">
+                <a:solidFill>
+                  <a:schemeClr val="tx1"/>
+                </a:solidFill>
+              </a:rPr>
+              <a:t>Neural networks</a:t>
+            </a:r>
+          </a:p>
+        </p:txBody>
+      </p:sp>
+      <p:sp>
+        <p:nvSpPr>
+          <p:cNvPr id="140" name="Rectangle 139">
+            <a:extLst>
+              <a:ext uri="{FF2B5EF4-FFF2-40B4-BE49-F238E27FC236}">
+                <a16:creationId xmlns:a16="http://schemas.microsoft.com/office/drawing/2014/main" id="{4F9AC310-EB00-489D-A119-26917C26AC90}"/>
+              </a:ext>
+            </a:extLst>
+          </p:cNvPr>
+          <p:cNvSpPr/>
+          <p:nvPr/>
+        </p:nvSpPr>
+        <p:spPr>
+          <a:xfrm>
+            <a:off x="3449211" y="3549944"/>
+            <a:ext cx="1054715" cy="341236"/>
+          </a:xfrm>
+          <a:prstGeom prst="rect">
+            <a:avLst/>
+          </a:prstGeom>
+          <a:ln/>
+        </p:spPr>
+        <p:style>
+          <a:lnRef idx="1">
+            <a:schemeClr val="accent3"/>
+          </a:lnRef>
+          <a:fillRef idx="2">
+            <a:schemeClr val="accent3"/>
+          </a:fillRef>
+          <a:effectRef idx="1">
+            <a:schemeClr val="accent3"/>
+          </a:effectRef>
+          <a:fontRef idx="minor">
+            <a:schemeClr val="dk1"/>
+          </a:fontRef>
+        </p:style>
+        <p:txBody>
+          <a:bodyPr rtlCol="0" anchor="ctr"/>
+          <a:lstStyle/>
+          <a:p>
+            <a:pPr algn="ctr"/>
+            <a:r>
+              <a:rPr lang="en-CA" sz="1200" b="1" dirty="0">
+                <a:solidFill>
+                  <a:schemeClr val="tx1"/>
+                </a:solidFill>
+              </a:rPr>
+              <a:t>Parallel processing</a:t>
+            </a:r>
+          </a:p>
+        </p:txBody>
+      </p:sp>
     </p:spTree>
     <p:extLst>
       <p:ext uri="{BB962C8B-B14F-4D97-AF65-F5344CB8AC3E}">
